--- a/Dokumentation/MeilensteinPraesentation.pptx
+++ b/Dokumentation/MeilensteinPraesentation.pptx
@@ -1,27 +1,125 @@
 
 <file path=ppt/presentation.xml><?xml version="1.0" encoding="utf-8"?>
-<p:presentation xmlns:a="http://schemas.openxmlformats.org/drawingml/2006/main" xmlns:p="http://schemas.openxmlformats.org/presentationml/2006/main" xmlns:r="http://schemas.openxmlformats.org/officeDocument/2006/relationships" xmlns:p14="http://schemas.microsoft.com/office/powerpoint/2010/main" xmlns:p15="http://schemas.microsoft.com/office/powerpoint/2012/main" xmlns:mc="http://schemas.openxmlformats.org/markup-compatibility/2006">
+<p:presentation xmlns:a="http://schemas.openxmlformats.org/drawingml/2006/main" xmlns:r="http://schemas.openxmlformats.org/officeDocument/2006/relationships" xmlns:p="http://schemas.openxmlformats.org/presentationml/2006/main">
   <p:sldMasterIdLst>
-    <p:sldMasterId id="2147483648" r:id="rId2"/>
-    <p:sldMasterId id="2147483661" r:id="rId3"/>
+    <p:sldMasterId id="2147483648" r:id="rId1"/>
+    <p:sldMasterId id="2147483661" r:id="rId2"/>
   </p:sldMasterIdLst>
   <p:sldIdLst>
-    <p:sldId id="256" r:id="rId4"/>
-    <p:sldId id="257" r:id="rId5"/>
-    <p:sldId id="258" r:id="rId6"/>
-    <p:sldId id="259" r:id="rId7"/>
-    <p:sldId id="260" r:id="rId8"/>
-    <p:sldId id="261" r:id="rId9"/>
-    <p:sldId id="262" r:id="rId10"/>
-    <p:sldId id="263" r:id="rId11"/>
+    <p:sldId id="256" r:id="rId3"/>
+    <p:sldId id="257" r:id="rId4"/>
+    <p:sldId id="258" r:id="rId5"/>
+    <p:sldId id="263" r:id="rId6"/>
+    <p:sldId id="266" r:id="rId7"/>
+    <p:sldId id="259" r:id="rId8"/>
+    <p:sldId id="260" r:id="rId9"/>
+    <p:sldId id="261" r:id="rId10"/>
+    <p:sldId id="262" r:id="rId11"/>
+    <p:sldId id="264" r:id="rId12"/>
+    <p:sldId id="265" r:id="rId13"/>
   </p:sldIdLst>
   <p:sldSz cx="12192000" cy="6858000"/>
-  <p:notesSz cx="7559675" cy="10691812"/>
+  <p:notesSz cx="7559675" cy="10691813"/>
+  <p:defaultTextStyle>
+    <a:defPPr>
+      <a:defRPr lang="de-DE"/>
+    </a:defPPr>
+    <a:lvl1pPr marL="0" algn="l" defTabSz="914400" rtl="0" eaLnBrk="1" latinLnBrk="0" hangingPunct="1">
+      <a:defRPr sz="1800" kern="1200">
+        <a:solidFill>
+          <a:schemeClr val="tx1"/>
+        </a:solidFill>
+        <a:latin typeface="+mn-lt"/>
+        <a:ea typeface="+mn-ea"/>
+        <a:cs typeface="+mn-cs"/>
+      </a:defRPr>
+    </a:lvl1pPr>
+    <a:lvl2pPr marL="457200" algn="l" defTabSz="914400" rtl="0" eaLnBrk="1" latinLnBrk="0" hangingPunct="1">
+      <a:defRPr sz="1800" kern="1200">
+        <a:solidFill>
+          <a:schemeClr val="tx1"/>
+        </a:solidFill>
+        <a:latin typeface="+mn-lt"/>
+        <a:ea typeface="+mn-ea"/>
+        <a:cs typeface="+mn-cs"/>
+      </a:defRPr>
+    </a:lvl2pPr>
+    <a:lvl3pPr marL="914400" algn="l" defTabSz="914400" rtl="0" eaLnBrk="1" latinLnBrk="0" hangingPunct="1">
+      <a:defRPr sz="1800" kern="1200">
+        <a:solidFill>
+          <a:schemeClr val="tx1"/>
+        </a:solidFill>
+        <a:latin typeface="+mn-lt"/>
+        <a:ea typeface="+mn-ea"/>
+        <a:cs typeface="+mn-cs"/>
+      </a:defRPr>
+    </a:lvl3pPr>
+    <a:lvl4pPr marL="1371600" algn="l" defTabSz="914400" rtl="0" eaLnBrk="1" latinLnBrk="0" hangingPunct="1">
+      <a:defRPr sz="1800" kern="1200">
+        <a:solidFill>
+          <a:schemeClr val="tx1"/>
+        </a:solidFill>
+        <a:latin typeface="+mn-lt"/>
+        <a:ea typeface="+mn-ea"/>
+        <a:cs typeface="+mn-cs"/>
+      </a:defRPr>
+    </a:lvl4pPr>
+    <a:lvl5pPr marL="1828800" algn="l" defTabSz="914400" rtl="0" eaLnBrk="1" latinLnBrk="0" hangingPunct="1">
+      <a:defRPr sz="1800" kern="1200">
+        <a:solidFill>
+          <a:schemeClr val="tx1"/>
+        </a:solidFill>
+        <a:latin typeface="+mn-lt"/>
+        <a:ea typeface="+mn-ea"/>
+        <a:cs typeface="+mn-cs"/>
+      </a:defRPr>
+    </a:lvl5pPr>
+    <a:lvl6pPr marL="2286000" algn="l" defTabSz="914400" rtl="0" eaLnBrk="1" latinLnBrk="0" hangingPunct="1">
+      <a:defRPr sz="1800" kern="1200">
+        <a:solidFill>
+          <a:schemeClr val="tx1"/>
+        </a:solidFill>
+        <a:latin typeface="+mn-lt"/>
+        <a:ea typeface="+mn-ea"/>
+        <a:cs typeface="+mn-cs"/>
+      </a:defRPr>
+    </a:lvl6pPr>
+    <a:lvl7pPr marL="2743200" algn="l" defTabSz="914400" rtl="0" eaLnBrk="1" latinLnBrk="0" hangingPunct="1">
+      <a:defRPr sz="1800" kern="1200">
+        <a:solidFill>
+          <a:schemeClr val="tx1"/>
+        </a:solidFill>
+        <a:latin typeface="+mn-lt"/>
+        <a:ea typeface="+mn-ea"/>
+        <a:cs typeface="+mn-cs"/>
+      </a:defRPr>
+    </a:lvl7pPr>
+    <a:lvl8pPr marL="3200400" algn="l" defTabSz="914400" rtl="0" eaLnBrk="1" latinLnBrk="0" hangingPunct="1">
+      <a:defRPr sz="1800" kern="1200">
+        <a:solidFill>
+          <a:schemeClr val="tx1"/>
+        </a:solidFill>
+        <a:latin typeface="+mn-lt"/>
+        <a:ea typeface="+mn-ea"/>
+        <a:cs typeface="+mn-cs"/>
+      </a:defRPr>
+    </a:lvl8pPr>
+    <a:lvl9pPr marL="3657600" algn="l" defTabSz="914400" rtl="0" eaLnBrk="1" latinLnBrk="0" hangingPunct="1">
+      <a:defRPr sz="1800" kern="1200">
+        <a:solidFill>
+          <a:schemeClr val="tx1"/>
+        </a:solidFill>
+        <a:latin typeface="+mn-lt"/>
+        <a:ea typeface="+mn-ea"/>
+        <a:cs typeface="+mn-cs"/>
+      </a:defRPr>
+    </a:lvl9pPr>
+  </p:defaultTextStyle>
 </p:presentation>
 </file>
 
 <file path=ppt/slideLayouts/slideLayout1.xml><?xml version="1.0" encoding="utf-8"?>
-<p:sldLayout xmlns:a="http://schemas.openxmlformats.org/drawingml/2006/main" xmlns:p="http://schemas.openxmlformats.org/presentationml/2006/main" xmlns:r="http://schemas.openxmlformats.org/officeDocument/2006/relationships" xmlns:p14="http://schemas.microsoft.com/office/powerpoint/2010/main" xmlns:p15="http://schemas.microsoft.com/office/powerpoint/2012/main" xmlns:mc="http://schemas.openxmlformats.org/markup-compatibility/2006" type="blank" preserve="1">
+<p:sldLayout xmlns:a="http://schemas.openxmlformats.org/drawingml/2006/main" xmlns:r="http://schemas.openxmlformats.org/officeDocument/2006/relationships" xmlns:p="http://schemas.openxmlformats.org/presentationml/2006/main" type="blank" preserve="1">
   <p:cSld name="Blank Slide">
     <p:spTree>
       <p:nvGrpSpPr>
@@ -39,11 +137,14 @@
       </p:grpSpPr>
     </p:spTree>
   </p:cSld>
+  <p:clrMapOvr>
+    <a:masterClrMapping/>
+  </p:clrMapOvr>
 </p:sldLayout>
 </file>
 
 <file path=ppt/slideLayouts/slideLayout10.xml><?xml version="1.0" encoding="utf-8"?>
-<p:sldLayout xmlns:a="http://schemas.openxmlformats.org/drawingml/2006/main" xmlns:p="http://schemas.openxmlformats.org/presentationml/2006/main" xmlns:r="http://schemas.openxmlformats.org/officeDocument/2006/relationships" xmlns:p14="http://schemas.microsoft.com/office/powerpoint/2010/main" xmlns:p15="http://schemas.microsoft.com/office/powerpoint/2012/main" xmlns:mc="http://schemas.openxmlformats.org/markup-compatibility/2006" type="objOverTx" preserve="1">
+<p:sldLayout xmlns:a="http://schemas.openxmlformats.org/drawingml/2006/main" xmlns:r="http://schemas.openxmlformats.org/officeDocument/2006/relationships" xmlns:p="http://schemas.openxmlformats.org/presentationml/2006/main" type="objOverTx" preserve="1">
   <p:cSld name="Title, Content over Content">
     <p:spTree>
       <p:nvGrpSpPr>
@@ -79,11 +180,12 @@
           </a:prstGeom>
         </p:spPr>
         <p:txBody>
-          <a:bodyPr lIns="0" rIns="0" tIns="0" bIns="0" anchor="ctr">
+          <a:bodyPr lIns="0" tIns="0" rIns="0" bIns="0" anchor="ctr">
             <a:noAutofit/>
           </a:bodyPr>
-          <a:p>
-            <a:endParaRPr b="0" lang="en-US" sz="1800" spc="-1" strike="noStrike">
+          <a:lstStyle/>
+          <a:p>
+            <a:endParaRPr lang="en-US" sz="1800" b="0" strike="noStrike" spc="-1">
               <a:solidFill>
                 <a:srgbClr val="000000"/>
               </a:solidFill>
@@ -112,11 +214,12 @@
           </a:prstGeom>
         </p:spPr>
         <p:txBody>
-          <a:bodyPr lIns="0" rIns="0" tIns="0" bIns="0">
+          <a:bodyPr lIns="0" tIns="0" rIns="0" bIns="0">
             <a:normAutofit/>
           </a:bodyPr>
-          <a:p>
-            <a:endParaRPr b="0" lang="en-US" sz="2000" spc="-1" strike="noStrike">
+          <a:lstStyle/>
+          <a:p>
+            <a:endParaRPr lang="en-US" sz="2000" b="0" strike="noStrike" spc="-1">
               <a:solidFill>
                 <a:srgbClr val="000000"/>
               </a:solidFill>
@@ -145,11 +248,12 @@
           </a:prstGeom>
         </p:spPr>
         <p:txBody>
-          <a:bodyPr lIns="0" rIns="0" tIns="0" bIns="0">
+          <a:bodyPr lIns="0" tIns="0" rIns="0" bIns="0">
             <a:normAutofit/>
           </a:bodyPr>
-          <a:p>
-            <a:endParaRPr b="0" lang="en-US" sz="2000" spc="-1" strike="noStrike">
+          <a:lstStyle/>
+          <a:p>
+            <a:endParaRPr lang="en-US" sz="2000" b="0" strike="noStrike" spc="-1">
               <a:solidFill>
                 <a:srgbClr val="000000"/>
               </a:solidFill>
@@ -160,11 +264,14 @@
       </p:sp>
     </p:spTree>
   </p:cSld>
+  <p:clrMapOvr>
+    <a:masterClrMapping/>
+  </p:clrMapOvr>
 </p:sldLayout>
 </file>
 
 <file path=ppt/slideLayouts/slideLayout11.xml><?xml version="1.0" encoding="utf-8"?>
-<p:sldLayout xmlns:a="http://schemas.openxmlformats.org/drawingml/2006/main" xmlns:p="http://schemas.openxmlformats.org/presentationml/2006/main" xmlns:r="http://schemas.openxmlformats.org/officeDocument/2006/relationships" xmlns:p14="http://schemas.microsoft.com/office/powerpoint/2010/main" xmlns:p15="http://schemas.microsoft.com/office/powerpoint/2012/main" xmlns:mc="http://schemas.openxmlformats.org/markup-compatibility/2006" type="fourObj" preserve="1">
+<p:sldLayout xmlns:a="http://schemas.openxmlformats.org/drawingml/2006/main" xmlns:r="http://schemas.openxmlformats.org/officeDocument/2006/relationships" xmlns:p="http://schemas.openxmlformats.org/presentationml/2006/main" type="fourObj" preserve="1">
   <p:cSld name="Title, 4 Content">
     <p:spTree>
       <p:nvGrpSpPr>
@@ -200,11 +307,12 @@
           </a:prstGeom>
         </p:spPr>
         <p:txBody>
-          <a:bodyPr lIns="0" rIns="0" tIns="0" bIns="0" anchor="ctr">
+          <a:bodyPr lIns="0" tIns="0" rIns="0" bIns="0" anchor="ctr">
             <a:noAutofit/>
           </a:bodyPr>
-          <a:p>
-            <a:endParaRPr b="0" lang="en-US" sz="1800" spc="-1" strike="noStrike">
+          <a:lstStyle/>
+          <a:p>
+            <a:endParaRPr lang="en-US" sz="1800" b="0" strike="noStrike" spc="-1">
               <a:solidFill>
                 <a:srgbClr val="000000"/>
               </a:solidFill>
@@ -233,11 +341,12 @@
           </a:prstGeom>
         </p:spPr>
         <p:txBody>
-          <a:bodyPr lIns="0" rIns="0" tIns="0" bIns="0">
+          <a:bodyPr lIns="0" tIns="0" rIns="0" bIns="0">
             <a:normAutofit/>
           </a:bodyPr>
-          <a:p>
-            <a:endParaRPr b="0" lang="en-US" sz="2000" spc="-1" strike="noStrike">
+          <a:lstStyle/>
+          <a:p>
+            <a:endParaRPr lang="en-US" sz="2000" b="0" strike="noStrike" spc="-1">
               <a:solidFill>
                 <a:srgbClr val="000000"/>
               </a:solidFill>
@@ -266,11 +375,12 @@
           </a:prstGeom>
         </p:spPr>
         <p:txBody>
-          <a:bodyPr lIns="0" rIns="0" tIns="0" bIns="0">
+          <a:bodyPr lIns="0" tIns="0" rIns="0" bIns="0">
             <a:normAutofit/>
           </a:bodyPr>
-          <a:p>
-            <a:endParaRPr b="0" lang="en-US" sz="2000" spc="-1" strike="noStrike">
+          <a:lstStyle/>
+          <a:p>
+            <a:endParaRPr lang="en-US" sz="2000" b="0" strike="noStrike" spc="-1">
               <a:solidFill>
                 <a:srgbClr val="000000"/>
               </a:solidFill>
@@ -299,11 +409,12 @@
           </a:prstGeom>
         </p:spPr>
         <p:txBody>
-          <a:bodyPr lIns="0" rIns="0" tIns="0" bIns="0">
+          <a:bodyPr lIns="0" tIns="0" rIns="0" bIns="0">
             <a:normAutofit/>
           </a:bodyPr>
-          <a:p>
-            <a:endParaRPr b="0" lang="en-US" sz="2000" spc="-1" strike="noStrike">
+          <a:lstStyle/>
+          <a:p>
+            <a:endParaRPr lang="en-US" sz="2000" b="0" strike="noStrike" spc="-1">
               <a:solidFill>
                 <a:srgbClr val="000000"/>
               </a:solidFill>
@@ -332,11 +443,12 @@
           </a:prstGeom>
         </p:spPr>
         <p:txBody>
-          <a:bodyPr lIns="0" rIns="0" tIns="0" bIns="0">
+          <a:bodyPr lIns="0" tIns="0" rIns="0" bIns="0">
             <a:normAutofit/>
           </a:bodyPr>
-          <a:p>
-            <a:endParaRPr b="0" lang="en-US" sz="2000" spc="-1" strike="noStrike">
+          <a:lstStyle/>
+          <a:p>
+            <a:endParaRPr lang="en-US" sz="2000" b="0" strike="noStrike" spc="-1">
               <a:solidFill>
                 <a:srgbClr val="000000"/>
               </a:solidFill>
@@ -347,11 +459,14 @@
       </p:sp>
     </p:spTree>
   </p:cSld>
+  <p:clrMapOvr>
+    <a:masterClrMapping/>
+  </p:clrMapOvr>
 </p:sldLayout>
 </file>
 
 <file path=ppt/slideLayouts/slideLayout12.xml><?xml version="1.0" encoding="utf-8"?>
-<p:sldLayout xmlns:a="http://schemas.openxmlformats.org/drawingml/2006/main" xmlns:p="http://schemas.openxmlformats.org/presentationml/2006/main" xmlns:r="http://schemas.openxmlformats.org/officeDocument/2006/relationships" xmlns:p14="http://schemas.microsoft.com/office/powerpoint/2010/main" xmlns:p15="http://schemas.microsoft.com/office/powerpoint/2012/main" xmlns:mc="http://schemas.openxmlformats.org/markup-compatibility/2006" type="blank" preserve="1">
+<p:sldLayout xmlns:a="http://schemas.openxmlformats.org/drawingml/2006/main" xmlns:r="http://schemas.openxmlformats.org/officeDocument/2006/relationships" xmlns:p="http://schemas.openxmlformats.org/presentationml/2006/main" type="blank" preserve="1">
   <p:cSld name="Title, 6 Content">
     <p:spTree>
       <p:nvGrpSpPr>
@@ -387,11 +502,12 @@
           </a:prstGeom>
         </p:spPr>
         <p:txBody>
-          <a:bodyPr lIns="0" rIns="0" tIns="0" bIns="0" anchor="ctr">
+          <a:bodyPr lIns="0" tIns="0" rIns="0" bIns="0" anchor="ctr">
             <a:noAutofit/>
           </a:bodyPr>
-          <a:p>
-            <a:endParaRPr b="0" lang="en-US" sz="1800" spc="-1" strike="noStrike">
+          <a:lstStyle/>
+          <a:p>
+            <a:endParaRPr lang="en-US" sz="1800" b="0" strike="noStrike" spc="-1">
               <a:solidFill>
                 <a:srgbClr val="000000"/>
               </a:solidFill>
@@ -420,11 +536,12 @@
           </a:prstGeom>
         </p:spPr>
         <p:txBody>
-          <a:bodyPr lIns="0" rIns="0" tIns="0" bIns="0">
+          <a:bodyPr lIns="0" tIns="0" rIns="0" bIns="0">
             <a:normAutofit/>
           </a:bodyPr>
-          <a:p>
-            <a:endParaRPr b="0" lang="en-US" sz="2000" spc="-1" strike="noStrike">
+          <a:lstStyle/>
+          <a:p>
+            <a:endParaRPr lang="en-US" sz="2000" b="0" strike="noStrike" spc="-1">
               <a:solidFill>
                 <a:srgbClr val="000000"/>
               </a:solidFill>
@@ -453,11 +570,12 @@
           </a:prstGeom>
         </p:spPr>
         <p:txBody>
-          <a:bodyPr lIns="0" rIns="0" tIns="0" bIns="0">
+          <a:bodyPr lIns="0" tIns="0" rIns="0" bIns="0">
             <a:normAutofit/>
           </a:bodyPr>
-          <a:p>
-            <a:endParaRPr b="0" lang="en-US" sz="2000" spc="-1" strike="noStrike">
+          <a:lstStyle/>
+          <a:p>
+            <a:endParaRPr lang="en-US" sz="2000" b="0" strike="noStrike" spc="-1">
               <a:solidFill>
                 <a:srgbClr val="000000"/>
               </a:solidFill>
@@ -486,11 +604,12 @@
           </a:prstGeom>
         </p:spPr>
         <p:txBody>
-          <a:bodyPr lIns="0" rIns="0" tIns="0" bIns="0">
+          <a:bodyPr lIns="0" tIns="0" rIns="0" bIns="0">
             <a:normAutofit/>
           </a:bodyPr>
-          <a:p>
-            <a:endParaRPr b="0" lang="en-US" sz="2000" spc="-1" strike="noStrike">
+          <a:lstStyle/>
+          <a:p>
+            <a:endParaRPr lang="en-US" sz="2000" b="0" strike="noStrike" spc="-1">
               <a:solidFill>
                 <a:srgbClr val="000000"/>
               </a:solidFill>
@@ -519,11 +638,12 @@
           </a:prstGeom>
         </p:spPr>
         <p:txBody>
-          <a:bodyPr lIns="0" rIns="0" tIns="0" bIns="0">
+          <a:bodyPr lIns="0" tIns="0" rIns="0" bIns="0">
             <a:normAutofit/>
           </a:bodyPr>
-          <a:p>
-            <a:endParaRPr b="0" lang="en-US" sz="2000" spc="-1" strike="noStrike">
+          <a:lstStyle/>
+          <a:p>
+            <a:endParaRPr lang="en-US" sz="2000" b="0" strike="noStrike" spc="-1">
               <a:solidFill>
                 <a:srgbClr val="000000"/>
               </a:solidFill>
@@ -552,11 +672,12 @@
           </a:prstGeom>
         </p:spPr>
         <p:txBody>
-          <a:bodyPr lIns="0" rIns="0" tIns="0" bIns="0">
+          <a:bodyPr lIns="0" tIns="0" rIns="0" bIns="0">
             <a:normAutofit/>
           </a:bodyPr>
-          <a:p>
-            <a:endParaRPr b="0" lang="en-US" sz="2000" spc="-1" strike="noStrike">
+          <a:lstStyle/>
+          <a:p>
+            <a:endParaRPr lang="en-US" sz="2000" b="0" strike="noStrike" spc="-1">
               <a:solidFill>
                 <a:srgbClr val="000000"/>
               </a:solidFill>
@@ -585,11 +706,12 @@
           </a:prstGeom>
         </p:spPr>
         <p:txBody>
-          <a:bodyPr lIns="0" rIns="0" tIns="0" bIns="0">
+          <a:bodyPr lIns="0" tIns="0" rIns="0" bIns="0">
             <a:normAutofit/>
           </a:bodyPr>
-          <a:p>
-            <a:endParaRPr b="0" lang="en-US" sz="2000" spc="-1" strike="noStrike">
+          <a:lstStyle/>
+          <a:p>
+            <a:endParaRPr lang="en-US" sz="2000" b="0" strike="noStrike" spc="-1">
               <a:solidFill>
                 <a:srgbClr val="000000"/>
               </a:solidFill>
@@ -600,11 +722,14 @@
       </p:sp>
     </p:spTree>
   </p:cSld>
+  <p:clrMapOvr>
+    <a:masterClrMapping/>
+  </p:clrMapOvr>
 </p:sldLayout>
 </file>
 
 <file path=ppt/slideLayouts/slideLayout13.xml><?xml version="1.0" encoding="utf-8"?>
-<p:sldLayout xmlns:a="http://schemas.openxmlformats.org/drawingml/2006/main" xmlns:p="http://schemas.openxmlformats.org/presentationml/2006/main" xmlns:r="http://schemas.openxmlformats.org/officeDocument/2006/relationships" xmlns:p14="http://schemas.microsoft.com/office/powerpoint/2010/main" xmlns:p15="http://schemas.microsoft.com/office/powerpoint/2012/main" xmlns:mc="http://schemas.openxmlformats.org/markup-compatibility/2006" type="blank" preserve="1">
+<p:sldLayout xmlns:a="http://schemas.openxmlformats.org/drawingml/2006/main" xmlns:r="http://schemas.openxmlformats.org/officeDocument/2006/relationships" xmlns:p="http://schemas.openxmlformats.org/presentationml/2006/main" type="blank" preserve="1">
   <p:cSld name="Blank Slide">
     <p:spTree>
       <p:nvGrpSpPr>
@@ -622,11 +747,14 @@
       </p:grpSpPr>
     </p:spTree>
   </p:cSld>
+  <p:clrMapOvr>
+    <a:masterClrMapping/>
+  </p:clrMapOvr>
 </p:sldLayout>
 </file>
 
 <file path=ppt/slideLayouts/slideLayout14.xml><?xml version="1.0" encoding="utf-8"?>
-<p:sldLayout xmlns:a="http://schemas.openxmlformats.org/drawingml/2006/main" xmlns:p="http://schemas.openxmlformats.org/presentationml/2006/main" xmlns:r="http://schemas.openxmlformats.org/officeDocument/2006/relationships" xmlns:p14="http://schemas.microsoft.com/office/powerpoint/2010/main" xmlns:p15="http://schemas.microsoft.com/office/powerpoint/2012/main" xmlns:mc="http://schemas.openxmlformats.org/markup-compatibility/2006" type="tx" preserve="1">
+<p:sldLayout xmlns:a="http://schemas.openxmlformats.org/drawingml/2006/main" xmlns:r="http://schemas.openxmlformats.org/officeDocument/2006/relationships" xmlns:p="http://schemas.openxmlformats.org/presentationml/2006/main" type="tx" preserve="1">
   <p:cSld name="Title Slide">
     <p:spTree>
       <p:nvGrpSpPr>
@@ -662,11 +790,12 @@
           </a:prstGeom>
         </p:spPr>
         <p:txBody>
-          <a:bodyPr lIns="0" rIns="0" tIns="0" bIns="0" anchor="ctr">
+          <a:bodyPr lIns="0" tIns="0" rIns="0" bIns="0" anchor="ctr">
             <a:noAutofit/>
           </a:bodyPr>
-          <a:p>
-            <a:endParaRPr b="0" lang="en-US" sz="1800" spc="-1" strike="noStrike">
+          <a:lstStyle/>
+          <a:p>
+            <a:endParaRPr lang="en-US" sz="1800" b="0" strike="noStrike" spc="-1">
               <a:solidFill>
                 <a:srgbClr val="000000"/>
               </a:solidFill>
@@ -695,12 +824,13 @@
           </a:prstGeom>
         </p:spPr>
         <p:txBody>
-          <a:bodyPr lIns="0" rIns="0" tIns="0" bIns="0" anchor="ctr">
+          <a:bodyPr lIns="0" tIns="0" rIns="0" bIns="0" anchor="ctr">
             <a:noAutofit/>
           </a:bodyPr>
+          <a:lstStyle/>
           <a:p>
             <a:pPr algn="ctr"/>
-            <a:endParaRPr b="0" lang="de-DE" sz="3200" spc="-1" strike="noStrike">
+            <a:endParaRPr lang="de-DE" sz="3200" b="0" strike="noStrike" spc="-1">
               <a:latin typeface="Arial"/>
             </a:endParaRPr>
           </a:p>
@@ -708,11 +838,14 @@
       </p:sp>
     </p:spTree>
   </p:cSld>
+  <p:clrMapOvr>
+    <a:masterClrMapping/>
+  </p:clrMapOvr>
 </p:sldLayout>
 </file>
 
 <file path=ppt/slideLayouts/slideLayout15.xml><?xml version="1.0" encoding="utf-8"?>
-<p:sldLayout xmlns:a="http://schemas.openxmlformats.org/drawingml/2006/main" xmlns:p="http://schemas.openxmlformats.org/presentationml/2006/main" xmlns:r="http://schemas.openxmlformats.org/officeDocument/2006/relationships" xmlns:p14="http://schemas.microsoft.com/office/powerpoint/2010/main" xmlns:p15="http://schemas.microsoft.com/office/powerpoint/2012/main" xmlns:mc="http://schemas.openxmlformats.org/markup-compatibility/2006" type="obj" preserve="1">
+<p:sldLayout xmlns:a="http://schemas.openxmlformats.org/drawingml/2006/main" xmlns:r="http://schemas.openxmlformats.org/officeDocument/2006/relationships" xmlns:p="http://schemas.openxmlformats.org/presentationml/2006/main" type="obj" preserve="1">
   <p:cSld name="Title, Content">
     <p:spTree>
       <p:nvGrpSpPr>
@@ -748,11 +881,12 @@
           </a:prstGeom>
         </p:spPr>
         <p:txBody>
-          <a:bodyPr lIns="0" rIns="0" tIns="0" bIns="0" anchor="ctr">
+          <a:bodyPr lIns="0" tIns="0" rIns="0" bIns="0" anchor="ctr">
             <a:noAutofit/>
           </a:bodyPr>
-          <a:p>
-            <a:endParaRPr b="0" lang="en-US" sz="1800" spc="-1" strike="noStrike">
+          <a:lstStyle/>
+          <a:p>
+            <a:endParaRPr lang="en-US" sz="1800" b="0" strike="noStrike" spc="-1">
               <a:solidFill>
                 <a:srgbClr val="000000"/>
               </a:solidFill>
@@ -781,11 +915,12 @@
           </a:prstGeom>
         </p:spPr>
         <p:txBody>
-          <a:bodyPr lIns="0" rIns="0" tIns="0" bIns="0">
+          <a:bodyPr lIns="0" tIns="0" rIns="0" bIns="0">
             <a:normAutofit/>
           </a:bodyPr>
-          <a:p>
-            <a:endParaRPr b="0" lang="en-US" sz="2000" spc="-1" strike="noStrike">
+          <a:lstStyle/>
+          <a:p>
+            <a:endParaRPr lang="en-US" sz="2000" b="0" strike="noStrike" spc="-1">
               <a:solidFill>
                 <a:srgbClr val="000000"/>
               </a:solidFill>
@@ -796,11 +931,14 @@
       </p:sp>
     </p:spTree>
   </p:cSld>
+  <p:clrMapOvr>
+    <a:masterClrMapping/>
+  </p:clrMapOvr>
 </p:sldLayout>
 </file>
 
 <file path=ppt/slideLayouts/slideLayout16.xml><?xml version="1.0" encoding="utf-8"?>
-<p:sldLayout xmlns:a="http://schemas.openxmlformats.org/drawingml/2006/main" xmlns:p="http://schemas.openxmlformats.org/presentationml/2006/main" xmlns:r="http://schemas.openxmlformats.org/officeDocument/2006/relationships" xmlns:p14="http://schemas.microsoft.com/office/powerpoint/2010/main" xmlns:p15="http://schemas.microsoft.com/office/powerpoint/2012/main" xmlns:mc="http://schemas.openxmlformats.org/markup-compatibility/2006" type="twoObj" preserve="1">
+<p:sldLayout xmlns:a="http://schemas.openxmlformats.org/drawingml/2006/main" xmlns:r="http://schemas.openxmlformats.org/officeDocument/2006/relationships" xmlns:p="http://schemas.openxmlformats.org/presentationml/2006/main" type="twoObj" preserve="1">
   <p:cSld name="Title, 2 Content">
     <p:spTree>
       <p:nvGrpSpPr>
@@ -836,11 +974,12 @@
           </a:prstGeom>
         </p:spPr>
         <p:txBody>
-          <a:bodyPr lIns="0" rIns="0" tIns="0" bIns="0" anchor="ctr">
+          <a:bodyPr lIns="0" tIns="0" rIns="0" bIns="0" anchor="ctr">
             <a:noAutofit/>
           </a:bodyPr>
-          <a:p>
-            <a:endParaRPr b="0" lang="en-US" sz="1800" spc="-1" strike="noStrike">
+          <a:lstStyle/>
+          <a:p>
+            <a:endParaRPr lang="en-US" sz="1800" b="0" strike="noStrike" spc="-1">
               <a:solidFill>
                 <a:srgbClr val="000000"/>
               </a:solidFill>
@@ -869,11 +1008,12 @@
           </a:prstGeom>
         </p:spPr>
         <p:txBody>
-          <a:bodyPr lIns="0" rIns="0" tIns="0" bIns="0">
+          <a:bodyPr lIns="0" tIns="0" rIns="0" bIns="0">
             <a:normAutofit/>
           </a:bodyPr>
-          <a:p>
-            <a:endParaRPr b="0" lang="en-US" sz="2000" spc="-1" strike="noStrike">
+          <a:lstStyle/>
+          <a:p>
+            <a:endParaRPr lang="en-US" sz="2000" b="0" strike="noStrike" spc="-1">
               <a:solidFill>
                 <a:srgbClr val="000000"/>
               </a:solidFill>
@@ -902,11 +1042,12 @@
           </a:prstGeom>
         </p:spPr>
         <p:txBody>
-          <a:bodyPr lIns="0" rIns="0" tIns="0" bIns="0">
+          <a:bodyPr lIns="0" tIns="0" rIns="0" bIns="0">
             <a:normAutofit/>
           </a:bodyPr>
-          <a:p>
-            <a:endParaRPr b="0" lang="en-US" sz="2000" spc="-1" strike="noStrike">
+          <a:lstStyle/>
+          <a:p>
+            <a:endParaRPr lang="en-US" sz="2000" b="0" strike="noStrike" spc="-1">
               <a:solidFill>
                 <a:srgbClr val="000000"/>
               </a:solidFill>
@@ -917,11 +1058,14 @@
       </p:sp>
     </p:spTree>
   </p:cSld>
+  <p:clrMapOvr>
+    <a:masterClrMapping/>
+  </p:clrMapOvr>
 </p:sldLayout>
 </file>
 
 <file path=ppt/slideLayouts/slideLayout17.xml><?xml version="1.0" encoding="utf-8"?>
-<p:sldLayout xmlns:a="http://schemas.openxmlformats.org/drawingml/2006/main" xmlns:p="http://schemas.openxmlformats.org/presentationml/2006/main" xmlns:r="http://schemas.openxmlformats.org/officeDocument/2006/relationships" xmlns:p14="http://schemas.microsoft.com/office/powerpoint/2010/main" xmlns:p15="http://schemas.microsoft.com/office/powerpoint/2012/main" xmlns:mc="http://schemas.openxmlformats.org/markup-compatibility/2006" type="titleOnly" preserve="1">
+<p:sldLayout xmlns:a="http://schemas.openxmlformats.org/drawingml/2006/main" xmlns:r="http://schemas.openxmlformats.org/officeDocument/2006/relationships" xmlns:p="http://schemas.openxmlformats.org/presentationml/2006/main" type="titleOnly" preserve="1">
   <p:cSld name="Title Only">
     <p:spTree>
       <p:nvGrpSpPr>
@@ -957,11 +1101,12 @@
           </a:prstGeom>
         </p:spPr>
         <p:txBody>
-          <a:bodyPr lIns="0" rIns="0" tIns="0" bIns="0" anchor="ctr">
+          <a:bodyPr lIns="0" tIns="0" rIns="0" bIns="0" anchor="ctr">
             <a:noAutofit/>
           </a:bodyPr>
-          <a:p>
-            <a:endParaRPr b="0" lang="en-US" sz="1800" spc="-1" strike="noStrike">
+          <a:lstStyle/>
+          <a:p>
+            <a:endParaRPr lang="en-US" sz="1800" b="0" strike="noStrike" spc="-1">
               <a:solidFill>
                 <a:srgbClr val="000000"/>
               </a:solidFill>
@@ -972,11 +1117,14 @@
       </p:sp>
     </p:spTree>
   </p:cSld>
+  <p:clrMapOvr>
+    <a:masterClrMapping/>
+  </p:clrMapOvr>
 </p:sldLayout>
 </file>
 
 <file path=ppt/slideLayouts/slideLayout18.xml><?xml version="1.0" encoding="utf-8"?>
-<p:sldLayout xmlns:a="http://schemas.openxmlformats.org/drawingml/2006/main" xmlns:p="http://schemas.openxmlformats.org/presentationml/2006/main" xmlns:r="http://schemas.openxmlformats.org/officeDocument/2006/relationships" xmlns:p14="http://schemas.microsoft.com/office/powerpoint/2010/main" xmlns:p15="http://schemas.microsoft.com/office/powerpoint/2012/main" xmlns:mc="http://schemas.openxmlformats.org/markup-compatibility/2006" type="objOnly" preserve="1">
+<p:sldLayout xmlns:a="http://schemas.openxmlformats.org/drawingml/2006/main" xmlns:r="http://schemas.openxmlformats.org/officeDocument/2006/relationships" xmlns:p="http://schemas.openxmlformats.org/presentationml/2006/main" type="objOnly" preserve="1">
   <p:cSld name="Centered Text">
     <p:spTree>
       <p:nvGrpSpPr>
@@ -1012,12 +1160,13 @@
           </a:prstGeom>
         </p:spPr>
         <p:txBody>
-          <a:bodyPr lIns="0" rIns="0" tIns="0" bIns="0" anchor="ctr">
+          <a:bodyPr lIns="0" tIns="0" rIns="0" bIns="0" anchor="ctr">
             <a:noAutofit/>
           </a:bodyPr>
+          <a:lstStyle/>
           <a:p>
             <a:pPr algn="ctr"/>
-            <a:endParaRPr b="0" lang="de-DE" sz="3200" spc="-1" strike="noStrike">
+            <a:endParaRPr lang="de-DE" sz="3200" b="0" strike="noStrike" spc="-1">
               <a:latin typeface="Arial"/>
             </a:endParaRPr>
           </a:p>
@@ -1025,11 +1174,14 @@
       </p:sp>
     </p:spTree>
   </p:cSld>
+  <p:clrMapOvr>
+    <a:masterClrMapping/>
+  </p:clrMapOvr>
 </p:sldLayout>
 </file>
 
 <file path=ppt/slideLayouts/slideLayout19.xml><?xml version="1.0" encoding="utf-8"?>
-<p:sldLayout xmlns:a="http://schemas.openxmlformats.org/drawingml/2006/main" xmlns:p="http://schemas.openxmlformats.org/presentationml/2006/main" xmlns:r="http://schemas.openxmlformats.org/officeDocument/2006/relationships" xmlns:p14="http://schemas.microsoft.com/office/powerpoint/2010/main" xmlns:p15="http://schemas.microsoft.com/office/powerpoint/2012/main" xmlns:mc="http://schemas.openxmlformats.org/markup-compatibility/2006" type="twoObjAndObj" preserve="1">
+<p:sldLayout xmlns:a="http://schemas.openxmlformats.org/drawingml/2006/main" xmlns:r="http://schemas.openxmlformats.org/officeDocument/2006/relationships" xmlns:p="http://schemas.openxmlformats.org/presentationml/2006/main" type="twoObjAndObj" preserve="1">
   <p:cSld name="Title, 2 Content and Content">
     <p:spTree>
       <p:nvGrpSpPr>
@@ -1065,11 +1217,12 @@
           </a:prstGeom>
         </p:spPr>
         <p:txBody>
-          <a:bodyPr lIns="0" rIns="0" tIns="0" bIns="0" anchor="ctr">
+          <a:bodyPr lIns="0" tIns="0" rIns="0" bIns="0" anchor="ctr">
             <a:noAutofit/>
           </a:bodyPr>
-          <a:p>
-            <a:endParaRPr b="0" lang="en-US" sz="1800" spc="-1" strike="noStrike">
+          <a:lstStyle/>
+          <a:p>
+            <a:endParaRPr lang="en-US" sz="1800" b="0" strike="noStrike" spc="-1">
               <a:solidFill>
                 <a:srgbClr val="000000"/>
               </a:solidFill>
@@ -1098,11 +1251,12 @@
           </a:prstGeom>
         </p:spPr>
         <p:txBody>
-          <a:bodyPr lIns="0" rIns="0" tIns="0" bIns="0">
+          <a:bodyPr lIns="0" tIns="0" rIns="0" bIns="0">
             <a:normAutofit/>
           </a:bodyPr>
-          <a:p>
-            <a:endParaRPr b="0" lang="en-US" sz="2000" spc="-1" strike="noStrike">
+          <a:lstStyle/>
+          <a:p>
+            <a:endParaRPr lang="en-US" sz="2000" b="0" strike="noStrike" spc="-1">
               <a:solidFill>
                 <a:srgbClr val="000000"/>
               </a:solidFill>
@@ -1131,11 +1285,12 @@
           </a:prstGeom>
         </p:spPr>
         <p:txBody>
-          <a:bodyPr lIns="0" rIns="0" tIns="0" bIns="0">
+          <a:bodyPr lIns="0" tIns="0" rIns="0" bIns="0">
             <a:normAutofit/>
           </a:bodyPr>
-          <a:p>
-            <a:endParaRPr b="0" lang="en-US" sz="2000" spc="-1" strike="noStrike">
+          <a:lstStyle/>
+          <a:p>
+            <a:endParaRPr lang="en-US" sz="2000" b="0" strike="noStrike" spc="-1">
               <a:solidFill>
                 <a:srgbClr val="000000"/>
               </a:solidFill>
@@ -1164,11 +1319,12 @@
           </a:prstGeom>
         </p:spPr>
         <p:txBody>
-          <a:bodyPr lIns="0" rIns="0" tIns="0" bIns="0">
+          <a:bodyPr lIns="0" tIns="0" rIns="0" bIns="0">
             <a:normAutofit/>
           </a:bodyPr>
-          <a:p>
-            <a:endParaRPr b="0" lang="en-US" sz="2000" spc="-1" strike="noStrike">
+          <a:lstStyle/>
+          <a:p>
+            <a:endParaRPr lang="en-US" sz="2000" b="0" strike="noStrike" spc="-1">
               <a:solidFill>
                 <a:srgbClr val="000000"/>
               </a:solidFill>
@@ -1179,11 +1335,14 @@
       </p:sp>
     </p:spTree>
   </p:cSld>
+  <p:clrMapOvr>
+    <a:masterClrMapping/>
+  </p:clrMapOvr>
 </p:sldLayout>
 </file>
 
 <file path=ppt/slideLayouts/slideLayout2.xml><?xml version="1.0" encoding="utf-8"?>
-<p:sldLayout xmlns:a="http://schemas.openxmlformats.org/drawingml/2006/main" xmlns:p="http://schemas.openxmlformats.org/presentationml/2006/main" xmlns:r="http://schemas.openxmlformats.org/officeDocument/2006/relationships" xmlns:p14="http://schemas.microsoft.com/office/powerpoint/2010/main" xmlns:p15="http://schemas.microsoft.com/office/powerpoint/2012/main" xmlns:mc="http://schemas.openxmlformats.org/markup-compatibility/2006" type="tx" preserve="1">
+<p:sldLayout xmlns:a="http://schemas.openxmlformats.org/drawingml/2006/main" xmlns:r="http://schemas.openxmlformats.org/officeDocument/2006/relationships" xmlns:p="http://schemas.openxmlformats.org/presentationml/2006/main" type="tx" preserve="1">
   <p:cSld name="Title Slide">
     <p:spTree>
       <p:nvGrpSpPr>
@@ -1219,11 +1378,12 @@
           </a:prstGeom>
         </p:spPr>
         <p:txBody>
-          <a:bodyPr lIns="0" rIns="0" tIns="0" bIns="0" anchor="ctr">
+          <a:bodyPr lIns="0" tIns="0" rIns="0" bIns="0" anchor="ctr">
             <a:noAutofit/>
           </a:bodyPr>
-          <a:p>
-            <a:endParaRPr b="0" lang="en-US" sz="1800" spc="-1" strike="noStrike">
+          <a:lstStyle/>
+          <a:p>
+            <a:endParaRPr lang="en-US" sz="1800" b="0" strike="noStrike" spc="-1">
               <a:solidFill>
                 <a:srgbClr val="000000"/>
               </a:solidFill>
@@ -1252,12 +1412,13 @@
           </a:prstGeom>
         </p:spPr>
         <p:txBody>
-          <a:bodyPr lIns="0" rIns="0" tIns="0" bIns="0" anchor="ctr">
+          <a:bodyPr lIns="0" tIns="0" rIns="0" bIns="0" anchor="ctr">
             <a:noAutofit/>
           </a:bodyPr>
+          <a:lstStyle/>
           <a:p>
             <a:pPr algn="ctr"/>
-            <a:endParaRPr b="0" lang="de-DE" sz="3200" spc="-1" strike="noStrike">
+            <a:endParaRPr lang="de-DE" sz="3200" b="0" strike="noStrike" spc="-1">
               <a:latin typeface="Arial"/>
             </a:endParaRPr>
           </a:p>
@@ -1265,11 +1426,14 @@
       </p:sp>
     </p:spTree>
   </p:cSld>
+  <p:clrMapOvr>
+    <a:masterClrMapping/>
+  </p:clrMapOvr>
 </p:sldLayout>
 </file>
 
 <file path=ppt/slideLayouts/slideLayout20.xml><?xml version="1.0" encoding="utf-8"?>
-<p:sldLayout xmlns:a="http://schemas.openxmlformats.org/drawingml/2006/main" xmlns:p="http://schemas.openxmlformats.org/presentationml/2006/main" xmlns:r="http://schemas.openxmlformats.org/officeDocument/2006/relationships" xmlns:p14="http://schemas.microsoft.com/office/powerpoint/2010/main" xmlns:p15="http://schemas.microsoft.com/office/powerpoint/2012/main" xmlns:mc="http://schemas.openxmlformats.org/markup-compatibility/2006" type="objAndTwoObj" preserve="1">
+<p:sldLayout xmlns:a="http://schemas.openxmlformats.org/drawingml/2006/main" xmlns:r="http://schemas.openxmlformats.org/officeDocument/2006/relationships" xmlns:p="http://schemas.openxmlformats.org/presentationml/2006/main" type="objAndTwoObj" preserve="1">
   <p:cSld name="Title Content and 2 Content">
     <p:spTree>
       <p:nvGrpSpPr>
@@ -1305,11 +1469,12 @@
           </a:prstGeom>
         </p:spPr>
         <p:txBody>
-          <a:bodyPr lIns="0" rIns="0" tIns="0" bIns="0" anchor="ctr">
+          <a:bodyPr lIns="0" tIns="0" rIns="0" bIns="0" anchor="ctr">
             <a:noAutofit/>
           </a:bodyPr>
-          <a:p>
-            <a:endParaRPr b="0" lang="en-US" sz="1800" spc="-1" strike="noStrike">
+          <a:lstStyle/>
+          <a:p>
+            <a:endParaRPr lang="en-US" sz="1800" b="0" strike="noStrike" spc="-1">
               <a:solidFill>
                 <a:srgbClr val="000000"/>
               </a:solidFill>
@@ -1338,11 +1503,12 @@
           </a:prstGeom>
         </p:spPr>
         <p:txBody>
-          <a:bodyPr lIns="0" rIns="0" tIns="0" bIns="0">
+          <a:bodyPr lIns="0" tIns="0" rIns="0" bIns="0">
             <a:normAutofit/>
           </a:bodyPr>
-          <a:p>
-            <a:endParaRPr b="0" lang="en-US" sz="2000" spc="-1" strike="noStrike">
+          <a:lstStyle/>
+          <a:p>
+            <a:endParaRPr lang="en-US" sz="2000" b="0" strike="noStrike" spc="-1">
               <a:solidFill>
                 <a:srgbClr val="000000"/>
               </a:solidFill>
@@ -1371,11 +1537,12 @@
           </a:prstGeom>
         </p:spPr>
         <p:txBody>
-          <a:bodyPr lIns="0" rIns="0" tIns="0" bIns="0">
+          <a:bodyPr lIns="0" tIns="0" rIns="0" bIns="0">
             <a:normAutofit/>
           </a:bodyPr>
-          <a:p>
-            <a:endParaRPr b="0" lang="en-US" sz="2000" spc="-1" strike="noStrike">
+          <a:lstStyle/>
+          <a:p>
+            <a:endParaRPr lang="en-US" sz="2000" b="0" strike="noStrike" spc="-1">
               <a:solidFill>
                 <a:srgbClr val="000000"/>
               </a:solidFill>
@@ -1404,11 +1571,12 @@
           </a:prstGeom>
         </p:spPr>
         <p:txBody>
-          <a:bodyPr lIns="0" rIns="0" tIns="0" bIns="0">
+          <a:bodyPr lIns="0" tIns="0" rIns="0" bIns="0">
             <a:normAutofit/>
           </a:bodyPr>
-          <a:p>
-            <a:endParaRPr b="0" lang="en-US" sz="2000" spc="-1" strike="noStrike">
+          <a:lstStyle/>
+          <a:p>
+            <a:endParaRPr lang="en-US" sz="2000" b="0" strike="noStrike" spc="-1">
               <a:solidFill>
                 <a:srgbClr val="000000"/>
               </a:solidFill>
@@ -1419,11 +1587,14 @@
       </p:sp>
     </p:spTree>
   </p:cSld>
+  <p:clrMapOvr>
+    <a:masterClrMapping/>
+  </p:clrMapOvr>
 </p:sldLayout>
 </file>
 
 <file path=ppt/slideLayouts/slideLayout21.xml><?xml version="1.0" encoding="utf-8"?>
-<p:sldLayout xmlns:a="http://schemas.openxmlformats.org/drawingml/2006/main" xmlns:p="http://schemas.openxmlformats.org/presentationml/2006/main" xmlns:r="http://schemas.openxmlformats.org/officeDocument/2006/relationships" xmlns:p14="http://schemas.microsoft.com/office/powerpoint/2010/main" xmlns:p15="http://schemas.microsoft.com/office/powerpoint/2012/main" xmlns:mc="http://schemas.openxmlformats.org/markup-compatibility/2006" type="twoObjOverTx" preserve="1">
+<p:sldLayout xmlns:a="http://schemas.openxmlformats.org/drawingml/2006/main" xmlns:r="http://schemas.openxmlformats.org/officeDocument/2006/relationships" xmlns:p="http://schemas.openxmlformats.org/presentationml/2006/main" type="twoObjOverTx" preserve="1">
   <p:cSld name="Title, 2 Content over Content">
     <p:spTree>
       <p:nvGrpSpPr>
@@ -1459,11 +1630,12 @@
           </a:prstGeom>
         </p:spPr>
         <p:txBody>
-          <a:bodyPr lIns="0" rIns="0" tIns="0" bIns="0" anchor="ctr">
+          <a:bodyPr lIns="0" tIns="0" rIns="0" bIns="0" anchor="ctr">
             <a:noAutofit/>
           </a:bodyPr>
-          <a:p>
-            <a:endParaRPr b="0" lang="en-US" sz="1800" spc="-1" strike="noStrike">
+          <a:lstStyle/>
+          <a:p>
+            <a:endParaRPr lang="en-US" sz="1800" b="0" strike="noStrike" spc="-1">
               <a:solidFill>
                 <a:srgbClr val="000000"/>
               </a:solidFill>
@@ -1492,11 +1664,12 @@
           </a:prstGeom>
         </p:spPr>
         <p:txBody>
-          <a:bodyPr lIns="0" rIns="0" tIns="0" bIns="0">
+          <a:bodyPr lIns="0" tIns="0" rIns="0" bIns="0">
             <a:normAutofit/>
           </a:bodyPr>
-          <a:p>
-            <a:endParaRPr b="0" lang="en-US" sz="2000" spc="-1" strike="noStrike">
+          <a:lstStyle/>
+          <a:p>
+            <a:endParaRPr lang="en-US" sz="2000" b="0" strike="noStrike" spc="-1">
               <a:solidFill>
                 <a:srgbClr val="000000"/>
               </a:solidFill>
@@ -1525,11 +1698,12 @@
           </a:prstGeom>
         </p:spPr>
         <p:txBody>
-          <a:bodyPr lIns="0" rIns="0" tIns="0" bIns="0">
+          <a:bodyPr lIns="0" tIns="0" rIns="0" bIns="0">
             <a:normAutofit/>
           </a:bodyPr>
-          <a:p>
-            <a:endParaRPr b="0" lang="en-US" sz="2000" spc="-1" strike="noStrike">
+          <a:lstStyle/>
+          <a:p>
+            <a:endParaRPr lang="en-US" sz="2000" b="0" strike="noStrike" spc="-1">
               <a:solidFill>
                 <a:srgbClr val="000000"/>
               </a:solidFill>
@@ -1558,11 +1732,12 @@
           </a:prstGeom>
         </p:spPr>
         <p:txBody>
-          <a:bodyPr lIns="0" rIns="0" tIns="0" bIns="0">
+          <a:bodyPr lIns="0" tIns="0" rIns="0" bIns="0">
             <a:normAutofit/>
           </a:bodyPr>
-          <a:p>
-            <a:endParaRPr b="0" lang="en-US" sz="2000" spc="-1" strike="noStrike">
+          <a:lstStyle/>
+          <a:p>
+            <a:endParaRPr lang="en-US" sz="2000" b="0" strike="noStrike" spc="-1">
               <a:solidFill>
                 <a:srgbClr val="000000"/>
               </a:solidFill>
@@ -1573,11 +1748,14 @@
       </p:sp>
     </p:spTree>
   </p:cSld>
+  <p:clrMapOvr>
+    <a:masterClrMapping/>
+  </p:clrMapOvr>
 </p:sldLayout>
 </file>
 
 <file path=ppt/slideLayouts/slideLayout22.xml><?xml version="1.0" encoding="utf-8"?>
-<p:sldLayout xmlns:a="http://schemas.openxmlformats.org/drawingml/2006/main" xmlns:p="http://schemas.openxmlformats.org/presentationml/2006/main" xmlns:r="http://schemas.openxmlformats.org/officeDocument/2006/relationships" xmlns:p14="http://schemas.microsoft.com/office/powerpoint/2010/main" xmlns:p15="http://schemas.microsoft.com/office/powerpoint/2012/main" xmlns:mc="http://schemas.openxmlformats.org/markup-compatibility/2006" type="objOverTx" preserve="1">
+<p:sldLayout xmlns:a="http://schemas.openxmlformats.org/drawingml/2006/main" xmlns:r="http://schemas.openxmlformats.org/officeDocument/2006/relationships" xmlns:p="http://schemas.openxmlformats.org/presentationml/2006/main" type="objOverTx" preserve="1">
   <p:cSld name="Title, Content over Content">
     <p:spTree>
       <p:nvGrpSpPr>
@@ -1613,11 +1791,12 @@
           </a:prstGeom>
         </p:spPr>
         <p:txBody>
-          <a:bodyPr lIns="0" rIns="0" tIns="0" bIns="0" anchor="ctr">
+          <a:bodyPr lIns="0" tIns="0" rIns="0" bIns="0" anchor="ctr">
             <a:noAutofit/>
           </a:bodyPr>
-          <a:p>
-            <a:endParaRPr b="0" lang="en-US" sz="1800" spc="-1" strike="noStrike">
+          <a:lstStyle/>
+          <a:p>
+            <a:endParaRPr lang="en-US" sz="1800" b="0" strike="noStrike" spc="-1">
               <a:solidFill>
                 <a:srgbClr val="000000"/>
               </a:solidFill>
@@ -1646,11 +1825,12 @@
           </a:prstGeom>
         </p:spPr>
         <p:txBody>
-          <a:bodyPr lIns="0" rIns="0" tIns="0" bIns="0">
+          <a:bodyPr lIns="0" tIns="0" rIns="0" bIns="0">
             <a:normAutofit/>
           </a:bodyPr>
-          <a:p>
-            <a:endParaRPr b="0" lang="en-US" sz="2000" spc="-1" strike="noStrike">
+          <a:lstStyle/>
+          <a:p>
+            <a:endParaRPr lang="en-US" sz="2000" b="0" strike="noStrike" spc="-1">
               <a:solidFill>
                 <a:srgbClr val="000000"/>
               </a:solidFill>
@@ -1679,11 +1859,12 @@
           </a:prstGeom>
         </p:spPr>
         <p:txBody>
-          <a:bodyPr lIns="0" rIns="0" tIns="0" bIns="0">
+          <a:bodyPr lIns="0" tIns="0" rIns="0" bIns="0">
             <a:normAutofit/>
           </a:bodyPr>
-          <a:p>
-            <a:endParaRPr b="0" lang="en-US" sz="2000" spc="-1" strike="noStrike">
+          <a:lstStyle/>
+          <a:p>
+            <a:endParaRPr lang="en-US" sz="2000" b="0" strike="noStrike" spc="-1">
               <a:solidFill>
                 <a:srgbClr val="000000"/>
               </a:solidFill>
@@ -1694,11 +1875,14 @@
       </p:sp>
     </p:spTree>
   </p:cSld>
+  <p:clrMapOvr>
+    <a:masterClrMapping/>
+  </p:clrMapOvr>
 </p:sldLayout>
 </file>
 
 <file path=ppt/slideLayouts/slideLayout23.xml><?xml version="1.0" encoding="utf-8"?>
-<p:sldLayout xmlns:a="http://schemas.openxmlformats.org/drawingml/2006/main" xmlns:p="http://schemas.openxmlformats.org/presentationml/2006/main" xmlns:r="http://schemas.openxmlformats.org/officeDocument/2006/relationships" xmlns:p14="http://schemas.microsoft.com/office/powerpoint/2010/main" xmlns:p15="http://schemas.microsoft.com/office/powerpoint/2012/main" xmlns:mc="http://schemas.openxmlformats.org/markup-compatibility/2006" type="fourObj" preserve="1">
+<p:sldLayout xmlns:a="http://schemas.openxmlformats.org/drawingml/2006/main" xmlns:r="http://schemas.openxmlformats.org/officeDocument/2006/relationships" xmlns:p="http://schemas.openxmlformats.org/presentationml/2006/main" type="fourObj" preserve="1">
   <p:cSld name="Title, 4 Content">
     <p:spTree>
       <p:nvGrpSpPr>
@@ -1734,11 +1918,12 @@
           </a:prstGeom>
         </p:spPr>
         <p:txBody>
-          <a:bodyPr lIns="0" rIns="0" tIns="0" bIns="0" anchor="ctr">
+          <a:bodyPr lIns="0" tIns="0" rIns="0" bIns="0" anchor="ctr">
             <a:noAutofit/>
           </a:bodyPr>
-          <a:p>
-            <a:endParaRPr b="0" lang="en-US" sz="1800" spc="-1" strike="noStrike">
+          <a:lstStyle/>
+          <a:p>
+            <a:endParaRPr lang="en-US" sz="1800" b="0" strike="noStrike" spc="-1">
               <a:solidFill>
                 <a:srgbClr val="000000"/>
               </a:solidFill>
@@ -1767,11 +1952,12 @@
           </a:prstGeom>
         </p:spPr>
         <p:txBody>
-          <a:bodyPr lIns="0" rIns="0" tIns="0" bIns="0">
+          <a:bodyPr lIns="0" tIns="0" rIns="0" bIns="0">
             <a:normAutofit/>
           </a:bodyPr>
-          <a:p>
-            <a:endParaRPr b="0" lang="en-US" sz="2000" spc="-1" strike="noStrike">
+          <a:lstStyle/>
+          <a:p>
+            <a:endParaRPr lang="en-US" sz="2000" b="0" strike="noStrike" spc="-1">
               <a:solidFill>
                 <a:srgbClr val="000000"/>
               </a:solidFill>
@@ -1800,11 +1986,12 @@
           </a:prstGeom>
         </p:spPr>
         <p:txBody>
-          <a:bodyPr lIns="0" rIns="0" tIns="0" bIns="0">
+          <a:bodyPr lIns="0" tIns="0" rIns="0" bIns="0">
             <a:normAutofit/>
           </a:bodyPr>
-          <a:p>
-            <a:endParaRPr b="0" lang="en-US" sz="2000" spc="-1" strike="noStrike">
+          <a:lstStyle/>
+          <a:p>
+            <a:endParaRPr lang="en-US" sz="2000" b="0" strike="noStrike" spc="-1">
               <a:solidFill>
                 <a:srgbClr val="000000"/>
               </a:solidFill>
@@ -1833,11 +2020,12 @@
           </a:prstGeom>
         </p:spPr>
         <p:txBody>
-          <a:bodyPr lIns="0" rIns="0" tIns="0" bIns="0">
+          <a:bodyPr lIns="0" tIns="0" rIns="0" bIns="0">
             <a:normAutofit/>
           </a:bodyPr>
-          <a:p>
-            <a:endParaRPr b="0" lang="en-US" sz="2000" spc="-1" strike="noStrike">
+          <a:lstStyle/>
+          <a:p>
+            <a:endParaRPr lang="en-US" sz="2000" b="0" strike="noStrike" spc="-1">
               <a:solidFill>
                 <a:srgbClr val="000000"/>
               </a:solidFill>
@@ -1866,11 +2054,12 @@
           </a:prstGeom>
         </p:spPr>
         <p:txBody>
-          <a:bodyPr lIns="0" rIns="0" tIns="0" bIns="0">
+          <a:bodyPr lIns="0" tIns="0" rIns="0" bIns="0">
             <a:normAutofit/>
           </a:bodyPr>
-          <a:p>
-            <a:endParaRPr b="0" lang="en-US" sz="2000" spc="-1" strike="noStrike">
+          <a:lstStyle/>
+          <a:p>
+            <a:endParaRPr lang="en-US" sz="2000" b="0" strike="noStrike" spc="-1">
               <a:solidFill>
                 <a:srgbClr val="000000"/>
               </a:solidFill>
@@ -1881,11 +2070,14 @@
       </p:sp>
     </p:spTree>
   </p:cSld>
+  <p:clrMapOvr>
+    <a:masterClrMapping/>
+  </p:clrMapOvr>
 </p:sldLayout>
 </file>
 
 <file path=ppt/slideLayouts/slideLayout24.xml><?xml version="1.0" encoding="utf-8"?>
-<p:sldLayout xmlns:a="http://schemas.openxmlformats.org/drawingml/2006/main" xmlns:p="http://schemas.openxmlformats.org/presentationml/2006/main" xmlns:r="http://schemas.openxmlformats.org/officeDocument/2006/relationships" xmlns:p14="http://schemas.microsoft.com/office/powerpoint/2010/main" xmlns:p15="http://schemas.microsoft.com/office/powerpoint/2012/main" xmlns:mc="http://schemas.openxmlformats.org/markup-compatibility/2006" type="blank" preserve="1">
+<p:sldLayout xmlns:a="http://schemas.openxmlformats.org/drawingml/2006/main" xmlns:r="http://schemas.openxmlformats.org/officeDocument/2006/relationships" xmlns:p="http://schemas.openxmlformats.org/presentationml/2006/main" type="blank" preserve="1">
   <p:cSld name="Title, 6 Content">
     <p:spTree>
       <p:nvGrpSpPr>
@@ -1921,11 +2113,12 @@
           </a:prstGeom>
         </p:spPr>
         <p:txBody>
-          <a:bodyPr lIns="0" rIns="0" tIns="0" bIns="0" anchor="ctr">
+          <a:bodyPr lIns="0" tIns="0" rIns="0" bIns="0" anchor="ctr">
             <a:noAutofit/>
           </a:bodyPr>
-          <a:p>
-            <a:endParaRPr b="0" lang="en-US" sz="1800" spc="-1" strike="noStrike">
+          <a:lstStyle/>
+          <a:p>
+            <a:endParaRPr lang="en-US" sz="1800" b="0" strike="noStrike" spc="-1">
               <a:solidFill>
                 <a:srgbClr val="000000"/>
               </a:solidFill>
@@ -1954,11 +2147,12 @@
           </a:prstGeom>
         </p:spPr>
         <p:txBody>
-          <a:bodyPr lIns="0" rIns="0" tIns="0" bIns="0">
+          <a:bodyPr lIns="0" tIns="0" rIns="0" bIns="0">
             <a:normAutofit/>
           </a:bodyPr>
-          <a:p>
-            <a:endParaRPr b="0" lang="en-US" sz="2000" spc="-1" strike="noStrike">
+          <a:lstStyle/>
+          <a:p>
+            <a:endParaRPr lang="en-US" sz="2000" b="0" strike="noStrike" spc="-1">
               <a:solidFill>
                 <a:srgbClr val="000000"/>
               </a:solidFill>
@@ -1987,11 +2181,12 @@
           </a:prstGeom>
         </p:spPr>
         <p:txBody>
-          <a:bodyPr lIns="0" rIns="0" tIns="0" bIns="0">
+          <a:bodyPr lIns="0" tIns="0" rIns="0" bIns="0">
             <a:normAutofit/>
           </a:bodyPr>
-          <a:p>
-            <a:endParaRPr b="0" lang="en-US" sz="2000" spc="-1" strike="noStrike">
+          <a:lstStyle/>
+          <a:p>
+            <a:endParaRPr lang="en-US" sz="2000" b="0" strike="noStrike" spc="-1">
               <a:solidFill>
                 <a:srgbClr val="000000"/>
               </a:solidFill>
@@ -2020,11 +2215,12 @@
           </a:prstGeom>
         </p:spPr>
         <p:txBody>
-          <a:bodyPr lIns="0" rIns="0" tIns="0" bIns="0">
+          <a:bodyPr lIns="0" tIns="0" rIns="0" bIns="0">
             <a:normAutofit/>
           </a:bodyPr>
-          <a:p>
-            <a:endParaRPr b="0" lang="en-US" sz="2000" spc="-1" strike="noStrike">
+          <a:lstStyle/>
+          <a:p>
+            <a:endParaRPr lang="en-US" sz="2000" b="0" strike="noStrike" spc="-1">
               <a:solidFill>
                 <a:srgbClr val="000000"/>
               </a:solidFill>
@@ -2053,11 +2249,12 @@
           </a:prstGeom>
         </p:spPr>
         <p:txBody>
-          <a:bodyPr lIns="0" rIns="0" tIns="0" bIns="0">
+          <a:bodyPr lIns="0" tIns="0" rIns="0" bIns="0">
             <a:normAutofit/>
           </a:bodyPr>
-          <a:p>
-            <a:endParaRPr b="0" lang="en-US" sz="2000" spc="-1" strike="noStrike">
+          <a:lstStyle/>
+          <a:p>
+            <a:endParaRPr lang="en-US" sz="2000" b="0" strike="noStrike" spc="-1">
               <a:solidFill>
                 <a:srgbClr val="000000"/>
               </a:solidFill>
@@ -2086,11 +2283,12 @@
           </a:prstGeom>
         </p:spPr>
         <p:txBody>
-          <a:bodyPr lIns="0" rIns="0" tIns="0" bIns="0">
+          <a:bodyPr lIns="0" tIns="0" rIns="0" bIns="0">
             <a:normAutofit/>
           </a:bodyPr>
-          <a:p>
-            <a:endParaRPr b="0" lang="en-US" sz="2000" spc="-1" strike="noStrike">
+          <a:lstStyle/>
+          <a:p>
+            <a:endParaRPr lang="en-US" sz="2000" b="0" strike="noStrike" spc="-1">
               <a:solidFill>
                 <a:srgbClr val="000000"/>
               </a:solidFill>
@@ -2119,11 +2317,12 @@
           </a:prstGeom>
         </p:spPr>
         <p:txBody>
-          <a:bodyPr lIns="0" rIns="0" tIns="0" bIns="0">
+          <a:bodyPr lIns="0" tIns="0" rIns="0" bIns="0">
             <a:normAutofit/>
           </a:bodyPr>
-          <a:p>
-            <a:endParaRPr b="0" lang="en-US" sz="2000" spc="-1" strike="noStrike">
+          <a:lstStyle/>
+          <a:p>
+            <a:endParaRPr lang="en-US" sz="2000" b="0" strike="noStrike" spc="-1">
               <a:solidFill>
                 <a:srgbClr val="000000"/>
               </a:solidFill>
@@ -2134,11 +2333,14 @@
       </p:sp>
     </p:spTree>
   </p:cSld>
+  <p:clrMapOvr>
+    <a:masterClrMapping/>
+  </p:clrMapOvr>
 </p:sldLayout>
 </file>
 
 <file path=ppt/slideLayouts/slideLayout3.xml><?xml version="1.0" encoding="utf-8"?>
-<p:sldLayout xmlns:a="http://schemas.openxmlformats.org/drawingml/2006/main" xmlns:p="http://schemas.openxmlformats.org/presentationml/2006/main" xmlns:r="http://schemas.openxmlformats.org/officeDocument/2006/relationships" xmlns:p14="http://schemas.microsoft.com/office/powerpoint/2010/main" xmlns:p15="http://schemas.microsoft.com/office/powerpoint/2012/main" xmlns:mc="http://schemas.openxmlformats.org/markup-compatibility/2006" type="obj" preserve="1">
+<p:sldLayout xmlns:a="http://schemas.openxmlformats.org/drawingml/2006/main" xmlns:r="http://schemas.openxmlformats.org/officeDocument/2006/relationships" xmlns:p="http://schemas.openxmlformats.org/presentationml/2006/main" type="obj" preserve="1">
   <p:cSld name="Title, Content">
     <p:spTree>
       <p:nvGrpSpPr>
@@ -2174,11 +2376,12 @@
           </a:prstGeom>
         </p:spPr>
         <p:txBody>
-          <a:bodyPr lIns="0" rIns="0" tIns="0" bIns="0" anchor="ctr">
+          <a:bodyPr lIns="0" tIns="0" rIns="0" bIns="0" anchor="ctr">
             <a:noAutofit/>
           </a:bodyPr>
-          <a:p>
-            <a:endParaRPr b="0" lang="en-US" sz="1800" spc="-1" strike="noStrike">
+          <a:lstStyle/>
+          <a:p>
+            <a:endParaRPr lang="en-US" sz="1800" b="0" strike="noStrike" spc="-1">
               <a:solidFill>
                 <a:srgbClr val="000000"/>
               </a:solidFill>
@@ -2207,11 +2410,12 @@
           </a:prstGeom>
         </p:spPr>
         <p:txBody>
-          <a:bodyPr lIns="0" rIns="0" tIns="0" bIns="0">
+          <a:bodyPr lIns="0" tIns="0" rIns="0" bIns="0">
             <a:normAutofit/>
           </a:bodyPr>
-          <a:p>
-            <a:endParaRPr b="0" lang="en-US" sz="2000" spc="-1" strike="noStrike">
+          <a:lstStyle/>
+          <a:p>
+            <a:endParaRPr lang="en-US" sz="2000" b="0" strike="noStrike" spc="-1">
               <a:solidFill>
                 <a:srgbClr val="000000"/>
               </a:solidFill>
@@ -2222,11 +2426,14 @@
       </p:sp>
     </p:spTree>
   </p:cSld>
+  <p:clrMapOvr>
+    <a:masterClrMapping/>
+  </p:clrMapOvr>
 </p:sldLayout>
 </file>
 
 <file path=ppt/slideLayouts/slideLayout4.xml><?xml version="1.0" encoding="utf-8"?>
-<p:sldLayout xmlns:a="http://schemas.openxmlformats.org/drawingml/2006/main" xmlns:p="http://schemas.openxmlformats.org/presentationml/2006/main" xmlns:r="http://schemas.openxmlformats.org/officeDocument/2006/relationships" xmlns:p14="http://schemas.microsoft.com/office/powerpoint/2010/main" xmlns:p15="http://schemas.microsoft.com/office/powerpoint/2012/main" xmlns:mc="http://schemas.openxmlformats.org/markup-compatibility/2006" type="twoObj" preserve="1">
+<p:sldLayout xmlns:a="http://schemas.openxmlformats.org/drawingml/2006/main" xmlns:r="http://schemas.openxmlformats.org/officeDocument/2006/relationships" xmlns:p="http://schemas.openxmlformats.org/presentationml/2006/main" type="twoObj" preserve="1">
   <p:cSld name="Title, 2 Content">
     <p:spTree>
       <p:nvGrpSpPr>
@@ -2262,11 +2469,12 @@
           </a:prstGeom>
         </p:spPr>
         <p:txBody>
-          <a:bodyPr lIns="0" rIns="0" tIns="0" bIns="0" anchor="ctr">
+          <a:bodyPr lIns="0" tIns="0" rIns="0" bIns="0" anchor="ctr">
             <a:noAutofit/>
           </a:bodyPr>
-          <a:p>
-            <a:endParaRPr b="0" lang="en-US" sz="1800" spc="-1" strike="noStrike">
+          <a:lstStyle/>
+          <a:p>
+            <a:endParaRPr lang="en-US" sz="1800" b="0" strike="noStrike" spc="-1">
               <a:solidFill>
                 <a:srgbClr val="000000"/>
               </a:solidFill>
@@ -2295,11 +2503,12 @@
           </a:prstGeom>
         </p:spPr>
         <p:txBody>
-          <a:bodyPr lIns="0" rIns="0" tIns="0" bIns="0">
+          <a:bodyPr lIns="0" tIns="0" rIns="0" bIns="0">
             <a:normAutofit/>
           </a:bodyPr>
-          <a:p>
-            <a:endParaRPr b="0" lang="en-US" sz="2000" spc="-1" strike="noStrike">
+          <a:lstStyle/>
+          <a:p>
+            <a:endParaRPr lang="en-US" sz="2000" b="0" strike="noStrike" spc="-1">
               <a:solidFill>
                 <a:srgbClr val="000000"/>
               </a:solidFill>
@@ -2328,11 +2537,12 @@
           </a:prstGeom>
         </p:spPr>
         <p:txBody>
-          <a:bodyPr lIns="0" rIns="0" tIns="0" bIns="0">
+          <a:bodyPr lIns="0" tIns="0" rIns="0" bIns="0">
             <a:normAutofit/>
           </a:bodyPr>
-          <a:p>
-            <a:endParaRPr b="0" lang="en-US" sz="2000" spc="-1" strike="noStrike">
+          <a:lstStyle/>
+          <a:p>
+            <a:endParaRPr lang="en-US" sz="2000" b="0" strike="noStrike" spc="-1">
               <a:solidFill>
                 <a:srgbClr val="000000"/>
               </a:solidFill>
@@ -2343,11 +2553,14 @@
       </p:sp>
     </p:spTree>
   </p:cSld>
+  <p:clrMapOvr>
+    <a:masterClrMapping/>
+  </p:clrMapOvr>
 </p:sldLayout>
 </file>
 
 <file path=ppt/slideLayouts/slideLayout5.xml><?xml version="1.0" encoding="utf-8"?>
-<p:sldLayout xmlns:a="http://schemas.openxmlformats.org/drawingml/2006/main" xmlns:p="http://schemas.openxmlformats.org/presentationml/2006/main" xmlns:r="http://schemas.openxmlformats.org/officeDocument/2006/relationships" xmlns:p14="http://schemas.microsoft.com/office/powerpoint/2010/main" xmlns:p15="http://schemas.microsoft.com/office/powerpoint/2012/main" xmlns:mc="http://schemas.openxmlformats.org/markup-compatibility/2006" type="titleOnly" preserve="1">
+<p:sldLayout xmlns:a="http://schemas.openxmlformats.org/drawingml/2006/main" xmlns:r="http://schemas.openxmlformats.org/officeDocument/2006/relationships" xmlns:p="http://schemas.openxmlformats.org/presentationml/2006/main" type="titleOnly" preserve="1">
   <p:cSld name="Title Only">
     <p:spTree>
       <p:nvGrpSpPr>
@@ -2383,11 +2596,12 @@
           </a:prstGeom>
         </p:spPr>
         <p:txBody>
-          <a:bodyPr lIns="0" rIns="0" tIns="0" bIns="0" anchor="ctr">
+          <a:bodyPr lIns="0" tIns="0" rIns="0" bIns="0" anchor="ctr">
             <a:noAutofit/>
           </a:bodyPr>
-          <a:p>
-            <a:endParaRPr b="0" lang="en-US" sz="1800" spc="-1" strike="noStrike">
+          <a:lstStyle/>
+          <a:p>
+            <a:endParaRPr lang="en-US" sz="1800" b="0" strike="noStrike" spc="-1">
               <a:solidFill>
                 <a:srgbClr val="000000"/>
               </a:solidFill>
@@ -2398,11 +2612,14 @@
       </p:sp>
     </p:spTree>
   </p:cSld>
+  <p:clrMapOvr>
+    <a:masterClrMapping/>
+  </p:clrMapOvr>
 </p:sldLayout>
 </file>
 
 <file path=ppt/slideLayouts/slideLayout6.xml><?xml version="1.0" encoding="utf-8"?>
-<p:sldLayout xmlns:a="http://schemas.openxmlformats.org/drawingml/2006/main" xmlns:p="http://schemas.openxmlformats.org/presentationml/2006/main" xmlns:r="http://schemas.openxmlformats.org/officeDocument/2006/relationships" xmlns:p14="http://schemas.microsoft.com/office/powerpoint/2010/main" xmlns:p15="http://schemas.microsoft.com/office/powerpoint/2012/main" xmlns:mc="http://schemas.openxmlformats.org/markup-compatibility/2006" type="objOnly" preserve="1">
+<p:sldLayout xmlns:a="http://schemas.openxmlformats.org/drawingml/2006/main" xmlns:r="http://schemas.openxmlformats.org/officeDocument/2006/relationships" xmlns:p="http://schemas.openxmlformats.org/presentationml/2006/main" type="objOnly" preserve="1">
   <p:cSld name="Centered Text">
     <p:spTree>
       <p:nvGrpSpPr>
@@ -2438,12 +2655,13 @@
           </a:prstGeom>
         </p:spPr>
         <p:txBody>
-          <a:bodyPr lIns="0" rIns="0" tIns="0" bIns="0" anchor="ctr">
+          <a:bodyPr lIns="0" tIns="0" rIns="0" bIns="0" anchor="ctr">
             <a:noAutofit/>
           </a:bodyPr>
+          <a:lstStyle/>
           <a:p>
             <a:pPr algn="ctr"/>
-            <a:endParaRPr b="0" lang="de-DE" sz="3200" spc="-1" strike="noStrike">
+            <a:endParaRPr lang="de-DE" sz="3200" b="0" strike="noStrike" spc="-1">
               <a:latin typeface="Arial"/>
             </a:endParaRPr>
           </a:p>
@@ -2451,11 +2669,14 @@
       </p:sp>
     </p:spTree>
   </p:cSld>
+  <p:clrMapOvr>
+    <a:masterClrMapping/>
+  </p:clrMapOvr>
 </p:sldLayout>
 </file>
 
 <file path=ppt/slideLayouts/slideLayout7.xml><?xml version="1.0" encoding="utf-8"?>
-<p:sldLayout xmlns:a="http://schemas.openxmlformats.org/drawingml/2006/main" xmlns:p="http://schemas.openxmlformats.org/presentationml/2006/main" xmlns:r="http://schemas.openxmlformats.org/officeDocument/2006/relationships" xmlns:p14="http://schemas.microsoft.com/office/powerpoint/2010/main" xmlns:p15="http://schemas.microsoft.com/office/powerpoint/2012/main" xmlns:mc="http://schemas.openxmlformats.org/markup-compatibility/2006" type="twoObjAndObj" preserve="1">
+<p:sldLayout xmlns:a="http://schemas.openxmlformats.org/drawingml/2006/main" xmlns:r="http://schemas.openxmlformats.org/officeDocument/2006/relationships" xmlns:p="http://schemas.openxmlformats.org/presentationml/2006/main" type="twoObjAndObj" preserve="1">
   <p:cSld name="Title, 2 Content and Content">
     <p:spTree>
       <p:nvGrpSpPr>
@@ -2491,11 +2712,12 @@
           </a:prstGeom>
         </p:spPr>
         <p:txBody>
-          <a:bodyPr lIns="0" rIns="0" tIns="0" bIns="0" anchor="ctr">
+          <a:bodyPr lIns="0" tIns="0" rIns="0" bIns="0" anchor="ctr">
             <a:noAutofit/>
           </a:bodyPr>
-          <a:p>
-            <a:endParaRPr b="0" lang="en-US" sz="1800" spc="-1" strike="noStrike">
+          <a:lstStyle/>
+          <a:p>
+            <a:endParaRPr lang="en-US" sz="1800" b="0" strike="noStrike" spc="-1">
               <a:solidFill>
                 <a:srgbClr val="000000"/>
               </a:solidFill>
@@ -2524,11 +2746,12 @@
           </a:prstGeom>
         </p:spPr>
         <p:txBody>
-          <a:bodyPr lIns="0" rIns="0" tIns="0" bIns="0">
+          <a:bodyPr lIns="0" tIns="0" rIns="0" bIns="0">
             <a:normAutofit/>
           </a:bodyPr>
-          <a:p>
-            <a:endParaRPr b="0" lang="en-US" sz="2000" spc="-1" strike="noStrike">
+          <a:lstStyle/>
+          <a:p>
+            <a:endParaRPr lang="en-US" sz="2000" b="0" strike="noStrike" spc="-1">
               <a:solidFill>
                 <a:srgbClr val="000000"/>
               </a:solidFill>
@@ -2557,11 +2780,12 @@
           </a:prstGeom>
         </p:spPr>
         <p:txBody>
-          <a:bodyPr lIns="0" rIns="0" tIns="0" bIns="0">
+          <a:bodyPr lIns="0" tIns="0" rIns="0" bIns="0">
             <a:normAutofit/>
           </a:bodyPr>
-          <a:p>
-            <a:endParaRPr b="0" lang="en-US" sz="2000" spc="-1" strike="noStrike">
+          <a:lstStyle/>
+          <a:p>
+            <a:endParaRPr lang="en-US" sz="2000" b="0" strike="noStrike" spc="-1">
               <a:solidFill>
                 <a:srgbClr val="000000"/>
               </a:solidFill>
@@ -2590,11 +2814,12 @@
           </a:prstGeom>
         </p:spPr>
         <p:txBody>
-          <a:bodyPr lIns="0" rIns="0" tIns="0" bIns="0">
+          <a:bodyPr lIns="0" tIns="0" rIns="0" bIns="0">
             <a:normAutofit/>
           </a:bodyPr>
-          <a:p>
-            <a:endParaRPr b="0" lang="en-US" sz="2000" spc="-1" strike="noStrike">
+          <a:lstStyle/>
+          <a:p>
+            <a:endParaRPr lang="en-US" sz="2000" b="0" strike="noStrike" spc="-1">
               <a:solidFill>
                 <a:srgbClr val="000000"/>
               </a:solidFill>
@@ -2605,11 +2830,14 @@
       </p:sp>
     </p:spTree>
   </p:cSld>
+  <p:clrMapOvr>
+    <a:masterClrMapping/>
+  </p:clrMapOvr>
 </p:sldLayout>
 </file>
 
 <file path=ppt/slideLayouts/slideLayout8.xml><?xml version="1.0" encoding="utf-8"?>
-<p:sldLayout xmlns:a="http://schemas.openxmlformats.org/drawingml/2006/main" xmlns:p="http://schemas.openxmlformats.org/presentationml/2006/main" xmlns:r="http://schemas.openxmlformats.org/officeDocument/2006/relationships" xmlns:p14="http://schemas.microsoft.com/office/powerpoint/2010/main" xmlns:p15="http://schemas.microsoft.com/office/powerpoint/2012/main" xmlns:mc="http://schemas.openxmlformats.org/markup-compatibility/2006" type="objAndTwoObj" preserve="1">
+<p:sldLayout xmlns:a="http://schemas.openxmlformats.org/drawingml/2006/main" xmlns:r="http://schemas.openxmlformats.org/officeDocument/2006/relationships" xmlns:p="http://schemas.openxmlformats.org/presentationml/2006/main" type="objAndTwoObj" preserve="1">
   <p:cSld name="Title Content and 2 Content">
     <p:spTree>
       <p:nvGrpSpPr>
@@ -2645,11 +2873,12 @@
           </a:prstGeom>
         </p:spPr>
         <p:txBody>
-          <a:bodyPr lIns="0" rIns="0" tIns="0" bIns="0" anchor="ctr">
+          <a:bodyPr lIns="0" tIns="0" rIns="0" bIns="0" anchor="ctr">
             <a:noAutofit/>
           </a:bodyPr>
-          <a:p>
-            <a:endParaRPr b="0" lang="en-US" sz="1800" spc="-1" strike="noStrike">
+          <a:lstStyle/>
+          <a:p>
+            <a:endParaRPr lang="en-US" sz="1800" b="0" strike="noStrike" spc="-1">
               <a:solidFill>
                 <a:srgbClr val="000000"/>
               </a:solidFill>
@@ -2678,11 +2907,12 @@
           </a:prstGeom>
         </p:spPr>
         <p:txBody>
-          <a:bodyPr lIns="0" rIns="0" tIns="0" bIns="0">
+          <a:bodyPr lIns="0" tIns="0" rIns="0" bIns="0">
             <a:normAutofit/>
           </a:bodyPr>
-          <a:p>
-            <a:endParaRPr b="0" lang="en-US" sz="2000" spc="-1" strike="noStrike">
+          <a:lstStyle/>
+          <a:p>
+            <a:endParaRPr lang="en-US" sz="2000" b="0" strike="noStrike" spc="-1">
               <a:solidFill>
                 <a:srgbClr val="000000"/>
               </a:solidFill>
@@ -2711,11 +2941,12 @@
           </a:prstGeom>
         </p:spPr>
         <p:txBody>
-          <a:bodyPr lIns="0" rIns="0" tIns="0" bIns="0">
+          <a:bodyPr lIns="0" tIns="0" rIns="0" bIns="0">
             <a:normAutofit/>
           </a:bodyPr>
-          <a:p>
-            <a:endParaRPr b="0" lang="en-US" sz="2000" spc="-1" strike="noStrike">
+          <a:lstStyle/>
+          <a:p>
+            <a:endParaRPr lang="en-US" sz="2000" b="0" strike="noStrike" spc="-1">
               <a:solidFill>
                 <a:srgbClr val="000000"/>
               </a:solidFill>
@@ -2744,11 +2975,12 @@
           </a:prstGeom>
         </p:spPr>
         <p:txBody>
-          <a:bodyPr lIns="0" rIns="0" tIns="0" bIns="0">
+          <a:bodyPr lIns="0" tIns="0" rIns="0" bIns="0">
             <a:normAutofit/>
           </a:bodyPr>
-          <a:p>
-            <a:endParaRPr b="0" lang="en-US" sz="2000" spc="-1" strike="noStrike">
+          <a:lstStyle/>
+          <a:p>
+            <a:endParaRPr lang="en-US" sz="2000" b="0" strike="noStrike" spc="-1">
               <a:solidFill>
                 <a:srgbClr val="000000"/>
               </a:solidFill>
@@ -2759,11 +2991,14 @@
       </p:sp>
     </p:spTree>
   </p:cSld>
+  <p:clrMapOvr>
+    <a:masterClrMapping/>
+  </p:clrMapOvr>
 </p:sldLayout>
 </file>
 
 <file path=ppt/slideLayouts/slideLayout9.xml><?xml version="1.0" encoding="utf-8"?>
-<p:sldLayout xmlns:a="http://schemas.openxmlformats.org/drawingml/2006/main" xmlns:p="http://schemas.openxmlformats.org/presentationml/2006/main" xmlns:r="http://schemas.openxmlformats.org/officeDocument/2006/relationships" xmlns:p14="http://schemas.microsoft.com/office/powerpoint/2010/main" xmlns:p15="http://schemas.microsoft.com/office/powerpoint/2012/main" xmlns:mc="http://schemas.openxmlformats.org/markup-compatibility/2006" type="twoObjOverTx" preserve="1">
+<p:sldLayout xmlns:a="http://schemas.openxmlformats.org/drawingml/2006/main" xmlns:r="http://schemas.openxmlformats.org/officeDocument/2006/relationships" xmlns:p="http://schemas.openxmlformats.org/presentationml/2006/main" type="twoObjOverTx" preserve="1">
   <p:cSld name="Title, 2 Content over Content">
     <p:spTree>
       <p:nvGrpSpPr>
@@ -2799,11 +3034,12 @@
           </a:prstGeom>
         </p:spPr>
         <p:txBody>
-          <a:bodyPr lIns="0" rIns="0" tIns="0" bIns="0" anchor="ctr">
+          <a:bodyPr lIns="0" tIns="0" rIns="0" bIns="0" anchor="ctr">
             <a:noAutofit/>
           </a:bodyPr>
-          <a:p>
-            <a:endParaRPr b="0" lang="en-US" sz="1800" spc="-1" strike="noStrike">
+          <a:lstStyle/>
+          <a:p>
+            <a:endParaRPr lang="en-US" sz="1800" b="0" strike="noStrike" spc="-1">
               <a:solidFill>
                 <a:srgbClr val="000000"/>
               </a:solidFill>
@@ -2832,11 +3068,12 @@
           </a:prstGeom>
         </p:spPr>
         <p:txBody>
-          <a:bodyPr lIns="0" rIns="0" tIns="0" bIns="0">
+          <a:bodyPr lIns="0" tIns="0" rIns="0" bIns="0">
             <a:normAutofit/>
           </a:bodyPr>
-          <a:p>
-            <a:endParaRPr b="0" lang="en-US" sz="2000" spc="-1" strike="noStrike">
+          <a:lstStyle/>
+          <a:p>
+            <a:endParaRPr lang="en-US" sz="2000" b="0" strike="noStrike" spc="-1">
               <a:solidFill>
                 <a:srgbClr val="000000"/>
               </a:solidFill>
@@ -2865,11 +3102,12 @@
           </a:prstGeom>
         </p:spPr>
         <p:txBody>
-          <a:bodyPr lIns="0" rIns="0" tIns="0" bIns="0">
+          <a:bodyPr lIns="0" tIns="0" rIns="0" bIns="0">
             <a:normAutofit/>
           </a:bodyPr>
-          <a:p>
-            <a:endParaRPr b="0" lang="en-US" sz="2000" spc="-1" strike="noStrike">
+          <a:lstStyle/>
+          <a:p>
+            <a:endParaRPr lang="en-US" sz="2000" b="0" strike="noStrike" spc="-1">
               <a:solidFill>
                 <a:srgbClr val="000000"/>
               </a:solidFill>
@@ -2898,11 +3136,12 @@
           </a:prstGeom>
         </p:spPr>
         <p:txBody>
-          <a:bodyPr lIns="0" rIns="0" tIns="0" bIns="0">
+          <a:bodyPr lIns="0" tIns="0" rIns="0" bIns="0">
             <a:normAutofit/>
           </a:bodyPr>
-          <a:p>
-            <a:endParaRPr b="0" lang="en-US" sz="2000" spc="-1" strike="noStrike">
+          <a:lstStyle/>
+          <a:p>
+            <a:endParaRPr lang="en-US" sz="2000" b="0" strike="noStrike" spc="-1">
               <a:solidFill>
                 <a:srgbClr val="000000"/>
               </a:solidFill>
@@ -2913,11 +3152,1592 @@
       </p:sp>
     </p:spTree>
   </p:cSld>
+  <p:clrMapOvr>
+    <a:masterClrMapping/>
+  </p:clrMapOvr>
 </p:sldLayout>
 </file>
 
 <file path=ppt/slideMasters/slideMaster1.xml><?xml version="1.0" encoding="utf-8"?>
-<p:sldMaster xmlns:a="http://schemas.openxmlformats.org/drawingml/2006/main" xmlns:p="http://schemas.openxmlformats.org/presentationml/2006/main" xmlns:r="http://schemas.openxmlformats.org/officeDocument/2006/relationships" xmlns:p14="http://schemas.microsoft.com/office/powerpoint/2010/main" xmlns:p15="http://schemas.microsoft.com/office/powerpoint/2012/main" xmlns:mc="http://schemas.openxmlformats.org/markup-compatibility/2006">
+<p:sldMaster xmlns:a="http://schemas.openxmlformats.org/drawingml/2006/main" xmlns:r="http://schemas.openxmlformats.org/officeDocument/2006/relationships" xmlns:p="http://schemas.openxmlformats.org/presentationml/2006/main">
+  <p:cSld>
+    <p:bg>
+      <p:bgRef idx="1001">
+        <a:schemeClr val="bg1"/>
+      </p:bgRef>
+    </p:bg>
+    <p:spTree>
+      <p:nvGrpSpPr>
+        <p:cNvPr id="1" name=""/>
+        <p:cNvGrpSpPr/>
+        <p:nvPr/>
+      </p:nvGrpSpPr>
+      <p:grpSpPr>
+        <a:xfrm>
+          <a:off x="0" y="0"/>
+          <a:ext cx="0" cy="0"/>
+          <a:chOff x="0" y="0"/>
+          <a:chExt cx="0" cy="0"/>
+        </a:xfrm>
+      </p:grpSpPr>
+      <p:sp>
+        <p:nvSpPr>
+          <p:cNvPr id="9" name="CustomShape 1"/>
+          <p:cNvSpPr/>
+          <p:nvPr/>
+        </p:nvSpPr>
+        <p:spPr>
+          <a:xfrm>
+            <a:off x="0" y="2019600"/>
+            <a:ext cx="12191760" cy="4105440"/>
+          </a:xfrm>
+          <a:prstGeom prst="rect">
+            <a:avLst/>
+          </a:prstGeom>
+          <a:gradFill rotWithShape="0">
+            <a:gsLst>
+              <a:gs pos="0">
+                <a:srgbClr val="DFDBD5">
+                  <a:alpha val="0"/>
+                </a:srgbClr>
+              </a:gs>
+              <a:gs pos="100000">
+                <a:srgbClr val="DFDBD5"/>
+              </a:gs>
+            </a:gsLst>
+            <a:lin ang="5400000"/>
+          </a:gradFill>
+          <a:ln>
+            <a:noFill/>
+          </a:ln>
+        </p:spPr>
+        <p:style>
+          <a:lnRef idx="2">
+            <a:schemeClr val="accent1">
+              <a:shade val="50000"/>
+            </a:schemeClr>
+          </a:lnRef>
+          <a:fillRef idx="1">
+            <a:schemeClr val="accent1"/>
+          </a:fillRef>
+          <a:effectRef idx="0">
+            <a:schemeClr val="accent1"/>
+          </a:effectRef>
+          <a:fontRef idx="minor"/>
+        </p:style>
+      </p:sp>
+      <p:pic>
+        <p:nvPicPr>
+          <p:cNvPr id="10" name="Picture 6"/>
+          <p:cNvPicPr/>
+          <p:nvPr/>
+        </p:nvPicPr>
+        <p:blipFill>
+          <a:blip r:embed="rId14"/>
+          <a:srcRect t="1545" b="-1545"/>
+          <a:stretch/>
+        </p:blipFill>
+        <p:spPr>
+          <a:xfrm>
+            <a:off x="0" y="6126480"/>
+            <a:ext cx="12191760" cy="742680"/>
+          </a:xfrm>
+          <a:prstGeom prst="rect">
+            <a:avLst/>
+          </a:prstGeom>
+          <a:ln>
+            <a:noFill/>
+          </a:ln>
+        </p:spPr>
+      </p:pic>
+      <p:sp>
+        <p:nvSpPr>
+          <p:cNvPr id="2" name="Line 2"/>
+          <p:cNvSpPr/>
+          <p:nvPr/>
+        </p:nvSpPr>
+        <p:spPr>
+          <a:xfrm>
+            <a:off x="0" y="6128280"/>
+            <a:ext cx="12191760" cy="0"/>
+          </a:xfrm>
+          <a:prstGeom prst="line">
+            <a:avLst/>
+          </a:prstGeom>
+          <a:ln w="12600">
+            <a:solidFill>
+              <a:srgbClr val="000001"/>
+            </a:solidFill>
+            <a:round/>
+          </a:ln>
+        </p:spPr>
+        <p:style>
+          <a:lnRef idx="1">
+            <a:schemeClr val="accent1"/>
+          </a:lnRef>
+          <a:fillRef idx="0">
+            <a:schemeClr val="accent1"/>
+          </a:fillRef>
+          <a:effectRef idx="0">
+            <a:schemeClr val="accent1"/>
+          </a:effectRef>
+          <a:fontRef idx="minor"/>
+        </p:style>
+      </p:sp>
+      <p:sp>
+        <p:nvSpPr>
+          <p:cNvPr id="3" name="PlaceHolder 3"/>
+          <p:cNvSpPr>
+            <a:spLocks noGrp="1"/>
+          </p:cNvSpPr>
+          <p:nvPr>
+            <p:ph type="title"/>
+          </p:nvPr>
+        </p:nvSpPr>
+        <p:spPr>
+          <a:xfrm>
+            <a:off x="2417760" y="802440"/>
+            <a:ext cx="8636760" cy="2541240"/>
+          </a:xfrm>
+          <a:prstGeom prst="rect">
+            <a:avLst/>
+          </a:prstGeom>
+        </p:spPr>
+        <p:txBody>
+          <a:bodyPr bIns="0" anchor="b">
+            <a:normAutofit/>
+          </a:bodyPr>
+          <a:lstStyle/>
+          <a:p>
+            <a:pPr>
+              <a:lnSpc>
+                <a:spcPct val="90000"/>
+              </a:lnSpc>
+            </a:pPr>
+            <a:r>
+              <a:rPr lang="en-US" sz="6600" b="0" strike="noStrike" cap="all" spc="-1">
+                <a:solidFill>
+                  <a:srgbClr val="000000"/>
+                </a:solidFill>
+                <a:latin typeface="Gill Sans MT"/>
+              </a:rPr>
+              <a:t>Mastertitelformat bearbeiten</a:t>
+            </a:r>
+            <a:endParaRPr lang="en-US" sz="6600" b="0" strike="noStrike" spc="-1">
+              <a:solidFill>
+                <a:srgbClr val="000000"/>
+              </a:solidFill>
+              <a:latin typeface="Gill Sans MT"/>
+            </a:endParaRPr>
+          </a:p>
+        </p:txBody>
+      </p:sp>
+      <p:sp>
+        <p:nvSpPr>
+          <p:cNvPr id="4" name="PlaceHolder 4"/>
+          <p:cNvSpPr>
+            <a:spLocks noGrp="1"/>
+          </p:cNvSpPr>
+          <p:nvPr>
+            <p:ph type="dt"/>
+          </p:nvPr>
+        </p:nvSpPr>
+        <p:spPr>
+          <a:xfrm>
+            <a:off x="7554240" y="330480"/>
+            <a:ext cx="3500280" cy="308880"/>
+          </a:xfrm>
+          <a:prstGeom prst="rect">
+            <a:avLst/>
+          </a:prstGeom>
+        </p:spPr>
+        <p:txBody>
+          <a:bodyPr anchor="ctr">
+            <a:noAutofit/>
+          </a:bodyPr>
+          <a:lstStyle/>
+          <a:p>
+            <a:pPr algn="r">
+              <a:lnSpc>
+                <a:spcPct val="100000"/>
+              </a:lnSpc>
+            </a:pPr>
+            <a:fld id="{4F0C6DD1-5A30-4CEA-8540-E71E2AB6035A}" type="datetime">
+              <a:rPr lang="de-DE" sz="1000" b="0" strike="noStrike" spc="-1">
+                <a:solidFill>
+                  <a:srgbClr val="8B8B8B"/>
+                </a:solidFill>
+                <a:latin typeface="Gill Sans MT"/>
+              </a:rPr>
+              <a:t>01.12.2020</a:t>
+            </a:fld>
+            <a:endParaRPr lang="de-DE" sz="1000" b="0" strike="noStrike" spc="-1">
+              <a:latin typeface="Times New Roman"/>
+            </a:endParaRPr>
+          </a:p>
+        </p:txBody>
+      </p:sp>
+      <p:sp>
+        <p:nvSpPr>
+          <p:cNvPr id="5" name="PlaceHolder 5"/>
+          <p:cNvSpPr>
+            <a:spLocks noGrp="1"/>
+          </p:cNvSpPr>
+          <p:nvPr>
+            <p:ph type="ftr"/>
+          </p:nvPr>
+        </p:nvSpPr>
+        <p:spPr>
+          <a:xfrm>
+            <a:off x="2416680" y="329400"/>
+            <a:ext cx="4973400" cy="308880"/>
+          </a:xfrm>
+          <a:prstGeom prst="rect">
+            <a:avLst/>
+          </a:prstGeom>
+        </p:spPr>
+        <p:txBody>
+          <a:bodyPr anchor="ctr">
+            <a:noAutofit/>
+          </a:bodyPr>
+          <a:lstStyle/>
+          <a:p>
+            <a:endParaRPr lang="de-DE" sz="2400" b="0" strike="noStrike" spc="-1">
+              <a:latin typeface="Times New Roman"/>
+            </a:endParaRPr>
+          </a:p>
+        </p:txBody>
+      </p:sp>
+      <p:sp>
+        <p:nvSpPr>
+          <p:cNvPr id="6" name="PlaceHolder 6"/>
+          <p:cNvSpPr>
+            <a:spLocks noGrp="1"/>
+          </p:cNvSpPr>
+          <p:nvPr>
+            <p:ph type="sldNum"/>
+          </p:nvPr>
+        </p:nvSpPr>
+        <p:spPr>
+          <a:xfrm>
+            <a:off x="1437840" y="798840"/>
+            <a:ext cx="810720" cy="503280"/>
+          </a:xfrm>
+          <a:prstGeom prst="rect">
+            <a:avLst/>
+          </a:prstGeom>
+        </p:spPr>
+        <p:txBody>
+          <a:bodyPr>
+            <a:noAutofit/>
+          </a:bodyPr>
+          <a:lstStyle/>
+          <a:p>
+            <a:pPr algn="r">
+              <a:lnSpc>
+                <a:spcPct val="100000"/>
+              </a:lnSpc>
+            </a:pPr>
+            <a:fld id="{3D1322FB-3AD7-4852-A6EB-B6D0908A5193}" type="slidenum">
+              <a:rPr lang="de-DE" sz="2800" b="0" strike="noStrike" spc="-1">
+                <a:solidFill>
+                  <a:srgbClr val="B71E42"/>
+                </a:solidFill>
+                <a:latin typeface="Gill Sans MT"/>
+              </a:rPr>
+              <a:t>‹Nr.›</a:t>
+            </a:fld>
+            <a:endParaRPr lang="de-DE" sz="2800" b="0" strike="noStrike" spc="-1">
+              <a:latin typeface="Times New Roman"/>
+            </a:endParaRPr>
+          </a:p>
+        </p:txBody>
+      </p:sp>
+      <p:sp>
+        <p:nvSpPr>
+          <p:cNvPr id="7" name="Line 7"/>
+          <p:cNvSpPr/>
+          <p:nvPr/>
+        </p:nvSpPr>
+        <p:spPr>
+          <a:xfrm>
+            <a:off x="2417760" y="3528360"/>
+            <a:ext cx="8636760" cy="0"/>
+          </a:xfrm>
+          <a:prstGeom prst="line">
+            <a:avLst/>
+          </a:prstGeom>
+          <a:ln w="31680">
+            <a:round/>
+          </a:ln>
+        </p:spPr>
+        <p:style>
+          <a:lnRef idx="3">
+            <a:schemeClr val="accent1"/>
+          </a:lnRef>
+          <a:fillRef idx="0">
+            <a:schemeClr val="accent1"/>
+          </a:fillRef>
+          <a:effectRef idx="2">
+            <a:schemeClr val="accent1"/>
+          </a:effectRef>
+          <a:fontRef idx="minor"/>
+        </p:style>
+      </p:sp>
+      <p:sp>
+        <p:nvSpPr>
+          <p:cNvPr id="8" name="PlaceHolder 8"/>
+          <p:cNvSpPr>
+            <a:spLocks noGrp="1"/>
+          </p:cNvSpPr>
+          <p:nvPr>
+            <p:ph type="body"/>
+          </p:nvPr>
+        </p:nvSpPr>
+        <p:spPr>
+          <a:xfrm>
+            <a:off x="609480" y="1604520"/>
+            <a:ext cx="10972440" cy="3977280"/>
+          </a:xfrm>
+          <a:prstGeom prst="rect">
+            <a:avLst/>
+          </a:prstGeom>
+        </p:spPr>
+        <p:txBody>
+          <a:bodyPr lIns="0" tIns="0" rIns="0" bIns="0">
+            <a:normAutofit/>
+          </a:bodyPr>
+          <a:lstStyle/>
+          <a:p>
+            <a:pPr marL="432000" indent="-324000">
+              <a:spcBef>
+                <a:spcPts val="1417"/>
+              </a:spcBef>
+              <a:buClr>
+                <a:srgbClr val="000000"/>
+              </a:buClr>
+              <a:buSzPct val="45000"/>
+              <a:buFont typeface="Wingdings" charset="2"/>
+              <a:buChar char=""/>
+            </a:pPr>
+            <a:r>
+              <a:rPr lang="en-US" sz="2000" b="0" strike="noStrike" spc="-1">
+                <a:solidFill>
+                  <a:srgbClr val="000000"/>
+                </a:solidFill>
+                <a:latin typeface="Gill Sans MT"/>
+              </a:rPr>
+              <a:t>Format des Gliederungstextes durch Klicken bearbeiten</a:t>
+            </a:r>
+          </a:p>
+          <a:p>
+            <a:pPr marL="864000" lvl="1" indent="-324000">
+              <a:spcBef>
+                <a:spcPts val="1134"/>
+              </a:spcBef>
+              <a:buClr>
+                <a:srgbClr val="000000"/>
+              </a:buClr>
+              <a:buSzPct val="75000"/>
+              <a:buFont typeface="Symbol" charset="2"/>
+              <a:buChar char=""/>
+            </a:pPr>
+            <a:r>
+              <a:rPr lang="en-US" sz="1600" b="0" strike="noStrike" spc="-1">
+                <a:solidFill>
+                  <a:srgbClr val="000000"/>
+                </a:solidFill>
+                <a:latin typeface="Gill Sans MT"/>
+              </a:rPr>
+              <a:t>Zweite Gliederungsebene</a:t>
+            </a:r>
+          </a:p>
+          <a:p>
+            <a:pPr marL="1296000" lvl="2" indent="-288000">
+              <a:spcBef>
+                <a:spcPts val="850"/>
+              </a:spcBef>
+              <a:buClr>
+                <a:srgbClr val="000000"/>
+              </a:buClr>
+              <a:buSzPct val="45000"/>
+              <a:buFont typeface="Wingdings" charset="2"/>
+              <a:buChar char=""/>
+            </a:pPr>
+            <a:r>
+              <a:rPr lang="en-US" sz="1400" b="0" strike="noStrike" spc="-1">
+                <a:solidFill>
+                  <a:srgbClr val="000000"/>
+                </a:solidFill>
+                <a:latin typeface="Gill Sans MT"/>
+              </a:rPr>
+              <a:t>Dritte Gliederungsebene</a:t>
+            </a:r>
+          </a:p>
+          <a:p>
+            <a:pPr marL="1728000" lvl="3" indent="-216000">
+              <a:spcBef>
+                <a:spcPts val="567"/>
+              </a:spcBef>
+              <a:buClr>
+                <a:srgbClr val="000000"/>
+              </a:buClr>
+              <a:buSzPct val="75000"/>
+              <a:buFont typeface="Symbol" charset="2"/>
+              <a:buChar char=""/>
+            </a:pPr>
+            <a:r>
+              <a:rPr lang="en-US" sz="1200" b="0" strike="noStrike" spc="-1">
+                <a:solidFill>
+                  <a:srgbClr val="000000"/>
+                </a:solidFill>
+                <a:latin typeface="Gill Sans MT"/>
+              </a:rPr>
+              <a:t>Vierte Gliederungsebene</a:t>
+            </a:r>
+          </a:p>
+          <a:p>
+            <a:pPr marL="2160000" lvl="4" indent="-216000">
+              <a:spcBef>
+                <a:spcPts val="283"/>
+              </a:spcBef>
+              <a:buClr>
+                <a:srgbClr val="000000"/>
+              </a:buClr>
+              <a:buSzPct val="45000"/>
+              <a:buFont typeface="Wingdings" charset="2"/>
+              <a:buChar char=""/>
+            </a:pPr>
+            <a:r>
+              <a:rPr lang="en-US" sz="2000" b="0" strike="noStrike" spc="-1">
+                <a:solidFill>
+                  <a:srgbClr val="000000"/>
+                </a:solidFill>
+                <a:latin typeface="Gill Sans MT"/>
+              </a:rPr>
+              <a:t>Fünfte Gliederungsebene</a:t>
+            </a:r>
+          </a:p>
+          <a:p>
+            <a:pPr marL="2592000" lvl="5" indent="-216000">
+              <a:spcBef>
+                <a:spcPts val="283"/>
+              </a:spcBef>
+              <a:buClr>
+                <a:srgbClr val="000000"/>
+              </a:buClr>
+              <a:buSzPct val="45000"/>
+              <a:buFont typeface="Wingdings" charset="2"/>
+              <a:buChar char=""/>
+            </a:pPr>
+            <a:r>
+              <a:rPr lang="en-US" sz="2000" b="0" strike="noStrike" spc="-1">
+                <a:solidFill>
+                  <a:srgbClr val="000000"/>
+                </a:solidFill>
+                <a:latin typeface="Gill Sans MT"/>
+              </a:rPr>
+              <a:t>Sechste Gliederungsebene</a:t>
+            </a:r>
+          </a:p>
+          <a:p>
+            <a:pPr marL="3024000" lvl="6" indent="-216000">
+              <a:spcBef>
+                <a:spcPts val="283"/>
+              </a:spcBef>
+              <a:buClr>
+                <a:srgbClr val="000000"/>
+              </a:buClr>
+              <a:buSzPct val="45000"/>
+              <a:buFont typeface="Wingdings" charset="2"/>
+              <a:buChar char=""/>
+            </a:pPr>
+            <a:r>
+              <a:rPr lang="en-US" sz="2000" b="0" strike="noStrike" spc="-1">
+                <a:solidFill>
+                  <a:srgbClr val="000000"/>
+                </a:solidFill>
+                <a:latin typeface="Gill Sans MT"/>
+              </a:rPr>
+              <a:t>Siebte Gliederungsebene</a:t>
+            </a:r>
+          </a:p>
+        </p:txBody>
+      </p:sp>
+    </p:spTree>
+  </p:cSld>
+  <p:clrMap bg1="lt1" tx1="dk1" bg2="lt2" tx2="dk2" accent1="accent1" accent2="accent2" accent3="accent3" accent4="accent4" accent5="accent5" accent6="accent6" hlink="hlink" folHlink="folHlink"/>
+  <p:sldLayoutIdLst>
+    <p:sldLayoutId id="2147483649" r:id="rId1"/>
+    <p:sldLayoutId id="2147483650" r:id="rId2"/>
+    <p:sldLayoutId id="2147483651" r:id="rId3"/>
+    <p:sldLayoutId id="2147483652" r:id="rId4"/>
+    <p:sldLayoutId id="2147483653" r:id="rId5"/>
+    <p:sldLayoutId id="2147483654" r:id="rId6"/>
+    <p:sldLayoutId id="2147483655" r:id="rId7"/>
+    <p:sldLayoutId id="2147483656" r:id="rId8"/>
+    <p:sldLayoutId id="2147483657" r:id="rId9"/>
+    <p:sldLayoutId id="2147483658" r:id="rId10"/>
+    <p:sldLayoutId id="2147483659" r:id="rId11"/>
+    <p:sldLayoutId id="2147483660" r:id="rId12"/>
+  </p:sldLayoutIdLst>
+  <p:txStyles>
+    <p:titleStyle>
+      <a:lvl1pPr algn="l" defTabSz="914400" rtl="0" eaLnBrk="1" latinLnBrk="0" hangingPunct="1">
+        <a:lnSpc>
+          <a:spcPct val="90000"/>
+        </a:lnSpc>
+        <a:spcBef>
+          <a:spcPct val="0"/>
+        </a:spcBef>
+        <a:buNone/>
+        <a:defRPr sz="4400" kern="1200">
+          <a:solidFill>
+            <a:schemeClr val="tx1"/>
+          </a:solidFill>
+          <a:latin typeface="+mj-lt"/>
+          <a:ea typeface="+mj-ea"/>
+          <a:cs typeface="+mj-cs"/>
+        </a:defRPr>
+      </a:lvl1pPr>
+    </p:titleStyle>
+    <p:bodyStyle>
+      <a:lvl1pPr marL="228600" indent="-228600" algn="l" defTabSz="914400" rtl="0" eaLnBrk="1" latinLnBrk="0" hangingPunct="1">
+        <a:lnSpc>
+          <a:spcPct val="90000"/>
+        </a:lnSpc>
+        <a:spcBef>
+          <a:spcPts val="1000"/>
+        </a:spcBef>
+        <a:buFont typeface="Arial" panose="020B0604020202020204" pitchFamily="34" charset="0"/>
+        <a:buChar char="•"/>
+        <a:defRPr sz="2800" kern="1200">
+          <a:solidFill>
+            <a:schemeClr val="tx1"/>
+          </a:solidFill>
+          <a:latin typeface="+mn-lt"/>
+          <a:ea typeface="+mn-ea"/>
+          <a:cs typeface="+mn-cs"/>
+        </a:defRPr>
+      </a:lvl1pPr>
+      <a:lvl2pPr marL="685800" indent="-228600" algn="l" defTabSz="914400" rtl="0" eaLnBrk="1" latinLnBrk="0" hangingPunct="1">
+        <a:lnSpc>
+          <a:spcPct val="90000"/>
+        </a:lnSpc>
+        <a:spcBef>
+          <a:spcPts val="500"/>
+        </a:spcBef>
+        <a:buFont typeface="Arial" panose="020B0604020202020204" pitchFamily="34" charset="0"/>
+        <a:buChar char="•"/>
+        <a:defRPr sz="2400" kern="1200">
+          <a:solidFill>
+            <a:schemeClr val="tx1"/>
+          </a:solidFill>
+          <a:latin typeface="+mn-lt"/>
+          <a:ea typeface="+mn-ea"/>
+          <a:cs typeface="+mn-cs"/>
+        </a:defRPr>
+      </a:lvl2pPr>
+      <a:lvl3pPr marL="1143000" indent="-228600" algn="l" defTabSz="914400" rtl="0" eaLnBrk="1" latinLnBrk="0" hangingPunct="1">
+        <a:lnSpc>
+          <a:spcPct val="90000"/>
+        </a:lnSpc>
+        <a:spcBef>
+          <a:spcPts val="500"/>
+        </a:spcBef>
+        <a:buFont typeface="Arial" panose="020B0604020202020204" pitchFamily="34" charset="0"/>
+        <a:buChar char="•"/>
+        <a:defRPr sz="2000" kern="1200">
+          <a:solidFill>
+            <a:schemeClr val="tx1"/>
+          </a:solidFill>
+          <a:latin typeface="+mn-lt"/>
+          <a:ea typeface="+mn-ea"/>
+          <a:cs typeface="+mn-cs"/>
+        </a:defRPr>
+      </a:lvl3pPr>
+      <a:lvl4pPr marL="1600200" indent="-228600" algn="l" defTabSz="914400" rtl="0" eaLnBrk="1" latinLnBrk="0" hangingPunct="1">
+        <a:lnSpc>
+          <a:spcPct val="90000"/>
+        </a:lnSpc>
+        <a:spcBef>
+          <a:spcPts val="500"/>
+        </a:spcBef>
+        <a:buFont typeface="Arial" panose="020B0604020202020204" pitchFamily="34" charset="0"/>
+        <a:buChar char="•"/>
+        <a:defRPr sz="1800" kern="1200">
+          <a:solidFill>
+            <a:schemeClr val="tx1"/>
+          </a:solidFill>
+          <a:latin typeface="+mn-lt"/>
+          <a:ea typeface="+mn-ea"/>
+          <a:cs typeface="+mn-cs"/>
+        </a:defRPr>
+      </a:lvl4pPr>
+      <a:lvl5pPr marL="2057400" indent="-228600" algn="l" defTabSz="914400" rtl="0" eaLnBrk="1" latinLnBrk="0" hangingPunct="1">
+        <a:lnSpc>
+          <a:spcPct val="90000"/>
+        </a:lnSpc>
+        <a:spcBef>
+          <a:spcPts val="500"/>
+        </a:spcBef>
+        <a:buFont typeface="Arial" panose="020B0604020202020204" pitchFamily="34" charset="0"/>
+        <a:buChar char="•"/>
+        <a:defRPr sz="1800" kern="1200">
+          <a:solidFill>
+            <a:schemeClr val="tx1"/>
+          </a:solidFill>
+          <a:latin typeface="+mn-lt"/>
+          <a:ea typeface="+mn-ea"/>
+          <a:cs typeface="+mn-cs"/>
+        </a:defRPr>
+      </a:lvl5pPr>
+      <a:lvl6pPr marL="2514600" indent="-228600" algn="l" defTabSz="914400" rtl="0" eaLnBrk="1" latinLnBrk="0" hangingPunct="1">
+        <a:lnSpc>
+          <a:spcPct val="90000"/>
+        </a:lnSpc>
+        <a:spcBef>
+          <a:spcPts val="500"/>
+        </a:spcBef>
+        <a:buFont typeface="Arial" panose="020B0604020202020204" pitchFamily="34" charset="0"/>
+        <a:buChar char="•"/>
+        <a:defRPr sz="1800" kern="1200">
+          <a:solidFill>
+            <a:schemeClr val="tx1"/>
+          </a:solidFill>
+          <a:latin typeface="+mn-lt"/>
+          <a:ea typeface="+mn-ea"/>
+          <a:cs typeface="+mn-cs"/>
+        </a:defRPr>
+      </a:lvl6pPr>
+      <a:lvl7pPr marL="2971800" indent="-228600" algn="l" defTabSz="914400" rtl="0" eaLnBrk="1" latinLnBrk="0" hangingPunct="1">
+        <a:lnSpc>
+          <a:spcPct val="90000"/>
+        </a:lnSpc>
+        <a:spcBef>
+          <a:spcPts val="500"/>
+        </a:spcBef>
+        <a:buFont typeface="Arial" panose="020B0604020202020204" pitchFamily="34" charset="0"/>
+        <a:buChar char="•"/>
+        <a:defRPr sz="1800" kern="1200">
+          <a:solidFill>
+            <a:schemeClr val="tx1"/>
+          </a:solidFill>
+          <a:latin typeface="+mn-lt"/>
+          <a:ea typeface="+mn-ea"/>
+          <a:cs typeface="+mn-cs"/>
+        </a:defRPr>
+      </a:lvl7pPr>
+      <a:lvl8pPr marL="3429000" indent="-228600" algn="l" defTabSz="914400" rtl="0" eaLnBrk="1" latinLnBrk="0" hangingPunct="1">
+        <a:lnSpc>
+          <a:spcPct val="90000"/>
+        </a:lnSpc>
+        <a:spcBef>
+          <a:spcPts val="500"/>
+        </a:spcBef>
+        <a:buFont typeface="Arial" panose="020B0604020202020204" pitchFamily="34" charset="0"/>
+        <a:buChar char="•"/>
+        <a:defRPr sz="1800" kern="1200">
+          <a:solidFill>
+            <a:schemeClr val="tx1"/>
+          </a:solidFill>
+          <a:latin typeface="+mn-lt"/>
+          <a:ea typeface="+mn-ea"/>
+          <a:cs typeface="+mn-cs"/>
+        </a:defRPr>
+      </a:lvl8pPr>
+      <a:lvl9pPr marL="3886200" indent="-228600" algn="l" defTabSz="914400" rtl="0" eaLnBrk="1" latinLnBrk="0" hangingPunct="1">
+        <a:lnSpc>
+          <a:spcPct val="90000"/>
+        </a:lnSpc>
+        <a:spcBef>
+          <a:spcPts val="500"/>
+        </a:spcBef>
+        <a:buFont typeface="Arial" panose="020B0604020202020204" pitchFamily="34" charset="0"/>
+        <a:buChar char="•"/>
+        <a:defRPr sz="1800" kern="1200">
+          <a:solidFill>
+            <a:schemeClr val="tx1"/>
+          </a:solidFill>
+          <a:latin typeface="+mn-lt"/>
+          <a:ea typeface="+mn-ea"/>
+          <a:cs typeface="+mn-cs"/>
+        </a:defRPr>
+      </a:lvl9pPr>
+    </p:bodyStyle>
+    <p:otherStyle>
+      <a:defPPr>
+        <a:defRPr lang="de-DE"/>
+      </a:defPPr>
+      <a:lvl1pPr marL="0" algn="l" defTabSz="914400" rtl="0" eaLnBrk="1" latinLnBrk="0" hangingPunct="1">
+        <a:defRPr sz="1800" kern="1200">
+          <a:solidFill>
+            <a:schemeClr val="tx1"/>
+          </a:solidFill>
+          <a:latin typeface="+mn-lt"/>
+          <a:ea typeface="+mn-ea"/>
+          <a:cs typeface="+mn-cs"/>
+        </a:defRPr>
+      </a:lvl1pPr>
+      <a:lvl2pPr marL="457200" algn="l" defTabSz="914400" rtl="0" eaLnBrk="1" latinLnBrk="0" hangingPunct="1">
+        <a:defRPr sz="1800" kern="1200">
+          <a:solidFill>
+            <a:schemeClr val="tx1"/>
+          </a:solidFill>
+          <a:latin typeface="+mn-lt"/>
+          <a:ea typeface="+mn-ea"/>
+          <a:cs typeface="+mn-cs"/>
+        </a:defRPr>
+      </a:lvl2pPr>
+      <a:lvl3pPr marL="914400" algn="l" defTabSz="914400" rtl="0" eaLnBrk="1" latinLnBrk="0" hangingPunct="1">
+        <a:defRPr sz="1800" kern="1200">
+          <a:solidFill>
+            <a:schemeClr val="tx1"/>
+          </a:solidFill>
+          <a:latin typeface="+mn-lt"/>
+          <a:ea typeface="+mn-ea"/>
+          <a:cs typeface="+mn-cs"/>
+        </a:defRPr>
+      </a:lvl3pPr>
+      <a:lvl4pPr marL="1371600" algn="l" defTabSz="914400" rtl="0" eaLnBrk="1" latinLnBrk="0" hangingPunct="1">
+        <a:defRPr sz="1800" kern="1200">
+          <a:solidFill>
+            <a:schemeClr val="tx1"/>
+          </a:solidFill>
+          <a:latin typeface="+mn-lt"/>
+          <a:ea typeface="+mn-ea"/>
+          <a:cs typeface="+mn-cs"/>
+        </a:defRPr>
+      </a:lvl4pPr>
+      <a:lvl5pPr marL="1828800" algn="l" defTabSz="914400" rtl="0" eaLnBrk="1" latinLnBrk="0" hangingPunct="1">
+        <a:defRPr sz="1800" kern="1200">
+          <a:solidFill>
+            <a:schemeClr val="tx1"/>
+          </a:solidFill>
+          <a:latin typeface="+mn-lt"/>
+          <a:ea typeface="+mn-ea"/>
+          <a:cs typeface="+mn-cs"/>
+        </a:defRPr>
+      </a:lvl5pPr>
+      <a:lvl6pPr marL="2286000" algn="l" defTabSz="914400" rtl="0" eaLnBrk="1" latinLnBrk="0" hangingPunct="1">
+        <a:defRPr sz="1800" kern="1200">
+          <a:solidFill>
+            <a:schemeClr val="tx1"/>
+          </a:solidFill>
+          <a:latin typeface="+mn-lt"/>
+          <a:ea typeface="+mn-ea"/>
+          <a:cs typeface="+mn-cs"/>
+        </a:defRPr>
+      </a:lvl6pPr>
+      <a:lvl7pPr marL="2743200" algn="l" defTabSz="914400" rtl="0" eaLnBrk="1" latinLnBrk="0" hangingPunct="1">
+        <a:defRPr sz="1800" kern="1200">
+          <a:solidFill>
+            <a:schemeClr val="tx1"/>
+          </a:solidFill>
+          <a:latin typeface="+mn-lt"/>
+          <a:ea typeface="+mn-ea"/>
+          <a:cs typeface="+mn-cs"/>
+        </a:defRPr>
+      </a:lvl7pPr>
+      <a:lvl8pPr marL="3200400" algn="l" defTabSz="914400" rtl="0" eaLnBrk="1" latinLnBrk="0" hangingPunct="1">
+        <a:defRPr sz="1800" kern="1200">
+          <a:solidFill>
+            <a:schemeClr val="tx1"/>
+          </a:solidFill>
+          <a:latin typeface="+mn-lt"/>
+          <a:ea typeface="+mn-ea"/>
+          <a:cs typeface="+mn-cs"/>
+        </a:defRPr>
+      </a:lvl8pPr>
+      <a:lvl9pPr marL="3657600" algn="l" defTabSz="914400" rtl="0" eaLnBrk="1" latinLnBrk="0" hangingPunct="1">
+        <a:defRPr sz="1800" kern="1200">
+          <a:solidFill>
+            <a:schemeClr val="tx1"/>
+          </a:solidFill>
+          <a:latin typeface="+mn-lt"/>
+          <a:ea typeface="+mn-ea"/>
+          <a:cs typeface="+mn-cs"/>
+        </a:defRPr>
+      </a:lvl9pPr>
+    </p:otherStyle>
+  </p:txStyles>
+</p:sldMaster>
+</file>
+
+<file path=ppt/slideMasters/slideMaster2.xml><?xml version="1.0" encoding="utf-8"?>
+<p:sldMaster xmlns:a="http://schemas.openxmlformats.org/drawingml/2006/main" xmlns:r="http://schemas.openxmlformats.org/officeDocument/2006/relationships" xmlns:p="http://schemas.openxmlformats.org/presentationml/2006/main">
+  <p:cSld>
+    <p:bg>
+      <p:bgRef idx="1001">
+        <a:schemeClr val="bg1"/>
+      </p:bgRef>
+    </p:bg>
+    <p:spTree>
+      <p:nvGrpSpPr>
+        <p:cNvPr id="1" name=""/>
+        <p:cNvGrpSpPr/>
+        <p:nvPr/>
+      </p:nvGrpSpPr>
+      <p:grpSpPr>
+        <a:xfrm>
+          <a:off x="0" y="0"/>
+          <a:ext cx="0" cy="0"/>
+          <a:chOff x="0" y="0"/>
+          <a:chExt cx="0" cy="0"/>
+        </a:xfrm>
+      </p:grpSpPr>
+      <p:sp>
+        <p:nvSpPr>
+          <p:cNvPr id="45" name="CustomShape 1"/>
+          <p:cNvSpPr/>
+          <p:nvPr/>
+        </p:nvSpPr>
+        <p:spPr>
+          <a:xfrm>
+            <a:off x="0" y="2019600"/>
+            <a:ext cx="12191760" cy="4105440"/>
+          </a:xfrm>
+          <a:prstGeom prst="rect">
+            <a:avLst/>
+          </a:prstGeom>
+          <a:gradFill rotWithShape="0">
+            <a:gsLst>
+              <a:gs pos="0">
+                <a:srgbClr val="DFDBD5">
+                  <a:alpha val="0"/>
+                </a:srgbClr>
+              </a:gs>
+              <a:gs pos="100000">
+                <a:srgbClr val="DFDBD5"/>
+              </a:gs>
+            </a:gsLst>
+            <a:lin ang="5400000"/>
+          </a:gradFill>
+          <a:ln>
+            <a:noFill/>
+          </a:ln>
+        </p:spPr>
+        <p:style>
+          <a:lnRef idx="2">
+            <a:schemeClr val="accent1">
+              <a:shade val="50000"/>
+            </a:schemeClr>
+          </a:lnRef>
+          <a:fillRef idx="1">
+            <a:schemeClr val="accent1"/>
+          </a:fillRef>
+          <a:effectRef idx="0">
+            <a:schemeClr val="accent1"/>
+          </a:effectRef>
+          <a:fontRef idx="minor"/>
+        </p:style>
+      </p:sp>
+      <p:pic>
+        <p:nvPicPr>
+          <p:cNvPr id="46" name="Picture 6"/>
+          <p:cNvPicPr/>
+          <p:nvPr/>
+        </p:nvPicPr>
+        <p:blipFill>
+          <a:blip r:embed="rId14"/>
+          <a:srcRect t="1545" b="-1545"/>
+          <a:stretch/>
+        </p:blipFill>
+        <p:spPr>
+          <a:xfrm>
+            <a:off x="0" y="6126480"/>
+            <a:ext cx="12191760" cy="742680"/>
+          </a:xfrm>
+          <a:prstGeom prst="rect">
+            <a:avLst/>
+          </a:prstGeom>
+          <a:ln>
+            <a:noFill/>
+          </a:ln>
+        </p:spPr>
+      </p:pic>
+      <p:sp>
+        <p:nvSpPr>
+          <p:cNvPr id="47" name="Line 2"/>
+          <p:cNvSpPr/>
+          <p:nvPr/>
+        </p:nvSpPr>
+        <p:spPr>
+          <a:xfrm>
+            <a:off x="0" y="6128280"/>
+            <a:ext cx="12191760" cy="0"/>
+          </a:xfrm>
+          <a:prstGeom prst="line">
+            <a:avLst/>
+          </a:prstGeom>
+          <a:ln w="12600">
+            <a:solidFill>
+              <a:srgbClr val="000001"/>
+            </a:solidFill>
+            <a:round/>
+          </a:ln>
+        </p:spPr>
+        <p:style>
+          <a:lnRef idx="1">
+            <a:schemeClr val="accent1"/>
+          </a:lnRef>
+          <a:fillRef idx="0">
+            <a:schemeClr val="accent1"/>
+          </a:fillRef>
+          <a:effectRef idx="0">
+            <a:schemeClr val="accent1"/>
+          </a:effectRef>
+          <a:fontRef idx="minor"/>
+        </p:style>
+      </p:sp>
+      <p:sp>
+        <p:nvSpPr>
+          <p:cNvPr id="48" name="PlaceHolder 3"/>
+          <p:cNvSpPr>
+            <a:spLocks noGrp="1"/>
+          </p:cNvSpPr>
+          <p:nvPr>
+            <p:ph type="title"/>
+          </p:nvPr>
+        </p:nvSpPr>
+        <p:spPr>
+          <a:xfrm>
+            <a:off x="1451520" y="804600"/>
+            <a:ext cx="9603000" cy="1049040"/>
+          </a:xfrm>
+          <a:prstGeom prst="rect">
+            <a:avLst/>
+          </a:prstGeom>
+        </p:spPr>
+        <p:txBody>
+          <a:bodyPr>
+            <a:noAutofit/>
+          </a:bodyPr>
+          <a:lstStyle/>
+          <a:p>
+            <a:pPr>
+              <a:lnSpc>
+                <a:spcPct val="90000"/>
+              </a:lnSpc>
+            </a:pPr>
+            <a:r>
+              <a:rPr lang="en-US" sz="3200" b="0" strike="noStrike" cap="all" spc="-1">
+                <a:solidFill>
+                  <a:srgbClr val="000000"/>
+                </a:solidFill>
+                <a:latin typeface="Gill Sans MT"/>
+              </a:rPr>
+              <a:t>Mastertitelformat bearbeiten</a:t>
+            </a:r>
+            <a:endParaRPr lang="en-US" sz="3200" b="0" strike="noStrike" spc="-1">
+              <a:solidFill>
+                <a:srgbClr val="000000"/>
+              </a:solidFill>
+              <a:latin typeface="Gill Sans MT"/>
+            </a:endParaRPr>
+          </a:p>
+        </p:txBody>
+      </p:sp>
+      <p:sp>
+        <p:nvSpPr>
+          <p:cNvPr id="49" name="PlaceHolder 4"/>
+          <p:cNvSpPr>
+            <a:spLocks noGrp="1"/>
+          </p:cNvSpPr>
+          <p:nvPr>
+            <p:ph type="body"/>
+          </p:nvPr>
+        </p:nvSpPr>
+        <p:spPr>
+          <a:xfrm>
+            <a:off x="1451520" y="2015640"/>
+            <a:ext cx="9603000" cy="3450240"/>
+          </a:xfrm>
+          <a:prstGeom prst="rect">
+            <a:avLst/>
+          </a:prstGeom>
+        </p:spPr>
+        <p:txBody>
+          <a:bodyPr>
+            <a:noAutofit/>
+          </a:bodyPr>
+          <a:lstStyle/>
+          <a:p>
+            <a:pPr marL="228600" indent="-228240">
+              <a:lnSpc>
+                <a:spcPct val="120000"/>
+              </a:lnSpc>
+              <a:spcBef>
+                <a:spcPts val="1001"/>
+              </a:spcBef>
+              <a:buClr>
+                <a:srgbClr val="B71E42"/>
+              </a:buClr>
+              <a:buFont typeface="Arial"/>
+              <a:buChar char="•"/>
+            </a:pPr>
+            <a:r>
+              <a:rPr lang="en-US" sz="2000" b="0" strike="noStrike" spc="-1">
+                <a:solidFill>
+                  <a:srgbClr val="000000"/>
+                </a:solidFill>
+                <a:latin typeface="Gill Sans MT"/>
+              </a:rPr>
+              <a:t>Mastertextformat bearbeiten</a:t>
+            </a:r>
+          </a:p>
+          <a:p>
+            <a:pPr marL="685800" lvl="1" indent="-228240">
+              <a:lnSpc>
+                <a:spcPct val="120000"/>
+              </a:lnSpc>
+              <a:spcBef>
+                <a:spcPts val="499"/>
+              </a:spcBef>
+              <a:buClr>
+                <a:srgbClr val="B71E42"/>
+              </a:buClr>
+              <a:buFont typeface="Arial"/>
+              <a:buChar char="•"/>
+            </a:pPr>
+            <a:r>
+              <a:rPr lang="en-US" sz="1800" b="0" strike="noStrike" spc="-1">
+                <a:solidFill>
+                  <a:srgbClr val="000000"/>
+                </a:solidFill>
+                <a:latin typeface="Gill Sans MT"/>
+              </a:rPr>
+              <a:t>Zweite Ebene</a:t>
+            </a:r>
+          </a:p>
+          <a:p>
+            <a:pPr marL="1143000" lvl="2" indent="-228240">
+              <a:lnSpc>
+                <a:spcPct val="120000"/>
+              </a:lnSpc>
+              <a:spcBef>
+                <a:spcPts val="499"/>
+              </a:spcBef>
+              <a:buClr>
+                <a:srgbClr val="B71E42"/>
+              </a:buClr>
+              <a:buFont typeface="Arial"/>
+              <a:buChar char="•"/>
+            </a:pPr>
+            <a:r>
+              <a:rPr lang="en-US" sz="1600" b="0" strike="noStrike" spc="-1">
+                <a:solidFill>
+                  <a:srgbClr val="000000"/>
+                </a:solidFill>
+                <a:latin typeface="Gill Sans MT"/>
+              </a:rPr>
+              <a:t>Dritte Ebene</a:t>
+            </a:r>
+          </a:p>
+          <a:p>
+            <a:pPr marL="1600200" lvl="3" indent="-228240">
+              <a:lnSpc>
+                <a:spcPct val="120000"/>
+              </a:lnSpc>
+              <a:spcBef>
+                <a:spcPts val="499"/>
+              </a:spcBef>
+              <a:buClr>
+                <a:srgbClr val="B71E42"/>
+              </a:buClr>
+              <a:buFont typeface="Arial"/>
+              <a:buChar char="•"/>
+            </a:pPr>
+            <a:r>
+              <a:rPr lang="en-US" sz="1400" b="0" strike="noStrike" spc="-1">
+                <a:solidFill>
+                  <a:srgbClr val="000000"/>
+                </a:solidFill>
+                <a:latin typeface="Gill Sans MT"/>
+              </a:rPr>
+              <a:t>Vierte Ebene</a:t>
+            </a:r>
+          </a:p>
+          <a:p>
+            <a:pPr marL="2057400" lvl="4" indent="-228240">
+              <a:lnSpc>
+                <a:spcPct val="120000"/>
+              </a:lnSpc>
+              <a:spcBef>
+                <a:spcPts val="499"/>
+              </a:spcBef>
+              <a:buClr>
+                <a:srgbClr val="B71E42"/>
+              </a:buClr>
+              <a:buFont typeface="Arial"/>
+              <a:buChar char="•"/>
+            </a:pPr>
+            <a:r>
+              <a:rPr lang="en-US" sz="1200" b="0" strike="noStrike" spc="-1">
+                <a:solidFill>
+                  <a:srgbClr val="000000"/>
+                </a:solidFill>
+                <a:latin typeface="Gill Sans MT"/>
+              </a:rPr>
+              <a:t>Fünfte Ebene</a:t>
+            </a:r>
+          </a:p>
+        </p:txBody>
+      </p:sp>
+      <p:sp>
+        <p:nvSpPr>
+          <p:cNvPr id="50" name="PlaceHolder 5"/>
+          <p:cNvSpPr>
+            <a:spLocks noGrp="1"/>
+          </p:cNvSpPr>
+          <p:nvPr>
+            <p:ph type="dt"/>
+          </p:nvPr>
+        </p:nvSpPr>
+        <p:spPr>
+          <a:xfrm>
+            <a:off x="7554240" y="330480"/>
+            <a:ext cx="3500280" cy="308880"/>
+          </a:xfrm>
+          <a:prstGeom prst="rect">
+            <a:avLst/>
+          </a:prstGeom>
+        </p:spPr>
+        <p:txBody>
+          <a:bodyPr anchor="ctr">
+            <a:noAutofit/>
+          </a:bodyPr>
+          <a:lstStyle/>
+          <a:p>
+            <a:pPr algn="r">
+              <a:lnSpc>
+                <a:spcPct val="100000"/>
+              </a:lnSpc>
+            </a:pPr>
+            <a:fld id="{222FEFBB-B9CD-476C-A8BE-60210F7C36C6}" type="datetime">
+              <a:rPr lang="de-DE" sz="1000" b="0" strike="noStrike" spc="-1">
+                <a:solidFill>
+                  <a:srgbClr val="8B8B8B"/>
+                </a:solidFill>
+                <a:latin typeface="Gill Sans MT"/>
+              </a:rPr>
+              <a:t>01.12.2020</a:t>
+            </a:fld>
+            <a:endParaRPr lang="de-DE" sz="1000" b="0" strike="noStrike" spc="-1">
+              <a:latin typeface="Times New Roman"/>
+            </a:endParaRPr>
+          </a:p>
+        </p:txBody>
+      </p:sp>
+      <p:sp>
+        <p:nvSpPr>
+          <p:cNvPr id="51" name="PlaceHolder 6"/>
+          <p:cNvSpPr>
+            <a:spLocks noGrp="1"/>
+          </p:cNvSpPr>
+          <p:nvPr>
+            <p:ph type="ftr"/>
+          </p:nvPr>
+        </p:nvSpPr>
+        <p:spPr>
+          <a:xfrm>
+            <a:off x="1451520" y="329400"/>
+            <a:ext cx="5938560" cy="308880"/>
+          </a:xfrm>
+          <a:prstGeom prst="rect">
+            <a:avLst/>
+          </a:prstGeom>
+        </p:spPr>
+        <p:txBody>
+          <a:bodyPr anchor="ctr">
+            <a:noAutofit/>
+          </a:bodyPr>
+          <a:lstStyle/>
+          <a:p>
+            <a:endParaRPr lang="de-DE" sz="2400" b="0" strike="noStrike" spc="-1">
+              <a:latin typeface="Times New Roman"/>
+            </a:endParaRPr>
+          </a:p>
+        </p:txBody>
+      </p:sp>
+      <p:sp>
+        <p:nvSpPr>
+          <p:cNvPr id="52" name="PlaceHolder 7"/>
+          <p:cNvSpPr>
+            <a:spLocks noGrp="1"/>
+          </p:cNvSpPr>
+          <p:nvPr>
+            <p:ph type="sldNum"/>
+          </p:nvPr>
+        </p:nvSpPr>
+        <p:spPr>
+          <a:xfrm>
+            <a:off x="480240" y="798840"/>
+            <a:ext cx="810720" cy="503280"/>
+          </a:xfrm>
+          <a:prstGeom prst="rect">
+            <a:avLst/>
+          </a:prstGeom>
+        </p:spPr>
+        <p:txBody>
+          <a:bodyPr>
+            <a:noAutofit/>
+          </a:bodyPr>
+          <a:lstStyle/>
+          <a:p>
+            <a:pPr algn="r">
+              <a:lnSpc>
+                <a:spcPct val="100000"/>
+              </a:lnSpc>
+            </a:pPr>
+            <a:fld id="{CBEBB477-A3B7-4BFB-99B6-8DFEE3FC05BF}" type="slidenum">
+              <a:rPr lang="de-DE" sz="2800" b="0" strike="noStrike" spc="-1">
+                <a:solidFill>
+                  <a:srgbClr val="B71E42"/>
+                </a:solidFill>
+                <a:latin typeface="Gill Sans MT"/>
+              </a:rPr>
+              <a:t>‹Nr.›</a:t>
+            </a:fld>
+            <a:endParaRPr lang="de-DE" sz="2800" b="0" strike="noStrike" spc="-1">
+              <a:latin typeface="Times New Roman"/>
+            </a:endParaRPr>
+          </a:p>
+        </p:txBody>
+      </p:sp>
+      <p:sp>
+        <p:nvSpPr>
+          <p:cNvPr id="53" name="Line 8"/>
+          <p:cNvSpPr/>
+          <p:nvPr/>
+        </p:nvSpPr>
+        <p:spPr>
+          <a:xfrm>
+            <a:off x="1453680" y="1846800"/>
+            <a:ext cx="9607680" cy="0"/>
+          </a:xfrm>
+          <a:prstGeom prst="line">
+            <a:avLst/>
+          </a:prstGeom>
+          <a:ln w="31680">
+            <a:round/>
+          </a:ln>
+        </p:spPr>
+        <p:style>
+          <a:lnRef idx="3">
+            <a:schemeClr val="accent1"/>
+          </a:lnRef>
+          <a:fillRef idx="0">
+            <a:schemeClr val="accent1"/>
+          </a:fillRef>
+          <a:effectRef idx="2">
+            <a:schemeClr val="accent1"/>
+          </a:effectRef>
+          <a:fontRef idx="minor"/>
+        </p:style>
+      </p:sp>
+    </p:spTree>
+  </p:cSld>
+  <p:clrMap bg1="lt1" tx1="dk1" bg2="lt2" tx2="dk2" accent1="accent1" accent2="accent2" accent3="accent3" accent4="accent4" accent5="accent5" accent6="accent6" hlink="hlink" folHlink="folHlink"/>
+  <p:sldLayoutIdLst>
+    <p:sldLayoutId id="2147483662" r:id="rId1"/>
+    <p:sldLayoutId id="2147483663" r:id="rId2"/>
+    <p:sldLayoutId id="2147483664" r:id="rId3"/>
+    <p:sldLayoutId id="2147483665" r:id="rId4"/>
+    <p:sldLayoutId id="2147483666" r:id="rId5"/>
+    <p:sldLayoutId id="2147483667" r:id="rId6"/>
+    <p:sldLayoutId id="2147483668" r:id="rId7"/>
+    <p:sldLayoutId id="2147483669" r:id="rId8"/>
+    <p:sldLayoutId id="2147483670" r:id="rId9"/>
+    <p:sldLayoutId id="2147483671" r:id="rId10"/>
+    <p:sldLayoutId id="2147483672" r:id="rId11"/>
+    <p:sldLayoutId id="2147483673" r:id="rId12"/>
+  </p:sldLayoutIdLst>
+  <p:txStyles>
+    <p:titleStyle>
+      <a:lvl1pPr algn="l" defTabSz="914400" rtl="0" eaLnBrk="1" latinLnBrk="0" hangingPunct="1">
+        <a:lnSpc>
+          <a:spcPct val="90000"/>
+        </a:lnSpc>
+        <a:spcBef>
+          <a:spcPct val="0"/>
+        </a:spcBef>
+        <a:buNone/>
+        <a:defRPr sz="4400" kern="1200">
+          <a:solidFill>
+            <a:schemeClr val="tx1"/>
+          </a:solidFill>
+          <a:latin typeface="+mj-lt"/>
+          <a:ea typeface="+mj-ea"/>
+          <a:cs typeface="+mj-cs"/>
+        </a:defRPr>
+      </a:lvl1pPr>
+    </p:titleStyle>
+    <p:bodyStyle>
+      <a:lvl1pPr marL="228600" indent="-228600" algn="l" defTabSz="914400" rtl="0" eaLnBrk="1" latinLnBrk="0" hangingPunct="1">
+        <a:lnSpc>
+          <a:spcPct val="90000"/>
+        </a:lnSpc>
+        <a:spcBef>
+          <a:spcPts val="1000"/>
+        </a:spcBef>
+        <a:buFont typeface="Arial" panose="020B0604020202020204" pitchFamily="34" charset="0"/>
+        <a:buChar char="•"/>
+        <a:defRPr sz="2800" kern="1200">
+          <a:solidFill>
+            <a:schemeClr val="tx1"/>
+          </a:solidFill>
+          <a:latin typeface="+mn-lt"/>
+          <a:ea typeface="+mn-ea"/>
+          <a:cs typeface="+mn-cs"/>
+        </a:defRPr>
+      </a:lvl1pPr>
+      <a:lvl2pPr marL="685800" indent="-228600" algn="l" defTabSz="914400" rtl="0" eaLnBrk="1" latinLnBrk="0" hangingPunct="1">
+        <a:lnSpc>
+          <a:spcPct val="90000"/>
+        </a:lnSpc>
+        <a:spcBef>
+          <a:spcPts val="500"/>
+        </a:spcBef>
+        <a:buFont typeface="Arial" panose="020B0604020202020204" pitchFamily="34" charset="0"/>
+        <a:buChar char="•"/>
+        <a:defRPr sz="2400" kern="1200">
+          <a:solidFill>
+            <a:schemeClr val="tx1"/>
+          </a:solidFill>
+          <a:latin typeface="+mn-lt"/>
+          <a:ea typeface="+mn-ea"/>
+          <a:cs typeface="+mn-cs"/>
+        </a:defRPr>
+      </a:lvl2pPr>
+      <a:lvl3pPr marL="1143000" indent="-228600" algn="l" defTabSz="914400" rtl="0" eaLnBrk="1" latinLnBrk="0" hangingPunct="1">
+        <a:lnSpc>
+          <a:spcPct val="90000"/>
+        </a:lnSpc>
+        <a:spcBef>
+          <a:spcPts val="500"/>
+        </a:spcBef>
+        <a:buFont typeface="Arial" panose="020B0604020202020204" pitchFamily="34" charset="0"/>
+        <a:buChar char="•"/>
+        <a:defRPr sz="2000" kern="1200">
+          <a:solidFill>
+            <a:schemeClr val="tx1"/>
+          </a:solidFill>
+          <a:latin typeface="+mn-lt"/>
+          <a:ea typeface="+mn-ea"/>
+          <a:cs typeface="+mn-cs"/>
+        </a:defRPr>
+      </a:lvl3pPr>
+      <a:lvl4pPr marL="1600200" indent="-228600" algn="l" defTabSz="914400" rtl="0" eaLnBrk="1" latinLnBrk="0" hangingPunct="1">
+        <a:lnSpc>
+          <a:spcPct val="90000"/>
+        </a:lnSpc>
+        <a:spcBef>
+          <a:spcPts val="500"/>
+        </a:spcBef>
+        <a:buFont typeface="Arial" panose="020B0604020202020204" pitchFamily="34" charset="0"/>
+        <a:buChar char="•"/>
+        <a:defRPr sz="1800" kern="1200">
+          <a:solidFill>
+            <a:schemeClr val="tx1"/>
+          </a:solidFill>
+          <a:latin typeface="+mn-lt"/>
+          <a:ea typeface="+mn-ea"/>
+          <a:cs typeface="+mn-cs"/>
+        </a:defRPr>
+      </a:lvl4pPr>
+      <a:lvl5pPr marL="2057400" indent="-228600" algn="l" defTabSz="914400" rtl="0" eaLnBrk="1" latinLnBrk="0" hangingPunct="1">
+        <a:lnSpc>
+          <a:spcPct val="90000"/>
+        </a:lnSpc>
+        <a:spcBef>
+          <a:spcPts val="500"/>
+        </a:spcBef>
+        <a:buFont typeface="Arial" panose="020B0604020202020204" pitchFamily="34" charset="0"/>
+        <a:buChar char="•"/>
+        <a:defRPr sz="1800" kern="1200">
+          <a:solidFill>
+            <a:schemeClr val="tx1"/>
+          </a:solidFill>
+          <a:latin typeface="+mn-lt"/>
+          <a:ea typeface="+mn-ea"/>
+          <a:cs typeface="+mn-cs"/>
+        </a:defRPr>
+      </a:lvl5pPr>
+      <a:lvl6pPr marL="2514600" indent="-228600" algn="l" defTabSz="914400" rtl="0" eaLnBrk="1" latinLnBrk="0" hangingPunct="1">
+        <a:lnSpc>
+          <a:spcPct val="90000"/>
+        </a:lnSpc>
+        <a:spcBef>
+          <a:spcPts val="500"/>
+        </a:spcBef>
+        <a:buFont typeface="Arial" panose="020B0604020202020204" pitchFamily="34" charset="0"/>
+        <a:buChar char="•"/>
+        <a:defRPr sz="1800" kern="1200">
+          <a:solidFill>
+            <a:schemeClr val="tx1"/>
+          </a:solidFill>
+          <a:latin typeface="+mn-lt"/>
+          <a:ea typeface="+mn-ea"/>
+          <a:cs typeface="+mn-cs"/>
+        </a:defRPr>
+      </a:lvl6pPr>
+      <a:lvl7pPr marL="2971800" indent="-228600" algn="l" defTabSz="914400" rtl="0" eaLnBrk="1" latinLnBrk="0" hangingPunct="1">
+        <a:lnSpc>
+          <a:spcPct val="90000"/>
+        </a:lnSpc>
+        <a:spcBef>
+          <a:spcPts val="500"/>
+        </a:spcBef>
+        <a:buFont typeface="Arial" panose="020B0604020202020204" pitchFamily="34" charset="0"/>
+        <a:buChar char="•"/>
+        <a:defRPr sz="1800" kern="1200">
+          <a:solidFill>
+            <a:schemeClr val="tx1"/>
+          </a:solidFill>
+          <a:latin typeface="+mn-lt"/>
+          <a:ea typeface="+mn-ea"/>
+          <a:cs typeface="+mn-cs"/>
+        </a:defRPr>
+      </a:lvl7pPr>
+      <a:lvl8pPr marL="3429000" indent="-228600" algn="l" defTabSz="914400" rtl="0" eaLnBrk="1" latinLnBrk="0" hangingPunct="1">
+        <a:lnSpc>
+          <a:spcPct val="90000"/>
+        </a:lnSpc>
+        <a:spcBef>
+          <a:spcPts val="500"/>
+        </a:spcBef>
+        <a:buFont typeface="Arial" panose="020B0604020202020204" pitchFamily="34" charset="0"/>
+        <a:buChar char="•"/>
+        <a:defRPr sz="1800" kern="1200">
+          <a:solidFill>
+            <a:schemeClr val="tx1"/>
+          </a:solidFill>
+          <a:latin typeface="+mn-lt"/>
+          <a:ea typeface="+mn-ea"/>
+          <a:cs typeface="+mn-cs"/>
+        </a:defRPr>
+      </a:lvl8pPr>
+      <a:lvl9pPr marL="3886200" indent="-228600" algn="l" defTabSz="914400" rtl="0" eaLnBrk="1" latinLnBrk="0" hangingPunct="1">
+        <a:lnSpc>
+          <a:spcPct val="90000"/>
+        </a:lnSpc>
+        <a:spcBef>
+          <a:spcPts val="500"/>
+        </a:spcBef>
+        <a:buFont typeface="Arial" panose="020B0604020202020204" pitchFamily="34" charset="0"/>
+        <a:buChar char="•"/>
+        <a:defRPr sz="1800" kern="1200">
+          <a:solidFill>
+            <a:schemeClr val="tx1"/>
+          </a:solidFill>
+          <a:latin typeface="+mn-lt"/>
+          <a:ea typeface="+mn-ea"/>
+          <a:cs typeface="+mn-cs"/>
+        </a:defRPr>
+      </a:lvl9pPr>
+    </p:bodyStyle>
+    <p:otherStyle>
+      <a:defPPr>
+        <a:defRPr lang="de-DE"/>
+      </a:defPPr>
+      <a:lvl1pPr marL="0" algn="l" defTabSz="914400" rtl="0" eaLnBrk="1" latinLnBrk="0" hangingPunct="1">
+        <a:defRPr sz="1800" kern="1200">
+          <a:solidFill>
+            <a:schemeClr val="tx1"/>
+          </a:solidFill>
+          <a:latin typeface="+mn-lt"/>
+          <a:ea typeface="+mn-ea"/>
+          <a:cs typeface="+mn-cs"/>
+        </a:defRPr>
+      </a:lvl1pPr>
+      <a:lvl2pPr marL="457200" algn="l" defTabSz="914400" rtl="0" eaLnBrk="1" latinLnBrk="0" hangingPunct="1">
+        <a:defRPr sz="1800" kern="1200">
+          <a:solidFill>
+            <a:schemeClr val="tx1"/>
+          </a:solidFill>
+          <a:latin typeface="+mn-lt"/>
+          <a:ea typeface="+mn-ea"/>
+          <a:cs typeface="+mn-cs"/>
+        </a:defRPr>
+      </a:lvl2pPr>
+      <a:lvl3pPr marL="914400" algn="l" defTabSz="914400" rtl="0" eaLnBrk="1" latinLnBrk="0" hangingPunct="1">
+        <a:defRPr sz="1800" kern="1200">
+          <a:solidFill>
+            <a:schemeClr val="tx1"/>
+          </a:solidFill>
+          <a:latin typeface="+mn-lt"/>
+          <a:ea typeface="+mn-ea"/>
+          <a:cs typeface="+mn-cs"/>
+        </a:defRPr>
+      </a:lvl3pPr>
+      <a:lvl4pPr marL="1371600" algn="l" defTabSz="914400" rtl="0" eaLnBrk="1" latinLnBrk="0" hangingPunct="1">
+        <a:defRPr sz="1800" kern="1200">
+          <a:solidFill>
+            <a:schemeClr val="tx1"/>
+          </a:solidFill>
+          <a:latin typeface="+mn-lt"/>
+          <a:ea typeface="+mn-ea"/>
+          <a:cs typeface="+mn-cs"/>
+        </a:defRPr>
+      </a:lvl4pPr>
+      <a:lvl5pPr marL="1828800" algn="l" defTabSz="914400" rtl="0" eaLnBrk="1" latinLnBrk="0" hangingPunct="1">
+        <a:defRPr sz="1800" kern="1200">
+          <a:solidFill>
+            <a:schemeClr val="tx1"/>
+          </a:solidFill>
+          <a:latin typeface="+mn-lt"/>
+          <a:ea typeface="+mn-ea"/>
+          <a:cs typeface="+mn-cs"/>
+        </a:defRPr>
+      </a:lvl5pPr>
+      <a:lvl6pPr marL="2286000" algn="l" defTabSz="914400" rtl="0" eaLnBrk="1" latinLnBrk="0" hangingPunct="1">
+        <a:defRPr sz="1800" kern="1200">
+          <a:solidFill>
+            <a:schemeClr val="tx1"/>
+          </a:solidFill>
+          <a:latin typeface="+mn-lt"/>
+          <a:ea typeface="+mn-ea"/>
+          <a:cs typeface="+mn-cs"/>
+        </a:defRPr>
+      </a:lvl6pPr>
+      <a:lvl7pPr marL="2743200" algn="l" defTabSz="914400" rtl="0" eaLnBrk="1" latinLnBrk="0" hangingPunct="1">
+        <a:defRPr sz="1800" kern="1200">
+          <a:solidFill>
+            <a:schemeClr val="tx1"/>
+          </a:solidFill>
+          <a:latin typeface="+mn-lt"/>
+          <a:ea typeface="+mn-ea"/>
+          <a:cs typeface="+mn-cs"/>
+        </a:defRPr>
+      </a:lvl7pPr>
+      <a:lvl8pPr marL="3200400" algn="l" defTabSz="914400" rtl="0" eaLnBrk="1" latinLnBrk="0" hangingPunct="1">
+        <a:defRPr sz="1800" kern="1200">
+          <a:solidFill>
+            <a:schemeClr val="tx1"/>
+          </a:solidFill>
+          <a:latin typeface="+mn-lt"/>
+          <a:ea typeface="+mn-ea"/>
+          <a:cs typeface="+mn-cs"/>
+        </a:defRPr>
+      </a:lvl8pPr>
+      <a:lvl9pPr marL="3657600" algn="l" defTabSz="914400" rtl="0" eaLnBrk="1" latinLnBrk="0" hangingPunct="1">
+        <a:defRPr sz="1800" kern="1200">
+          <a:solidFill>
+            <a:schemeClr val="tx1"/>
+          </a:solidFill>
+          <a:latin typeface="+mn-lt"/>
+          <a:ea typeface="+mn-ea"/>
+          <a:cs typeface="+mn-cs"/>
+        </a:defRPr>
+      </a:lvl9pPr>
+    </p:otherStyle>
+  </p:txStyles>
+</p:sldMaster>
+</file>
+
+<file path=ppt/slides/slide1.xml><?xml version="1.0" encoding="utf-8"?>
+<p:sld xmlns:a="http://schemas.openxmlformats.org/drawingml/2006/main" xmlns:r="http://schemas.openxmlformats.org/officeDocument/2006/relationships" xmlns:p="http://schemas.openxmlformats.org/presentationml/2006/main">
   <p:cSld>
     <p:spTree>
       <p:nvGrpSpPr>
@@ -2935,131 +4755,28 @@
       </p:grpSpPr>
       <p:sp>
         <p:nvSpPr>
-          <p:cNvPr id="0" name="CustomShape 1"/>
-          <p:cNvSpPr/>
+          <p:cNvPr id="90" name="TextShape 1"/>
+          <p:cNvSpPr txBox="1"/>
           <p:nvPr/>
         </p:nvSpPr>
         <p:spPr>
           <a:xfrm>
-            <a:off x="0" y="2019600"/>
-            <a:ext cx="12191760" cy="4105440"/>
-          </a:xfrm>
-          <a:prstGeom prst="rect">
-            <a:avLst/>
-          </a:prstGeom>
-          <a:gradFill rotWithShape="0">
-            <a:gsLst>
-              <a:gs pos="0">
-                <a:srgbClr val="dfdbd5">
-                  <a:alpha val="0"/>
-                </a:srgbClr>
-              </a:gs>
-              <a:gs pos="100000">
-                <a:srgbClr val="dfdbd5"/>
-              </a:gs>
-            </a:gsLst>
-            <a:lin ang="5400000"/>
-          </a:gradFill>
+            <a:off x="2417760" y="802440"/>
+            <a:ext cx="8636760" cy="2541240"/>
+          </a:xfrm>
+          <a:prstGeom prst="rect">
+            <a:avLst/>
+          </a:prstGeom>
+          <a:noFill/>
           <a:ln>
             <a:noFill/>
           </a:ln>
         </p:spPr>
-        <p:style>
-          <a:lnRef idx="2">
-            <a:schemeClr val="accent1">
-              <a:shade val="50000"/>
-            </a:schemeClr>
-          </a:lnRef>
-          <a:fillRef idx="1">
-            <a:schemeClr val="accent1"/>
-          </a:fillRef>
-          <a:effectRef idx="0">
-            <a:schemeClr val="accent1"/>
-          </a:effectRef>
-          <a:fontRef idx="minor"/>
-        </p:style>
-      </p:sp>
-      <p:pic>
-        <p:nvPicPr>
-          <p:cNvPr id="1" name="Picture 6" descr=""/>
-          <p:cNvPicPr/>
-          <p:nvPr/>
-        </p:nvPicPr>
-        <p:blipFill>
-          <a:blip r:embed="rId2"/>
-          <a:srcRect l="0" t="1545" r="0" b="-1545"/>
-          <a:stretch/>
-        </p:blipFill>
-        <p:spPr>
-          <a:xfrm>
-            <a:off x="0" y="6126480"/>
-            <a:ext cx="12191760" cy="742680"/>
-          </a:xfrm>
-          <a:prstGeom prst="rect">
-            <a:avLst/>
-          </a:prstGeom>
-          <a:ln>
-            <a:noFill/>
-          </a:ln>
-        </p:spPr>
-      </p:pic>
-      <p:sp>
-        <p:nvSpPr>
-          <p:cNvPr id="2" name="Line 2"/>
-          <p:cNvSpPr/>
-          <p:nvPr/>
-        </p:nvSpPr>
-        <p:spPr>
-          <a:xfrm>
-            <a:off x="0" y="6128280"/>
-            <a:ext cx="12191760" cy="0"/>
-          </a:xfrm>
-          <a:prstGeom prst="line">
-            <a:avLst/>
-          </a:prstGeom>
-          <a:ln w="12600">
-            <a:solidFill>
-              <a:srgbClr val="000001"/>
-            </a:solidFill>
-            <a:round/>
-          </a:ln>
-        </p:spPr>
-        <p:style>
-          <a:lnRef idx="1">
-            <a:schemeClr val="accent1"/>
-          </a:lnRef>
-          <a:fillRef idx="0">
-            <a:schemeClr val="accent1"/>
-          </a:fillRef>
-          <a:effectRef idx="0">
-            <a:schemeClr val="accent1"/>
-          </a:effectRef>
-          <a:fontRef idx="minor"/>
-        </p:style>
-      </p:sp>
-      <p:sp>
-        <p:nvSpPr>
-          <p:cNvPr id="3" name="PlaceHolder 3"/>
-          <p:cNvSpPr>
-            <a:spLocks noGrp="1"/>
-          </p:cNvSpPr>
-          <p:nvPr>
-            <p:ph type="title"/>
-          </p:nvPr>
-        </p:nvSpPr>
-        <p:spPr>
-          <a:xfrm>
-            <a:off x="2417760" y="802440"/>
-            <a:ext cx="8636760" cy="2541240"/>
-          </a:xfrm>
-          <a:prstGeom prst="rect">
-            <a:avLst/>
-          </a:prstGeom>
-        </p:spPr>
         <p:txBody>
           <a:bodyPr bIns="0" anchor="b">
-            <a:normAutofit/>
-          </a:bodyPr>
+            <a:noAutofit/>
+          </a:bodyPr>
+          <a:lstStyle/>
           <a:p>
             <a:pPr>
               <a:lnSpc>
@@ -3067,415 +4784,81 @@
               </a:lnSpc>
             </a:pPr>
             <a:r>
-              <a:rPr b="0" lang="en-US" sz="6600" spc="-1" strike="noStrike" cap="all">
-                <a:solidFill>
-                  <a:srgbClr val="000000"/>
-                </a:solidFill>
-                <a:latin typeface="Gill Sans MT"/>
-              </a:rPr>
-              <a:t>Mastertitelformat bearbeiten</a:t>
-            </a:r>
-            <a:endParaRPr b="0" lang="en-US" sz="6600" spc="-1" strike="noStrike">
-              <a:solidFill>
-                <a:srgbClr val="000000"/>
-              </a:solidFill>
-              <a:latin typeface="Gill Sans MT"/>
-            </a:endParaRPr>
-          </a:p>
-        </p:txBody>
-      </p:sp>
-      <p:sp>
-        <p:nvSpPr>
-          <p:cNvPr id="4" name="PlaceHolder 4"/>
-          <p:cNvSpPr>
-            <a:spLocks noGrp="1"/>
-          </p:cNvSpPr>
-          <p:nvPr>
-            <p:ph type="dt"/>
-          </p:nvPr>
-        </p:nvSpPr>
-        <p:spPr>
-          <a:xfrm>
-            <a:off x="7554240" y="330480"/>
-            <a:ext cx="3500280" cy="308880"/>
-          </a:xfrm>
-          <a:prstGeom prst="rect">
-            <a:avLst/>
-          </a:prstGeom>
-        </p:spPr>
-        <p:txBody>
-          <a:bodyPr anchor="ctr">
+              <a:rPr lang="en-US" sz="6600" b="0" strike="noStrike" cap="all" spc="-1">
+                <a:solidFill>
+                  <a:srgbClr val="000000"/>
+                </a:solidFill>
+                <a:latin typeface="Gill Sans MT"/>
+              </a:rPr>
+              <a:t>Carrier Tracking</a:t>
+            </a:r>
+            <a:endParaRPr lang="en-US" sz="6600" b="0" strike="noStrike" spc="-1">
+              <a:solidFill>
+                <a:srgbClr val="000000"/>
+              </a:solidFill>
+              <a:latin typeface="Gill Sans MT"/>
+            </a:endParaRPr>
+          </a:p>
+        </p:txBody>
+      </p:sp>
+      <p:sp>
+        <p:nvSpPr>
+          <p:cNvPr id="91" name="TextShape 2"/>
+          <p:cNvSpPr txBox="1"/>
+          <p:nvPr/>
+        </p:nvSpPr>
+        <p:spPr>
+          <a:xfrm>
+            <a:off x="2417760" y="3531240"/>
+            <a:ext cx="8636760" cy="977400"/>
+          </a:xfrm>
+          <a:prstGeom prst="rect">
+            <a:avLst/>
+          </a:prstGeom>
+          <a:noFill/>
+          <a:ln>
+            <a:noFill/>
+          </a:ln>
+        </p:spPr>
+        <p:txBody>
+          <a:bodyPr tIns="91440" bIns="91440">
             <a:noAutofit/>
           </a:bodyPr>
-          <a:p>
-            <a:pPr algn="r">
+          <a:lstStyle/>
+          <a:p>
+            <a:pPr>
               <a:lnSpc>
-                <a:spcPct val="100000"/>
+                <a:spcPct val="120000"/>
               </a:lnSpc>
+              <a:spcBef>
+                <a:spcPts val="1001"/>
+              </a:spcBef>
             </a:pPr>
-            <a:fld id="{4F0C6DD1-5A30-4CEA-8540-E71E2AB6035A}" type="datetime">
-              <a:rPr b="0" lang="de-DE" sz="1000" spc="-1" strike="noStrike">
-                <a:solidFill>
-                  <a:srgbClr val="8b8b8b"/>
-                </a:solidFill>
-                <a:latin typeface="Gill Sans MT"/>
-              </a:rPr>
-              <a:t>01.12.20</a:t>
-            </a:fld>
-            <a:endParaRPr b="0" lang="de-DE" sz="1000" spc="-1" strike="noStrike">
-              <a:latin typeface="Times New Roman"/>
-            </a:endParaRPr>
-          </a:p>
-        </p:txBody>
-      </p:sp>
-      <p:sp>
-        <p:nvSpPr>
-          <p:cNvPr id="5" name="PlaceHolder 5"/>
-          <p:cNvSpPr>
-            <a:spLocks noGrp="1"/>
-          </p:cNvSpPr>
-          <p:nvPr>
-            <p:ph type="ftr"/>
-          </p:nvPr>
-        </p:nvSpPr>
-        <p:spPr>
-          <a:xfrm>
-            <a:off x="2416680" y="329400"/>
-            <a:ext cx="4973400" cy="308880"/>
-          </a:xfrm>
-          <a:prstGeom prst="rect">
-            <a:avLst/>
-          </a:prstGeom>
-        </p:spPr>
-        <p:txBody>
-          <a:bodyPr anchor="ctr">
-            <a:noAutofit/>
-          </a:bodyPr>
-          <a:p>
-            <a:endParaRPr b="0" lang="de-DE" sz="2400" spc="-1" strike="noStrike">
-              <a:latin typeface="Times New Roman"/>
-            </a:endParaRPr>
-          </a:p>
-        </p:txBody>
-      </p:sp>
-      <p:sp>
-        <p:nvSpPr>
-          <p:cNvPr id="6" name="PlaceHolder 6"/>
-          <p:cNvSpPr>
-            <a:spLocks noGrp="1"/>
-          </p:cNvSpPr>
-          <p:nvPr>
-            <p:ph type="sldNum"/>
-          </p:nvPr>
-        </p:nvSpPr>
-        <p:spPr>
-          <a:xfrm>
-            <a:off x="1437840" y="798840"/>
-            <a:ext cx="810720" cy="503280"/>
-          </a:xfrm>
-          <a:prstGeom prst="rect">
-            <a:avLst/>
-          </a:prstGeom>
-        </p:spPr>
-        <p:txBody>
-          <a:bodyPr>
-            <a:noAutofit/>
-          </a:bodyPr>
-          <a:p>
-            <a:pPr algn="r">
-              <a:lnSpc>
-                <a:spcPct val="100000"/>
-              </a:lnSpc>
-            </a:pPr>
-            <a:fld id="{3D1322FB-3AD7-4852-A6EB-B6D0908A5193}" type="slidenum">
-              <a:rPr b="0" lang="de-DE" sz="2800" spc="-1" strike="noStrike">
-                <a:solidFill>
-                  <a:srgbClr val="b71e42"/>
-                </a:solidFill>
-                <a:latin typeface="Gill Sans MT"/>
-              </a:rPr>
-              <a:t>&lt;Foliennummer&gt;</a:t>
-            </a:fld>
-            <a:endParaRPr b="0" lang="de-DE" sz="2800" spc="-1" strike="noStrike">
-              <a:latin typeface="Times New Roman"/>
-            </a:endParaRPr>
-          </a:p>
-        </p:txBody>
-      </p:sp>
-      <p:sp>
-        <p:nvSpPr>
-          <p:cNvPr id="7" name="Line 7"/>
-          <p:cNvSpPr/>
-          <p:nvPr/>
-        </p:nvSpPr>
-        <p:spPr>
-          <a:xfrm>
-            <a:off x="2417760" y="3528360"/>
-            <a:ext cx="8636760" cy="0"/>
-          </a:xfrm>
-          <a:prstGeom prst="line">
-            <a:avLst/>
-          </a:prstGeom>
-          <a:ln w="31680">
-            <a:round/>
-          </a:ln>
-        </p:spPr>
-        <p:style>
-          <a:lnRef idx="3">
-            <a:schemeClr val="accent1"/>
-          </a:lnRef>
-          <a:fillRef idx="0">
-            <a:schemeClr val="accent1"/>
-          </a:fillRef>
-          <a:effectRef idx="2">
-            <a:schemeClr val="accent1"/>
-          </a:effectRef>
-          <a:fontRef idx="minor"/>
-        </p:style>
-      </p:sp>
-      <p:sp>
-        <p:nvSpPr>
-          <p:cNvPr id="8" name="PlaceHolder 8"/>
-          <p:cNvSpPr>
-            <a:spLocks noGrp="1"/>
-          </p:cNvSpPr>
-          <p:nvPr>
-            <p:ph type="body"/>
-          </p:nvPr>
-        </p:nvSpPr>
-        <p:spPr>
-          <a:xfrm>
-            <a:off x="609480" y="1604520"/>
-            <a:ext cx="10972440" cy="3977280"/>
-          </a:xfrm>
-          <a:prstGeom prst="rect">
-            <a:avLst/>
-          </a:prstGeom>
-        </p:spPr>
-        <p:txBody>
-          <a:bodyPr lIns="0" rIns="0" tIns="0" bIns="0">
-            <a:normAutofit/>
-          </a:bodyPr>
-          <a:p>
-            <a:pPr marL="432000" indent="-324000">
-              <a:spcBef>
-                <a:spcPts val="1417"/>
-              </a:spcBef>
-              <a:buClr>
-                <a:srgbClr val="000000"/>
-              </a:buClr>
-              <a:buSzPct val="45000"/>
-              <a:buFont typeface="Wingdings" charset="2"/>
-              <a:buChar char=""/>
-            </a:pPr>
-            <a:r>
-              <a:rPr b="0" lang="en-US" sz="2000" spc="-1" strike="noStrike">
-                <a:solidFill>
-                  <a:srgbClr val="000000"/>
-                </a:solidFill>
-                <a:latin typeface="Gill Sans MT"/>
-              </a:rPr>
-              <a:t>Format des Gliederungstextes durch Klicken bearbeiten</a:t>
-            </a:r>
-            <a:endParaRPr b="0" lang="en-US" sz="2000" spc="-1" strike="noStrike">
-              <a:solidFill>
-                <a:srgbClr val="000000"/>
-              </a:solidFill>
-              <a:latin typeface="Gill Sans MT"/>
-            </a:endParaRPr>
-          </a:p>
-          <a:p>
-            <a:pPr lvl="1" marL="864000" indent="-324000">
-              <a:spcBef>
-                <a:spcPts val="1134"/>
-              </a:spcBef>
-              <a:buClr>
-                <a:srgbClr val="000000"/>
-              </a:buClr>
-              <a:buSzPct val="75000"/>
-              <a:buFont typeface="Symbol" charset="2"/>
-              <a:buChar char=""/>
-            </a:pPr>
-            <a:r>
-              <a:rPr b="0" lang="en-US" sz="1600" spc="-1" strike="noStrike">
-                <a:solidFill>
-                  <a:srgbClr val="000000"/>
-                </a:solidFill>
-                <a:latin typeface="Gill Sans MT"/>
-              </a:rPr>
-              <a:t>Zweite Gliederungsebene</a:t>
-            </a:r>
-            <a:endParaRPr b="0" lang="en-US" sz="1600" spc="-1" strike="noStrike">
-              <a:solidFill>
-                <a:srgbClr val="000000"/>
-              </a:solidFill>
-              <a:latin typeface="Gill Sans MT"/>
-            </a:endParaRPr>
-          </a:p>
-          <a:p>
-            <a:pPr lvl="2" marL="1296000" indent="-288000">
-              <a:spcBef>
-                <a:spcPts val="850"/>
-              </a:spcBef>
-              <a:buClr>
-                <a:srgbClr val="000000"/>
-              </a:buClr>
-              <a:buSzPct val="45000"/>
-              <a:buFont typeface="Wingdings" charset="2"/>
-              <a:buChar char=""/>
-            </a:pPr>
-            <a:r>
-              <a:rPr b="0" lang="en-US" sz="1400" spc="-1" strike="noStrike">
-                <a:solidFill>
-                  <a:srgbClr val="000000"/>
-                </a:solidFill>
-                <a:latin typeface="Gill Sans MT"/>
-              </a:rPr>
-              <a:t>Dritte Gliederungsebene</a:t>
-            </a:r>
-            <a:endParaRPr b="0" lang="en-US" sz="1400" spc="-1" strike="noStrike">
-              <a:solidFill>
-                <a:srgbClr val="000000"/>
-              </a:solidFill>
-              <a:latin typeface="Gill Sans MT"/>
-            </a:endParaRPr>
-          </a:p>
-          <a:p>
-            <a:pPr lvl="3" marL="1728000" indent="-216000">
-              <a:spcBef>
-                <a:spcPts val="567"/>
-              </a:spcBef>
-              <a:buClr>
-                <a:srgbClr val="000000"/>
-              </a:buClr>
-              <a:buSzPct val="75000"/>
-              <a:buFont typeface="Symbol" charset="2"/>
-              <a:buChar char=""/>
-            </a:pPr>
-            <a:r>
-              <a:rPr b="0" lang="en-US" sz="1200" spc="-1" strike="noStrike">
-                <a:solidFill>
-                  <a:srgbClr val="000000"/>
-                </a:solidFill>
-                <a:latin typeface="Gill Sans MT"/>
-              </a:rPr>
-              <a:t>Vierte Gliederungsebene</a:t>
-            </a:r>
-            <a:endParaRPr b="0" lang="en-US" sz="1200" spc="-1" strike="noStrike">
-              <a:solidFill>
-                <a:srgbClr val="000000"/>
-              </a:solidFill>
-              <a:latin typeface="Gill Sans MT"/>
-            </a:endParaRPr>
-          </a:p>
-          <a:p>
-            <a:pPr lvl="4" marL="2160000" indent="-216000">
-              <a:spcBef>
-                <a:spcPts val="283"/>
-              </a:spcBef>
-              <a:buClr>
-                <a:srgbClr val="000000"/>
-              </a:buClr>
-              <a:buSzPct val="45000"/>
-              <a:buFont typeface="Wingdings" charset="2"/>
-              <a:buChar char=""/>
-            </a:pPr>
-            <a:r>
-              <a:rPr b="0" lang="en-US" sz="2000" spc="-1" strike="noStrike">
-                <a:solidFill>
-                  <a:srgbClr val="000000"/>
-                </a:solidFill>
-                <a:latin typeface="Gill Sans MT"/>
-              </a:rPr>
-              <a:t>Fünfte Gliederungsebene</a:t>
-            </a:r>
-            <a:endParaRPr b="0" lang="en-US" sz="2000" spc="-1" strike="noStrike">
-              <a:solidFill>
-                <a:srgbClr val="000000"/>
-              </a:solidFill>
-              <a:latin typeface="Gill Sans MT"/>
-            </a:endParaRPr>
-          </a:p>
-          <a:p>
-            <a:pPr lvl="5" marL="2592000" indent="-216000">
-              <a:spcBef>
-                <a:spcPts val="283"/>
-              </a:spcBef>
-              <a:buClr>
-                <a:srgbClr val="000000"/>
-              </a:buClr>
-              <a:buSzPct val="45000"/>
-              <a:buFont typeface="Wingdings" charset="2"/>
-              <a:buChar char=""/>
-            </a:pPr>
-            <a:r>
-              <a:rPr b="0" lang="en-US" sz="2000" spc="-1" strike="noStrike">
-                <a:solidFill>
-                  <a:srgbClr val="000000"/>
-                </a:solidFill>
-                <a:latin typeface="Gill Sans MT"/>
-              </a:rPr>
-              <a:t>Sechste Gliederungsebene</a:t>
-            </a:r>
-            <a:endParaRPr b="0" lang="en-US" sz="2000" spc="-1" strike="noStrike">
-              <a:solidFill>
-                <a:srgbClr val="000000"/>
-              </a:solidFill>
-              <a:latin typeface="Gill Sans MT"/>
-            </a:endParaRPr>
-          </a:p>
-          <a:p>
-            <a:pPr lvl="6" marL="3024000" indent="-216000">
-              <a:spcBef>
-                <a:spcPts val="283"/>
-              </a:spcBef>
-              <a:buClr>
-                <a:srgbClr val="000000"/>
-              </a:buClr>
-              <a:buSzPct val="45000"/>
-              <a:buFont typeface="Wingdings" charset="2"/>
-              <a:buChar char=""/>
-            </a:pPr>
-            <a:r>
-              <a:rPr b="0" lang="en-US" sz="2000" spc="-1" strike="noStrike">
-                <a:solidFill>
-                  <a:srgbClr val="000000"/>
-                </a:solidFill>
-                <a:latin typeface="Gill Sans MT"/>
-              </a:rPr>
-              <a:t>Siebte Gliederungsebene</a:t>
-            </a:r>
-            <a:endParaRPr b="0" lang="en-US" sz="2000" spc="-1" strike="noStrike">
-              <a:solidFill>
-                <a:srgbClr val="000000"/>
-              </a:solidFill>
-              <a:latin typeface="Gill Sans MT"/>
+            <a:r>
+              <a:rPr lang="de-DE" sz="1800" b="0" strike="noStrike" cap="all" spc="-1">
+                <a:solidFill>
+                  <a:srgbClr val="000000"/>
+                </a:solidFill>
+                <a:latin typeface="Gill Sans MT"/>
+              </a:rPr>
+              <a:t>Team FFFMNSV</a:t>
+            </a:r>
+            <a:endParaRPr lang="de-DE" sz="1800" b="0" strike="noStrike" spc="-1">
+              <a:latin typeface="Arial"/>
             </a:endParaRPr>
           </a:p>
         </p:txBody>
       </p:sp>
     </p:spTree>
   </p:cSld>
-  <p:clrMap bg1="lt1" bg2="lt2" tx1="dk1" tx2="dk2" accent1="accent1" accent2="accent2" accent3="accent3" accent4="accent4" accent5="accent5" accent6="accent6" hlink="hlink" folHlink="folHlink"/>
-  <p:sldLayoutIdLst>
-    <p:sldLayoutId id="2147483649" r:id="rId3"/>
-    <p:sldLayoutId id="2147483650" r:id="rId4"/>
-    <p:sldLayoutId id="2147483651" r:id="rId5"/>
-    <p:sldLayoutId id="2147483652" r:id="rId6"/>
-    <p:sldLayoutId id="2147483653" r:id="rId7"/>
-    <p:sldLayoutId id="2147483654" r:id="rId8"/>
-    <p:sldLayoutId id="2147483655" r:id="rId9"/>
-    <p:sldLayoutId id="2147483656" r:id="rId10"/>
-    <p:sldLayoutId id="2147483657" r:id="rId11"/>
-    <p:sldLayoutId id="2147483658" r:id="rId12"/>
-    <p:sldLayoutId id="2147483659" r:id="rId13"/>
-    <p:sldLayoutId id="2147483660" r:id="rId14"/>
-  </p:sldLayoutIdLst>
-</p:sldMaster>
+  <p:clrMapOvr>
+    <a:masterClrMapping/>
+  </p:clrMapOvr>
+</p:sld>
 </file>
 
-<file path=ppt/slideMasters/slideMaster2.xml><?xml version="1.0" encoding="utf-8"?>
-<p:sldMaster xmlns:a="http://schemas.openxmlformats.org/drawingml/2006/main" xmlns:p="http://schemas.openxmlformats.org/presentationml/2006/main" xmlns:r="http://schemas.openxmlformats.org/officeDocument/2006/relationships" xmlns:p14="http://schemas.microsoft.com/office/powerpoint/2010/main" xmlns:p15="http://schemas.microsoft.com/office/powerpoint/2012/main" xmlns:mc="http://schemas.openxmlformats.org/markup-compatibility/2006">
+<file path=ppt/slides/slide10.xml><?xml version="1.0" encoding="utf-8"?>
+<p:sld xmlns:a="http://schemas.openxmlformats.org/drawingml/2006/main" xmlns:r="http://schemas.openxmlformats.org/officeDocument/2006/relationships" xmlns:p="http://schemas.openxmlformats.org/presentationml/2006/main">
   <p:cSld>
     <p:spTree>
       <p:nvGrpSpPr>
@@ -3493,111 +4876,13 @@
       </p:grpSpPr>
       <p:sp>
         <p:nvSpPr>
-          <p:cNvPr id="45" name="CustomShape 1"/>
-          <p:cNvSpPr/>
-          <p:nvPr/>
-        </p:nvSpPr>
-        <p:spPr>
-          <a:xfrm>
-            <a:off x="0" y="2019600"/>
-            <a:ext cx="12191760" cy="4105440"/>
-          </a:xfrm>
-          <a:prstGeom prst="rect">
-            <a:avLst/>
-          </a:prstGeom>
-          <a:gradFill rotWithShape="0">
-            <a:gsLst>
-              <a:gs pos="0">
-                <a:srgbClr val="dfdbd5">
-                  <a:alpha val="0"/>
-                </a:srgbClr>
-              </a:gs>
-              <a:gs pos="100000">
-                <a:srgbClr val="dfdbd5"/>
-              </a:gs>
-            </a:gsLst>
-            <a:lin ang="5400000"/>
-          </a:gradFill>
-          <a:ln>
-            <a:noFill/>
-          </a:ln>
-        </p:spPr>
-        <p:style>
-          <a:lnRef idx="2">
-            <a:schemeClr val="accent1">
-              <a:shade val="50000"/>
-            </a:schemeClr>
-          </a:lnRef>
-          <a:fillRef idx="1">
-            <a:schemeClr val="accent1"/>
-          </a:fillRef>
-          <a:effectRef idx="0">
-            <a:schemeClr val="accent1"/>
-          </a:effectRef>
-          <a:fontRef idx="minor"/>
-        </p:style>
-      </p:sp>
-      <p:pic>
-        <p:nvPicPr>
-          <p:cNvPr id="46" name="Picture 6" descr=""/>
-          <p:cNvPicPr/>
-          <p:nvPr/>
-        </p:nvPicPr>
-        <p:blipFill>
-          <a:blip r:embed="rId2"/>
-          <a:srcRect l="0" t="1545" r="0" b="-1545"/>
-          <a:stretch/>
-        </p:blipFill>
-        <p:spPr>
-          <a:xfrm>
-            <a:off x="0" y="6126480"/>
-            <a:ext cx="12191760" cy="742680"/>
-          </a:xfrm>
-          <a:prstGeom prst="rect">
-            <a:avLst/>
-          </a:prstGeom>
-          <a:ln>
-            <a:noFill/>
-          </a:ln>
-        </p:spPr>
-      </p:pic>
-      <p:sp>
-        <p:nvSpPr>
-          <p:cNvPr id="47" name="Line 2"/>
-          <p:cNvSpPr/>
-          <p:nvPr/>
-        </p:nvSpPr>
-        <p:spPr>
-          <a:xfrm>
-            <a:off x="0" y="6128280"/>
-            <a:ext cx="12191760" cy="0"/>
-          </a:xfrm>
-          <a:prstGeom prst="line">
-            <a:avLst/>
-          </a:prstGeom>
-          <a:ln w="12600">
-            <a:solidFill>
-              <a:srgbClr val="000001"/>
-            </a:solidFill>
-            <a:round/>
-          </a:ln>
-        </p:spPr>
-        <p:style>
-          <a:lnRef idx="1">
-            <a:schemeClr val="accent1"/>
-          </a:lnRef>
-          <a:fillRef idx="0">
-            <a:schemeClr val="accent1"/>
-          </a:fillRef>
-          <a:effectRef idx="0">
-            <a:schemeClr val="accent1"/>
-          </a:effectRef>
-          <a:fontRef idx="minor"/>
-        </p:style>
-      </p:sp>
-      <p:sp>
-        <p:nvSpPr>
-          <p:cNvPr id="48" name="PlaceHolder 3"/>
+          <p:cNvPr id="2" name="Titel 1">
+            <a:extLst>
+              <a:ext uri="{FF2B5EF4-FFF2-40B4-BE49-F238E27FC236}">
+                <a16:creationId xmlns:a16="http://schemas.microsoft.com/office/drawing/2014/main" id="{1C3FFEC1-9363-4A83-A353-55B9DCF81361}"/>
+              </a:ext>
+            </a:extLst>
+          </p:cNvPr>
           <p:cNvSpPr>
             <a:spLocks noGrp="1"/>
           </p:cNvSpPr>
@@ -3605,389 +4890,103 @@
             <p:ph type="title"/>
           </p:nvPr>
         </p:nvSpPr>
-        <p:spPr>
-          <a:xfrm>
-            <a:off x="1451520" y="804600"/>
-            <a:ext cx="9603000" cy="1049040"/>
-          </a:xfrm>
-          <a:prstGeom prst="rect">
-            <a:avLst/>
-          </a:prstGeom>
-        </p:spPr>
-        <p:txBody>
-          <a:bodyPr>
-            <a:noAutofit/>
-          </a:bodyPr>
-          <a:p>
-            <a:pPr>
-              <a:lnSpc>
-                <a:spcPct val="90000"/>
-              </a:lnSpc>
-            </a:pPr>
-            <a:r>
-              <a:rPr b="0" lang="en-US" sz="3200" spc="-1" strike="noStrike" cap="all">
-                <a:solidFill>
-                  <a:srgbClr val="000000"/>
-                </a:solidFill>
-                <a:latin typeface="Gill Sans MT"/>
-              </a:rPr>
-              <a:t>Mastertitelformat bearbeiten</a:t>
-            </a:r>
-            <a:endParaRPr b="0" lang="en-US" sz="3200" spc="-1" strike="noStrike">
-              <a:solidFill>
-                <a:srgbClr val="000000"/>
-              </a:solidFill>
-              <a:latin typeface="Gill Sans MT"/>
-            </a:endParaRPr>
-          </a:p>
-        </p:txBody>
-      </p:sp>
-      <p:sp>
-        <p:nvSpPr>
-          <p:cNvPr id="49" name="PlaceHolder 4"/>
+        <p:spPr/>
+        <p:txBody>
+          <a:bodyPr/>
+          <a:lstStyle/>
+          <a:p>
+            <a:r>
+              <a:rPr lang="de-DE" dirty="0"/>
+              <a:t>Probleme </a:t>
+            </a:r>
+          </a:p>
+        </p:txBody>
+      </p:sp>
+      <p:sp>
+        <p:nvSpPr>
+          <p:cNvPr id="3" name="Untertitel 2">
+            <a:extLst>
+              <a:ext uri="{FF2B5EF4-FFF2-40B4-BE49-F238E27FC236}">
+                <a16:creationId xmlns:a16="http://schemas.microsoft.com/office/drawing/2014/main" id="{78271370-D659-4F8C-8F40-F607D4FD5BD3}"/>
+              </a:ext>
+            </a:extLst>
+          </p:cNvPr>
           <p:cNvSpPr>
             <a:spLocks noGrp="1"/>
           </p:cNvSpPr>
           <p:nvPr>
-            <p:ph type="body"/>
+            <p:ph type="subTitle"/>
           </p:nvPr>
         </p:nvSpPr>
-        <p:spPr>
-          <a:xfrm>
-            <a:off x="1451520" y="2015640"/>
-            <a:ext cx="9603000" cy="3450240"/>
-          </a:xfrm>
-          <a:prstGeom prst="rect">
-            <a:avLst/>
-          </a:prstGeom>
-        </p:spPr>
-        <p:txBody>
-          <a:bodyPr>
-            <a:noAutofit/>
-          </a:bodyPr>
-          <a:p>
-            <a:pPr marL="228600" indent="-228240">
-              <a:lnSpc>
-                <a:spcPct val="120000"/>
-              </a:lnSpc>
-              <a:spcBef>
-                <a:spcPts val="1001"/>
-              </a:spcBef>
-              <a:buClr>
-                <a:srgbClr val="b71e42"/>
-              </a:buClr>
-              <a:buFont typeface="Arial"/>
-              <a:buChar char="•"/>
-            </a:pPr>
-            <a:r>
-              <a:rPr b="0" lang="en-US" sz="2000" spc="-1" strike="noStrike">
-                <a:solidFill>
-                  <a:srgbClr val="000000"/>
-                </a:solidFill>
-                <a:latin typeface="Gill Sans MT"/>
-              </a:rPr>
-              <a:t>Mastertextformat bearbeiten</a:t>
-            </a:r>
-            <a:endParaRPr b="0" lang="en-US" sz="2000" spc="-1" strike="noStrike">
-              <a:solidFill>
-                <a:srgbClr val="000000"/>
-              </a:solidFill>
-              <a:latin typeface="Gill Sans MT"/>
-            </a:endParaRPr>
-          </a:p>
-          <a:p>
-            <a:pPr lvl="1" marL="685800" indent="-228240">
-              <a:lnSpc>
-                <a:spcPct val="120000"/>
-              </a:lnSpc>
-              <a:spcBef>
-                <a:spcPts val="499"/>
-              </a:spcBef>
-              <a:buClr>
-                <a:srgbClr val="b71e42"/>
-              </a:buClr>
-              <a:buFont typeface="Arial"/>
-              <a:buChar char="•"/>
-            </a:pPr>
-            <a:r>
-              <a:rPr b="0" lang="en-US" sz="1800" spc="-1" strike="noStrike">
-                <a:solidFill>
-                  <a:srgbClr val="000000"/>
-                </a:solidFill>
-                <a:latin typeface="Gill Sans MT"/>
-              </a:rPr>
-              <a:t>Zweite Ebene</a:t>
-            </a:r>
-            <a:endParaRPr b="0" lang="en-US" sz="1800" spc="-1" strike="noStrike">
-              <a:solidFill>
-                <a:srgbClr val="000000"/>
-              </a:solidFill>
-              <a:latin typeface="Gill Sans MT"/>
-            </a:endParaRPr>
-          </a:p>
-          <a:p>
-            <a:pPr lvl="2" marL="1143000" indent="-228240">
-              <a:lnSpc>
-                <a:spcPct val="120000"/>
-              </a:lnSpc>
-              <a:spcBef>
-                <a:spcPts val="499"/>
-              </a:spcBef>
-              <a:buClr>
-                <a:srgbClr val="b71e42"/>
-              </a:buClr>
-              <a:buFont typeface="Arial"/>
-              <a:buChar char="•"/>
-            </a:pPr>
-            <a:r>
-              <a:rPr b="0" lang="en-US" sz="1600" spc="-1" strike="noStrike">
-                <a:solidFill>
-                  <a:srgbClr val="000000"/>
-                </a:solidFill>
-                <a:latin typeface="Gill Sans MT"/>
-              </a:rPr>
-              <a:t>Dritte Ebene</a:t>
-            </a:r>
-            <a:endParaRPr b="0" lang="en-US" sz="1600" spc="-1" strike="noStrike">
-              <a:solidFill>
-                <a:srgbClr val="000000"/>
-              </a:solidFill>
-              <a:latin typeface="Gill Sans MT"/>
-            </a:endParaRPr>
-          </a:p>
-          <a:p>
-            <a:pPr lvl="3" marL="1600200" indent="-228240">
-              <a:lnSpc>
-                <a:spcPct val="120000"/>
-              </a:lnSpc>
-              <a:spcBef>
-                <a:spcPts val="499"/>
-              </a:spcBef>
-              <a:buClr>
-                <a:srgbClr val="b71e42"/>
-              </a:buClr>
-              <a:buFont typeface="Arial"/>
-              <a:buChar char="•"/>
-            </a:pPr>
-            <a:r>
-              <a:rPr b="0" lang="en-US" sz="1400" spc="-1" strike="noStrike">
-                <a:solidFill>
-                  <a:srgbClr val="000000"/>
-                </a:solidFill>
-                <a:latin typeface="Gill Sans MT"/>
-              </a:rPr>
-              <a:t>Vierte Ebene</a:t>
-            </a:r>
-            <a:endParaRPr b="0" lang="en-US" sz="1400" spc="-1" strike="noStrike">
-              <a:solidFill>
-                <a:srgbClr val="000000"/>
-              </a:solidFill>
-              <a:latin typeface="Gill Sans MT"/>
-            </a:endParaRPr>
-          </a:p>
-          <a:p>
-            <a:pPr lvl="4" marL="2057400" indent="-228240">
-              <a:lnSpc>
-                <a:spcPct val="120000"/>
-              </a:lnSpc>
-              <a:spcBef>
-                <a:spcPts val="499"/>
-              </a:spcBef>
-              <a:buClr>
-                <a:srgbClr val="b71e42"/>
-              </a:buClr>
-              <a:buFont typeface="Arial"/>
-              <a:buChar char="•"/>
-            </a:pPr>
-            <a:r>
-              <a:rPr b="0" lang="en-US" sz="1200" spc="-1" strike="noStrike">
-                <a:solidFill>
-                  <a:srgbClr val="000000"/>
-                </a:solidFill>
-                <a:latin typeface="Gill Sans MT"/>
-              </a:rPr>
-              <a:t>Fünfte Ebene</a:t>
-            </a:r>
-            <a:endParaRPr b="0" lang="en-US" sz="1200" spc="-1" strike="noStrike">
-              <a:solidFill>
-                <a:srgbClr val="000000"/>
-              </a:solidFill>
-              <a:latin typeface="Gill Sans MT"/>
-            </a:endParaRPr>
-          </a:p>
-        </p:txBody>
-      </p:sp>
-      <p:sp>
-        <p:nvSpPr>
-          <p:cNvPr id="50" name="PlaceHolder 5"/>
-          <p:cNvSpPr>
-            <a:spLocks noGrp="1"/>
-          </p:cNvSpPr>
-          <p:nvPr>
-            <p:ph type="dt"/>
-          </p:nvPr>
-        </p:nvSpPr>
-        <p:spPr>
-          <a:xfrm>
-            <a:off x="7554240" y="330480"/>
-            <a:ext cx="3500280" cy="308880"/>
-          </a:xfrm>
-          <a:prstGeom prst="rect">
-            <a:avLst/>
-          </a:prstGeom>
-        </p:spPr>
-        <p:txBody>
-          <a:bodyPr anchor="ctr">
-            <a:noAutofit/>
-          </a:bodyPr>
-          <a:p>
-            <a:pPr algn="r">
-              <a:lnSpc>
-                <a:spcPct val="100000"/>
-              </a:lnSpc>
-            </a:pPr>
-            <a:fld id="{222FEFBB-B9CD-476C-A8BE-60210F7C36C6}" type="datetime">
-              <a:rPr b="0" lang="de-DE" sz="1000" spc="-1" strike="noStrike">
-                <a:solidFill>
-                  <a:srgbClr val="8b8b8b"/>
-                </a:solidFill>
-                <a:latin typeface="Gill Sans MT"/>
-              </a:rPr>
-              <a:t>01.12.20</a:t>
-            </a:fld>
-            <a:endParaRPr b="0" lang="de-DE" sz="1000" spc="-1" strike="noStrike">
-              <a:latin typeface="Times New Roman"/>
-            </a:endParaRPr>
-          </a:p>
-        </p:txBody>
-      </p:sp>
-      <p:sp>
-        <p:nvSpPr>
-          <p:cNvPr id="51" name="PlaceHolder 6"/>
-          <p:cNvSpPr>
-            <a:spLocks noGrp="1"/>
-          </p:cNvSpPr>
-          <p:nvPr>
-            <p:ph type="ftr"/>
-          </p:nvPr>
-        </p:nvSpPr>
-        <p:spPr>
-          <a:xfrm>
-            <a:off x="1451520" y="329400"/>
-            <a:ext cx="5938560" cy="308880"/>
-          </a:xfrm>
-          <a:prstGeom prst="rect">
-            <a:avLst/>
-          </a:prstGeom>
-        </p:spPr>
-        <p:txBody>
-          <a:bodyPr anchor="ctr">
-            <a:noAutofit/>
-          </a:bodyPr>
-          <a:p>
-            <a:endParaRPr b="0" lang="de-DE" sz="2400" spc="-1" strike="noStrike">
-              <a:latin typeface="Times New Roman"/>
-            </a:endParaRPr>
-          </a:p>
-        </p:txBody>
-      </p:sp>
-      <p:sp>
-        <p:nvSpPr>
-          <p:cNvPr id="52" name="PlaceHolder 7"/>
-          <p:cNvSpPr>
-            <a:spLocks noGrp="1"/>
-          </p:cNvSpPr>
-          <p:nvPr>
-            <p:ph type="sldNum"/>
-          </p:nvPr>
-        </p:nvSpPr>
-        <p:spPr>
-          <a:xfrm>
-            <a:off x="480240" y="798840"/>
-            <a:ext cx="810720" cy="503280"/>
-          </a:xfrm>
-          <a:prstGeom prst="rect">
-            <a:avLst/>
-          </a:prstGeom>
-        </p:spPr>
-        <p:txBody>
-          <a:bodyPr>
-            <a:noAutofit/>
-          </a:bodyPr>
-          <a:p>
-            <a:pPr algn="r">
-              <a:lnSpc>
-                <a:spcPct val="100000"/>
-              </a:lnSpc>
-            </a:pPr>
-            <a:fld id="{CBEBB477-A3B7-4BFB-99B6-8DFEE3FC05BF}" type="slidenum">
-              <a:rPr b="0" lang="de-DE" sz="2800" spc="-1" strike="noStrike">
-                <a:solidFill>
-                  <a:srgbClr val="b71e42"/>
-                </a:solidFill>
-                <a:latin typeface="Gill Sans MT"/>
-              </a:rPr>
-              <a:t>&lt;Foliennummer&gt;</a:t>
-            </a:fld>
-            <a:endParaRPr b="0" lang="de-DE" sz="2800" spc="-1" strike="noStrike">
-              <a:latin typeface="Times New Roman"/>
-            </a:endParaRPr>
-          </a:p>
-        </p:txBody>
-      </p:sp>
-      <p:sp>
-        <p:nvSpPr>
-          <p:cNvPr id="53" name="Line 8"/>
-          <p:cNvSpPr/>
-          <p:nvPr/>
-        </p:nvSpPr>
-        <p:spPr>
-          <a:xfrm>
-            <a:off x="1453680" y="1846800"/>
-            <a:ext cx="9607680" cy="0"/>
-          </a:xfrm>
-          <a:prstGeom prst="line">
-            <a:avLst/>
-          </a:prstGeom>
-          <a:ln w="31680">
-            <a:round/>
-          </a:ln>
-        </p:spPr>
-        <p:style>
-          <a:lnRef idx="3">
-            <a:schemeClr val="accent1"/>
-          </a:lnRef>
-          <a:fillRef idx="0">
-            <a:schemeClr val="accent1"/>
-          </a:fillRef>
-          <a:effectRef idx="2">
-            <a:schemeClr val="accent1"/>
-          </a:effectRef>
-          <a:fontRef idx="minor"/>
-        </p:style>
+        <p:spPr/>
+        <p:txBody>
+          <a:bodyPr/>
+          <a:lstStyle/>
+          <a:p>
+            <a:r>
+              <a:rPr lang="de-DE" sz="2000" spc="-1" dirty="0">
+                <a:solidFill>
+                  <a:srgbClr val="000000"/>
+                </a:solidFill>
+                <a:latin typeface="Gill Sans MT"/>
+              </a:rPr>
+              <a:t>Kameratyp (Auflösung)</a:t>
+            </a:r>
+          </a:p>
+          <a:p>
+            <a:r>
+              <a:rPr lang="de-DE" sz="2000" spc="-1" dirty="0">
+                <a:solidFill>
+                  <a:srgbClr val="000000"/>
+                </a:solidFill>
+                <a:latin typeface="Gill Sans MT"/>
+              </a:rPr>
+              <a:t>3D Modelle</a:t>
+            </a:r>
+          </a:p>
+          <a:p>
+            <a:r>
+              <a:rPr lang="de-DE" sz="2000" spc="-1" dirty="0">
+                <a:solidFill>
+                  <a:srgbClr val="000000"/>
+                </a:solidFill>
+                <a:latin typeface="Gill Sans MT"/>
+              </a:rPr>
+              <a:t>Anzahl verschiedener </a:t>
+            </a:r>
+            <a:r>
+              <a:rPr lang="de-DE" sz="2000" spc="-1" dirty="0" err="1">
+                <a:solidFill>
+                  <a:srgbClr val="000000"/>
+                </a:solidFill>
+                <a:latin typeface="Gill Sans MT"/>
+              </a:rPr>
+              <a:t>Ladugnsträger</a:t>
+            </a:r>
+            <a:endParaRPr lang="de-DE" sz="2000" spc="-1" dirty="0">
+              <a:solidFill>
+                <a:srgbClr val="000000"/>
+              </a:solidFill>
+              <a:latin typeface="Gill Sans MT"/>
+            </a:endParaRPr>
+          </a:p>
+        </p:txBody>
       </p:sp>
     </p:spTree>
+    <p:extLst>
+      <p:ext uri="{BB962C8B-B14F-4D97-AF65-F5344CB8AC3E}">
+        <p14:creationId xmlns:p14="http://schemas.microsoft.com/office/powerpoint/2010/main" val="2144947420"/>
+      </p:ext>
+    </p:extLst>
   </p:cSld>
-  <p:clrMap bg1="lt1" bg2="lt2" tx1="dk1" tx2="dk2" accent1="accent1" accent2="accent2" accent3="accent3" accent4="accent4" accent5="accent5" accent6="accent6" hlink="hlink" folHlink="folHlink"/>
-  <p:sldLayoutIdLst>
-    <p:sldLayoutId id="2147483662" r:id="rId3"/>
-    <p:sldLayoutId id="2147483663" r:id="rId4"/>
-    <p:sldLayoutId id="2147483664" r:id="rId5"/>
-    <p:sldLayoutId id="2147483665" r:id="rId6"/>
-    <p:sldLayoutId id="2147483666" r:id="rId7"/>
-    <p:sldLayoutId id="2147483667" r:id="rId8"/>
-    <p:sldLayoutId id="2147483668" r:id="rId9"/>
-    <p:sldLayoutId id="2147483669" r:id="rId10"/>
-    <p:sldLayoutId id="2147483670" r:id="rId11"/>
-    <p:sldLayoutId id="2147483671" r:id="rId12"/>
-    <p:sldLayoutId id="2147483672" r:id="rId13"/>
-    <p:sldLayoutId id="2147483673" r:id="rId14"/>
-  </p:sldLayoutIdLst>
-</p:sldMaster>
+  <p:clrMapOvr>
+    <a:masterClrMapping/>
+  </p:clrMapOvr>
+</p:sld>
 </file>
 
-<file path=ppt/slides/slide1.xml><?xml version="1.0" encoding="utf-8"?>
-<p:sld xmlns:a="http://schemas.openxmlformats.org/drawingml/2006/main" xmlns:p="http://schemas.openxmlformats.org/presentationml/2006/main" xmlns:r="http://schemas.openxmlformats.org/officeDocument/2006/relationships" xmlns:p14="http://schemas.microsoft.com/office/powerpoint/2010/main" xmlns:p15="http://schemas.microsoft.com/office/powerpoint/2012/main" xmlns:mc="http://schemas.openxmlformats.org/markup-compatibility/2006">
+<file path=ppt/slides/slide11.xml><?xml version="1.0" encoding="utf-8"?>
+<p:sld xmlns:a="http://schemas.openxmlformats.org/drawingml/2006/main" xmlns:r="http://schemas.openxmlformats.org/officeDocument/2006/relationships" xmlns:p="http://schemas.openxmlformats.org/presentationml/2006/main">
   <p:cSld>
     <p:spTree>
       <p:nvGrpSpPr>
@@ -4005,113 +5004,47 @@
       </p:grpSpPr>
       <p:sp>
         <p:nvSpPr>
-          <p:cNvPr id="90" name="TextShape 1"/>
-          <p:cNvSpPr txBox="1"/>
-          <p:nvPr/>
-        </p:nvSpPr>
-        <p:spPr>
-          <a:xfrm>
-            <a:off x="2417760" y="802440"/>
-            <a:ext cx="8636760" cy="2541240"/>
-          </a:xfrm>
-          <a:prstGeom prst="rect">
-            <a:avLst/>
-          </a:prstGeom>
-          <a:noFill/>
-          <a:ln>
-            <a:noFill/>
-          </a:ln>
-        </p:spPr>
-        <p:txBody>
-          <a:bodyPr bIns="0" anchor="b">
-            <a:noAutofit/>
-          </a:bodyPr>
-          <a:p>
-            <a:pPr>
-              <a:lnSpc>
-                <a:spcPct val="90000"/>
-              </a:lnSpc>
-            </a:pPr>
-            <a:r>
-              <a:rPr b="0" lang="en-US" sz="6600" spc="-1" strike="noStrike" cap="all">
-                <a:solidFill>
-                  <a:srgbClr val="000000"/>
-                </a:solidFill>
-                <a:latin typeface="Gill Sans MT"/>
-              </a:rPr>
-              <a:t>Carrier Tracking</a:t>
-            </a:r>
-            <a:endParaRPr b="0" lang="en-US" sz="6600" spc="-1" strike="noStrike">
-              <a:solidFill>
-                <a:srgbClr val="000000"/>
-              </a:solidFill>
-              <a:latin typeface="Gill Sans MT"/>
-            </a:endParaRPr>
-          </a:p>
-        </p:txBody>
-      </p:sp>
-      <p:sp>
-        <p:nvSpPr>
-          <p:cNvPr id="91" name="TextShape 2"/>
-          <p:cNvSpPr txBox="1"/>
-          <p:nvPr/>
-        </p:nvSpPr>
-        <p:spPr>
-          <a:xfrm>
-            <a:off x="2417760" y="3531240"/>
-            <a:ext cx="8636760" cy="977400"/>
-          </a:xfrm>
-          <a:prstGeom prst="rect">
-            <a:avLst/>
-          </a:prstGeom>
-          <a:noFill/>
-          <a:ln>
-            <a:noFill/>
-          </a:ln>
-        </p:spPr>
-        <p:txBody>
-          <a:bodyPr tIns="91440" bIns="91440">
-            <a:noAutofit/>
-          </a:bodyPr>
-          <a:p>
-            <a:pPr>
-              <a:lnSpc>
-                <a:spcPct val="120000"/>
-              </a:lnSpc>
-              <a:spcBef>
-                <a:spcPts val="1001"/>
-              </a:spcBef>
-            </a:pPr>
-            <a:r>
-              <a:rPr b="0" lang="de-DE" sz="1800" spc="-1" strike="noStrike" cap="all">
-                <a:solidFill>
-                  <a:srgbClr val="000000"/>
-                </a:solidFill>
-                <a:latin typeface="Gill Sans MT"/>
-              </a:rPr>
-              <a:t>Team FFFMNSV</a:t>
-            </a:r>
-            <a:endParaRPr b="0" lang="de-DE" sz="1800" spc="-1" strike="noStrike">
-              <a:latin typeface="Arial"/>
-            </a:endParaRPr>
+          <p:cNvPr id="2" name="Titel 1">
+            <a:extLst>
+              <a:ext uri="{FF2B5EF4-FFF2-40B4-BE49-F238E27FC236}">
+                <a16:creationId xmlns:a16="http://schemas.microsoft.com/office/drawing/2014/main" id="{FAF30B16-6568-49E0-9475-7839E8D9A828}"/>
+              </a:ext>
+            </a:extLst>
+          </p:cNvPr>
+          <p:cNvSpPr>
+            <a:spLocks noGrp="1"/>
+          </p:cNvSpPr>
+          <p:nvPr>
+            <p:ph type="title"/>
+          </p:nvPr>
+        </p:nvSpPr>
+        <p:spPr/>
+        <p:txBody>
+          <a:bodyPr/>
+          <a:lstStyle/>
+          <a:p>
+            <a:r>
+              <a:rPr lang="de-DE" dirty="0"/>
+              <a:t>Demo	</a:t>
+            </a:r>
           </a:p>
         </p:txBody>
       </p:sp>
     </p:spTree>
+    <p:extLst>
+      <p:ext uri="{BB962C8B-B14F-4D97-AF65-F5344CB8AC3E}">
+        <p14:creationId xmlns:p14="http://schemas.microsoft.com/office/powerpoint/2010/main" val="813403950"/>
+      </p:ext>
+    </p:extLst>
   </p:cSld>
-  <mc:AlternateContent>
-    <mc:Choice Requires="p14">
-      <p:transition spd="slow" p14:dur="2000"/>
-    </mc:Choice>
-    <mc:Fallback>
-      <p:transition spd="slow"/>
-    </mc:Fallback>
-  </mc:AlternateContent>
+  <p:clrMapOvr>
+    <a:masterClrMapping/>
+  </p:clrMapOvr>
 </p:sld>
 </file>
 
 <file path=ppt/slides/slide2.xml><?xml version="1.0" encoding="utf-8"?>
-<p:sld xmlns:a="http://schemas.openxmlformats.org/drawingml/2006/main" xmlns:p="http://schemas.openxmlformats.org/presentationml/2006/main" xmlns:r="http://schemas.openxmlformats.org/officeDocument/2006/relationships" xmlns:p14="http://schemas.microsoft.com/office/powerpoint/2010/main" xmlns:p15="http://schemas.microsoft.com/office/powerpoint/2012/main" xmlns:mc="http://schemas.openxmlformats.org/markup-compatibility/2006">
+<p:sld xmlns:a="http://schemas.openxmlformats.org/drawingml/2006/main" xmlns:r="http://schemas.openxmlformats.org/officeDocument/2006/relationships" xmlns:p="http://schemas.openxmlformats.org/presentationml/2006/main">
   <p:cSld>
     <p:spTree>
       <p:nvGrpSpPr>
@@ -4150,6 +5083,7 @@
           <a:bodyPr>
             <a:noAutofit/>
           </a:bodyPr>
+          <a:lstStyle/>
           <a:p>
             <a:pPr>
               <a:lnSpc>
@@ -4157,7 +5091,7 @@
               </a:lnSpc>
             </a:pPr>
             <a:r>
-              <a:rPr b="0" lang="en-US" sz="3200" spc="-1" strike="noStrike" cap="all">
+              <a:rPr lang="en-US" sz="3200" b="0" strike="noStrike" cap="all" spc="-1">
                 <a:solidFill>
                   <a:srgbClr val="000000"/>
                 </a:solidFill>
@@ -4165,7 +5099,7 @@
               </a:rPr>
               <a:t>Allgemein</a:t>
             </a:r>
-            <a:endParaRPr b="0" lang="en-US" sz="3200" spc="-1" strike="noStrike">
+            <a:endParaRPr lang="en-US" sz="3200" b="0" strike="noStrike" spc="-1">
               <a:solidFill>
                 <a:srgbClr val="000000"/>
               </a:solidFill>
@@ -4195,8 +5129,9 @@
         </p:spPr>
         <p:txBody>
           <a:bodyPr>
-            <a:normAutofit fontScale="91000"/>
-          </a:bodyPr>
+            <a:normAutofit fontScale="98500"/>
+          </a:bodyPr>
+          <a:lstStyle/>
           <a:p>
             <a:pPr marL="228600" indent="-228240">
               <a:lnSpc>
@@ -4206,21 +5141,750 @@
                 <a:spcPts val="1001"/>
               </a:spcBef>
               <a:buClr>
-                <a:srgbClr val="b71e42"/>
+                <a:srgbClr val="B71E42"/>
               </a:buClr>
               <a:buFont typeface="Arial"/>
               <a:buChar char="•"/>
             </a:pPr>
             <a:r>
-              <a:rPr b="0" lang="en-US" sz="2000" spc="-1" strike="noStrike">
-                <a:solidFill>
-                  <a:srgbClr val="000000"/>
-                </a:solidFill>
-                <a:latin typeface="Gill Sans MT"/>
-              </a:rPr>
-              <a:t>Ziel: Ermittlung der Position der Ladungsträger in einem Raum mittels QR-Code auf den Ladungsträgern und Kamera an der Decke welche den QR-Code scannt.</a:t>
-            </a:r>
-            <a:endParaRPr b="0" lang="en-US" sz="2000" spc="-1" strike="noStrike">
+              <a:rPr lang="en-US" sz="2000" b="0" strike="noStrike" spc="-1" dirty="0" err="1">
+                <a:solidFill>
+                  <a:srgbClr val="000000"/>
+                </a:solidFill>
+                <a:latin typeface="Gill Sans MT"/>
+              </a:rPr>
+              <a:t>Ziel</a:t>
+            </a:r>
+            <a:r>
+              <a:rPr lang="en-US" sz="2000" b="0" strike="noStrike" spc="-1" dirty="0">
+                <a:solidFill>
+                  <a:srgbClr val="000000"/>
+                </a:solidFill>
+                <a:latin typeface="Gill Sans MT"/>
+              </a:rPr>
+              <a:t>: </a:t>
+            </a:r>
+            <a:r>
+              <a:rPr lang="en-US" sz="2000" b="0" strike="noStrike" spc="-1" dirty="0" err="1">
+                <a:solidFill>
+                  <a:srgbClr val="000000"/>
+                </a:solidFill>
+                <a:latin typeface="Gill Sans MT"/>
+              </a:rPr>
+              <a:t>Ermittlung</a:t>
+            </a:r>
+            <a:r>
+              <a:rPr lang="en-US" sz="2000" b="0" strike="noStrike" spc="-1" dirty="0">
+                <a:solidFill>
+                  <a:srgbClr val="000000"/>
+                </a:solidFill>
+                <a:latin typeface="Gill Sans MT"/>
+              </a:rPr>
+              <a:t> der Position der </a:t>
+            </a:r>
+            <a:r>
+              <a:rPr lang="en-US" sz="2000" b="0" strike="noStrike" spc="-1" dirty="0" err="1">
+                <a:solidFill>
+                  <a:srgbClr val="000000"/>
+                </a:solidFill>
+                <a:latin typeface="Gill Sans MT"/>
+              </a:rPr>
+              <a:t>Ladungsträger</a:t>
+            </a:r>
+            <a:r>
+              <a:rPr lang="en-US" sz="2000" b="0" strike="noStrike" spc="-1" dirty="0">
+                <a:solidFill>
+                  <a:srgbClr val="000000"/>
+                </a:solidFill>
+                <a:latin typeface="Gill Sans MT"/>
+              </a:rPr>
+              <a:t> in </a:t>
+            </a:r>
+            <a:r>
+              <a:rPr lang="en-US" sz="2000" b="0" strike="noStrike" spc="-1" dirty="0" err="1">
+                <a:solidFill>
+                  <a:srgbClr val="000000"/>
+                </a:solidFill>
+                <a:latin typeface="Gill Sans MT"/>
+              </a:rPr>
+              <a:t>einem</a:t>
+            </a:r>
+            <a:r>
+              <a:rPr lang="en-US" sz="2000" b="0" strike="noStrike" spc="-1" dirty="0">
+                <a:solidFill>
+                  <a:srgbClr val="000000"/>
+                </a:solidFill>
+                <a:latin typeface="Gill Sans MT"/>
+              </a:rPr>
+              <a:t> </a:t>
+            </a:r>
+            <a:r>
+              <a:rPr lang="en-US" sz="2000" b="0" strike="noStrike" spc="-1" dirty="0" err="1">
+                <a:solidFill>
+                  <a:srgbClr val="000000"/>
+                </a:solidFill>
+                <a:latin typeface="Gill Sans MT"/>
+              </a:rPr>
+              <a:t>Raum</a:t>
+            </a:r>
+            <a:r>
+              <a:rPr lang="en-US" sz="2000" b="0" strike="noStrike" spc="-1" dirty="0">
+                <a:solidFill>
+                  <a:srgbClr val="000000"/>
+                </a:solidFill>
+                <a:latin typeface="Gill Sans MT"/>
+              </a:rPr>
+              <a:t> </a:t>
+            </a:r>
+            <a:r>
+              <a:rPr lang="en-US" sz="2000" b="0" strike="noStrike" spc="-1" dirty="0" err="1">
+                <a:solidFill>
+                  <a:srgbClr val="000000"/>
+                </a:solidFill>
+                <a:latin typeface="Gill Sans MT"/>
+              </a:rPr>
+              <a:t>mittels</a:t>
+            </a:r>
+            <a:r>
+              <a:rPr lang="en-US" sz="2000" b="0" strike="noStrike" spc="-1" dirty="0">
+                <a:solidFill>
+                  <a:srgbClr val="000000"/>
+                </a:solidFill>
+                <a:latin typeface="Gill Sans MT"/>
+              </a:rPr>
+              <a:t> QR-Code auf den </a:t>
+            </a:r>
+            <a:r>
+              <a:rPr lang="en-US" sz="2000" b="0" strike="noStrike" spc="-1" dirty="0" err="1">
+                <a:solidFill>
+                  <a:srgbClr val="000000"/>
+                </a:solidFill>
+                <a:latin typeface="Gill Sans MT"/>
+              </a:rPr>
+              <a:t>Ladungsträgern</a:t>
+            </a:r>
+            <a:r>
+              <a:rPr lang="en-US" sz="2000" b="0" strike="noStrike" spc="-1" dirty="0">
+                <a:solidFill>
+                  <a:srgbClr val="000000"/>
+                </a:solidFill>
+                <a:latin typeface="Gill Sans MT"/>
+              </a:rPr>
+              <a:t> und </a:t>
+            </a:r>
+            <a:r>
+              <a:rPr lang="en-US" sz="2000" b="0" strike="noStrike" spc="-1" dirty="0" err="1">
+                <a:solidFill>
+                  <a:srgbClr val="000000"/>
+                </a:solidFill>
+                <a:latin typeface="Gill Sans MT"/>
+              </a:rPr>
+              <a:t>Kamera</a:t>
+            </a:r>
+            <a:r>
+              <a:rPr lang="en-US" sz="2000" b="0" strike="noStrike" spc="-1" dirty="0">
+                <a:solidFill>
+                  <a:srgbClr val="000000"/>
+                </a:solidFill>
+                <a:latin typeface="Gill Sans MT"/>
+              </a:rPr>
+              <a:t> an der </a:t>
+            </a:r>
+            <a:r>
+              <a:rPr lang="en-US" sz="2000" b="0" strike="noStrike" spc="-1" dirty="0" err="1">
+                <a:solidFill>
+                  <a:srgbClr val="000000"/>
+                </a:solidFill>
+                <a:latin typeface="Gill Sans MT"/>
+              </a:rPr>
+              <a:t>Decke</a:t>
+            </a:r>
+            <a:r>
+              <a:rPr lang="en-US" sz="2000" b="0" strike="noStrike" spc="-1" dirty="0">
+                <a:solidFill>
+                  <a:srgbClr val="000000"/>
+                </a:solidFill>
+                <a:latin typeface="Gill Sans MT"/>
+              </a:rPr>
+              <a:t> </a:t>
+            </a:r>
+            <a:r>
+              <a:rPr lang="en-US" sz="2000" b="0" strike="noStrike" spc="-1" dirty="0" err="1">
+                <a:solidFill>
+                  <a:srgbClr val="000000"/>
+                </a:solidFill>
+                <a:latin typeface="Gill Sans MT"/>
+              </a:rPr>
+              <a:t>welche</a:t>
+            </a:r>
+            <a:r>
+              <a:rPr lang="en-US" sz="2000" b="0" strike="noStrike" spc="-1" dirty="0">
+                <a:solidFill>
+                  <a:srgbClr val="000000"/>
+                </a:solidFill>
+                <a:latin typeface="Gill Sans MT"/>
+              </a:rPr>
+              <a:t> den QR-Code </a:t>
+            </a:r>
+            <a:r>
+              <a:rPr lang="en-US" sz="2000" b="0" strike="noStrike" spc="-1" dirty="0" err="1">
+                <a:solidFill>
+                  <a:srgbClr val="000000"/>
+                </a:solidFill>
+                <a:latin typeface="Gill Sans MT"/>
+              </a:rPr>
+              <a:t>scannt</a:t>
+            </a:r>
+            <a:r>
+              <a:rPr lang="en-US" sz="2000" b="0" strike="noStrike" spc="-1" dirty="0">
+                <a:solidFill>
+                  <a:srgbClr val="000000"/>
+                </a:solidFill>
+                <a:latin typeface="Gill Sans MT"/>
+              </a:rPr>
+              <a:t>.</a:t>
+            </a:r>
+            <a:endParaRPr lang="en-US" sz="2000" spc="-1" dirty="0">
+              <a:solidFill>
+                <a:srgbClr val="000000"/>
+              </a:solidFill>
+              <a:latin typeface="Gill Sans MT"/>
+              <a:ea typeface="Microsoft YaHei"/>
+            </a:endParaRPr>
+          </a:p>
+          <a:p>
+            <a:pPr marL="228600" indent="-228240">
+              <a:lnSpc>
+                <a:spcPct val="120000"/>
+              </a:lnSpc>
+              <a:spcBef>
+                <a:spcPts val="1001"/>
+              </a:spcBef>
+              <a:buClr>
+                <a:srgbClr val="B71E42"/>
+              </a:buClr>
+              <a:buFont typeface="Arial"/>
+              <a:buChar char="•"/>
+            </a:pPr>
+            <a:r>
+              <a:rPr lang="en-US" sz="2000" b="0" strike="noStrike" spc="-1" dirty="0" err="1">
+                <a:solidFill>
+                  <a:srgbClr val="000000"/>
+                </a:solidFill>
+                <a:latin typeface="Gill Sans MT"/>
+                <a:ea typeface="Microsoft YaHei"/>
+              </a:rPr>
+              <a:t>Wir</a:t>
+            </a:r>
+            <a:r>
+              <a:rPr lang="en-US" sz="2000" b="0" strike="noStrike" spc="-1" dirty="0">
+                <a:solidFill>
+                  <a:srgbClr val="000000"/>
+                </a:solidFill>
+                <a:latin typeface="Gill Sans MT"/>
+                <a:ea typeface="Microsoft YaHei"/>
+              </a:rPr>
+              <a:t> </a:t>
+            </a:r>
+            <a:r>
+              <a:rPr lang="en-US" sz="2000" b="0" strike="noStrike" spc="-1" dirty="0" err="1">
+                <a:solidFill>
+                  <a:srgbClr val="000000"/>
+                </a:solidFill>
+                <a:latin typeface="Gill Sans MT"/>
+                <a:ea typeface="Microsoft YaHei"/>
+              </a:rPr>
+              <a:t>wollen</a:t>
+            </a:r>
+            <a:r>
+              <a:rPr lang="en-US" sz="2000" b="0" strike="noStrike" spc="-1" dirty="0">
+                <a:solidFill>
+                  <a:srgbClr val="000000"/>
+                </a:solidFill>
+                <a:latin typeface="Gill Sans MT"/>
+                <a:ea typeface="Microsoft YaHei"/>
+              </a:rPr>
+              <a:t> </a:t>
+            </a:r>
+            <a:r>
+              <a:rPr lang="en-US" sz="2000" b="0" strike="noStrike" spc="-1" dirty="0" err="1">
+                <a:solidFill>
+                  <a:srgbClr val="000000"/>
+                </a:solidFill>
+                <a:latin typeface="Gill Sans MT"/>
+                <a:ea typeface="Microsoft YaHei"/>
+              </a:rPr>
+              <a:t>eine</a:t>
+            </a:r>
+            <a:r>
+              <a:rPr lang="en-US" sz="2000" b="0" strike="noStrike" spc="-1" dirty="0">
+                <a:solidFill>
+                  <a:srgbClr val="000000"/>
+                </a:solidFill>
+                <a:latin typeface="Gill Sans MT"/>
+                <a:ea typeface="Microsoft YaHei"/>
+              </a:rPr>
+              <a:t> Software </a:t>
+            </a:r>
+            <a:r>
+              <a:rPr lang="en-US" sz="2000" b="0" strike="noStrike" spc="-1" dirty="0" err="1">
+                <a:solidFill>
+                  <a:srgbClr val="000000"/>
+                </a:solidFill>
+                <a:latin typeface="Gill Sans MT"/>
+                <a:ea typeface="Microsoft YaHei"/>
+              </a:rPr>
+              <a:t>entwickeln</a:t>
+            </a:r>
+            <a:r>
+              <a:rPr lang="en-US" sz="2000" b="0" strike="noStrike" spc="-1" dirty="0">
+                <a:solidFill>
+                  <a:srgbClr val="000000"/>
+                </a:solidFill>
+                <a:latin typeface="Gill Sans MT"/>
+                <a:ea typeface="Microsoft YaHei"/>
+              </a:rPr>
+              <a:t>, die </a:t>
+            </a:r>
+            <a:r>
+              <a:rPr lang="en-US" sz="2000" b="0" strike="noStrike" spc="-1" dirty="0" err="1">
+                <a:solidFill>
+                  <a:srgbClr val="000000"/>
+                </a:solidFill>
+                <a:latin typeface="Gill Sans MT"/>
+                <a:ea typeface="Microsoft YaHei"/>
+              </a:rPr>
+              <a:t>eine</a:t>
+            </a:r>
+            <a:r>
+              <a:rPr lang="en-US" sz="2000" b="0" strike="noStrike" spc="-1" dirty="0">
+                <a:solidFill>
+                  <a:srgbClr val="000000"/>
+                </a:solidFill>
+                <a:latin typeface="Gill Sans MT"/>
+                <a:ea typeface="Microsoft YaHei"/>
+              </a:rPr>
+              <a:t> </a:t>
+            </a:r>
+            <a:r>
+              <a:rPr lang="en-US" sz="2000" b="0" strike="noStrike" spc="-1" dirty="0" err="1">
+                <a:solidFill>
+                  <a:srgbClr val="000000"/>
+                </a:solidFill>
+                <a:latin typeface="Gill Sans MT"/>
+                <a:ea typeface="Microsoft YaHei"/>
+              </a:rPr>
+              <a:t>zeitnahe</a:t>
+            </a:r>
+            <a:r>
+              <a:rPr lang="en-US" sz="2000" b="0" strike="noStrike" spc="-1" dirty="0">
+                <a:solidFill>
+                  <a:srgbClr val="000000"/>
+                </a:solidFill>
+                <a:latin typeface="Gill Sans MT"/>
+                <a:ea typeface="Microsoft YaHei"/>
+              </a:rPr>
+              <a:t> </a:t>
+            </a:r>
+            <a:r>
+              <a:rPr lang="en-US" sz="2000" b="0" strike="noStrike" spc="-1" dirty="0" err="1">
+                <a:solidFill>
+                  <a:srgbClr val="000000"/>
+                </a:solidFill>
+                <a:latin typeface="Gill Sans MT"/>
+                <a:ea typeface="Microsoft YaHei"/>
+              </a:rPr>
+              <a:t>Übersicht</a:t>
+            </a:r>
+            <a:r>
+              <a:rPr lang="en-US" sz="2000" b="0" strike="noStrike" spc="-1" dirty="0">
+                <a:solidFill>
+                  <a:srgbClr val="000000"/>
+                </a:solidFill>
+                <a:latin typeface="Gill Sans MT"/>
+                <a:ea typeface="Microsoft YaHei"/>
+              </a:rPr>
+              <a:t> </a:t>
+            </a:r>
+            <a:r>
+              <a:rPr lang="en-US" sz="2000" b="0" strike="noStrike" spc="-1" dirty="0">
+                <a:solidFill>
+                  <a:srgbClr val="000000"/>
+                </a:solidFill>
+                <a:latin typeface="Gill Sans MT"/>
+              </a:rPr>
+              <a:t>(</a:t>
+            </a:r>
+            <a:r>
+              <a:rPr lang="en-US" sz="2000" b="0" strike="noStrike" spc="-1" dirty="0" err="1">
+                <a:solidFill>
+                  <a:srgbClr val="000000"/>
+                </a:solidFill>
+                <a:latin typeface="Gill Sans MT"/>
+              </a:rPr>
+              <a:t>innerhalb</a:t>
+            </a:r>
+            <a:r>
+              <a:rPr lang="en-US" sz="2000" b="0" strike="noStrike" spc="-1" dirty="0">
+                <a:solidFill>
+                  <a:srgbClr val="000000"/>
+                </a:solidFill>
+                <a:latin typeface="Gill Sans MT"/>
+              </a:rPr>
+              <a:t> der </a:t>
+            </a:r>
+            <a:r>
+              <a:rPr lang="en-US" sz="2000" b="0" strike="noStrike" spc="-1" dirty="0" err="1">
+                <a:solidFill>
+                  <a:srgbClr val="000000"/>
+                </a:solidFill>
+                <a:latin typeface="Gill Sans MT"/>
+              </a:rPr>
+              <a:t>letzten</a:t>
+            </a:r>
+            <a:r>
+              <a:rPr lang="en-US" sz="2000" b="0" strike="noStrike" spc="-1" dirty="0">
+                <a:solidFill>
+                  <a:srgbClr val="000000"/>
+                </a:solidFill>
+                <a:latin typeface="Gill Sans MT"/>
+              </a:rPr>
+              <a:t> 5 Min) </a:t>
+            </a:r>
+            <a:r>
+              <a:rPr lang="en-US" sz="2000" b="0" strike="noStrike" spc="-1" dirty="0" err="1">
+                <a:solidFill>
+                  <a:srgbClr val="000000"/>
+                </a:solidFill>
+                <a:latin typeface="Gill Sans MT"/>
+              </a:rPr>
+              <a:t>über</a:t>
+            </a:r>
+            <a:r>
+              <a:rPr lang="en-US" sz="2000" b="0" strike="noStrike" spc="-1" dirty="0">
+                <a:solidFill>
+                  <a:srgbClr val="000000"/>
+                </a:solidFill>
+                <a:latin typeface="Gill Sans MT"/>
+              </a:rPr>
+              <a:t> die </a:t>
+            </a:r>
+            <a:r>
+              <a:rPr lang="en-US" sz="2000" b="0" strike="noStrike" spc="-1" dirty="0" err="1">
+                <a:solidFill>
+                  <a:srgbClr val="000000"/>
+                </a:solidFill>
+                <a:latin typeface="Gill Sans MT"/>
+              </a:rPr>
+              <a:t>Ladungsträger</a:t>
+            </a:r>
+            <a:r>
+              <a:rPr lang="en-US" sz="2000" b="0" strike="noStrike" spc="-1" dirty="0">
+                <a:solidFill>
+                  <a:srgbClr val="000000"/>
+                </a:solidFill>
+                <a:latin typeface="Gill Sans MT"/>
+              </a:rPr>
+              <a:t> in </a:t>
+            </a:r>
+            <a:r>
+              <a:rPr lang="en-US" sz="2000" b="0" strike="noStrike" spc="-1" dirty="0" err="1">
+                <a:solidFill>
+                  <a:srgbClr val="000000"/>
+                </a:solidFill>
+                <a:latin typeface="Gill Sans MT"/>
+              </a:rPr>
+              <a:t>einem</a:t>
+            </a:r>
+            <a:r>
+              <a:rPr lang="en-US" sz="2000" b="0" strike="noStrike" spc="-1" dirty="0">
+                <a:solidFill>
+                  <a:srgbClr val="000000"/>
+                </a:solidFill>
+                <a:latin typeface="Gill Sans MT"/>
+              </a:rPr>
+              <a:t> </a:t>
+            </a:r>
+            <a:r>
+              <a:rPr lang="en-US" sz="2000" b="0" strike="noStrike" spc="-1" dirty="0" err="1">
+                <a:solidFill>
+                  <a:srgbClr val="000000"/>
+                </a:solidFill>
+                <a:latin typeface="Gill Sans MT"/>
+              </a:rPr>
+              <a:t>vorher</a:t>
+            </a:r>
+            <a:r>
+              <a:rPr lang="en-US" sz="2000" b="0" strike="noStrike" spc="-1" dirty="0">
+                <a:solidFill>
+                  <a:srgbClr val="000000"/>
+                </a:solidFill>
+                <a:latin typeface="Gill Sans MT"/>
+              </a:rPr>
+              <a:t> von </a:t>
+            </a:r>
+            <a:r>
+              <a:rPr lang="en-US" sz="2000" b="0" strike="noStrike" spc="-1" dirty="0" err="1">
+                <a:solidFill>
+                  <a:srgbClr val="000000"/>
+                </a:solidFill>
+                <a:latin typeface="Gill Sans MT"/>
+              </a:rPr>
+              <a:t>uns</a:t>
+            </a:r>
+            <a:r>
+              <a:rPr lang="en-US" sz="2000" b="0" strike="noStrike" spc="-1" dirty="0">
+                <a:solidFill>
+                  <a:srgbClr val="000000"/>
+                </a:solidFill>
+                <a:latin typeface="Gill Sans MT"/>
+              </a:rPr>
+              <a:t> </a:t>
+            </a:r>
+            <a:r>
+              <a:rPr lang="en-US" sz="2000" b="0" strike="noStrike" spc="-1" dirty="0" err="1">
+                <a:solidFill>
+                  <a:srgbClr val="000000"/>
+                </a:solidFill>
+                <a:latin typeface="Gill Sans MT"/>
+              </a:rPr>
+              <a:t>festgelegten</a:t>
+            </a:r>
+            <a:r>
+              <a:rPr lang="en-US" sz="2000" b="0" strike="noStrike" spc="-1" dirty="0">
+                <a:solidFill>
+                  <a:srgbClr val="000000"/>
+                </a:solidFill>
+                <a:latin typeface="Gill Sans MT"/>
+              </a:rPr>
+              <a:t> </a:t>
+            </a:r>
+            <a:r>
+              <a:rPr lang="en-US" sz="2000" b="0" strike="noStrike" spc="-1" dirty="0" err="1">
+                <a:solidFill>
+                  <a:srgbClr val="000000"/>
+                </a:solidFill>
+                <a:latin typeface="Gill Sans MT"/>
+              </a:rPr>
+              <a:t>Bereich</a:t>
+            </a:r>
+            <a:r>
+              <a:rPr lang="en-US" sz="2000" b="0" strike="noStrike" spc="-1" dirty="0">
+                <a:solidFill>
+                  <a:srgbClr val="000000"/>
+                </a:solidFill>
+                <a:latin typeface="Gill Sans MT"/>
+              </a:rPr>
+              <a:t> in </a:t>
+            </a:r>
+            <a:r>
+              <a:rPr lang="en-US" sz="2000" b="0" strike="noStrike" spc="-1" dirty="0" err="1">
+                <a:solidFill>
+                  <a:srgbClr val="000000"/>
+                </a:solidFill>
+                <a:latin typeface="Gill Sans MT"/>
+              </a:rPr>
+              <a:t>einem</a:t>
+            </a:r>
+            <a:r>
+              <a:rPr lang="en-US" sz="2000" b="0" strike="noStrike" spc="-1" dirty="0">
+                <a:solidFill>
+                  <a:srgbClr val="000000"/>
+                </a:solidFill>
+                <a:latin typeface="Gill Sans MT"/>
+              </a:rPr>
+              <a:t> </a:t>
+            </a:r>
+            <a:r>
+              <a:rPr lang="en-US" sz="2000" b="0" strike="noStrike" spc="-1" dirty="0" err="1">
+                <a:solidFill>
+                  <a:srgbClr val="000000"/>
+                </a:solidFill>
+                <a:latin typeface="Gill Sans MT"/>
+              </a:rPr>
+              <a:t>Raum</a:t>
+            </a:r>
+            <a:r>
+              <a:rPr lang="en-US" sz="2000" b="0" strike="noStrike" spc="-1" dirty="0">
+                <a:solidFill>
+                  <a:srgbClr val="000000"/>
+                </a:solidFill>
+                <a:latin typeface="Gill Sans MT"/>
+              </a:rPr>
+              <a:t> </a:t>
+            </a:r>
+            <a:r>
+              <a:rPr lang="en-US" sz="2000" b="0" strike="noStrike" spc="-1" dirty="0" err="1">
+                <a:solidFill>
+                  <a:srgbClr val="000000"/>
+                </a:solidFill>
+                <a:latin typeface="Gill Sans MT"/>
+              </a:rPr>
+              <a:t>anzeigt</a:t>
+            </a:r>
+            <a:r>
+              <a:rPr lang="en-US" sz="2000" b="0" strike="noStrike" spc="-1" dirty="0">
+                <a:solidFill>
+                  <a:srgbClr val="000000"/>
+                </a:solidFill>
+                <a:latin typeface="Gill Sans MT"/>
+              </a:rPr>
+              <a:t>. </a:t>
+            </a:r>
+            <a:r>
+              <a:rPr lang="en-US" sz="2000" b="0" strike="noStrike" spc="-1" dirty="0" err="1">
+                <a:solidFill>
+                  <a:srgbClr val="000000"/>
+                </a:solidFill>
+                <a:latin typeface="Gill Sans MT"/>
+              </a:rPr>
+              <a:t>Kamerabereiche</a:t>
+            </a:r>
+            <a:r>
+              <a:rPr lang="en-US" sz="2000" b="0" strike="noStrike" spc="-1" dirty="0">
+                <a:solidFill>
+                  <a:srgbClr val="000000"/>
+                </a:solidFill>
+                <a:latin typeface="Gill Sans MT"/>
+              </a:rPr>
+              <a:t> und </a:t>
+            </a:r>
+            <a:r>
+              <a:rPr lang="en-US" sz="2000" b="0" strike="noStrike" spc="-1" dirty="0" err="1">
+                <a:solidFill>
+                  <a:srgbClr val="000000"/>
+                </a:solidFill>
+                <a:latin typeface="Gill Sans MT"/>
+              </a:rPr>
+              <a:t>Stationen</a:t>
+            </a:r>
+            <a:r>
+              <a:rPr lang="en-US" sz="2000" b="0" strike="noStrike" spc="-1" dirty="0">
+                <a:solidFill>
+                  <a:srgbClr val="000000"/>
+                </a:solidFill>
+                <a:latin typeface="Gill Sans MT"/>
+              </a:rPr>
+              <a:t> </a:t>
+            </a:r>
+            <a:r>
+              <a:rPr lang="en-US" sz="2000" b="0" strike="noStrike" spc="-1" dirty="0" err="1">
+                <a:solidFill>
+                  <a:srgbClr val="000000"/>
+                </a:solidFill>
+                <a:latin typeface="Gill Sans MT"/>
+              </a:rPr>
+              <a:t>können</a:t>
+            </a:r>
+            <a:r>
+              <a:rPr lang="en-US" sz="2000" b="0" strike="noStrike" spc="-1" dirty="0">
+                <a:solidFill>
+                  <a:srgbClr val="000000"/>
+                </a:solidFill>
+                <a:latin typeface="Gill Sans MT"/>
+              </a:rPr>
+              <a:t> </a:t>
+            </a:r>
+            <a:r>
+              <a:rPr lang="en-US" sz="2000" b="0" strike="noStrike" spc="-1" dirty="0" err="1">
+                <a:solidFill>
+                  <a:srgbClr val="000000"/>
+                </a:solidFill>
+                <a:latin typeface="Gill Sans MT"/>
+              </a:rPr>
+              <a:t>selbst</a:t>
+            </a:r>
+            <a:r>
+              <a:rPr lang="en-US" sz="2000" b="0" strike="noStrike" spc="-1" dirty="0">
+                <a:solidFill>
+                  <a:srgbClr val="000000"/>
+                </a:solidFill>
+                <a:latin typeface="Gill Sans MT"/>
+              </a:rPr>
+              <a:t> </a:t>
+            </a:r>
+            <a:r>
+              <a:rPr lang="en-US" sz="2000" b="0" strike="noStrike" spc="-1" dirty="0" err="1">
+                <a:solidFill>
+                  <a:srgbClr val="000000"/>
+                </a:solidFill>
+                <a:latin typeface="Gill Sans MT"/>
+              </a:rPr>
+              <a:t>definiert</a:t>
+            </a:r>
+            <a:r>
+              <a:rPr lang="en-US" sz="2000" b="0" strike="noStrike" spc="-1" dirty="0">
+                <a:solidFill>
+                  <a:srgbClr val="000000"/>
+                </a:solidFill>
+                <a:latin typeface="Gill Sans MT"/>
+              </a:rPr>
+              <a:t> </a:t>
+            </a:r>
+            <a:r>
+              <a:rPr lang="en-US" sz="2000" b="0" strike="noStrike" spc="-1" dirty="0" err="1">
+                <a:solidFill>
+                  <a:srgbClr val="000000"/>
+                </a:solidFill>
+                <a:latin typeface="Gill Sans MT"/>
+              </a:rPr>
+              <a:t>werden</a:t>
+            </a:r>
+            <a:r>
+              <a:rPr lang="en-US" sz="2000" b="0" strike="noStrike" spc="-1" dirty="0">
+                <a:solidFill>
+                  <a:srgbClr val="000000"/>
+                </a:solidFill>
+                <a:latin typeface="Gill Sans MT"/>
+              </a:rPr>
+              <a:t> und </a:t>
+            </a:r>
+            <a:r>
+              <a:rPr lang="en-US" sz="2000" b="0" strike="noStrike" spc="-1" dirty="0" err="1">
+                <a:solidFill>
+                  <a:srgbClr val="000000"/>
+                </a:solidFill>
+                <a:latin typeface="Gill Sans MT"/>
+              </a:rPr>
+              <a:t>beliebig</a:t>
+            </a:r>
+            <a:r>
+              <a:rPr lang="en-US" sz="2000" b="0" strike="noStrike" spc="-1" dirty="0">
+                <a:solidFill>
+                  <a:srgbClr val="000000"/>
+                </a:solidFill>
+                <a:latin typeface="Gill Sans MT"/>
+              </a:rPr>
+              <a:t> </a:t>
+            </a:r>
+            <a:r>
+              <a:rPr lang="en-US" sz="2000" b="0" strike="noStrike" spc="-1" dirty="0" err="1">
+                <a:solidFill>
+                  <a:srgbClr val="000000"/>
+                </a:solidFill>
+                <a:latin typeface="Gill Sans MT"/>
+              </a:rPr>
+              <a:t>erweitert</a:t>
+            </a:r>
+            <a:r>
+              <a:rPr lang="en-US" sz="2000" b="0" strike="noStrike" spc="-1" dirty="0">
+                <a:solidFill>
+                  <a:srgbClr val="000000"/>
+                </a:solidFill>
+                <a:latin typeface="Gill Sans MT"/>
+              </a:rPr>
+              <a:t> </a:t>
+            </a:r>
+            <a:r>
+              <a:rPr lang="en-US" sz="2000" b="0" strike="noStrike" spc="-1" dirty="0" err="1">
+                <a:solidFill>
+                  <a:srgbClr val="000000"/>
+                </a:solidFill>
+                <a:latin typeface="Gill Sans MT"/>
+              </a:rPr>
+              <a:t>werden</a:t>
+            </a:r>
+            <a:endParaRPr lang="en-US" sz="2000" b="0" strike="noStrike" spc="-1" dirty="0">
               <a:solidFill>
                 <a:srgbClr val="000000"/>
               </a:solidFill>
@@ -4236,7 +5900,7 @@
                 <a:spcPts val="1001"/>
               </a:spcBef>
             </a:pPr>
-            <a:endParaRPr b="0" lang="en-US" sz="2000" spc="-1" strike="noStrike">
+            <a:endParaRPr lang="en-US" sz="2000" b="0" strike="noStrike" spc="-1" dirty="0">
               <a:solidFill>
                 <a:srgbClr val="000000"/>
               </a:solidFill>
@@ -4252,88 +5916,7 @@
                 <a:spcPts val="1001"/>
               </a:spcBef>
             </a:pPr>
-            <a:r>
-              <a:rPr b="0" lang="en-US" sz="2000" spc="-1" strike="noStrike">
-                <a:solidFill>
-                  <a:srgbClr val="000000"/>
-                </a:solidFill>
-                <a:latin typeface="Gill Sans MT"/>
-                <a:ea typeface="Microsoft YaHei"/>
-              </a:rPr>
-              <a:t>Wir wollen eine Software entwickeln, die eine zeitnahe Übersicht </a:t>
-            </a:r>
-            <a:r>
-              <a:rPr b="0" lang="en-US" sz="2000" spc="-1" strike="noStrike">
-                <a:solidFill>
-                  <a:srgbClr val="000000"/>
-                </a:solidFill>
-                <a:latin typeface="Gill Sans MT"/>
-              </a:rPr>
-              <a:t>(innerhalb der letzten 5 Min) über die Ladungsträger in einem vorher von uns festgelegten Bereich in einem Raum anzeigt. Kamerabereiche und Stationen können selbst definiert werden und beliebig erweitert werden</a:t>
-            </a:r>
-            <a:endParaRPr b="0" lang="en-US" sz="2000" spc="-1" strike="noStrike">
-              <a:solidFill>
-                <a:srgbClr val="000000"/>
-              </a:solidFill>
-              <a:latin typeface="Gill Sans MT"/>
-            </a:endParaRPr>
-          </a:p>
-          <a:p>
-            <a:pPr>
-              <a:lnSpc>
-                <a:spcPct val="120000"/>
-              </a:lnSpc>
-              <a:spcBef>
-                <a:spcPts val="1001"/>
-              </a:spcBef>
-            </a:pPr>
-            <a:endParaRPr b="0" lang="en-US" sz="2000" spc="-1" strike="noStrike">
-              <a:solidFill>
-                <a:srgbClr val="000000"/>
-              </a:solidFill>
-              <a:latin typeface="Gill Sans MT"/>
-            </a:endParaRPr>
-          </a:p>
-          <a:p>
-            <a:pPr marL="228600" indent="-228240">
-              <a:lnSpc>
-                <a:spcPct val="120000"/>
-              </a:lnSpc>
-              <a:spcBef>
-                <a:spcPts val="1001"/>
-              </a:spcBef>
-              <a:buClr>
-                <a:srgbClr val="b71e42"/>
-              </a:buClr>
-              <a:buFont typeface="Arial"/>
-              <a:buChar char="•"/>
-            </a:pPr>
-            <a:r>
-              <a:rPr b="0" lang="en-US" sz="2000" spc="-1" strike="noStrike">
-                <a:solidFill>
-                  <a:srgbClr val="000000"/>
-                </a:solidFill>
-                <a:latin typeface="Gill Sans MT"/>
-              </a:rPr>
-              <a:t>Steuerung erfolgt über lokalen PC mit grafischer Benutzeroberfläche (GUI)</a:t>
-            </a:r>
-            <a:endParaRPr b="0" lang="en-US" sz="2000" spc="-1" strike="noStrike">
-              <a:solidFill>
-                <a:srgbClr val="000000"/>
-              </a:solidFill>
-              <a:latin typeface="Gill Sans MT"/>
-            </a:endParaRPr>
-          </a:p>
-          <a:p>
-            <a:pPr>
-              <a:lnSpc>
-                <a:spcPct val="120000"/>
-              </a:lnSpc>
-              <a:spcBef>
-                <a:spcPts val="1001"/>
-              </a:spcBef>
-            </a:pPr>
-            <a:endParaRPr b="0" lang="en-US" sz="2000" spc="-1" strike="noStrike">
+            <a:endParaRPr lang="en-US" sz="2000" b="0" strike="noStrike" spc="-1" dirty="0">
               <a:solidFill>
                 <a:srgbClr val="000000"/>
               </a:solidFill>
@@ -4344,19 +5927,14 @@
       </p:sp>
     </p:spTree>
   </p:cSld>
-  <mc:AlternateContent>
-    <mc:Choice Requires="p14">
-      <p:transition spd="slow" p14:dur="2000"/>
-    </mc:Choice>
-    <mc:Fallback>
-      <p:transition spd="slow"/>
-    </mc:Fallback>
-  </mc:AlternateContent>
+  <p:clrMapOvr>
+    <a:masterClrMapping/>
+  </p:clrMapOvr>
 </p:sld>
 </file>
 
 <file path=ppt/slides/slide3.xml><?xml version="1.0" encoding="utf-8"?>
-<p:sld xmlns:a="http://schemas.openxmlformats.org/drawingml/2006/main" xmlns:p="http://schemas.openxmlformats.org/presentationml/2006/main" xmlns:r="http://schemas.openxmlformats.org/officeDocument/2006/relationships" xmlns:p14="http://schemas.microsoft.com/office/powerpoint/2010/main" xmlns:p15="http://schemas.microsoft.com/office/powerpoint/2012/main" xmlns:mc="http://schemas.openxmlformats.org/markup-compatibility/2006">
+<p:sld xmlns:a="http://schemas.openxmlformats.org/drawingml/2006/main" xmlns:r="http://schemas.openxmlformats.org/officeDocument/2006/relationships" xmlns:p="http://schemas.openxmlformats.org/presentationml/2006/main">
   <p:cSld>
     <p:spTree>
       <p:nvGrpSpPr>
@@ -4395,6 +5973,7 @@
           <a:bodyPr>
             <a:noAutofit/>
           </a:bodyPr>
+          <a:lstStyle/>
           <a:p>
             <a:pPr>
               <a:lnSpc>
@@ -4402,7 +5981,7 @@
               </a:lnSpc>
             </a:pPr>
             <a:r>
-              <a:rPr b="0" lang="en-US" sz="3200" spc="-1" strike="noStrike" cap="all">
+              <a:rPr lang="en-US" sz="3200" b="0" strike="noStrike" cap="all" spc="-1">
                 <a:solidFill>
                   <a:srgbClr val="000000"/>
                 </a:solidFill>
@@ -4410,7 +5989,7 @@
               </a:rPr>
               <a:t>Rollenverteilung</a:t>
             </a:r>
-            <a:endParaRPr b="0" lang="en-US" sz="3200" spc="-1" strike="noStrike">
+            <a:endParaRPr lang="en-US" sz="3200" b="0" strike="noStrike" spc="-1">
               <a:solidFill>
                 <a:srgbClr val="000000"/>
               </a:solidFill>
@@ -4442,6 +6021,7 @@
           <a:bodyPr>
             <a:noAutofit/>
           </a:bodyPr>
+          <a:lstStyle/>
           <a:p>
             <a:pPr marL="228600" indent="-228240">
               <a:lnSpc>
@@ -4451,21 +6031,30 @@
                 <a:spcPts val="1001"/>
               </a:spcBef>
               <a:buClr>
-                <a:srgbClr val="b71e42"/>
+                <a:srgbClr val="B71E42"/>
               </a:buClr>
               <a:buFont typeface="Arial"/>
               <a:buChar char="•"/>
             </a:pPr>
             <a:r>
-              <a:rPr b="0" lang="en-US" sz="2000" spc="-1" strike="noStrike">
-                <a:solidFill>
-                  <a:srgbClr val="000000"/>
-                </a:solidFill>
-                <a:latin typeface="Gill Sans MT"/>
-              </a:rPr>
-              <a:t>Scrum Master:  Viktor Dötzel</a:t>
-            </a:r>
-            <a:endParaRPr b="0" lang="en-US" sz="2000" spc="-1" strike="noStrike">
+              <a:rPr lang="en-US" sz="2000" b="0" strike="noStrike" spc="-1" dirty="0">
+                <a:solidFill>
+                  <a:srgbClr val="000000"/>
+                </a:solidFill>
+                <a:latin typeface="Gill Sans MT"/>
+              </a:rPr>
+              <a:t>Scrum Master:  Viktor </a:t>
+            </a:r>
+            <a:r>
+              <a:rPr lang="en-US" sz="2000" b="0" strike="noStrike" spc="-1" dirty="0" err="1">
+                <a:solidFill>
+                  <a:srgbClr val="000000"/>
+                </a:solidFill>
+                <a:latin typeface="Gill Sans MT"/>
+              </a:rPr>
+              <a:t>Dötzel</a:t>
+            </a:r>
+            <a:endParaRPr lang="en-US" sz="2000" b="0" strike="noStrike" spc="-1" dirty="0">
               <a:solidFill>
                 <a:srgbClr val="000000"/>
               </a:solidFill>
@@ -4481,13 +6070,13 @@
                 <a:spcPts val="1001"/>
               </a:spcBef>
               <a:buClr>
-                <a:srgbClr val="b71e42"/>
+                <a:srgbClr val="B71E42"/>
               </a:buClr>
               <a:buFont typeface="Arial"/>
               <a:buChar char="•"/>
             </a:pPr>
             <a:r>
-              <a:rPr b="0" lang="en-US" sz="2000" spc="-1" strike="noStrike">
+              <a:rPr lang="en-US" sz="2000" b="0" strike="noStrike" spc="-1" dirty="0">
                 <a:solidFill>
                   <a:srgbClr val="000000"/>
                 </a:solidFill>
@@ -4495,12 +6084,6 @@
               </a:rPr>
               <a:t>Product Owner: Sebastian Hartmann, Felix Filser</a:t>
             </a:r>
-            <a:endParaRPr b="0" lang="en-US" sz="2000" spc="-1" strike="noStrike">
-              <a:solidFill>
-                <a:srgbClr val="000000"/>
-              </a:solidFill>
-              <a:latin typeface="Gill Sans MT"/>
-            </a:endParaRPr>
           </a:p>
           <a:p>
             <a:pPr marL="228600" indent="-228240">
@@ -4511,44 +6094,69 @@
                 <a:spcPts val="1001"/>
               </a:spcBef>
               <a:buClr>
-                <a:srgbClr val="b71e42"/>
+                <a:srgbClr val="B71E42"/>
               </a:buClr>
               <a:buFont typeface="Arial"/>
               <a:buChar char="•"/>
             </a:pPr>
             <a:r>
-              <a:rPr b="0" lang="en-US" sz="2000" spc="-1" strike="noStrike">
-                <a:solidFill>
-                  <a:srgbClr val="000000"/>
-                </a:solidFill>
-                <a:latin typeface="Gill Sans MT"/>
-              </a:rPr>
-              <a:t>Dev-Team: Niko Burkert, Fabian Bösel, Florian Kovacsik, Moritz Nentwig</a:t>
-            </a:r>
-            <a:endParaRPr b="0" lang="en-US" sz="2000" spc="-1" strike="noStrike">
-              <a:solidFill>
-                <a:srgbClr val="000000"/>
-              </a:solidFill>
-              <a:latin typeface="Gill Sans MT"/>
-            </a:endParaRPr>
+              <a:rPr lang="en-US" sz="2000" b="0" strike="noStrike" spc="-1" dirty="0">
+                <a:solidFill>
+                  <a:srgbClr val="000000"/>
+                </a:solidFill>
+                <a:latin typeface="Gill Sans MT"/>
+              </a:rPr>
+              <a:t>Dev-Team: Niko Burkert, Fabian </a:t>
+            </a:r>
+            <a:r>
+              <a:rPr lang="en-US" sz="2000" b="0" strike="noStrike" spc="-1" dirty="0" err="1">
+                <a:solidFill>
+                  <a:srgbClr val="000000"/>
+                </a:solidFill>
+                <a:latin typeface="Gill Sans MT"/>
+              </a:rPr>
+              <a:t>Bösel</a:t>
+            </a:r>
+            <a:r>
+              <a:rPr lang="en-US" sz="2000" b="0" strike="noStrike" spc="-1" dirty="0">
+                <a:solidFill>
+                  <a:srgbClr val="000000"/>
+                </a:solidFill>
+                <a:latin typeface="Gill Sans MT"/>
+              </a:rPr>
+              <a:t>, Florian </a:t>
+            </a:r>
+            <a:r>
+              <a:rPr lang="en-US" sz="2000" b="0" strike="noStrike" spc="-1" dirty="0" err="1">
+                <a:solidFill>
+                  <a:srgbClr val="000000"/>
+                </a:solidFill>
+                <a:latin typeface="Gill Sans MT"/>
+              </a:rPr>
+              <a:t>Kovacsik</a:t>
+            </a:r>
+            <a:r>
+              <a:rPr lang="en-US" sz="2000" b="0" strike="noStrike" spc="-1" dirty="0">
+                <a:solidFill>
+                  <a:srgbClr val="000000"/>
+                </a:solidFill>
+                <a:latin typeface="Gill Sans MT"/>
+              </a:rPr>
+              <a:t>, Moritz Nentwig</a:t>
+            </a:r>
           </a:p>
         </p:txBody>
       </p:sp>
     </p:spTree>
   </p:cSld>
-  <mc:AlternateContent>
-    <mc:Choice Requires="p14">
-      <p:transition spd="slow" p14:dur="2000"/>
-    </mc:Choice>
-    <mc:Fallback>
-      <p:transition spd="slow"/>
-    </mc:Fallback>
-  </mc:AlternateContent>
+  <p:clrMapOvr>
+    <a:masterClrMapping/>
+  </p:clrMapOvr>
 </p:sld>
 </file>
 
 <file path=ppt/slides/slide4.xml><?xml version="1.0" encoding="utf-8"?>
-<p:sld xmlns:a="http://schemas.openxmlformats.org/drawingml/2006/main" xmlns:p="http://schemas.openxmlformats.org/presentationml/2006/main" xmlns:r="http://schemas.openxmlformats.org/officeDocument/2006/relationships" xmlns:p14="http://schemas.microsoft.com/office/powerpoint/2010/main" xmlns:p15="http://schemas.microsoft.com/office/powerpoint/2012/main" xmlns:mc="http://schemas.openxmlformats.org/markup-compatibility/2006">
+<p:sld xmlns:a="http://schemas.openxmlformats.org/drawingml/2006/main" xmlns:r="http://schemas.openxmlformats.org/officeDocument/2006/relationships" xmlns:p="http://schemas.openxmlformats.org/presentationml/2006/main">
   <p:cSld>
     <p:spTree>
       <p:nvGrpSpPr>
@@ -4566,76 +6174,54 @@
       </p:grpSpPr>
       <p:sp>
         <p:nvSpPr>
-          <p:cNvPr id="96" name="TextShape 1"/>
-          <p:cNvSpPr txBox="1"/>
-          <p:nvPr/>
-        </p:nvSpPr>
-        <p:spPr>
-          <a:xfrm>
-            <a:off x="1451520" y="804600"/>
-            <a:ext cx="9603000" cy="1049040"/>
-          </a:xfrm>
-          <a:prstGeom prst="rect">
-            <a:avLst/>
-          </a:prstGeom>
-          <a:noFill/>
-          <a:ln>
-            <a:noFill/>
-          </a:ln>
-        </p:spPr>
-        <p:txBody>
-          <a:bodyPr>
-            <a:noAutofit/>
-          </a:bodyPr>
-          <a:p>
-            <a:pPr>
-              <a:lnSpc>
-                <a:spcPct val="90000"/>
-              </a:lnSpc>
-            </a:pPr>
-            <a:r>
-              <a:rPr b="0" lang="en-US" sz="3200" spc="-1" strike="noStrike" cap="all">
-                <a:solidFill>
-                  <a:srgbClr val="000000"/>
-                </a:solidFill>
-                <a:latin typeface="Gill Sans MT"/>
-              </a:rPr>
-              <a:t>ProjektStart</a:t>
-            </a:r>
-            <a:endParaRPr b="0" lang="en-US" sz="3200" spc="-1" strike="noStrike">
-              <a:solidFill>
-                <a:srgbClr val="000000"/>
-              </a:solidFill>
-              <a:latin typeface="Gill Sans MT"/>
-            </a:endParaRPr>
-          </a:p>
-        </p:txBody>
-      </p:sp>
-      <p:sp>
-        <p:nvSpPr>
-          <p:cNvPr id="97" name="TextShape 2"/>
-          <p:cNvSpPr txBox="1"/>
-          <p:nvPr/>
-        </p:nvSpPr>
-        <p:spPr>
-          <a:xfrm>
-            <a:off x="1451520" y="2015640"/>
-            <a:ext cx="9603000" cy="3450240"/>
-          </a:xfrm>
-          <a:prstGeom prst="rect">
-            <a:avLst/>
-          </a:prstGeom>
-          <a:noFill/>
-          <a:ln>
-            <a:noFill/>
-          </a:ln>
-        </p:spPr>
-        <p:txBody>
-          <a:bodyPr>
-            <a:noAutofit/>
-          </a:bodyPr>
-          <a:p>
-            <a:pPr marL="228600" indent="-228240">
+          <p:cNvPr id="2" name="Titel 1">
+            <a:extLst>
+              <a:ext uri="{FF2B5EF4-FFF2-40B4-BE49-F238E27FC236}">
+                <a16:creationId xmlns:a16="http://schemas.microsoft.com/office/drawing/2014/main" id="{F22C59D1-94C3-4F02-913A-BC840FEA2749}"/>
+              </a:ext>
+            </a:extLst>
+          </p:cNvPr>
+          <p:cNvSpPr>
+            <a:spLocks noGrp="1"/>
+          </p:cNvSpPr>
+          <p:nvPr>
+            <p:ph type="title"/>
+          </p:nvPr>
+        </p:nvSpPr>
+        <p:spPr/>
+        <p:txBody>
+          <a:bodyPr/>
+          <a:lstStyle/>
+          <a:p>
+            <a:r>
+              <a:rPr lang="de-DE" dirty="0"/>
+              <a:t>Ablauf 	</a:t>
+            </a:r>
+          </a:p>
+        </p:txBody>
+      </p:sp>
+      <p:sp>
+        <p:nvSpPr>
+          <p:cNvPr id="3" name="Untertitel 2">
+            <a:extLst>
+              <a:ext uri="{FF2B5EF4-FFF2-40B4-BE49-F238E27FC236}">
+                <a16:creationId xmlns:a16="http://schemas.microsoft.com/office/drawing/2014/main" id="{672E60E9-54FC-4A65-B1AD-CE999CF62C00}"/>
+              </a:ext>
+            </a:extLst>
+          </p:cNvPr>
+          <p:cNvSpPr>
+            <a:spLocks noGrp="1"/>
+          </p:cNvSpPr>
+          <p:nvPr>
+            <p:ph type="subTitle"/>
+          </p:nvPr>
+        </p:nvSpPr>
+        <p:spPr/>
+        <p:txBody>
+          <a:bodyPr/>
+          <a:lstStyle/>
+          <a:p>
+            <a:pPr indent="-228240">
               <a:lnSpc>
                 <a:spcPct val="120000"/>
               </a:lnSpc>
@@ -4643,83 +6229,224 @@
                 <a:spcPts val="1001"/>
               </a:spcBef>
               <a:buClr>
-                <a:srgbClr val="b71e42"/>
+                <a:srgbClr val="B71E42"/>
               </a:buClr>
               <a:buFont typeface="Arial"/>
               <a:buChar char="•"/>
             </a:pPr>
-            <a:r>
-              <a:rPr b="0" lang="en-US" sz="2000" spc="-1" strike="noStrike">
-                <a:solidFill>
-                  <a:srgbClr val="000000"/>
-                </a:solidFill>
-                <a:latin typeface="Gill Sans MT"/>
-              </a:rPr>
-              <a:t>Zum Projektstart haben wir als Gruppe den Poduct Backlog erstellt und die einzelnen Funktionalitäten priorisiert.</a:t>
-            </a:r>
-            <a:endParaRPr b="0" lang="en-US" sz="2000" spc="-1" strike="noStrike">
-              <a:solidFill>
-                <a:srgbClr val="000000"/>
-              </a:solidFill>
-              <a:latin typeface="Gill Sans MT"/>
-            </a:endParaRPr>
-          </a:p>
-          <a:p>
-            <a:pPr>
+            <a:endParaRPr lang="de-DE" sz="2000" spc="-1" dirty="0">
+              <a:solidFill>
+                <a:srgbClr val="000000"/>
+              </a:solidFill>
+              <a:latin typeface="Gill Sans MT"/>
+            </a:endParaRPr>
+          </a:p>
+          <a:p>
+            <a:pPr indent="-228240">
               <a:lnSpc>
                 <a:spcPct val="120000"/>
               </a:lnSpc>
               <a:spcBef>
                 <a:spcPts val="1001"/>
               </a:spcBef>
+              <a:buClr>
+                <a:srgbClr val="B71E42"/>
+              </a:buClr>
+              <a:buFont typeface="Arial"/>
+              <a:buChar char="•"/>
             </a:pPr>
-            <a:endParaRPr b="0" lang="en-US" sz="2000" spc="-1" strike="noStrike">
-              <a:solidFill>
-                <a:srgbClr val="000000"/>
-              </a:solidFill>
-              <a:latin typeface="Gill Sans MT"/>
-            </a:endParaRPr>
-          </a:p>
-        </p:txBody>
-      </p:sp>
-      <p:pic>
-        <p:nvPicPr>
-          <p:cNvPr id="98" name="Grafik 3" descr=""/>
-          <p:cNvPicPr/>
-          <p:nvPr/>
-        </p:nvPicPr>
-        <p:blipFill>
-          <a:blip r:embed="rId1"/>
-          <a:stretch/>
-        </p:blipFill>
-        <p:spPr>
-          <a:xfrm>
-            <a:off x="248760" y="2750760"/>
-            <a:ext cx="11693880" cy="2650680"/>
-          </a:xfrm>
-          <a:prstGeom prst="rect">
-            <a:avLst/>
-          </a:prstGeom>
-          <a:ln>
-            <a:noFill/>
-          </a:ln>
-        </p:spPr>
-      </p:pic>
+            <a:endParaRPr lang="de-DE" sz="2000" spc="-1" dirty="0">
+              <a:solidFill>
+                <a:srgbClr val="000000"/>
+              </a:solidFill>
+              <a:latin typeface="Gill Sans MT"/>
+            </a:endParaRPr>
+          </a:p>
+          <a:p>
+            <a:pPr indent="-228240">
+              <a:lnSpc>
+                <a:spcPct val="120000"/>
+              </a:lnSpc>
+              <a:spcBef>
+                <a:spcPts val="1001"/>
+              </a:spcBef>
+              <a:buClr>
+                <a:srgbClr val="B71E42"/>
+              </a:buClr>
+              <a:buFont typeface="Arial"/>
+              <a:buChar char="•"/>
+            </a:pPr>
+            <a:r>
+              <a:rPr lang="de-DE" sz="2000" spc="-1" dirty="0">
+                <a:solidFill>
+                  <a:srgbClr val="000000"/>
+                </a:solidFill>
+                <a:latin typeface="Gill Sans MT"/>
+              </a:rPr>
+              <a:t>Station erstellen – mit Raumaufteilung aus dem 2D Plan (manuell)</a:t>
+            </a:r>
+          </a:p>
+          <a:p>
+            <a:pPr indent="-228240">
+              <a:lnSpc>
+                <a:spcPct val="120000"/>
+              </a:lnSpc>
+              <a:spcBef>
+                <a:spcPts val="1001"/>
+              </a:spcBef>
+              <a:buClr>
+                <a:srgbClr val="B71E42"/>
+              </a:buClr>
+              <a:buFont typeface="Arial"/>
+              <a:buChar char="•"/>
+            </a:pPr>
+            <a:r>
+              <a:rPr lang="de-DE" sz="2000" spc="-1" dirty="0">
+                <a:solidFill>
+                  <a:srgbClr val="000000"/>
+                </a:solidFill>
+                <a:latin typeface="Gill Sans MT"/>
+              </a:rPr>
+              <a:t>Kameras anlegen (Position, Sichtfeld)</a:t>
+            </a:r>
+          </a:p>
+          <a:p>
+            <a:pPr indent="-228240">
+              <a:lnSpc>
+                <a:spcPct val="120000"/>
+              </a:lnSpc>
+              <a:spcBef>
+                <a:spcPts val="1001"/>
+              </a:spcBef>
+              <a:buClr>
+                <a:srgbClr val="B71E42"/>
+              </a:buClr>
+              <a:buFont typeface="Arial"/>
+              <a:buChar char="•"/>
+            </a:pPr>
+            <a:r>
+              <a:rPr lang="de-DE" sz="2000" spc="-1" dirty="0">
+                <a:solidFill>
+                  <a:srgbClr val="000000"/>
+                </a:solidFill>
+                <a:latin typeface="Gill Sans MT"/>
+              </a:rPr>
+              <a:t>Ladungsträger anlegen (QR Code generieren/zuweisen falls vorhanden)</a:t>
+            </a:r>
+          </a:p>
+          <a:p>
+            <a:pPr lvl="1" indent="-228240">
+              <a:lnSpc>
+                <a:spcPct val="120000"/>
+              </a:lnSpc>
+              <a:spcBef>
+                <a:spcPts val="1001"/>
+              </a:spcBef>
+              <a:buClr>
+                <a:srgbClr val="B71E42"/>
+              </a:buClr>
+              <a:buFont typeface="Arial"/>
+              <a:buChar char="•"/>
+            </a:pPr>
+            <a:r>
+              <a:rPr lang="de-DE" sz="1600" spc="-1" dirty="0">
+                <a:solidFill>
+                  <a:srgbClr val="000000"/>
+                </a:solidFill>
+                <a:latin typeface="Gill Sans MT"/>
+              </a:rPr>
+              <a:t>Ladungsträgertyp (Daraus ergibt sich später die Form)</a:t>
+            </a:r>
+          </a:p>
+          <a:p>
+            <a:pPr lvl="1" indent="-228240">
+              <a:lnSpc>
+                <a:spcPct val="120000"/>
+              </a:lnSpc>
+              <a:spcBef>
+                <a:spcPts val="1001"/>
+              </a:spcBef>
+              <a:buClr>
+                <a:srgbClr val="B71E42"/>
+              </a:buClr>
+              <a:buFont typeface="Arial"/>
+              <a:buChar char="•"/>
+            </a:pPr>
+            <a:r>
+              <a:rPr lang="de-DE" sz="1600" spc="-1" dirty="0">
+                <a:solidFill>
+                  <a:srgbClr val="000000"/>
+                </a:solidFill>
+                <a:latin typeface="Gill Sans MT"/>
+              </a:rPr>
+              <a:t>bei Erstellen eines neuen Ladungsträgers → Update der Positionen</a:t>
+            </a:r>
+          </a:p>
+          <a:p>
+            <a:pPr indent="-228240">
+              <a:lnSpc>
+                <a:spcPct val="120000"/>
+              </a:lnSpc>
+              <a:spcBef>
+                <a:spcPts val="1001"/>
+              </a:spcBef>
+              <a:buClr>
+                <a:srgbClr val="B71E42"/>
+              </a:buClr>
+              <a:buFont typeface="Arial"/>
+              <a:buChar char="•"/>
+            </a:pPr>
+            <a:r>
+              <a:rPr lang="de-DE" sz="2000" spc="-1" dirty="0">
+                <a:solidFill>
+                  <a:srgbClr val="000000"/>
+                </a:solidFill>
+                <a:latin typeface="Gill Sans MT"/>
+              </a:rPr>
+              <a:t>Kamera nimmt regelmäßig Bild(er) auf → Update der Positionen (zyklisch)</a:t>
+            </a:r>
+          </a:p>
+          <a:p>
+            <a:pPr indent="-228240">
+              <a:lnSpc>
+                <a:spcPct val="120000"/>
+              </a:lnSpc>
+              <a:spcBef>
+                <a:spcPts val="1001"/>
+              </a:spcBef>
+              <a:buClr>
+                <a:srgbClr val="B71E42"/>
+              </a:buClr>
+              <a:buFont typeface="Arial"/>
+              <a:buChar char="•"/>
+            </a:pPr>
+            <a:endParaRPr lang="en-US" sz="2000" spc="-1" dirty="0">
+              <a:solidFill>
+                <a:srgbClr val="000000"/>
+              </a:solidFill>
+              <a:latin typeface="Gill Sans MT"/>
+            </a:endParaRPr>
+          </a:p>
+          <a:p>
+            <a:endParaRPr lang="de-DE" dirty="0"/>
+          </a:p>
+        </p:txBody>
+      </p:sp>
     </p:spTree>
+    <p:extLst>
+      <p:ext uri="{BB962C8B-B14F-4D97-AF65-F5344CB8AC3E}">
+        <p14:creationId xmlns:p14="http://schemas.microsoft.com/office/powerpoint/2010/main" val="101511940"/>
+      </p:ext>
+    </p:extLst>
   </p:cSld>
-  <mc:AlternateContent>
-    <mc:Choice Requires="p14">
-      <p:transition spd="slow" p14:dur="2000"/>
-    </mc:Choice>
-    <mc:Fallback>
-      <p:transition spd="slow"/>
-    </mc:Fallback>
-  </mc:AlternateContent>
+  <p:clrMapOvr>
+    <a:masterClrMapping/>
+  </p:clrMapOvr>
 </p:sld>
 </file>
 
 <file path=ppt/slides/slide5.xml><?xml version="1.0" encoding="utf-8"?>
-<p:sld xmlns:a="http://schemas.openxmlformats.org/drawingml/2006/main" xmlns:p="http://schemas.openxmlformats.org/presentationml/2006/main" xmlns:r="http://schemas.openxmlformats.org/officeDocument/2006/relationships" xmlns:p14="http://schemas.microsoft.com/office/powerpoint/2010/main" xmlns:p15="http://schemas.microsoft.com/office/powerpoint/2012/main" xmlns:mc="http://schemas.openxmlformats.org/markup-compatibility/2006">
+<p:sld xmlns:a="http://schemas.openxmlformats.org/drawingml/2006/main" xmlns:r="http://schemas.openxmlformats.org/officeDocument/2006/relationships" xmlns:p="http://schemas.openxmlformats.org/presentationml/2006/main">
   <p:cSld>
     <p:spTree>
       <p:nvGrpSpPr>
@@ -4735,263 +6462,51 @@
           <a:chExt cx="0" cy="0"/>
         </a:xfrm>
       </p:grpSpPr>
-      <p:sp>
-        <p:nvSpPr>
-          <p:cNvPr id="99" name="TextShape 1"/>
-          <p:cNvSpPr txBox="1"/>
+      <p:pic>
+        <p:nvPicPr>
+          <p:cNvPr id="6" name="Grafik 5">
+            <a:extLst>
+              <a:ext uri="{FF2B5EF4-FFF2-40B4-BE49-F238E27FC236}">
+                <a16:creationId xmlns:a16="http://schemas.microsoft.com/office/drawing/2014/main" id="{C2B7D287-5674-47FE-B2A9-C6AC41EEE816}"/>
+              </a:ext>
+            </a:extLst>
+          </p:cNvPr>
+          <p:cNvPicPr>
+            <a:picLocks noChangeAspect="1"/>
+          </p:cNvPicPr>
           <p:nvPr/>
-        </p:nvSpPr>
-        <p:spPr>
-          <a:xfrm>
-            <a:off x="1451520" y="804600"/>
-            <a:ext cx="9603000" cy="1049040"/>
-          </a:xfrm>
-          <a:prstGeom prst="rect">
-            <a:avLst/>
-          </a:prstGeom>
-          <a:noFill/>
-          <a:ln>
-            <a:noFill/>
-          </a:ln>
-        </p:spPr>
-        <p:txBody>
-          <a:bodyPr>
-            <a:noAutofit/>
-          </a:bodyPr>
-          <a:p>
-            <a:pPr>
-              <a:lnSpc>
-                <a:spcPct val="90000"/>
-              </a:lnSpc>
-            </a:pPr>
-            <a:r>
-              <a:rPr b="0" lang="en-US" sz="3200" spc="-1" strike="noStrike" cap="all">
-                <a:solidFill>
-                  <a:srgbClr val="000000"/>
-                </a:solidFill>
-                <a:latin typeface="Gill Sans MT"/>
-              </a:rPr>
-              <a:t>Sprint 1:</a:t>
-            </a:r>
-            <a:endParaRPr b="0" lang="en-US" sz="3200" spc="-1" strike="noStrike">
-              <a:solidFill>
-                <a:srgbClr val="000000"/>
-              </a:solidFill>
-              <a:latin typeface="Gill Sans MT"/>
-            </a:endParaRPr>
-          </a:p>
-        </p:txBody>
-      </p:sp>
-      <p:sp>
-        <p:nvSpPr>
-          <p:cNvPr id="100" name="TextShape 2"/>
-          <p:cNvSpPr txBox="1"/>
-          <p:nvPr/>
-        </p:nvSpPr>
-        <p:spPr>
-          <a:xfrm>
-            <a:off x="1451520" y="2015640"/>
-            <a:ext cx="9603000" cy="3450240"/>
-          </a:xfrm>
-          <a:prstGeom prst="rect">
-            <a:avLst/>
-          </a:prstGeom>
-          <a:noFill/>
-          <a:ln>
-            <a:noFill/>
-          </a:ln>
-        </p:spPr>
-        <p:txBody>
-          <a:bodyPr>
-            <a:noAutofit/>
-          </a:bodyPr>
-          <a:p>
-            <a:pPr marL="228600" indent="-228240">
-              <a:lnSpc>
-                <a:spcPct val="120000"/>
-              </a:lnSpc>
-              <a:spcBef>
-                <a:spcPts val="1001"/>
-              </a:spcBef>
-              <a:buClr>
-                <a:srgbClr val="b71e42"/>
-              </a:buClr>
-              <a:buFont typeface="Arial"/>
-              <a:buChar char="•"/>
-            </a:pPr>
-            <a:r>
-              <a:rPr b="0" lang="en-US" sz="2000" spc="-1" strike="noStrike">
-                <a:solidFill>
-                  <a:srgbClr val="000000"/>
-                </a:solidFill>
-                <a:latin typeface="Gill Sans MT"/>
-              </a:rPr>
-              <a:t>Ziel: Aufgabenbereiche aufteilen und Projektumgebung einrichten</a:t>
-            </a:r>
-            <a:endParaRPr b="0" lang="en-US" sz="2000" spc="-1" strike="noStrike">
-              <a:solidFill>
-                <a:srgbClr val="000000"/>
-              </a:solidFill>
-              <a:latin typeface="Gill Sans MT"/>
-            </a:endParaRPr>
-          </a:p>
-          <a:p>
-            <a:pPr lvl="1" marL="864000" indent="-324000">
-              <a:spcBef>
-                <a:spcPts val="1134"/>
-              </a:spcBef>
-              <a:buClr>
-                <a:srgbClr val="000000"/>
-              </a:buClr>
-              <a:buSzPct val="75000"/>
-              <a:buFont typeface="Symbol" charset="2"/>
-              <a:buChar char=""/>
-            </a:pPr>
-            <a:r>
-              <a:rPr b="0" lang="en-US" sz="2000" spc="-1" strike="noStrike">
-                <a:solidFill>
-                  <a:srgbClr val="000000"/>
-                </a:solidFill>
-                <a:latin typeface="Gill Sans MT"/>
-              </a:rPr>
-              <a:t>GUI Gerüst angelegt</a:t>
-            </a:r>
-            <a:endParaRPr b="0" lang="en-US" sz="2000" spc="-1" strike="noStrike">
-              <a:solidFill>
-                <a:srgbClr val="000000"/>
-              </a:solidFill>
-              <a:latin typeface="Gill Sans MT"/>
-            </a:endParaRPr>
-          </a:p>
-          <a:p>
-            <a:pPr lvl="1" marL="864000" indent="-324000">
-              <a:spcBef>
-                <a:spcPts val="1134"/>
-              </a:spcBef>
-              <a:buClr>
-                <a:srgbClr val="000000"/>
-              </a:buClr>
-              <a:buSzPct val="75000"/>
-              <a:buFont typeface="Symbol" charset="2"/>
-              <a:buChar char=""/>
-            </a:pPr>
-            <a:r>
-              <a:rPr b="0" lang="en-US" sz="2000" spc="-1" strike="noStrike">
-                <a:solidFill>
-                  <a:srgbClr val="000000"/>
-                </a:solidFill>
-                <a:latin typeface="Gill Sans MT"/>
-              </a:rPr>
-              <a:t>Erzeugung Bilderkennung der QR Codes</a:t>
-            </a:r>
-            <a:endParaRPr b="0" lang="en-US" sz="2000" spc="-1" strike="noStrike">
-              <a:solidFill>
-                <a:srgbClr val="000000"/>
-              </a:solidFill>
-              <a:latin typeface="Gill Sans MT"/>
-            </a:endParaRPr>
-          </a:p>
-          <a:p>
-            <a:pPr lvl="1" marL="864000" indent="-324000">
-              <a:spcBef>
-                <a:spcPts val="1134"/>
-              </a:spcBef>
-              <a:buClr>
-                <a:srgbClr val="000000"/>
-              </a:buClr>
-              <a:buSzPct val="75000"/>
-              <a:buFont typeface="Symbol" charset="2"/>
-              <a:buChar char=""/>
-            </a:pPr>
-            <a:r>
-              <a:rPr b="0" lang="en-US" sz="2000" spc="-1" strike="noStrike">
-                <a:solidFill>
-                  <a:srgbClr val="000000"/>
-                </a:solidFill>
-                <a:latin typeface="Gill Sans MT"/>
-              </a:rPr>
-              <a:t>Realer Test fotografieren und erkennen von QR Codes</a:t>
-            </a:r>
-            <a:endParaRPr b="0" lang="en-US" sz="2000" spc="-1" strike="noStrike">
-              <a:solidFill>
-                <a:srgbClr val="000000"/>
-              </a:solidFill>
-              <a:latin typeface="Gill Sans MT"/>
-            </a:endParaRPr>
-          </a:p>
-          <a:p>
-            <a:pPr lvl="1" marL="864000" indent="-324000">
-              <a:spcBef>
-                <a:spcPts val="1134"/>
-              </a:spcBef>
-              <a:buClr>
-                <a:srgbClr val="000000"/>
-              </a:buClr>
-              <a:buSzPct val="75000"/>
-              <a:buFont typeface="Symbol" charset="2"/>
-              <a:buChar char=""/>
-            </a:pPr>
-            <a:r>
-              <a:rPr b="0" lang="en-US" sz="2000" spc="-1" strike="noStrike">
-                <a:solidFill>
-                  <a:srgbClr val="000000"/>
-                </a:solidFill>
-                <a:latin typeface="Gill Sans MT"/>
-              </a:rPr>
-              <a:t>Klassendiagramm für Programm</a:t>
-            </a:r>
-            <a:endParaRPr b="0" lang="en-US" sz="2000" spc="-1" strike="noStrike">
-              <a:solidFill>
-                <a:srgbClr val="000000"/>
-              </a:solidFill>
-              <a:latin typeface="Gill Sans MT"/>
-            </a:endParaRPr>
-          </a:p>
-          <a:p>
-            <a:pPr lvl="1" marL="864000" indent="-324000">
-              <a:spcBef>
-                <a:spcPts val="1134"/>
-              </a:spcBef>
-              <a:buClr>
-                <a:srgbClr val="000000"/>
-              </a:buClr>
-              <a:buSzPct val="75000"/>
-              <a:buFont typeface="Symbol" charset="2"/>
-              <a:buChar char=""/>
-            </a:pPr>
-            <a:r>
-              <a:rPr b="0" lang="en-US" sz="2000" spc="-1" strike="noStrike">
-                <a:solidFill>
-                  <a:srgbClr val="000000"/>
-                </a:solidFill>
-                <a:latin typeface="Gill Sans MT"/>
-              </a:rPr>
-              <a:t>Organisatorischer Aufbau: Github, Logs  </a:t>
-            </a:r>
-            <a:endParaRPr b="0" lang="en-US" sz="2000" spc="-1" strike="noStrike">
-              <a:solidFill>
-                <a:srgbClr val="000000"/>
-              </a:solidFill>
-              <a:latin typeface="Gill Sans MT"/>
-            </a:endParaRPr>
-          </a:p>
-        </p:txBody>
-      </p:sp>
+        </p:nvPicPr>
+        <p:blipFill>
+          <a:blip r:embed="rId2"/>
+          <a:stretch>
+            <a:fillRect/>
+          </a:stretch>
+        </p:blipFill>
+        <p:spPr>
+          <a:xfrm>
+            <a:off x="3880123" y="493159"/>
+            <a:ext cx="4431754" cy="5054885"/>
+          </a:xfrm>
+          <a:prstGeom prst="rect">
+            <a:avLst/>
+          </a:prstGeom>
+        </p:spPr>
+      </p:pic>
     </p:spTree>
+    <p:extLst>
+      <p:ext uri="{BB962C8B-B14F-4D97-AF65-F5344CB8AC3E}">
+        <p14:creationId xmlns:p14="http://schemas.microsoft.com/office/powerpoint/2010/main" val="2884041790"/>
+      </p:ext>
+    </p:extLst>
   </p:cSld>
-  <mc:AlternateContent>
-    <mc:Choice Requires="p14">
-      <p:transition spd="slow" p14:dur="2000"/>
-    </mc:Choice>
-    <mc:Fallback>
-      <p:transition spd="slow"/>
-    </mc:Fallback>
-  </mc:AlternateContent>
+  <p:clrMapOvr>
+    <a:masterClrMapping/>
+  </p:clrMapOvr>
 </p:sld>
 </file>
 
 <file path=ppt/slides/slide6.xml><?xml version="1.0" encoding="utf-8"?>
-<p:sld xmlns:a="http://schemas.openxmlformats.org/drawingml/2006/main" xmlns:p="http://schemas.openxmlformats.org/presentationml/2006/main" xmlns:r="http://schemas.openxmlformats.org/officeDocument/2006/relationships" xmlns:p14="http://schemas.microsoft.com/office/powerpoint/2010/main" xmlns:p15="http://schemas.microsoft.com/office/powerpoint/2012/main" xmlns:mc="http://schemas.openxmlformats.org/markup-compatibility/2006">
+<p:sld xmlns:a="http://schemas.openxmlformats.org/drawingml/2006/main" xmlns:r="http://schemas.openxmlformats.org/officeDocument/2006/relationships" xmlns:p="http://schemas.openxmlformats.org/presentationml/2006/main">
   <p:cSld>
     <p:spTree>
       <p:nvGrpSpPr>
@@ -5009,7 +6524,7 @@
       </p:grpSpPr>
       <p:sp>
         <p:nvSpPr>
-          <p:cNvPr id="101" name="TextShape 1"/>
+          <p:cNvPr id="96" name="TextShape 1"/>
           <p:cNvSpPr txBox="1"/>
           <p:nvPr/>
         </p:nvSpPr>
@@ -5030,6 +6545,7 @@
           <a:bodyPr>
             <a:noAutofit/>
           </a:bodyPr>
+          <a:lstStyle/>
           <a:p>
             <a:pPr>
               <a:lnSpc>
@@ -5037,32 +6553,32 @@
               </a:lnSpc>
             </a:pPr>
             <a:r>
-              <a:rPr b="0" lang="en-US" sz="3200" spc="-1" strike="noStrike" cap="all">
-                <a:solidFill>
-                  <a:srgbClr val="000000"/>
-                </a:solidFill>
-                <a:latin typeface="Gill Sans MT"/>
-              </a:rPr>
-              <a:t>Sprint II:</a:t>
-            </a:r>
-            <a:endParaRPr b="0" lang="en-US" sz="3200" spc="-1" strike="noStrike">
-              <a:solidFill>
-                <a:srgbClr val="000000"/>
-              </a:solidFill>
-              <a:latin typeface="Gill Sans MT"/>
-            </a:endParaRPr>
-          </a:p>
-        </p:txBody>
-      </p:sp>
-      <p:sp>
-        <p:nvSpPr>
-          <p:cNvPr id="102" name="TextShape 2"/>
+              <a:rPr lang="en-US" sz="3200" b="0" strike="noStrike" cap="all" spc="-1">
+                <a:solidFill>
+                  <a:srgbClr val="000000"/>
+                </a:solidFill>
+                <a:latin typeface="Gill Sans MT"/>
+              </a:rPr>
+              <a:t>ProjektStart</a:t>
+            </a:r>
+            <a:endParaRPr lang="en-US" sz="3200" b="0" strike="noStrike" spc="-1">
+              <a:solidFill>
+                <a:srgbClr val="000000"/>
+              </a:solidFill>
+              <a:latin typeface="Gill Sans MT"/>
+            </a:endParaRPr>
+          </a:p>
+        </p:txBody>
+      </p:sp>
+      <p:sp>
+        <p:nvSpPr>
+          <p:cNvPr id="97" name="TextShape 2"/>
           <p:cNvSpPr txBox="1"/>
           <p:nvPr/>
         </p:nvSpPr>
         <p:spPr>
           <a:xfrm>
-            <a:off x="1523520" y="2015640"/>
+            <a:off x="1451520" y="2015640"/>
             <a:ext cx="9603000" cy="3450240"/>
           </a:xfrm>
           <a:prstGeom prst="rect">
@@ -5077,6 +6593,7 @@
           <a:bodyPr>
             <a:noAutofit/>
           </a:bodyPr>
+          <a:lstStyle/>
           <a:p>
             <a:pPr marL="228600" indent="-228240">
               <a:lnSpc>
@@ -5086,164 +6603,243 @@
                 <a:spcPts val="1001"/>
               </a:spcBef>
               <a:buClr>
-                <a:srgbClr val="b71e42"/>
+                <a:srgbClr val="B71E42"/>
               </a:buClr>
               <a:buFont typeface="Arial"/>
               <a:buChar char="•"/>
             </a:pPr>
             <a:r>
-              <a:rPr b="0" lang="en-US" sz="2000" spc="-1" strike="noStrike">
-                <a:solidFill>
-                  <a:srgbClr val="000000"/>
-                </a:solidFill>
-                <a:latin typeface="Gill Sans MT"/>
-              </a:rPr>
-              <a:t>Weitere Entwicklung von Sprint I </a:t>
-            </a:r>
-            <a:endParaRPr b="0" lang="en-US" sz="2000" spc="-1" strike="noStrike">
-              <a:solidFill>
-                <a:srgbClr val="000000"/>
-              </a:solidFill>
-              <a:latin typeface="Gill Sans MT"/>
-            </a:endParaRPr>
-          </a:p>
-          <a:p>
-            <a:pPr marL="228600" indent="-228240">
+              <a:rPr lang="en-US" sz="2000" b="0" strike="noStrike" spc="-1" dirty="0" err="1">
+                <a:solidFill>
+                  <a:srgbClr val="000000"/>
+                </a:solidFill>
+                <a:latin typeface="Gill Sans MT"/>
+              </a:rPr>
+              <a:t>Zum</a:t>
+            </a:r>
+            <a:r>
+              <a:rPr lang="en-US" sz="2000" b="0" strike="noStrike" spc="-1" dirty="0">
+                <a:solidFill>
+                  <a:srgbClr val="000000"/>
+                </a:solidFill>
+                <a:latin typeface="Gill Sans MT"/>
+              </a:rPr>
+              <a:t> </a:t>
+            </a:r>
+            <a:r>
+              <a:rPr lang="en-US" sz="2000" b="0" strike="noStrike" spc="-1" dirty="0" err="1">
+                <a:solidFill>
+                  <a:srgbClr val="000000"/>
+                </a:solidFill>
+                <a:latin typeface="Gill Sans MT"/>
+              </a:rPr>
+              <a:t>Projektstart</a:t>
+            </a:r>
+            <a:r>
+              <a:rPr lang="en-US" sz="2000" b="0" strike="noStrike" spc="-1" dirty="0">
+                <a:solidFill>
+                  <a:srgbClr val="000000"/>
+                </a:solidFill>
+                <a:latin typeface="Gill Sans MT"/>
+              </a:rPr>
+              <a:t> </a:t>
+            </a:r>
+            <a:r>
+              <a:rPr lang="en-US" sz="2000" b="0" strike="noStrike" spc="-1" dirty="0" err="1">
+                <a:solidFill>
+                  <a:srgbClr val="000000"/>
+                </a:solidFill>
+                <a:latin typeface="Gill Sans MT"/>
+              </a:rPr>
+              <a:t>haben</a:t>
+            </a:r>
+            <a:r>
+              <a:rPr lang="en-US" sz="2000" b="0" strike="noStrike" spc="-1" dirty="0">
+                <a:solidFill>
+                  <a:srgbClr val="000000"/>
+                </a:solidFill>
+                <a:latin typeface="Gill Sans MT"/>
+              </a:rPr>
+              <a:t> </a:t>
+            </a:r>
+            <a:r>
+              <a:rPr lang="en-US" sz="2000" b="0" strike="noStrike" spc="-1" dirty="0" err="1">
+                <a:solidFill>
+                  <a:srgbClr val="000000"/>
+                </a:solidFill>
+                <a:latin typeface="Gill Sans MT"/>
+              </a:rPr>
+              <a:t>wir</a:t>
+            </a:r>
+            <a:r>
+              <a:rPr lang="en-US" sz="2000" b="0" strike="noStrike" spc="-1" dirty="0">
+                <a:solidFill>
+                  <a:srgbClr val="000000"/>
+                </a:solidFill>
+                <a:latin typeface="Gill Sans MT"/>
+              </a:rPr>
+              <a:t> </a:t>
+            </a:r>
+            <a:r>
+              <a:rPr lang="en-US" sz="2000" b="0" strike="noStrike" spc="-1" dirty="0" err="1">
+                <a:solidFill>
+                  <a:srgbClr val="000000"/>
+                </a:solidFill>
+                <a:latin typeface="Gill Sans MT"/>
+              </a:rPr>
+              <a:t>als</a:t>
+            </a:r>
+            <a:r>
+              <a:rPr lang="en-US" sz="2000" b="0" strike="noStrike" spc="-1" dirty="0">
+                <a:solidFill>
+                  <a:srgbClr val="000000"/>
+                </a:solidFill>
+                <a:latin typeface="Gill Sans MT"/>
+              </a:rPr>
+              <a:t> Gruppe den </a:t>
+            </a:r>
+            <a:r>
+              <a:rPr lang="en-US" sz="2000" b="0" strike="noStrike" spc="-1" dirty="0" err="1">
+                <a:solidFill>
+                  <a:srgbClr val="000000"/>
+                </a:solidFill>
+                <a:latin typeface="Gill Sans MT"/>
+              </a:rPr>
+              <a:t>Poduct</a:t>
+            </a:r>
+            <a:r>
+              <a:rPr lang="en-US" sz="2000" b="0" strike="noStrike" spc="-1" dirty="0">
+                <a:solidFill>
+                  <a:srgbClr val="000000"/>
+                </a:solidFill>
+                <a:latin typeface="Gill Sans MT"/>
+              </a:rPr>
+              <a:t> Backlog </a:t>
+            </a:r>
+            <a:r>
+              <a:rPr lang="en-US" sz="2000" b="0" strike="noStrike" spc="-1" dirty="0" err="1">
+                <a:solidFill>
+                  <a:srgbClr val="000000"/>
+                </a:solidFill>
+                <a:latin typeface="Gill Sans MT"/>
+              </a:rPr>
+              <a:t>erstellt</a:t>
+            </a:r>
+            <a:r>
+              <a:rPr lang="en-US" sz="2000" b="0" strike="noStrike" spc="-1" dirty="0">
+                <a:solidFill>
+                  <a:srgbClr val="000000"/>
+                </a:solidFill>
+                <a:latin typeface="Gill Sans MT"/>
+              </a:rPr>
+              <a:t> und die </a:t>
+            </a:r>
+            <a:r>
+              <a:rPr lang="en-US" sz="2000" b="0" strike="noStrike" spc="-1" dirty="0" err="1">
+                <a:solidFill>
+                  <a:srgbClr val="000000"/>
+                </a:solidFill>
+                <a:latin typeface="Gill Sans MT"/>
+              </a:rPr>
+              <a:t>einzelnen</a:t>
+            </a:r>
+            <a:r>
+              <a:rPr lang="en-US" sz="2000" b="0" strike="noStrike" spc="-1" dirty="0">
+                <a:solidFill>
+                  <a:srgbClr val="000000"/>
+                </a:solidFill>
+                <a:latin typeface="Gill Sans MT"/>
+              </a:rPr>
+              <a:t> </a:t>
+            </a:r>
+            <a:r>
+              <a:rPr lang="en-US" sz="2000" b="0" strike="noStrike" spc="-1" dirty="0" err="1">
+                <a:solidFill>
+                  <a:srgbClr val="000000"/>
+                </a:solidFill>
+                <a:latin typeface="Gill Sans MT"/>
+              </a:rPr>
+              <a:t>Funktionalitäten</a:t>
+            </a:r>
+            <a:r>
+              <a:rPr lang="en-US" sz="2000" b="0" strike="noStrike" spc="-1" dirty="0">
+                <a:solidFill>
+                  <a:srgbClr val="000000"/>
+                </a:solidFill>
+                <a:latin typeface="Gill Sans MT"/>
+              </a:rPr>
+              <a:t> </a:t>
+            </a:r>
+            <a:r>
+              <a:rPr lang="en-US" sz="2000" b="0" strike="noStrike" spc="-1" dirty="0" err="1">
+                <a:solidFill>
+                  <a:srgbClr val="000000"/>
+                </a:solidFill>
+                <a:latin typeface="Gill Sans MT"/>
+              </a:rPr>
+              <a:t>priorisiert</a:t>
+            </a:r>
+            <a:r>
+              <a:rPr lang="en-US" sz="2000" b="0" strike="noStrike" spc="-1" dirty="0">
+                <a:solidFill>
+                  <a:srgbClr val="000000"/>
+                </a:solidFill>
+                <a:latin typeface="Gill Sans MT"/>
+              </a:rPr>
+              <a:t>.</a:t>
+            </a:r>
+          </a:p>
+          <a:p>
+            <a:pPr>
               <a:lnSpc>
                 <a:spcPct val="120000"/>
               </a:lnSpc>
               <a:spcBef>
                 <a:spcPts val="1001"/>
               </a:spcBef>
-              <a:buClr>
-                <a:srgbClr val="b71e42"/>
-              </a:buClr>
-              <a:buFont typeface="Arial"/>
-              <a:buChar char="•"/>
             </a:pPr>
-            <a:r>
-              <a:rPr b="0" lang="en-US" sz="2000" spc="-1" strike="noStrike">
-                <a:solidFill>
-                  <a:srgbClr val="000000"/>
-                </a:solidFill>
-                <a:latin typeface="Gill Sans MT"/>
-              </a:rPr>
-              <a:t>Verbesserung der Kamera: Platzierung, Bildausschnitt, Darstellung</a:t>
-            </a:r>
-            <a:endParaRPr b="0" lang="en-US" sz="2000" spc="-1" strike="noStrike">
-              <a:solidFill>
-                <a:srgbClr val="000000"/>
-              </a:solidFill>
-              <a:latin typeface="Gill Sans MT"/>
-            </a:endParaRPr>
-          </a:p>
-          <a:p>
-            <a:pPr marL="228600" indent="-228240">
-              <a:lnSpc>
-                <a:spcPct val="120000"/>
-              </a:lnSpc>
-              <a:spcBef>
-                <a:spcPts val="1001"/>
-              </a:spcBef>
-              <a:buClr>
-                <a:srgbClr val="b71e42"/>
-              </a:buClr>
-              <a:buFont typeface="Arial"/>
-              <a:buChar char="•"/>
-            </a:pPr>
-            <a:r>
-              <a:rPr b="0" lang="en-US" sz="2000" spc="-1" strike="noStrike">
-                <a:solidFill>
-                  <a:srgbClr val="000000"/>
-                </a:solidFill>
-                <a:latin typeface="Gill Sans MT"/>
-              </a:rPr>
-              <a:t>Wände zeichnen 2D Plan</a:t>
-            </a:r>
-            <a:endParaRPr b="0" lang="en-US" sz="2000" spc="-1" strike="noStrike">
-              <a:solidFill>
-                <a:srgbClr val="000000"/>
-              </a:solidFill>
-              <a:latin typeface="Gill Sans MT"/>
-            </a:endParaRPr>
-          </a:p>
-          <a:p>
-            <a:pPr marL="228600" indent="-228240">
-              <a:lnSpc>
-                <a:spcPct val="120000"/>
-              </a:lnSpc>
-              <a:spcBef>
-                <a:spcPts val="1001"/>
-              </a:spcBef>
-              <a:buClr>
-                <a:srgbClr val="b71e42"/>
-              </a:buClr>
-              <a:buFont typeface="Arial"/>
-              <a:buChar char="•"/>
-            </a:pPr>
-            <a:r>
-              <a:rPr b="0" lang="en-US" sz="2000" spc="-1" strike="noStrike">
-                <a:solidFill>
-                  <a:srgbClr val="000000"/>
-                </a:solidFill>
-                <a:latin typeface="Gill Sans MT"/>
-              </a:rPr>
-              <a:t>Codeimplementierung Erkennung QR Code im realen Bild</a:t>
-            </a:r>
-            <a:endParaRPr b="0" lang="en-US" sz="2000" spc="-1" strike="noStrike">
-              <a:solidFill>
-                <a:srgbClr val="000000"/>
-              </a:solidFill>
-              <a:latin typeface="Gill Sans MT"/>
-            </a:endParaRPr>
-          </a:p>
-          <a:p>
-            <a:pPr marL="228600" indent="-228240">
-              <a:lnSpc>
-                <a:spcPct val="120000"/>
-              </a:lnSpc>
-              <a:spcBef>
-                <a:spcPts val="1001"/>
-              </a:spcBef>
-              <a:buClr>
-                <a:srgbClr val="b71e42"/>
-              </a:buClr>
-              <a:buFont typeface="Arial"/>
-              <a:buChar char="•"/>
-            </a:pPr>
-            <a:r>
-              <a:rPr b="0" lang="en-US" sz="2000" spc="-1" strike="noStrike">
-                <a:solidFill>
-                  <a:srgbClr val="000000"/>
-                </a:solidFill>
-                <a:latin typeface="Gill Sans MT"/>
-              </a:rPr>
-              <a:t>Github Repo nach Problemen neu aufgebaut</a:t>
-            </a:r>
-            <a:endParaRPr b="0" lang="en-US" sz="2000" spc="-1" strike="noStrike">
-              <a:solidFill>
-                <a:srgbClr val="000000"/>
-              </a:solidFill>
-              <a:latin typeface="Gill Sans MT"/>
-            </a:endParaRPr>
-          </a:p>
-        </p:txBody>
-      </p:sp>
+            <a:endParaRPr lang="en-US" sz="2000" b="0" strike="noStrike" spc="-1" dirty="0">
+              <a:solidFill>
+                <a:srgbClr val="000000"/>
+              </a:solidFill>
+              <a:latin typeface="Gill Sans MT"/>
+            </a:endParaRPr>
+          </a:p>
+        </p:txBody>
+      </p:sp>
+      <p:pic>
+        <p:nvPicPr>
+          <p:cNvPr id="98" name="Grafik 3"/>
+          <p:cNvPicPr/>
+          <p:nvPr/>
+        </p:nvPicPr>
+        <p:blipFill>
+          <a:blip r:embed="rId2"/>
+          <a:stretch/>
+        </p:blipFill>
+        <p:spPr>
+          <a:xfrm>
+            <a:off x="249060" y="2977200"/>
+            <a:ext cx="11693880" cy="2650680"/>
+          </a:xfrm>
+          <a:prstGeom prst="rect">
+            <a:avLst/>
+          </a:prstGeom>
+          <a:ln>
+            <a:noFill/>
+          </a:ln>
+        </p:spPr>
+      </p:pic>
     </p:spTree>
   </p:cSld>
-  <mc:AlternateContent>
-    <mc:Choice Requires="p14">
-      <p:transition spd="slow" p14:dur="2000"/>
-    </mc:Choice>
-    <mc:Fallback>
-      <p:transition spd="slow"/>
-    </mc:Fallback>
-  </mc:AlternateContent>
+  <p:clrMapOvr>
+    <a:masterClrMapping/>
+  </p:clrMapOvr>
 </p:sld>
 </file>
 
 <file path=ppt/slides/slide7.xml><?xml version="1.0" encoding="utf-8"?>
-<p:sld xmlns:a="http://schemas.openxmlformats.org/drawingml/2006/main" xmlns:p="http://schemas.openxmlformats.org/presentationml/2006/main" xmlns:r="http://schemas.openxmlformats.org/officeDocument/2006/relationships" xmlns:p14="http://schemas.microsoft.com/office/powerpoint/2010/main" xmlns:p15="http://schemas.microsoft.com/office/powerpoint/2012/main" xmlns:mc="http://schemas.openxmlformats.org/markup-compatibility/2006">
+<p:sld xmlns:a="http://schemas.openxmlformats.org/drawingml/2006/main" xmlns:r="http://schemas.openxmlformats.org/officeDocument/2006/relationships" xmlns:p="http://schemas.openxmlformats.org/presentationml/2006/main">
   <p:cSld>
     <p:spTree>
       <p:nvGrpSpPr>
@@ -5261,7 +6857,7 @@
       </p:grpSpPr>
       <p:sp>
         <p:nvSpPr>
-          <p:cNvPr id="103" name="TextShape 1"/>
+          <p:cNvPr id="99" name="TextShape 1"/>
           <p:cNvSpPr txBox="1"/>
           <p:nvPr/>
         </p:nvSpPr>
@@ -5282,6 +6878,7 @@
           <a:bodyPr>
             <a:noAutofit/>
           </a:bodyPr>
+          <a:lstStyle/>
           <a:p>
             <a:pPr>
               <a:lnSpc>
@@ -5289,26 +6886,26 @@
               </a:lnSpc>
             </a:pPr>
             <a:r>
-              <a:rPr b="0" lang="en-US" sz="3200" spc="-1" strike="noStrike" cap="all">
-                <a:solidFill>
-                  <a:srgbClr val="000000"/>
-                </a:solidFill>
-                <a:latin typeface="Gill Sans MT"/>
-              </a:rPr>
-              <a:t>Meilenstein (aktueller Stand)</a:t>
-            </a:r>
-            <a:endParaRPr b="0" lang="en-US" sz="3200" spc="-1" strike="noStrike">
-              <a:solidFill>
-                <a:srgbClr val="000000"/>
-              </a:solidFill>
-              <a:latin typeface="Gill Sans MT"/>
-            </a:endParaRPr>
-          </a:p>
-        </p:txBody>
-      </p:sp>
-      <p:sp>
-        <p:nvSpPr>
-          <p:cNvPr id="104" name="TextShape 2"/>
+              <a:rPr lang="en-US" sz="3200" b="0" strike="noStrike" cap="all" spc="-1">
+                <a:solidFill>
+                  <a:srgbClr val="000000"/>
+                </a:solidFill>
+                <a:latin typeface="Gill Sans MT"/>
+              </a:rPr>
+              <a:t>Sprint 1:</a:t>
+            </a:r>
+            <a:endParaRPr lang="en-US" sz="3200" b="0" strike="noStrike" spc="-1">
+              <a:solidFill>
+                <a:srgbClr val="000000"/>
+              </a:solidFill>
+              <a:latin typeface="Gill Sans MT"/>
+            </a:endParaRPr>
+          </a:p>
+        </p:txBody>
+      </p:sp>
+      <p:sp>
+        <p:nvSpPr>
+          <p:cNvPr id="100" name="TextShape 2"/>
           <p:cNvSpPr txBox="1"/>
           <p:nvPr/>
         </p:nvSpPr>
@@ -5329,6 +6926,7 @@
           <a:bodyPr>
             <a:noAutofit/>
           </a:bodyPr>
+          <a:lstStyle/>
           <a:p>
             <a:pPr marL="228600" indent="-228240">
               <a:lnSpc>
@@ -5338,69 +6936,183 @@
                 <a:spcPts val="1001"/>
               </a:spcBef>
               <a:buClr>
-                <a:srgbClr val="b71e42"/>
+                <a:srgbClr val="B71E42"/>
               </a:buClr>
               <a:buFont typeface="Arial"/>
               <a:buChar char="•"/>
             </a:pPr>
             <a:r>
-              <a:rPr b="0" lang="en-US" sz="2000" spc="-1" strike="noStrike">
-                <a:solidFill>
-                  <a:srgbClr val="000000"/>
-                </a:solidFill>
-                <a:latin typeface="Gill Sans MT"/>
-              </a:rPr>
-              <a:t>Zusammenführung aller Teilbereiche des Codes in Unity</a:t>
-            </a:r>
-            <a:endParaRPr b="0" lang="en-US" sz="2000" spc="-1" strike="noStrike">
-              <a:solidFill>
-                <a:srgbClr val="000000"/>
-              </a:solidFill>
-              <a:latin typeface="Gill Sans MT"/>
-            </a:endParaRPr>
-          </a:p>
-          <a:p>
-            <a:pPr lvl="1" marL="864000" indent="-324000">
+              <a:rPr lang="en-US" sz="2000" spc="-1" dirty="0" err="1">
+                <a:solidFill>
+                  <a:srgbClr val="000000"/>
+                </a:solidFill>
+                <a:latin typeface="Gill Sans MT"/>
+              </a:rPr>
+              <a:t>Ziel</a:t>
+            </a:r>
+            <a:r>
+              <a:rPr lang="en-US" sz="2000" spc="-1" dirty="0">
+                <a:solidFill>
+                  <a:srgbClr val="000000"/>
+                </a:solidFill>
+                <a:latin typeface="Gill Sans MT"/>
+              </a:rPr>
+              <a:t>:  </a:t>
+            </a:r>
+            <a:r>
+              <a:rPr lang="en-US" sz="2000" spc="-1" dirty="0" err="1">
+                <a:solidFill>
+                  <a:srgbClr val="000000"/>
+                </a:solidFill>
+                <a:latin typeface="Gill Sans MT"/>
+              </a:rPr>
+              <a:t>Aufgabenbereiche</a:t>
+            </a:r>
+            <a:r>
+              <a:rPr lang="en-US" sz="2000" spc="-1" dirty="0">
+                <a:solidFill>
+                  <a:srgbClr val="000000"/>
+                </a:solidFill>
+                <a:latin typeface="Gill Sans MT"/>
+              </a:rPr>
+              <a:t> </a:t>
+            </a:r>
+            <a:r>
+              <a:rPr lang="en-US" sz="2000" spc="-1" dirty="0" err="1">
+                <a:solidFill>
+                  <a:srgbClr val="000000"/>
+                </a:solidFill>
+                <a:latin typeface="Gill Sans MT"/>
+              </a:rPr>
+              <a:t>aufteilen</a:t>
+            </a:r>
+            <a:r>
+              <a:rPr lang="en-US" sz="2000" spc="-1" dirty="0">
+                <a:solidFill>
+                  <a:srgbClr val="000000"/>
+                </a:solidFill>
+                <a:latin typeface="Gill Sans MT"/>
+              </a:rPr>
+              <a:t> und </a:t>
+            </a:r>
+            <a:r>
+              <a:rPr lang="en-US" sz="2000" spc="-1" dirty="0" err="1">
+                <a:solidFill>
+                  <a:srgbClr val="000000"/>
+                </a:solidFill>
+                <a:latin typeface="Gill Sans MT"/>
+              </a:rPr>
+              <a:t>Projektumgebung</a:t>
+            </a:r>
+            <a:r>
+              <a:rPr lang="en-US" sz="2000" spc="-1" dirty="0">
+                <a:solidFill>
+                  <a:srgbClr val="000000"/>
+                </a:solidFill>
+                <a:latin typeface="Gill Sans MT"/>
+              </a:rPr>
+              <a:t> </a:t>
+            </a:r>
+            <a:r>
+              <a:rPr lang="en-US" sz="2000" spc="-1" dirty="0" err="1">
+                <a:solidFill>
+                  <a:srgbClr val="000000"/>
+                </a:solidFill>
+                <a:latin typeface="Gill Sans MT"/>
+              </a:rPr>
+              <a:t>einrichten</a:t>
+            </a:r>
+            <a:endParaRPr lang="en-US" sz="2000" b="0" strike="noStrike" spc="-1" dirty="0">
+              <a:solidFill>
+                <a:srgbClr val="000000"/>
+              </a:solidFill>
+              <a:latin typeface="Gill Sans MT"/>
+            </a:endParaRPr>
+          </a:p>
+          <a:p>
+            <a:pPr marL="685800" lvl="1" indent="-228240">
+              <a:lnSpc>
+                <a:spcPct val="120000"/>
+              </a:lnSpc>
               <a:spcBef>
-                <a:spcPts val="1134"/>
+                <a:spcPts val="1001"/>
               </a:spcBef>
               <a:buClr>
-                <a:srgbClr val="000000"/>
+                <a:srgbClr val="B71E42"/>
               </a:buClr>
               <a:buSzPct val="75000"/>
-              <a:buFont typeface="Symbol" charset="2"/>
-              <a:buChar char=""/>
+              <a:buFont typeface="Arial"/>
+              <a:buChar char="•"/>
             </a:pPr>
             <a:r>
-              <a:rPr b="0" lang="en-US" sz="1600" spc="-1" strike="noStrike">
-                <a:solidFill>
-                  <a:srgbClr val="000000"/>
-                </a:solidFill>
-                <a:latin typeface="Gill Sans MT"/>
-              </a:rPr>
-              <a:t>Bugfixing</a:t>
-            </a:r>
-            <a:endParaRPr b="0" lang="en-US" sz="1600" spc="-1" strike="noStrike">
-              <a:solidFill>
-                <a:srgbClr val="000000"/>
-              </a:solidFill>
-              <a:latin typeface="Gill Sans MT"/>
-            </a:endParaRPr>
-          </a:p>
-          <a:p>
-            <a:pPr lvl="1" marL="864000" indent="-324000">
+              <a:rPr lang="en-US" sz="2000" spc="-1" dirty="0">
+                <a:solidFill>
+                  <a:srgbClr val="000000"/>
+                </a:solidFill>
+                <a:latin typeface="Gill Sans MT"/>
+              </a:rPr>
+              <a:t>GUI </a:t>
+            </a:r>
+            <a:r>
+              <a:rPr lang="en-US" sz="2000" spc="-1" dirty="0" err="1">
+                <a:solidFill>
+                  <a:srgbClr val="000000"/>
+                </a:solidFill>
+                <a:latin typeface="Gill Sans MT"/>
+              </a:rPr>
+              <a:t>Gerüst</a:t>
+            </a:r>
+            <a:r>
+              <a:rPr lang="en-US" sz="2000" spc="-1" dirty="0">
+                <a:solidFill>
+                  <a:srgbClr val="000000"/>
+                </a:solidFill>
+                <a:latin typeface="Gill Sans MT"/>
+              </a:rPr>
+              <a:t> </a:t>
+            </a:r>
+            <a:r>
+              <a:rPr lang="en-US" sz="2000" spc="-1" dirty="0" err="1">
+                <a:solidFill>
+                  <a:srgbClr val="000000"/>
+                </a:solidFill>
+                <a:latin typeface="Gill Sans MT"/>
+              </a:rPr>
+              <a:t>angelegt</a:t>
+            </a:r>
+            <a:endParaRPr lang="en-US" sz="2000" spc="-1" dirty="0">
+              <a:solidFill>
+                <a:srgbClr val="000000"/>
+              </a:solidFill>
+              <a:latin typeface="Gill Sans MT"/>
+            </a:endParaRPr>
+          </a:p>
+          <a:p>
+            <a:pPr marL="685800" lvl="1" indent="-228240">
+              <a:lnSpc>
+                <a:spcPct val="120000"/>
+              </a:lnSpc>
               <a:spcBef>
-                <a:spcPts val="1134"/>
+                <a:spcPts val="1001"/>
               </a:spcBef>
               <a:buClr>
-                <a:srgbClr val="000000"/>
+                <a:srgbClr val="B71E42"/>
               </a:buClr>
               <a:buSzPct val="75000"/>
-              <a:buFont typeface="Symbol" charset="2"/>
-              <a:buChar char=""/>
+              <a:buFont typeface="Arial"/>
+              <a:buChar char="•"/>
             </a:pPr>
             <a:r>
-              <a:rPr b="0" lang="en-US" sz="1600" spc="-1" strike="noStrike">
+              <a:rPr lang="en-US" sz="2000" spc="-1" dirty="0" err="1">
+                <a:solidFill>
+                  <a:srgbClr val="000000"/>
+                </a:solidFill>
+                <a:latin typeface="Gill Sans MT"/>
+              </a:rPr>
+              <a:t>Projektanforderungen</a:t>
+            </a:r>
+            <a:r>
+              <a:rPr lang="en-US" sz="2000" spc="-1" dirty="0">
                 <a:solidFill>
                   <a:srgbClr val="000000"/>
                 </a:solidFill>
@@ -5408,30 +7120,431 @@
               </a:rPr>
               <a:t> </a:t>
             </a:r>
-            <a:endParaRPr b="0" lang="en-US" sz="1600" spc="-1" strike="noStrike">
-              <a:solidFill>
-                <a:srgbClr val="000000"/>
-              </a:solidFill>
-              <a:latin typeface="Gill Sans MT"/>
-            </a:endParaRPr>
+            <a:r>
+              <a:rPr lang="en-US" sz="2000" spc="-1" dirty="0" err="1">
+                <a:solidFill>
+                  <a:srgbClr val="000000"/>
+                </a:solidFill>
+                <a:latin typeface="Gill Sans MT"/>
+              </a:rPr>
+              <a:t>unter</a:t>
+            </a:r>
+            <a:r>
+              <a:rPr lang="en-US" sz="2000" spc="-1" dirty="0">
+                <a:solidFill>
+                  <a:srgbClr val="000000"/>
+                </a:solidFill>
+                <a:latin typeface="Gill Sans MT"/>
+              </a:rPr>
+              <a:t> real-</a:t>
+            </a:r>
+            <a:r>
+              <a:rPr lang="en-US" sz="2000" spc="-1" dirty="0" err="1">
+                <a:solidFill>
+                  <a:srgbClr val="000000"/>
+                </a:solidFill>
+                <a:latin typeface="Gill Sans MT"/>
+              </a:rPr>
+              <a:t>nahen</a:t>
+            </a:r>
+            <a:r>
+              <a:rPr lang="en-US" sz="2000" spc="-1" dirty="0">
+                <a:solidFill>
+                  <a:srgbClr val="000000"/>
+                </a:solidFill>
+                <a:latin typeface="Gill Sans MT"/>
+              </a:rPr>
+              <a:t> </a:t>
+            </a:r>
+            <a:r>
+              <a:rPr lang="en-US" sz="2000" spc="-1" dirty="0" err="1">
+                <a:solidFill>
+                  <a:srgbClr val="000000"/>
+                </a:solidFill>
+                <a:latin typeface="Gill Sans MT"/>
+              </a:rPr>
+              <a:t>Bedinungen</a:t>
+            </a:r>
+            <a:r>
+              <a:rPr lang="en-US" sz="2000" spc="-1" dirty="0">
+                <a:solidFill>
+                  <a:srgbClr val="000000"/>
+                </a:solidFill>
+                <a:latin typeface="Gill Sans MT"/>
+              </a:rPr>
+              <a:t> </a:t>
+            </a:r>
+            <a:r>
+              <a:rPr lang="en-US" sz="2000" spc="-1" dirty="0" err="1">
+                <a:solidFill>
+                  <a:srgbClr val="000000"/>
+                </a:solidFill>
+                <a:latin typeface="Gill Sans MT"/>
+              </a:rPr>
+              <a:t>simuliert</a:t>
+            </a:r>
+            <a:r>
+              <a:rPr lang="en-US" sz="2000" spc="-1" dirty="0">
+                <a:solidFill>
+                  <a:srgbClr val="000000"/>
+                </a:solidFill>
+                <a:latin typeface="Gill Sans MT"/>
+              </a:rPr>
+              <a:t>:</a:t>
+            </a:r>
+          </a:p>
+          <a:p>
+            <a:pPr marL="1143000" lvl="3" indent="-228240">
+              <a:lnSpc>
+                <a:spcPct val="120000"/>
+              </a:lnSpc>
+              <a:spcBef>
+                <a:spcPts val="1001"/>
+              </a:spcBef>
+              <a:buClr>
+                <a:srgbClr val="B71E42"/>
+              </a:buClr>
+              <a:buSzPct val="75000"/>
+              <a:buFont typeface="Arial"/>
+              <a:buChar char="•"/>
+            </a:pPr>
+            <a:r>
+              <a:rPr lang="en-US" sz="2000" spc="-1" dirty="0" err="1">
+                <a:solidFill>
+                  <a:srgbClr val="000000"/>
+                </a:solidFill>
+                <a:latin typeface="Gill Sans MT"/>
+              </a:rPr>
+              <a:t>Aufnahme</a:t>
+            </a:r>
+            <a:r>
+              <a:rPr lang="en-US" sz="2000" spc="-1" dirty="0">
+                <a:solidFill>
+                  <a:srgbClr val="000000"/>
+                </a:solidFill>
+                <a:latin typeface="Gill Sans MT"/>
+              </a:rPr>
+              <a:t> </a:t>
+            </a:r>
+            <a:r>
+              <a:rPr lang="en-US" sz="2000" spc="-1" dirty="0" err="1">
+                <a:solidFill>
+                  <a:srgbClr val="000000"/>
+                </a:solidFill>
+                <a:latin typeface="Gill Sans MT"/>
+              </a:rPr>
+              <a:t>Kamerabild</a:t>
+            </a:r>
+            <a:r>
+              <a:rPr lang="en-US" sz="2000" spc="-1" dirty="0">
+                <a:solidFill>
+                  <a:srgbClr val="000000"/>
+                </a:solidFill>
+                <a:latin typeface="Gill Sans MT"/>
+              </a:rPr>
+              <a:t> (</a:t>
+            </a:r>
+            <a:r>
+              <a:rPr lang="en-US" sz="2000" spc="-1" dirty="0" err="1">
+                <a:solidFill>
+                  <a:srgbClr val="000000"/>
+                </a:solidFill>
+                <a:latin typeface="Gill Sans MT"/>
+              </a:rPr>
+              <a:t>Qualität</a:t>
+            </a:r>
+            <a:r>
+              <a:rPr lang="en-US" sz="2000" spc="-1" dirty="0">
+                <a:solidFill>
+                  <a:srgbClr val="000000"/>
+                </a:solidFill>
+                <a:latin typeface="Gill Sans MT"/>
+              </a:rPr>
+              <a:t>/</a:t>
+            </a:r>
+            <a:r>
+              <a:rPr lang="en-US" sz="2000" spc="-1" dirty="0" err="1">
+                <a:solidFill>
+                  <a:srgbClr val="000000"/>
+                </a:solidFill>
+                <a:latin typeface="Gill Sans MT"/>
+              </a:rPr>
+              <a:t>Auflösung</a:t>
+            </a:r>
+            <a:r>
+              <a:rPr lang="en-US" sz="2000" spc="-1" dirty="0">
+                <a:solidFill>
+                  <a:srgbClr val="000000"/>
+                </a:solidFill>
+                <a:latin typeface="Gill Sans MT"/>
+              </a:rPr>
+              <a:t>)</a:t>
+            </a:r>
+          </a:p>
+          <a:p>
+            <a:pPr marL="1143000" lvl="3" indent="-228240">
+              <a:lnSpc>
+                <a:spcPct val="120000"/>
+              </a:lnSpc>
+              <a:spcBef>
+                <a:spcPts val="1001"/>
+              </a:spcBef>
+              <a:buClr>
+                <a:srgbClr val="B71E42"/>
+              </a:buClr>
+              <a:buSzPct val="75000"/>
+              <a:buFont typeface="Arial"/>
+              <a:buChar char="•"/>
+            </a:pPr>
+            <a:r>
+              <a:rPr lang="en-US" sz="2000" spc="-1" dirty="0">
+                <a:solidFill>
+                  <a:srgbClr val="000000"/>
+                </a:solidFill>
+                <a:latin typeface="Gill Sans MT"/>
+              </a:rPr>
+              <a:t>Test von </a:t>
+            </a:r>
+            <a:r>
+              <a:rPr lang="en-US" sz="2000" spc="-1" dirty="0" err="1">
+                <a:solidFill>
+                  <a:srgbClr val="000000"/>
+                </a:solidFill>
+                <a:latin typeface="Gill Sans MT"/>
+              </a:rPr>
+              <a:t>verschiedenen</a:t>
+            </a:r>
+            <a:r>
+              <a:rPr lang="en-US" sz="2000" spc="-1" dirty="0">
+                <a:solidFill>
+                  <a:srgbClr val="000000"/>
+                </a:solidFill>
+                <a:latin typeface="Gill Sans MT"/>
+              </a:rPr>
+              <a:t> </a:t>
+            </a:r>
+            <a:r>
+              <a:rPr lang="en-US" sz="2000" spc="-1" dirty="0" err="1">
+                <a:solidFill>
+                  <a:srgbClr val="000000"/>
+                </a:solidFill>
+                <a:latin typeface="Gill Sans MT"/>
+              </a:rPr>
+              <a:t>Größen</a:t>
+            </a:r>
+            <a:r>
+              <a:rPr lang="en-US" sz="2000" spc="-1" dirty="0">
+                <a:solidFill>
+                  <a:srgbClr val="000000"/>
+                </a:solidFill>
+                <a:latin typeface="Gill Sans MT"/>
+              </a:rPr>
+              <a:t> der QR Codes</a:t>
+            </a:r>
+          </a:p>
+          <a:p>
+            <a:pPr marL="685800" lvl="1" indent="-228240">
+              <a:lnSpc>
+                <a:spcPct val="120000"/>
+              </a:lnSpc>
+              <a:spcBef>
+                <a:spcPts val="1001"/>
+              </a:spcBef>
+              <a:buClr>
+                <a:srgbClr val="B71E42"/>
+              </a:buClr>
+              <a:buSzPct val="75000"/>
+              <a:buFont typeface="Arial"/>
+              <a:buChar char="•"/>
+            </a:pPr>
+            <a:r>
+              <a:rPr lang="en-US" sz="2000" spc="-1" dirty="0" err="1">
+                <a:solidFill>
+                  <a:srgbClr val="000000"/>
+                </a:solidFill>
+                <a:latin typeface="Gill Sans MT"/>
+              </a:rPr>
+              <a:t>Klassendiagramm</a:t>
+            </a:r>
+            <a:r>
+              <a:rPr lang="en-US" sz="2000" spc="-1" dirty="0">
+                <a:solidFill>
+                  <a:srgbClr val="000000"/>
+                </a:solidFill>
+                <a:latin typeface="Gill Sans MT"/>
+              </a:rPr>
+              <a:t> </a:t>
+            </a:r>
+            <a:r>
+              <a:rPr lang="en-US" sz="2000" spc="-1" dirty="0" err="1">
+                <a:solidFill>
+                  <a:srgbClr val="000000"/>
+                </a:solidFill>
+                <a:latin typeface="Gill Sans MT"/>
+              </a:rPr>
+              <a:t>für</a:t>
+            </a:r>
+            <a:r>
+              <a:rPr lang="en-US" sz="2000" spc="-1" dirty="0">
+                <a:solidFill>
+                  <a:srgbClr val="000000"/>
+                </a:solidFill>
+                <a:latin typeface="Gill Sans MT"/>
+              </a:rPr>
+              <a:t> </a:t>
+            </a:r>
+            <a:r>
+              <a:rPr lang="en-US" sz="2000" spc="-1" dirty="0" err="1">
+                <a:solidFill>
+                  <a:srgbClr val="000000"/>
+                </a:solidFill>
+                <a:latin typeface="Gill Sans MT"/>
+              </a:rPr>
+              <a:t>Abläufe</a:t>
+            </a:r>
+            <a:r>
+              <a:rPr lang="en-US" sz="2000" spc="-1" dirty="0">
+                <a:solidFill>
+                  <a:srgbClr val="000000"/>
+                </a:solidFill>
+                <a:latin typeface="Gill Sans MT"/>
+              </a:rPr>
+              <a:t> </a:t>
+            </a:r>
+            <a:r>
+              <a:rPr lang="en-US" sz="2000" spc="-1" dirty="0" err="1">
+                <a:solidFill>
+                  <a:srgbClr val="000000"/>
+                </a:solidFill>
+                <a:latin typeface="Gill Sans MT"/>
+              </a:rPr>
+              <a:t>erstellt</a:t>
+            </a:r>
+            <a:endParaRPr lang="en-US" sz="2000" spc="-1" dirty="0">
+              <a:solidFill>
+                <a:srgbClr val="000000"/>
+              </a:solidFill>
+              <a:latin typeface="Gill Sans MT"/>
+            </a:endParaRPr>
+          </a:p>
+          <a:p>
+            <a:pPr marL="685800" lvl="1" indent="-228240">
+              <a:lnSpc>
+                <a:spcPct val="120000"/>
+              </a:lnSpc>
+              <a:spcBef>
+                <a:spcPts val="1001"/>
+              </a:spcBef>
+              <a:buClr>
+                <a:srgbClr val="B71E42"/>
+              </a:buClr>
+              <a:buSzPct val="75000"/>
+              <a:buFont typeface="Arial"/>
+              <a:buChar char="•"/>
+            </a:pPr>
+            <a:r>
+              <a:rPr lang="en-US" sz="2000" spc="-1" dirty="0" err="1">
+                <a:solidFill>
+                  <a:srgbClr val="000000"/>
+                </a:solidFill>
+                <a:latin typeface="Gill Sans MT"/>
+              </a:rPr>
+              <a:t>Projektumgebung</a:t>
+            </a:r>
+            <a:r>
+              <a:rPr lang="en-US" sz="2000" spc="-1" dirty="0">
+                <a:solidFill>
+                  <a:srgbClr val="000000"/>
+                </a:solidFill>
+                <a:latin typeface="Gill Sans MT"/>
+              </a:rPr>
+              <a:t> </a:t>
+            </a:r>
+            <a:r>
+              <a:rPr lang="en-US" sz="2000" spc="-1" dirty="0" err="1">
+                <a:solidFill>
+                  <a:srgbClr val="000000"/>
+                </a:solidFill>
+                <a:latin typeface="Gill Sans MT"/>
+              </a:rPr>
+              <a:t>einrichten</a:t>
+            </a:r>
+            <a:r>
+              <a:rPr lang="en-US" sz="2000" spc="-1" dirty="0">
+                <a:solidFill>
+                  <a:srgbClr val="000000"/>
+                </a:solidFill>
+                <a:latin typeface="Gill Sans MT"/>
+              </a:rPr>
+              <a:t>: </a:t>
+            </a:r>
+            <a:r>
+              <a:rPr lang="en-US" sz="2000" spc="-1" dirty="0" err="1">
+                <a:solidFill>
+                  <a:srgbClr val="000000"/>
+                </a:solidFill>
+                <a:latin typeface="Gill Sans MT"/>
+              </a:rPr>
+              <a:t>Mailkontakte</a:t>
+            </a:r>
+            <a:r>
+              <a:rPr lang="en-US" sz="2000" spc="-1" dirty="0">
+                <a:solidFill>
+                  <a:srgbClr val="000000"/>
+                </a:solidFill>
+                <a:latin typeface="Gill Sans MT"/>
+              </a:rPr>
+              <a:t>, </a:t>
+            </a:r>
+            <a:r>
+              <a:rPr lang="en-US" sz="2000" spc="-1" dirty="0" err="1">
+                <a:solidFill>
+                  <a:srgbClr val="000000"/>
+                </a:solidFill>
+                <a:latin typeface="Gill Sans MT"/>
+              </a:rPr>
+              <a:t>Github</a:t>
+            </a:r>
+            <a:r>
+              <a:rPr lang="en-US" sz="2000" spc="-1" dirty="0">
+                <a:solidFill>
+                  <a:srgbClr val="000000"/>
+                </a:solidFill>
+                <a:latin typeface="Gill Sans MT"/>
+              </a:rPr>
+              <a:t>, </a:t>
+            </a:r>
+            <a:r>
+              <a:rPr lang="en-US" sz="2000" spc="-1" dirty="0" err="1">
+                <a:solidFill>
+                  <a:srgbClr val="000000"/>
+                </a:solidFill>
+                <a:latin typeface="Gill Sans MT"/>
+              </a:rPr>
+              <a:t>Zeiterfassungen</a:t>
+            </a:r>
+            <a:r>
+              <a:rPr lang="en-US" sz="2000" spc="-1" dirty="0">
+                <a:solidFill>
+                  <a:srgbClr val="000000"/>
+                </a:solidFill>
+                <a:latin typeface="Gill Sans MT"/>
+              </a:rPr>
+              <a:t> etc.  </a:t>
+            </a:r>
           </a:p>
         </p:txBody>
       </p:sp>
     </p:spTree>
   </p:cSld>
-  <mc:AlternateContent>
-    <mc:Choice Requires="p14">
-      <p:transition spd="slow" p14:dur="2000"/>
-    </mc:Choice>
-    <mc:Fallback>
-      <p:transition spd="slow"/>
-    </mc:Fallback>
-  </mc:AlternateContent>
+  <p:clrMapOvr>
+    <a:masterClrMapping/>
+  </p:clrMapOvr>
 </p:sld>
 </file>
 
 <file path=ppt/slides/slide8.xml><?xml version="1.0" encoding="utf-8"?>
-<p:sld xmlns:a="http://schemas.openxmlformats.org/drawingml/2006/main" xmlns:p="http://schemas.openxmlformats.org/presentationml/2006/main" xmlns:r="http://schemas.openxmlformats.org/officeDocument/2006/relationships" xmlns:p14="http://schemas.microsoft.com/office/powerpoint/2010/main" xmlns:p15="http://schemas.microsoft.com/office/powerpoint/2012/main" xmlns:mc="http://schemas.openxmlformats.org/markup-compatibility/2006">
+<p:sld xmlns:a="http://schemas.openxmlformats.org/drawingml/2006/main" xmlns:r="http://schemas.openxmlformats.org/officeDocument/2006/relationships" xmlns:p="http://schemas.openxmlformats.org/presentationml/2006/main">
   <p:cSld>
     <p:spTree>
       <p:nvGrpSpPr>
@@ -5449,7 +7562,7 @@
       </p:grpSpPr>
       <p:sp>
         <p:nvSpPr>
-          <p:cNvPr id="105" name="TextShape 1"/>
+          <p:cNvPr id="101" name="TextShape 1"/>
           <p:cNvSpPr txBox="1"/>
           <p:nvPr/>
         </p:nvSpPr>
@@ -5470,6 +7583,7 @@
           <a:bodyPr>
             <a:noAutofit/>
           </a:bodyPr>
+          <a:lstStyle/>
           <a:p>
             <a:pPr>
               <a:lnSpc>
@@ -5477,32 +7591,32 @@
               </a:lnSpc>
             </a:pPr>
             <a:r>
-              <a:rPr b="0" lang="en-US" sz="3200" spc="-1" strike="noStrike" cap="all">
-                <a:solidFill>
-                  <a:srgbClr val="000000"/>
-                </a:solidFill>
-                <a:latin typeface="Gill Sans MT"/>
-              </a:rPr>
-              <a:t>Demos</a:t>
-            </a:r>
-            <a:endParaRPr b="0" lang="en-US" sz="3200" spc="-1" strike="noStrike">
-              <a:solidFill>
-                <a:srgbClr val="000000"/>
-              </a:solidFill>
-              <a:latin typeface="Gill Sans MT"/>
-            </a:endParaRPr>
-          </a:p>
-        </p:txBody>
-      </p:sp>
-      <p:sp>
-        <p:nvSpPr>
-          <p:cNvPr id="106" name="TextShape 2"/>
+              <a:rPr lang="en-US" sz="3200" b="0" strike="noStrike" cap="all" spc="-1">
+                <a:solidFill>
+                  <a:srgbClr val="000000"/>
+                </a:solidFill>
+                <a:latin typeface="Gill Sans MT"/>
+              </a:rPr>
+              <a:t>Sprint II:</a:t>
+            </a:r>
+            <a:endParaRPr lang="en-US" sz="3200" b="0" strike="noStrike" spc="-1">
+              <a:solidFill>
+                <a:srgbClr val="000000"/>
+              </a:solidFill>
+              <a:latin typeface="Gill Sans MT"/>
+            </a:endParaRPr>
+          </a:p>
+        </p:txBody>
+      </p:sp>
+      <p:sp>
+        <p:nvSpPr>
+          <p:cNvPr id="102" name="TextShape 2"/>
           <p:cNvSpPr txBox="1"/>
           <p:nvPr/>
         </p:nvSpPr>
         <p:spPr>
           <a:xfrm>
-            <a:off x="1451520" y="2015640"/>
+            <a:off x="1523520" y="2015640"/>
             <a:ext cx="9603000" cy="3450240"/>
           </a:xfrm>
           <a:prstGeom prst="rect">
@@ -5517,6 +7631,7 @@
           <a:bodyPr>
             <a:noAutofit/>
           </a:bodyPr>
+          <a:lstStyle/>
           <a:p>
             <a:pPr marL="228600" indent="-228240">
               <a:lnSpc>
@@ -5526,21 +7641,579 @@
                 <a:spcPts val="1001"/>
               </a:spcBef>
               <a:buClr>
-                <a:srgbClr val="b71e42"/>
+                <a:srgbClr val="B71E42"/>
               </a:buClr>
               <a:buFont typeface="Arial"/>
               <a:buChar char="•"/>
             </a:pPr>
             <a:r>
-              <a:rPr b="0" lang="en-US" sz="2000" spc="-1" strike="noStrike">
-                <a:solidFill>
-                  <a:srgbClr val="000000"/>
-                </a:solidFill>
-                <a:latin typeface="Gill Sans MT"/>
-              </a:rPr>
-              <a:t>Jetzt zeigen wir noch was….</a:t>
-            </a:r>
-            <a:endParaRPr b="0" lang="en-US" sz="2000" spc="-1" strike="noStrike">
+              <a:rPr lang="en-US" sz="2000" b="0" strike="noStrike" spc="-1" dirty="0" err="1">
+                <a:solidFill>
+                  <a:srgbClr val="000000"/>
+                </a:solidFill>
+                <a:latin typeface="Gill Sans MT"/>
+              </a:rPr>
+              <a:t>Ziel</a:t>
+            </a:r>
+            <a:r>
+              <a:rPr lang="en-US" sz="2000" b="0" strike="noStrike" spc="-1" dirty="0">
+                <a:solidFill>
+                  <a:srgbClr val="000000"/>
+                </a:solidFill>
+                <a:latin typeface="Gill Sans MT"/>
+              </a:rPr>
+              <a:t>:  </a:t>
+            </a:r>
+            <a:r>
+              <a:rPr lang="en-US" sz="2000" b="0" strike="noStrike" spc="-1" dirty="0" err="1">
+                <a:solidFill>
+                  <a:srgbClr val="000000"/>
+                </a:solidFill>
+                <a:latin typeface="Gill Sans MT"/>
+              </a:rPr>
+              <a:t>Teilbereiche</a:t>
+            </a:r>
+            <a:r>
+              <a:rPr lang="en-US" sz="2000" b="0" strike="noStrike" spc="-1" dirty="0">
+                <a:solidFill>
+                  <a:srgbClr val="000000"/>
+                </a:solidFill>
+                <a:latin typeface="Gill Sans MT"/>
+              </a:rPr>
+              <a:t> </a:t>
+            </a:r>
+            <a:r>
+              <a:rPr lang="en-US" sz="2000" b="0" strike="noStrike" spc="-1" dirty="0" err="1">
+                <a:solidFill>
+                  <a:srgbClr val="000000"/>
+                </a:solidFill>
+                <a:latin typeface="Gill Sans MT"/>
+              </a:rPr>
+              <a:t>implem</a:t>
+            </a:r>
+            <a:r>
+              <a:rPr lang="en-US" sz="2000" spc="-1" dirty="0" err="1">
+                <a:solidFill>
+                  <a:srgbClr val="000000"/>
+                </a:solidFill>
+                <a:latin typeface="Gill Sans MT"/>
+              </a:rPr>
+              <a:t>entieren</a:t>
+            </a:r>
+            <a:r>
+              <a:rPr lang="en-US" sz="2000" spc="-1" dirty="0">
+                <a:solidFill>
+                  <a:srgbClr val="000000"/>
+                </a:solidFill>
+                <a:latin typeface="Gill Sans MT"/>
+              </a:rPr>
+              <a:t> und </a:t>
+            </a:r>
+            <a:r>
+              <a:rPr lang="en-US" sz="2000" spc="-1" dirty="0" err="1">
+                <a:solidFill>
+                  <a:srgbClr val="000000"/>
+                </a:solidFill>
+                <a:latin typeface="Gill Sans MT"/>
+              </a:rPr>
+              <a:t>Funktionen</a:t>
+            </a:r>
+            <a:r>
+              <a:rPr lang="en-US" sz="2000" spc="-1" dirty="0">
+                <a:solidFill>
+                  <a:srgbClr val="000000"/>
+                </a:solidFill>
+                <a:latin typeface="Gill Sans MT"/>
+              </a:rPr>
+              <a:t> </a:t>
+            </a:r>
+            <a:r>
+              <a:rPr lang="en-US" sz="2000" spc="-1" dirty="0" err="1">
+                <a:solidFill>
+                  <a:srgbClr val="000000"/>
+                </a:solidFill>
+                <a:latin typeface="Gill Sans MT"/>
+              </a:rPr>
+              <a:t>realisieren</a:t>
+            </a:r>
+            <a:endParaRPr lang="en-US" sz="2000" spc="-1" dirty="0">
+              <a:solidFill>
+                <a:srgbClr val="000000"/>
+              </a:solidFill>
+              <a:latin typeface="Gill Sans MT"/>
+            </a:endParaRPr>
+          </a:p>
+          <a:p>
+            <a:pPr marL="685800" lvl="1" indent="-228240">
+              <a:lnSpc>
+                <a:spcPct val="120000"/>
+              </a:lnSpc>
+              <a:spcBef>
+                <a:spcPts val="1001"/>
+              </a:spcBef>
+              <a:buClr>
+                <a:srgbClr val="B71E42"/>
+              </a:buClr>
+              <a:buFont typeface="Arial"/>
+              <a:buChar char="•"/>
+            </a:pPr>
+            <a:r>
+              <a:rPr lang="en-US" sz="2000" spc="-1" dirty="0" err="1">
+                <a:solidFill>
+                  <a:srgbClr val="000000"/>
+                </a:solidFill>
+                <a:latin typeface="Gill Sans MT"/>
+              </a:rPr>
+              <a:t>Manuelles</a:t>
+            </a:r>
+            <a:r>
+              <a:rPr lang="en-US" sz="2000" spc="-1" dirty="0">
+                <a:solidFill>
+                  <a:srgbClr val="000000"/>
+                </a:solidFill>
+                <a:latin typeface="Gill Sans MT"/>
+              </a:rPr>
+              <a:t> </a:t>
+            </a:r>
+            <a:r>
+              <a:rPr lang="en-US" sz="2000" spc="-1" dirty="0" err="1">
+                <a:solidFill>
+                  <a:srgbClr val="000000"/>
+                </a:solidFill>
+                <a:latin typeface="Gill Sans MT"/>
+              </a:rPr>
+              <a:t>Zeichen</a:t>
+            </a:r>
+            <a:r>
+              <a:rPr lang="en-US" sz="2000" spc="-1" dirty="0">
+                <a:solidFill>
+                  <a:srgbClr val="000000"/>
+                </a:solidFill>
+                <a:latin typeface="Gill Sans MT"/>
+              </a:rPr>
+              <a:t> der </a:t>
+            </a:r>
+            <a:r>
+              <a:rPr lang="en-US" sz="2000" spc="-1" dirty="0" err="1">
+                <a:solidFill>
+                  <a:srgbClr val="000000"/>
+                </a:solidFill>
+                <a:latin typeface="Gill Sans MT"/>
+              </a:rPr>
+              <a:t>Wände</a:t>
+            </a:r>
+            <a:r>
+              <a:rPr lang="en-US" sz="2000" spc="-1" dirty="0">
+                <a:solidFill>
+                  <a:srgbClr val="000000"/>
+                </a:solidFill>
+                <a:latin typeface="Gill Sans MT"/>
+              </a:rPr>
+              <a:t> in Unity auf 2D Plan </a:t>
+            </a:r>
+            <a:r>
+              <a:rPr lang="en-US" sz="2000" spc="-1" dirty="0" err="1">
+                <a:solidFill>
+                  <a:srgbClr val="000000"/>
+                </a:solidFill>
+                <a:latin typeface="Gill Sans MT"/>
+              </a:rPr>
+              <a:t>zur</a:t>
+            </a:r>
+            <a:r>
+              <a:rPr lang="en-US" sz="2000" spc="-1" dirty="0">
+                <a:solidFill>
+                  <a:srgbClr val="000000"/>
+                </a:solidFill>
+                <a:latin typeface="Gill Sans MT"/>
+              </a:rPr>
+              <a:t> </a:t>
+            </a:r>
+            <a:r>
+              <a:rPr lang="en-US" sz="2000" spc="-1" dirty="0" err="1">
+                <a:solidFill>
+                  <a:srgbClr val="000000"/>
+                </a:solidFill>
+                <a:latin typeface="Gill Sans MT"/>
+              </a:rPr>
+              <a:t>Raumeingerenzung</a:t>
+            </a:r>
+            <a:endParaRPr lang="en-US" sz="2000" spc="-1" dirty="0">
+              <a:solidFill>
+                <a:srgbClr val="000000"/>
+              </a:solidFill>
+              <a:latin typeface="Gill Sans MT"/>
+            </a:endParaRPr>
+          </a:p>
+          <a:p>
+            <a:pPr marL="685800" lvl="1" indent="-228240">
+              <a:lnSpc>
+                <a:spcPct val="120000"/>
+              </a:lnSpc>
+              <a:spcBef>
+                <a:spcPts val="1001"/>
+              </a:spcBef>
+              <a:buClr>
+                <a:srgbClr val="B71E42"/>
+              </a:buClr>
+              <a:buFont typeface="Arial"/>
+              <a:buChar char="•"/>
+            </a:pPr>
+            <a:r>
+              <a:rPr lang="en-US" sz="2000" b="0" strike="noStrike" spc="-1" dirty="0" err="1">
+                <a:solidFill>
+                  <a:srgbClr val="000000"/>
+                </a:solidFill>
+                <a:latin typeface="Gill Sans MT"/>
+              </a:rPr>
+              <a:t>Manuelles</a:t>
+            </a:r>
+            <a:r>
+              <a:rPr lang="en-US" sz="2000" b="0" strike="noStrike" spc="-1" dirty="0">
+                <a:solidFill>
+                  <a:srgbClr val="000000"/>
+                </a:solidFill>
+                <a:latin typeface="Gill Sans MT"/>
+              </a:rPr>
+              <a:t> </a:t>
+            </a:r>
+            <a:r>
+              <a:rPr lang="en-US" sz="2000" b="0" strike="noStrike" spc="-1" dirty="0" err="1">
+                <a:solidFill>
+                  <a:srgbClr val="000000"/>
+                </a:solidFill>
+                <a:latin typeface="Gill Sans MT"/>
+              </a:rPr>
+              <a:t>Platzieren</a:t>
+            </a:r>
+            <a:r>
+              <a:rPr lang="en-US" sz="2000" spc="-1" dirty="0">
+                <a:solidFill>
+                  <a:srgbClr val="000000"/>
+                </a:solidFill>
+                <a:latin typeface="Gill Sans MT"/>
+              </a:rPr>
+              <a:t>/</a:t>
+            </a:r>
+            <a:r>
+              <a:rPr lang="en-US" sz="2000" spc="-1" dirty="0" err="1">
+                <a:solidFill>
+                  <a:srgbClr val="000000"/>
+                </a:solidFill>
+                <a:latin typeface="Gill Sans MT"/>
+              </a:rPr>
+              <a:t>Hinzufügen</a:t>
+            </a:r>
+            <a:r>
+              <a:rPr lang="en-US" sz="2000" spc="-1" dirty="0">
+                <a:solidFill>
+                  <a:srgbClr val="000000"/>
+                </a:solidFill>
+                <a:latin typeface="Gill Sans MT"/>
+              </a:rPr>
+              <a:t> von </a:t>
+            </a:r>
+            <a:r>
+              <a:rPr lang="en-US" sz="2000" spc="-1" dirty="0" err="1">
+                <a:solidFill>
+                  <a:srgbClr val="000000"/>
+                </a:solidFill>
+                <a:latin typeface="Gill Sans MT"/>
+              </a:rPr>
+              <a:t>Kameras</a:t>
+            </a:r>
+            <a:r>
+              <a:rPr lang="en-US" sz="2000" spc="-1" dirty="0">
+                <a:solidFill>
+                  <a:srgbClr val="000000"/>
+                </a:solidFill>
+                <a:latin typeface="Gill Sans MT"/>
+              </a:rPr>
+              <a:t> und </a:t>
+            </a:r>
+            <a:r>
+              <a:rPr lang="en-US" sz="2000" spc="-1" dirty="0" err="1">
+                <a:solidFill>
+                  <a:srgbClr val="000000"/>
+                </a:solidFill>
+                <a:latin typeface="Gill Sans MT"/>
+              </a:rPr>
+              <a:t>Festlegung</a:t>
+            </a:r>
+            <a:r>
+              <a:rPr lang="en-US" sz="2000" spc="-1" dirty="0">
+                <a:solidFill>
+                  <a:srgbClr val="000000"/>
+                </a:solidFill>
+                <a:latin typeface="Gill Sans MT"/>
+              </a:rPr>
+              <a:t> der </a:t>
+            </a:r>
+            <a:r>
+              <a:rPr lang="en-US" sz="2000" spc="-1" dirty="0" err="1">
+                <a:solidFill>
+                  <a:srgbClr val="000000"/>
+                </a:solidFill>
+                <a:latin typeface="Gill Sans MT"/>
+              </a:rPr>
+              <a:t>Positionen</a:t>
+            </a:r>
+            <a:endParaRPr lang="en-US" sz="2000" b="0" strike="noStrike" spc="-1" dirty="0">
+              <a:solidFill>
+                <a:srgbClr val="000000"/>
+              </a:solidFill>
+              <a:latin typeface="Gill Sans MT"/>
+            </a:endParaRPr>
+          </a:p>
+          <a:p>
+            <a:pPr marL="685800" lvl="1" indent="-228240">
+              <a:lnSpc>
+                <a:spcPct val="120000"/>
+              </a:lnSpc>
+              <a:spcBef>
+                <a:spcPts val="1001"/>
+              </a:spcBef>
+              <a:buClr>
+                <a:srgbClr val="B71E42"/>
+              </a:buClr>
+              <a:buFont typeface="Arial"/>
+              <a:buChar char="•"/>
+            </a:pPr>
+            <a:r>
+              <a:rPr lang="en-US" sz="2000" b="0" strike="noStrike" spc="-1" dirty="0">
+                <a:solidFill>
+                  <a:srgbClr val="000000"/>
+                </a:solidFill>
+                <a:latin typeface="Gill Sans MT"/>
+              </a:rPr>
+              <a:t>FABIS PART BESCHREIBEN (Recherche </a:t>
+            </a:r>
+            <a:r>
+              <a:rPr lang="en-US" sz="2000" spc="-1" dirty="0" err="1">
+                <a:solidFill>
+                  <a:srgbClr val="000000"/>
+                </a:solidFill>
+                <a:latin typeface="Gill Sans MT"/>
+              </a:rPr>
+              <a:t>über</a:t>
+            </a:r>
+            <a:r>
+              <a:rPr lang="en-US" sz="2000" spc="-1" dirty="0">
+                <a:solidFill>
+                  <a:srgbClr val="000000"/>
+                </a:solidFill>
+                <a:latin typeface="Gill Sans MT"/>
+              </a:rPr>
+              <a:t> </a:t>
+            </a:r>
+            <a:r>
+              <a:rPr lang="en-US" sz="2000" spc="-1" dirty="0" err="1">
+                <a:solidFill>
+                  <a:srgbClr val="000000"/>
+                </a:solidFill>
+                <a:latin typeface="Gill Sans MT"/>
+              </a:rPr>
+              <a:t>vorhandende</a:t>
+            </a:r>
+            <a:r>
+              <a:rPr lang="en-US" sz="2000" spc="-1" dirty="0">
+                <a:solidFill>
+                  <a:srgbClr val="000000"/>
+                </a:solidFill>
+                <a:latin typeface="Gill Sans MT"/>
+              </a:rPr>
+              <a:t> QR Code </a:t>
+            </a:r>
+            <a:r>
+              <a:rPr lang="en-US" sz="2000" spc="-1" dirty="0" err="1">
+                <a:solidFill>
+                  <a:srgbClr val="000000"/>
+                </a:solidFill>
+                <a:latin typeface="Gill Sans MT"/>
+              </a:rPr>
+              <a:t>Erkennungsbibliotheken</a:t>
+            </a:r>
+            <a:r>
+              <a:rPr lang="en-US" sz="2000" spc="-1" dirty="0">
+                <a:solidFill>
+                  <a:srgbClr val="000000"/>
+                </a:solidFill>
+                <a:latin typeface="Gill Sans MT"/>
+              </a:rPr>
+              <a:t> und </a:t>
+            </a:r>
+            <a:r>
+              <a:rPr lang="en-US" sz="2000" spc="-1" dirty="0" err="1">
+                <a:solidFill>
+                  <a:srgbClr val="000000"/>
+                </a:solidFill>
+                <a:latin typeface="Gill Sans MT"/>
+              </a:rPr>
+              <a:t>für</a:t>
+            </a:r>
+            <a:r>
+              <a:rPr lang="en-US" sz="2000" spc="-1" dirty="0">
+                <a:solidFill>
+                  <a:srgbClr val="000000"/>
+                </a:solidFill>
+                <a:latin typeface="Gill Sans MT"/>
+              </a:rPr>
+              <a:t> </a:t>
+            </a:r>
+            <a:r>
+              <a:rPr lang="en-US" sz="2000" spc="-1" dirty="0" err="1">
+                <a:solidFill>
+                  <a:srgbClr val="000000"/>
+                </a:solidFill>
+                <a:latin typeface="Gill Sans MT"/>
+              </a:rPr>
+              <a:t>unsere</a:t>
+            </a:r>
+            <a:r>
+              <a:rPr lang="en-US" sz="2000" spc="-1" dirty="0">
+                <a:solidFill>
+                  <a:srgbClr val="000000"/>
+                </a:solidFill>
+                <a:latin typeface="Gill Sans MT"/>
+              </a:rPr>
+              <a:t> </a:t>
+            </a:r>
+            <a:r>
+              <a:rPr lang="en-US" sz="2000" spc="-1" dirty="0" err="1">
+                <a:solidFill>
+                  <a:srgbClr val="000000"/>
+                </a:solidFill>
+                <a:latin typeface="Gill Sans MT"/>
+              </a:rPr>
+              <a:t>Nutzen</a:t>
+            </a:r>
+            <a:r>
+              <a:rPr lang="en-US" sz="2000" spc="-1" dirty="0">
+                <a:solidFill>
+                  <a:srgbClr val="000000"/>
+                </a:solidFill>
+                <a:latin typeface="Gill Sans MT"/>
+              </a:rPr>
+              <a:t> </a:t>
+            </a:r>
+            <a:r>
+              <a:rPr lang="en-US" sz="2000" spc="-1" dirty="0" err="1">
+                <a:solidFill>
+                  <a:srgbClr val="000000"/>
+                </a:solidFill>
+                <a:latin typeface="Gill Sans MT"/>
+              </a:rPr>
+              <a:t>weiterentwickelt</a:t>
+            </a:r>
+            <a:endParaRPr lang="en-US" sz="2000" spc="-1" dirty="0">
+              <a:solidFill>
+                <a:srgbClr val="000000"/>
+              </a:solidFill>
+              <a:latin typeface="Gill Sans MT"/>
+            </a:endParaRPr>
+          </a:p>
+          <a:p>
+            <a:pPr marL="685800" lvl="1" indent="-228240">
+              <a:lnSpc>
+                <a:spcPct val="120000"/>
+              </a:lnSpc>
+              <a:spcBef>
+                <a:spcPts val="1001"/>
+              </a:spcBef>
+              <a:buClr>
+                <a:srgbClr val="B71E42"/>
+              </a:buClr>
+              <a:buFont typeface="Arial"/>
+              <a:buChar char="•"/>
+            </a:pPr>
+            <a:r>
+              <a:rPr lang="en-US" sz="2000" b="0" strike="noStrike" spc="-1" dirty="0">
+                <a:solidFill>
+                  <a:srgbClr val="000000"/>
+                </a:solidFill>
+                <a:latin typeface="Gill Sans MT"/>
+              </a:rPr>
+              <a:t>JSON?</a:t>
+            </a:r>
+          </a:p>
+          <a:p>
+            <a:pPr marL="685800" lvl="1" indent="-228240">
+              <a:lnSpc>
+                <a:spcPct val="120000"/>
+              </a:lnSpc>
+              <a:spcBef>
+                <a:spcPts val="1001"/>
+              </a:spcBef>
+              <a:buClr>
+                <a:srgbClr val="B71E42"/>
+              </a:buClr>
+              <a:buFont typeface="Arial"/>
+              <a:buChar char="•"/>
+            </a:pPr>
+            <a:r>
+              <a:rPr lang="en-US" sz="2000" b="0" strike="noStrike" spc="-1" dirty="0" err="1">
+                <a:solidFill>
+                  <a:srgbClr val="000000"/>
+                </a:solidFill>
+                <a:latin typeface="Gill Sans MT"/>
+              </a:rPr>
+              <a:t>Github</a:t>
+            </a:r>
+            <a:r>
+              <a:rPr lang="en-US" sz="2000" b="0" strike="noStrike" spc="-1" dirty="0">
+                <a:solidFill>
+                  <a:srgbClr val="000000"/>
+                </a:solidFill>
+                <a:latin typeface="Gill Sans MT"/>
+              </a:rPr>
+              <a:t> Repo </a:t>
+            </a:r>
+            <a:r>
+              <a:rPr lang="en-US" sz="2000" b="0" strike="noStrike" spc="-1" dirty="0" err="1">
+                <a:solidFill>
+                  <a:srgbClr val="000000"/>
+                </a:solidFill>
+                <a:latin typeface="Gill Sans MT"/>
+              </a:rPr>
+              <a:t>nach</a:t>
+            </a:r>
+            <a:r>
+              <a:rPr lang="en-US" sz="2000" b="0" strike="noStrike" spc="-1" dirty="0">
+                <a:solidFill>
+                  <a:srgbClr val="000000"/>
+                </a:solidFill>
+                <a:latin typeface="Gill Sans MT"/>
+              </a:rPr>
+              <a:t> </a:t>
+            </a:r>
+            <a:r>
+              <a:rPr lang="en-US" sz="2000" b="0" strike="noStrike" spc="-1" dirty="0" err="1">
+                <a:solidFill>
+                  <a:srgbClr val="000000"/>
+                </a:solidFill>
+                <a:latin typeface="Gill Sans MT"/>
+              </a:rPr>
+              <a:t>Problemen</a:t>
+            </a:r>
+            <a:r>
+              <a:rPr lang="en-US" sz="2000" b="0" strike="noStrike" spc="-1" dirty="0">
+                <a:solidFill>
+                  <a:srgbClr val="000000"/>
+                </a:solidFill>
+                <a:latin typeface="Gill Sans MT"/>
+              </a:rPr>
+              <a:t> neu </a:t>
+            </a:r>
+            <a:r>
+              <a:rPr lang="en-US" sz="2000" b="0" strike="noStrike" spc="-1" dirty="0" err="1">
+                <a:solidFill>
+                  <a:srgbClr val="000000"/>
+                </a:solidFill>
+                <a:latin typeface="Gill Sans MT"/>
+              </a:rPr>
+              <a:t>aufgebaut</a:t>
+            </a:r>
+            <a:endParaRPr lang="en-US" sz="2000" b="0" strike="noStrike" spc="-1" dirty="0">
               <a:solidFill>
                 <a:srgbClr val="000000"/>
               </a:solidFill>
@@ -5551,14 +8224,549 @@
       </p:sp>
     </p:spTree>
   </p:cSld>
-  <mc:AlternateContent>
-    <mc:Choice Requires="p14">
-      <p:transition spd="slow" p14:dur="2000"/>
-    </mc:Choice>
-    <mc:Fallback>
-      <p:transition spd="slow"/>
-    </mc:Fallback>
-  </mc:AlternateContent>
+  <p:clrMapOvr>
+    <a:masterClrMapping/>
+  </p:clrMapOvr>
+</p:sld>
+</file>
+
+<file path=ppt/slides/slide9.xml><?xml version="1.0" encoding="utf-8"?>
+<p:sld xmlns:a="http://schemas.openxmlformats.org/drawingml/2006/main" xmlns:r="http://schemas.openxmlformats.org/officeDocument/2006/relationships" xmlns:p="http://schemas.openxmlformats.org/presentationml/2006/main">
+  <p:cSld>
+    <p:spTree>
+      <p:nvGrpSpPr>
+        <p:cNvPr id="1" name=""/>
+        <p:cNvGrpSpPr/>
+        <p:nvPr/>
+      </p:nvGrpSpPr>
+      <p:grpSpPr>
+        <a:xfrm>
+          <a:off x="0" y="0"/>
+          <a:ext cx="0" cy="0"/>
+          <a:chOff x="0" y="0"/>
+          <a:chExt cx="0" cy="0"/>
+        </a:xfrm>
+      </p:grpSpPr>
+      <p:sp>
+        <p:nvSpPr>
+          <p:cNvPr id="103" name="TextShape 1"/>
+          <p:cNvSpPr txBox="1"/>
+          <p:nvPr/>
+        </p:nvSpPr>
+        <p:spPr>
+          <a:xfrm>
+            <a:off x="1451520" y="804600"/>
+            <a:ext cx="9603000" cy="1049040"/>
+          </a:xfrm>
+          <a:prstGeom prst="rect">
+            <a:avLst/>
+          </a:prstGeom>
+          <a:noFill/>
+          <a:ln>
+            <a:noFill/>
+          </a:ln>
+        </p:spPr>
+        <p:txBody>
+          <a:bodyPr>
+            <a:noAutofit/>
+          </a:bodyPr>
+          <a:lstStyle/>
+          <a:p>
+            <a:pPr>
+              <a:lnSpc>
+                <a:spcPct val="90000"/>
+              </a:lnSpc>
+            </a:pPr>
+            <a:r>
+              <a:rPr lang="en-US" sz="3200" b="0" strike="noStrike" cap="all" spc="-1">
+                <a:solidFill>
+                  <a:srgbClr val="000000"/>
+                </a:solidFill>
+                <a:latin typeface="Gill Sans MT"/>
+              </a:rPr>
+              <a:t>Meilenstein (aktueller Stand)</a:t>
+            </a:r>
+            <a:endParaRPr lang="en-US" sz="3200" b="0" strike="noStrike" spc="-1">
+              <a:solidFill>
+                <a:srgbClr val="000000"/>
+              </a:solidFill>
+              <a:latin typeface="Gill Sans MT"/>
+            </a:endParaRPr>
+          </a:p>
+        </p:txBody>
+      </p:sp>
+      <p:sp>
+        <p:nvSpPr>
+          <p:cNvPr id="104" name="TextShape 2"/>
+          <p:cNvSpPr txBox="1"/>
+          <p:nvPr/>
+        </p:nvSpPr>
+        <p:spPr>
+          <a:xfrm>
+            <a:off x="1451520" y="2015640"/>
+            <a:ext cx="9603000" cy="3450240"/>
+          </a:xfrm>
+          <a:prstGeom prst="rect">
+            <a:avLst/>
+          </a:prstGeom>
+          <a:noFill/>
+          <a:ln>
+            <a:noFill/>
+          </a:ln>
+        </p:spPr>
+        <p:txBody>
+          <a:bodyPr>
+            <a:noAutofit/>
+          </a:bodyPr>
+          <a:lstStyle/>
+          <a:p>
+            <a:pPr marL="228600" indent="-228240">
+              <a:lnSpc>
+                <a:spcPct val="120000"/>
+              </a:lnSpc>
+              <a:spcBef>
+                <a:spcPts val="1001"/>
+              </a:spcBef>
+              <a:buClr>
+                <a:srgbClr val="B71E42"/>
+              </a:buClr>
+              <a:buFont typeface="Arial"/>
+              <a:buChar char="•"/>
+            </a:pPr>
+            <a:r>
+              <a:rPr lang="en-US" sz="2000" spc="-1" dirty="0" err="1">
+                <a:solidFill>
+                  <a:srgbClr val="000000"/>
+                </a:solidFill>
+                <a:latin typeface="Gill Sans MT"/>
+              </a:rPr>
+              <a:t>Ziel</a:t>
+            </a:r>
+            <a:r>
+              <a:rPr lang="en-US" sz="2000" spc="-1" dirty="0">
+                <a:solidFill>
+                  <a:srgbClr val="000000"/>
+                </a:solidFill>
+                <a:latin typeface="Gill Sans MT"/>
+              </a:rPr>
+              <a:t>: </a:t>
+            </a:r>
+            <a:r>
+              <a:rPr lang="en-US" sz="2000" spc="-1" dirty="0" err="1">
+                <a:solidFill>
+                  <a:srgbClr val="000000"/>
+                </a:solidFill>
+                <a:latin typeface="Gill Sans MT"/>
+              </a:rPr>
+              <a:t>Zusammenführung</a:t>
+            </a:r>
+            <a:r>
+              <a:rPr lang="en-US" sz="2000" spc="-1" dirty="0">
+                <a:solidFill>
+                  <a:srgbClr val="000000"/>
+                </a:solidFill>
+                <a:latin typeface="Gill Sans MT"/>
+              </a:rPr>
+              <a:t> </a:t>
+            </a:r>
+            <a:r>
+              <a:rPr lang="en-US" sz="2000" spc="-1" dirty="0" err="1">
+                <a:solidFill>
+                  <a:srgbClr val="000000"/>
+                </a:solidFill>
+                <a:latin typeface="Gill Sans MT"/>
+              </a:rPr>
+              <a:t>aller</a:t>
+            </a:r>
+            <a:r>
+              <a:rPr lang="en-US" sz="2000" spc="-1" dirty="0">
+                <a:solidFill>
+                  <a:srgbClr val="000000"/>
+                </a:solidFill>
+                <a:latin typeface="Gill Sans MT"/>
+              </a:rPr>
+              <a:t> </a:t>
+            </a:r>
+            <a:r>
+              <a:rPr lang="en-US" sz="2000" spc="-1" dirty="0" err="1">
+                <a:solidFill>
+                  <a:srgbClr val="000000"/>
+                </a:solidFill>
+                <a:latin typeface="Gill Sans MT"/>
+              </a:rPr>
+              <a:t>Funktionen</a:t>
+            </a:r>
+            <a:r>
+              <a:rPr lang="en-US" sz="2000" spc="-1" dirty="0">
+                <a:solidFill>
+                  <a:srgbClr val="000000"/>
+                </a:solidFill>
+                <a:latin typeface="Gill Sans MT"/>
+              </a:rPr>
+              <a:t> in Unity</a:t>
+            </a:r>
+          </a:p>
+          <a:p>
+            <a:pPr marL="685800" lvl="1" indent="-228240">
+              <a:lnSpc>
+                <a:spcPct val="120000"/>
+              </a:lnSpc>
+              <a:spcBef>
+                <a:spcPts val="1001"/>
+              </a:spcBef>
+              <a:buClr>
+                <a:srgbClr val="B71E42"/>
+              </a:buClr>
+              <a:buFont typeface="Arial"/>
+              <a:buChar char="•"/>
+            </a:pPr>
+            <a:r>
+              <a:rPr lang="en-US" sz="2000" b="0" strike="noStrike" spc="-1" dirty="0" err="1">
+                <a:solidFill>
+                  <a:srgbClr val="000000"/>
+                </a:solidFill>
+                <a:latin typeface="Gill Sans MT"/>
+              </a:rPr>
+              <a:t>Implementierung</a:t>
+            </a:r>
+            <a:r>
+              <a:rPr lang="en-US" sz="2000" b="0" strike="noStrike" spc="-1" dirty="0">
+                <a:solidFill>
+                  <a:srgbClr val="000000"/>
+                </a:solidFill>
+                <a:latin typeface="Gill Sans MT"/>
+              </a:rPr>
+              <a:t> QR Code </a:t>
+            </a:r>
+            <a:r>
+              <a:rPr lang="en-US" sz="2000" b="0" strike="noStrike" spc="-1" dirty="0" err="1">
+                <a:solidFill>
+                  <a:srgbClr val="000000"/>
+                </a:solidFill>
+                <a:latin typeface="Gill Sans MT"/>
+              </a:rPr>
+              <a:t>Erkennung</a:t>
+            </a:r>
+            <a:endParaRPr lang="en-US" sz="2000" b="0" strike="noStrike" spc="-1" dirty="0">
+              <a:solidFill>
+                <a:srgbClr val="000000"/>
+              </a:solidFill>
+              <a:latin typeface="Gill Sans MT"/>
+            </a:endParaRPr>
+          </a:p>
+          <a:p>
+            <a:pPr marL="685800" lvl="1" indent="-228240">
+              <a:lnSpc>
+                <a:spcPct val="120000"/>
+              </a:lnSpc>
+              <a:spcBef>
+                <a:spcPts val="1001"/>
+              </a:spcBef>
+              <a:buClr>
+                <a:srgbClr val="B71E42"/>
+              </a:buClr>
+              <a:buFont typeface="Arial"/>
+              <a:buChar char="•"/>
+            </a:pPr>
+            <a:r>
+              <a:rPr lang="en-US" sz="2000" spc="-1" dirty="0">
+                <a:solidFill>
+                  <a:srgbClr val="000000"/>
+                </a:solidFill>
+                <a:latin typeface="Gill Sans MT"/>
+              </a:rPr>
+              <a:t>UI </a:t>
+            </a:r>
+            <a:r>
+              <a:rPr lang="en-US" sz="2000" spc="-1" dirty="0" err="1">
+                <a:solidFill>
+                  <a:srgbClr val="000000"/>
+                </a:solidFill>
+                <a:latin typeface="Gill Sans MT"/>
+              </a:rPr>
+              <a:t>erweitert</a:t>
+            </a:r>
+            <a:r>
+              <a:rPr lang="en-US" sz="2000" spc="-1" dirty="0">
+                <a:solidFill>
+                  <a:srgbClr val="000000"/>
+                </a:solidFill>
+                <a:latin typeface="Gill Sans MT"/>
+              </a:rPr>
+              <a:t>: Button </a:t>
+            </a:r>
+            <a:r>
+              <a:rPr lang="en-US" sz="2000" spc="-1" dirty="0" err="1">
+                <a:solidFill>
+                  <a:srgbClr val="000000"/>
+                </a:solidFill>
+                <a:latin typeface="Gill Sans MT"/>
+              </a:rPr>
+              <a:t>hinzugefügt</a:t>
+            </a:r>
+            <a:r>
+              <a:rPr lang="en-US" sz="2000" spc="-1" dirty="0">
+                <a:solidFill>
+                  <a:srgbClr val="000000"/>
+                </a:solidFill>
+                <a:latin typeface="Gill Sans MT"/>
+              </a:rPr>
+              <a:t> um </a:t>
+            </a:r>
+            <a:r>
+              <a:rPr lang="en-US" sz="2000" spc="-1" dirty="0" err="1">
+                <a:solidFill>
+                  <a:srgbClr val="000000"/>
+                </a:solidFill>
+                <a:latin typeface="Gill Sans MT"/>
+              </a:rPr>
+              <a:t>manuelles</a:t>
+            </a:r>
+            <a:r>
+              <a:rPr lang="en-US" sz="2000" spc="-1" dirty="0">
+                <a:solidFill>
+                  <a:srgbClr val="000000"/>
+                </a:solidFill>
+                <a:latin typeface="Gill Sans MT"/>
+              </a:rPr>
+              <a:t> </a:t>
+            </a:r>
+            <a:r>
+              <a:rPr lang="en-US" sz="2000" spc="-1" dirty="0" err="1">
+                <a:solidFill>
+                  <a:srgbClr val="000000"/>
+                </a:solidFill>
+                <a:latin typeface="Gill Sans MT"/>
+              </a:rPr>
+              <a:t>Einlesen</a:t>
+            </a:r>
+            <a:r>
+              <a:rPr lang="en-US" sz="2000" spc="-1" dirty="0">
+                <a:solidFill>
+                  <a:srgbClr val="000000"/>
+                </a:solidFill>
+                <a:latin typeface="Gill Sans MT"/>
+              </a:rPr>
+              <a:t> </a:t>
+            </a:r>
+            <a:r>
+              <a:rPr lang="en-US" sz="2000" spc="-1" dirty="0" err="1">
+                <a:solidFill>
+                  <a:srgbClr val="000000"/>
+                </a:solidFill>
+                <a:latin typeface="Gill Sans MT"/>
+              </a:rPr>
+              <a:t>zu</a:t>
+            </a:r>
+            <a:r>
+              <a:rPr lang="en-US" sz="2000" spc="-1" dirty="0">
+                <a:solidFill>
+                  <a:srgbClr val="000000"/>
+                </a:solidFill>
+                <a:latin typeface="Gill Sans MT"/>
+              </a:rPr>
+              <a:t> </a:t>
+            </a:r>
+            <a:r>
+              <a:rPr lang="en-US" sz="2000" spc="-1" dirty="0" err="1">
+                <a:solidFill>
+                  <a:srgbClr val="000000"/>
+                </a:solidFill>
+                <a:latin typeface="Gill Sans MT"/>
+              </a:rPr>
+              <a:t>simulieren</a:t>
+            </a:r>
+            <a:endParaRPr lang="en-US" sz="2000" spc="-1" dirty="0">
+              <a:solidFill>
+                <a:srgbClr val="000000"/>
+              </a:solidFill>
+              <a:latin typeface="Gill Sans MT"/>
+            </a:endParaRPr>
+          </a:p>
+          <a:p>
+            <a:pPr marL="685800" lvl="1" indent="-228240">
+              <a:lnSpc>
+                <a:spcPct val="120000"/>
+              </a:lnSpc>
+              <a:spcBef>
+                <a:spcPts val="1001"/>
+              </a:spcBef>
+              <a:buClr>
+                <a:srgbClr val="B71E42"/>
+              </a:buClr>
+              <a:buFont typeface="Arial"/>
+              <a:buChar char="•"/>
+            </a:pPr>
+            <a:r>
+              <a:rPr lang="en-US" sz="2000" b="0" strike="noStrike" spc="-1" dirty="0">
+                <a:solidFill>
+                  <a:srgbClr val="000000"/>
+                </a:solidFill>
+                <a:latin typeface="Gill Sans MT"/>
+              </a:rPr>
+              <a:t>Test auf </a:t>
+            </a:r>
+            <a:r>
+              <a:rPr lang="en-US" sz="2000" b="0" strike="noStrike" spc="-1" dirty="0" err="1">
+                <a:solidFill>
+                  <a:srgbClr val="000000"/>
+                </a:solidFill>
+                <a:latin typeface="Gill Sans MT"/>
+              </a:rPr>
+              <a:t>Funktionalit</a:t>
+            </a:r>
+            <a:r>
+              <a:rPr lang="en-US" sz="2000" spc="-1" dirty="0" err="1">
+                <a:solidFill>
+                  <a:srgbClr val="000000"/>
+                </a:solidFill>
+                <a:latin typeface="Gill Sans MT"/>
+              </a:rPr>
+              <a:t>ät</a:t>
+            </a:r>
+            <a:endParaRPr lang="en-US" sz="2000" spc="-1" dirty="0">
+              <a:solidFill>
+                <a:srgbClr val="000000"/>
+              </a:solidFill>
+              <a:latin typeface="Gill Sans MT"/>
+            </a:endParaRPr>
+          </a:p>
+          <a:p>
+            <a:pPr marL="685800" lvl="1" indent="-228240">
+              <a:lnSpc>
+                <a:spcPct val="120000"/>
+              </a:lnSpc>
+              <a:spcBef>
+                <a:spcPts val="1001"/>
+              </a:spcBef>
+              <a:buClr>
+                <a:srgbClr val="B71E42"/>
+              </a:buClr>
+              <a:buFont typeface="Arial"/>
+              <a:buChar char="•"/>
+            </a:pPr>
+            <a:r>
+              <a:rPr lang="en-US" sz="2000" b="0" strike="noStrike" spc="-1" dirty="0" err="1">
+                <a:solidFill>
+                  <a:srgbClr val="000000"/>
+                </a:solidFill>
+                <a:latin typeface="Gill Sans MT"/>
+              </a:rPr>
+              <a:t>Fertigstellung</a:t>
+            </a:r>
+            <a:r>
+              <a:rPr lang="en-US" sz="2000" b="0" strike="noStrike" spc="-1" dirty="0">
+                <a:solidFill>
+                  <a:srgbClr val="000000"/>
+                </a:solidFill>
+                <a:latin typeface="Gill Sans MT"/>
+              </a:rPr>
+              <a:t> “</a:t>
+            </a:r>
+            <a:r>
+              <a:rPr lang="en-US" sz="2000" b="0" strike="noStrike" spc="-1" dirty="0" err="1">
+                <a:solidFill>
+                  <a:srgbClr val="000000"/>
+                </a:solidFill>
+                <a:latin typeface="Gill Sans MT"/>
+              </a:rPr>
+              <a:t>Prototy</a:t>
+            </a:r>
+            <a:r>
+              <a:rPr lang="en-US" sz="2000" spc="-1" dirty="0" err="1">
+                <a:solidFill>
+                  <a:srgbClr val="000000"/>
+                </a:solidFill>
+                <a:latin typeface="Gill Sans MT"/>
+              </a:rPr>
+              <a:t>p</a:t>
+            </a:r>
+            <a:r>
+              <a:rPr lang="en-US" sz="2000" spc="-1" dirty="0">
+                <a:solidFill>
+                  <a:srgbClr val="000000"/>
+                </a:solidFill>
+                <a:latin typeface="Gill Sans MT"/>
+              </a:rPr>
+              <a:t>” um </a:t>
+            </a:r>
+            <a:r>
+              <a:rPr lang="en-US" sz="2000" spc="-1" dirty="0" err="1">
+                <a:solidFill>
+                  <a:srgbClr val="000000"/>
+                </a:solidFill>
+                <a:latin typeface="Gill Sans MT"/>
+              </a:rPr>
+              <a:t>ihn</a:t>
+            </a:r>
+            <a:r>
+              <a:rPr lang="en-US" sz="2000" spc="-1" dirty="0">
+                <a:solidFill>
+                  <a:srgbClr val="000000"/>
+                </a:solidFill>
+                <a:latin typeface="Gill Sans MT"/>
+              </a:rPr>
+              <a:t> </a:t>
+            </a:r>
+            <a:r>
+              <a:rPr lang="en-US" sz="2000" spc="-1" dirty="0" err="1">
+                <a:solidFill>
+                  <a:srgbClr val="000000"/>
+                </a:solidFill>
+                <a:latin typeface="Gill Sans MT"/>
+              </a:rPr>
+              <a:t>heute</a:t>
+            </a:r>
+            <a:r>
+              <a:rPr lang="en-US" sz="2000" spc="-1" dirty="0">
+                <a:solidFill>
+                  <a:srgbClr val="000000"/>
+                </a:solidFill>
+                <a:latin typeface="Gill Sans MT"/>
+              </a:rPr>
+              <a:t> </a:t>
+            </a:r>
+            <a:r>
+              <a:rPr lang="en-US" sz="2000" spc="-1" dirty="0" err="1">
+                <a:solidFill>
+                  <a:srgbClr val="000000"/>
+                </a:solidFill>
+                <a:latin typeface="Gill Sans MT"/>
+              </a:rPr>
+              <a:t>zu</a:t>
+            </a:r>
+            <a:r>
+              <a:rPr lang="en-US" sz="2000" spc="-1" dirty="0">
+                <a:solidFill>
+                  <a:srgbClr val="000000"/>
+                </a:solidFill>
+                <a:latin typeface="Gill Sans MT"/>
+              </a:rPr>
+              <a:t> </a:t>
+            </a:r>
+            <a:r>
+              <a:rPr lang="en-US" sz="2000" spc="-1" dirty="0" err="1">
+                <a:solidFill>
+                  <a:srgbClr val="000000"/>
+                </a:solidFill>
+                <a:latin typeface="Gill Sans MT"/>
+              </a:rPr>
+              <a:t>präsentieren</a:t>
+            </a:r>
+            <a:endParaRPr lang="en-US" sz="1600" b="0" strike="noStrike" spc="-1" dirty="0">
+              <a:solidFill>
+                <a:srgbClr val="000000"/>
+              </a:solidFill>
+              <a:latin typeface="Gill Sans MT"/>
+            </a:endParaRPr>
+          </a:p>
+        </p:txBody>
+      </p:sp>
+    </p:spTree>
+  </p:cSld>
+  <p:clrMapOvr>
+    <a:masterClrMapping/>
+  </p:clrMapOvr>
 </p:sld>
 </file>
 
@@ -5576,31 +8784,31 @@
         <a:srgbClr val="454545"/>
       </a:dk2>
       <a:lt2>
-        <a:srgbClr val="dfdbd5"/>
+        <a:srgbClr val="DFDBD5"/>
       </a:lt2>
       <a:accent1>
-        <a:srgbClr val="b71e42"/>
+        <a:srgbClr val="B71E42"/>
       </a:accent1>
       <a:accent2>
-        <a:srgbClr val="de478e"/>
+        <a:srgbClr val="DE478E"/>
       </a:accent2>
       <a:accent3>
-        <a:srgbClr val="bc72f0"/>
+        <a:srgbClr val="BC72F0"/>
       </a:accent3>
       <a:accent4>
-        <a:srgbClr val="795faf"/>
+        <a:srgbClr val="795FAF"/>
       </a:accent4>
       <a:accent5>
-        <a:srgbClr val="586ea6"/>
+        <a:srgbClr val="586EA6"/>
       </a:accent5>
       <a:accent6>
-        <a:srgbClr val="6892a0"/>
+        <a:srgbClr val="6892A0"/>
       </a:accent6>
       <a:hlink>
-        <a:srgbClr val="fa2b5c"/>
+        <a:srgbClr val="FA2B5C"/>
       </a:hlink>
       <a:folHlink>
-        <a:srgbClr val="bc658e"/>
+        <a:srgbClr val="BC658E"/>
       </a:folHlink>
     </a:clrScheme>
     <a:fontScheme name="Office">
@@ -5785,6 +8993,8 @@
       </a:bgFillStyleLst>
     </a:fmtScheme>
   </a:themeElements>
+  <a:objectDefaults/>
+  <a:extraClrSchemeLst/>
 </a:theme>
 </file>
 
@@ -5802,31 +9012,31 @@
         <a:srgbClr val="454545"/>
       </a:dk2>
       <a:lt2>
-        <a:srgbClr val="dfdbd5"/>
+        <a:srgbClr val="DFDBD5"/>
       </a:lt2>
       <a:accent1>
-        <a:srgbClr val="b71e42"/>
+        <a:srgbClr val="B71E42"/>
       </a:accent1>
       <a:accent2>
-        <a:srgbClr val="de478e"/>
+        <a:srgbClr val="DE478E"/>
       </a:accent2>
       <a:accent3>
-        <a:srgbClr val="bc72f0"/>
+        <a:srgbClr val="BC72F0"/>
       </a:accent3>
       <a:accent4>
-        <a:srgbClr val="795faf"/>
+        <a:srgbClr val="795FAF"/>
       </a:accent4>
       <a:accent5>
-        <a:srgbClr val="586ea6"/>
+        <a:srgbClr val="586EA6"/>
       </a:accent5>
       <a:accent6>
-        <a:srgbClr val="6892a0"/>
+        <a:srgbClr val="6892A0"/>
       </a:accent6>
       <a:hlink>
-        <a:srgbClr val="fa2b5c"/>
+        <a:srgbClr val="FA2B5C"/>
       </a:hlink>
       <a:folHlink>
-        <a:srgbClr val="bc658e"/>
+        <a:srgbClr val="BC658E"/>
       </a:folHlink>
     </a:clrScheme>
     <a:fontScheme name="Office">
@@ -6011,5 +9221,7 @@
       </a:bgFillStyleLst>
     </a:fmtScheme>
   </a:themeElements>
+  <a:objectDefaults/>
+  <a:extraClrSchemeLst/>
 </a:theme>
 </file>
--- a/Dokumentation/MeilensteinPraesentation.pptx
+++ b/Dokumentation/MeilensteinPraesentation.pptx
@@ -10,13 +10,11 @@
     <p:sldId id="257" r:id="rId4"/>
     <p:sldId id="258" r:id="rId5"/>
     <p:sldId id="263" r:id="rId6"/>
-    <p:sldId id="266" r:id="rId7"/>
-    <p:sldId id="259" r:id="rId8"/>
-    <p:sldId id="260" r:id="rId9"/>
-    <p:sldId id="261" r:id="rId10"/>
-    <p:sldId id="262" r:id="rId11"/>
-    <p:sldId id="264" r:id="rId12"/>
-    <p:sldId id="265" r:id="rId13"/>
+    <p:sldId id="259" r:id="rId7"/>
+    <p:sldId id="260" r:id="rId8"/>
+    <p:sldId id="261" r:id="rId9"/>
+    <p:sldId id="262" r:id="rId10"/>
+    <p:sldId id="265" r:id="rId11"/>
   </p:sldIdLst>
   <p:sldSz cx="12192000" cy="6858000"/>
   <p:notesSz cx="7559675" cy="10691813"/>
@@ -115,6 +113,11 @@
       </a:defRPr>
     </a:lvl9pPr>
   </p:defaultTextStyle>
+  <p:extLst>
+    <p:ext uri="{EFAFB233-063F-42B5-8137-9DF3F51BA10A}">
+      <p15:sldGuideLst xmlns:p15="http://schemas.microsoft.com/office/powerpoint/2012/main"/>
+    </p:ext>
+  </p:extLst>
 </p:presentation>
 </file>
 
@@ -4857,192 +4860,6 @@
 </p:sld>
 </file>
 
-<file path=ppt/slides/slide10.xml><?xml version="1.0" encoding="utf-8"?>
-<p:sld xmlns:a="http://schemas.openxmlformats.org/drawingml/2006/main" xmlns:r="http://schemas.openxmlformats.org/officeDocument/2006/relationships" xmlns:p="http://schemas.openxmlformats.org/presentationml/2006/main">
-  <p:cSld>
-    <p:spTree>
-      <p:nvGrpSpPr>
-        <p:cNvPr id="1" name=""/>
-        <p:cNvGrpSpPr/>
-        <p:nvPr/>
-      </p:nvGrpSpPr>
-      <p:grpSpPr>
-        <a:xfrm>
-          <a:off x="0" y="0"/>
-          <a:ext cx="0" cy="0"/>
-          <a:chOff x="0" y="0"/>
-          <a:chExt cx="0" cy="0"/>
-        </a:xfrm>
-      </p:grpSpPr>
-      <p:sp>
-        <p:nvSpPr>
-          <p:cNvPr id="2" name="Titel 1">
-            <a:extLst>
-              <a:ext uri="{FF2B5EF4-FFF2-40B4-BE49-F238E27FC236}">
-                <a16:creationId xmlns:a16="http://schemas.microsoft.com/office/drawing/2014/main" id="{1C3FFEC1-9363-4A83-A353-55B9DCF81361}"/>
-              </a:ext>
-            </a:extLst>
-          </p:cNvPr>
-          <p:cNvSpPr>
-            <a:spLocks noGrp="1"/>
-          </p:cNvSpPr>
-          <p:nvPr>
-            <p:ph type="title"/>
-          </p:nvPr>
-        </p:nvSpPr>
-        <p:spPr/>
-        <p:txBody>
-          <a:bodyPr/>
-          <a:lstStyle/>
-          <a:p>
-            <a:r>
-              <a:rPr lang="de-DE" dirty="0"/>
-              <a:t>Probleme </a:t>
-            </a:r>
-          </a:p>
-        </p:txBody>
-      </p:sp>
-      <p:sp>
-        <p:nvSpPr>
-          <p:cNvPr id="3" name="Untertitel 2">
-            <a:extLst>
-              <a:ext uri="{FF2B5EF4-FFF2-40B4-BE49-F238E27FC236}">
-                <a16:creationId xmlns:a16="http://schemas.microsoft.com/office/drawing/2014/main" id="{78271370-D659-4F8C-8F40-F607D4FD5BD3}"/>
-              </a:ext>
-            </a:extLst>
-          </p:cNvPr>
-          <p:cNvSpPr>
-            <a:spLocks noGrp="1"/>
-          </p:cNvSpPr>
-          <p:nvPr>
-            <p:ph type="subTitle"/>
-          </p:nvPr>
-        </p:nvSpPr>
-        <p:spPr/>
-        <p:txBody>
-          <a:bodyPr/>
-          <a:lstStyle/>
-          <a:p>
-            <a:r>
-              <a:rPr lang="de-DE" sz="2000" spc="-1" dirty="0">
-                <a:solidFill>
-                  <a:srgbClr val="000000"/>
-                </a:solidFill>
-                <a:latin typeface="Gill Sans MT"/>
-              </a:rPr>
-              <a:t>Kameratyp (Auflösung)</a:t>
-            </a:r>
-          </a:p>
-          <a:p>
-            <a:r>
-              <a:rPr lang="de-DE" sz="2000" spc="-1" dirty="0">
-                <a:solidFill>
-                  <a:srgbClr val="000000"/>
-                </a:solidFill>
-                <a:latin typeface="Gill Sans MT"/>
-              </a:rPr>
-              <a:t>3D Modelle</a:t>
-            </a:r>
-          </a:p>
-          <a:p>
-            <a:r>
-              <a:rPr lang="de-DE" sz="2000" spc="-1" dirty="0">
-                <a:solidFill>
-                  <a:srgbClr val="000000"/>
-                </a:solidFill>
-                <a:latin typeface="Gill Sans MT"/>
-              </a:rPr>
-              <a:t>Anzahl verschiedener </a:t>
-            </a:r>
-            <a:r>
-              <a:rPr lang="de-DE" sz="2000" spc="-1" dirty="0" err="1">
-                <a:solidFill>
-                  <a:srgbClr val="000000"/>
-                </a:solidFill>
-                <a:latin typeface="Gill Sans MT"/>
-              </a:rPr>
-              <a:t>Ladugnsträger</a:t>
-            </a:r>
-            <a:endParaRPr lang="de-DE" sz="2000" spc="-1" dirty="0">
-              <a:solidFill>
-                <a:srgbClr val="000000"/>
-              </a:solidFill>
-              <a:latin typeface="Gill Sans MT"/>
-            </a:endParaRPr>
-          </a:p>
-        </p:txBody>
-      </p:sp>
-    </p:spTree>
-    <p:extLst>
-      <p:ext uri="{BB962C8B-B14F-4D97-AF65-F5344CB8AC3E}">
-        <p14:creationId xmlns:p14="http://schemas.microsoft.com/office/powerpoint/2010/main" val="2144947420"/>
-      </p:ext>
-    </p:extLst>
-  </p:cSld>
-  <p:clrMapOvr>
-    <a:masterClrMapping/>
-  </p:clrMapOvr>
-</p:sld>
-</file>
-
-<file path=ppt/slides/slide11.xml><?xml version="1.0" encoding="utf-8"?>
-<p:sld xmlns:a="http://schemas.openxmlformats.org/drawingml/2006/main" xmlns:r="http://schemas.openxmlformats.org/officeDocument/2006/relationships" xmlns:p="http://schemas.openxmlformats.org/presentationml/2006/main">
-  <p:cSld>
-    <p:spTree>
-      <p:nvGrpSpPr>
-        <p:cNvPr id="1" name=""/>
-        <p:cNvGrpSpPr/>
-        <p:nvPr/>
-      </p:nvGrpSpPr>
-      <p:grpSpPr>
-        <a:xfrm>
-          <a:off x="0" y="0"/>
-          <a:ext cx="0" cy="0"/>
-          <a:chOff x="0" y="0"/>
-          <a:chExt cx="0" cy="0"/>
-        </a:xfrm>
-      </p:grpSpPr>
-      <p:sp>
-        <p:nvSpPr>
-          <p:cNvPr id="2" name="Titel 1">
-            <a:extLst>
-              <a:ext uri="{FF2B5EF4-FFF2-40B4-BE49-F238E27FC236}">
-                <a16:creationId xmlns:a16="http://schemas.microsoft.com/office/drawing/2014/main" id="{FAF30B16-6568-49E0-9475-7839E8D9A828}"/>
-              </a:ext>
-            </a:extLst>
-          </p:cNvPr>
-          <p:cNvSpPr>
-            <a:spLocks noGrp="1"/>
-          </p:cNvSpPr>
-          <p:nvPr>
-            <p:ph type="title"/>
-          </p:nvPr>
-        </p:nvSpPr>
-        <p:spPr/>
-        <p:txBody>
-          <a:bodyPr/>
-          <a:lstStyle/>
-          <a:p>
-            <a:r>
-              <a:rPr lang="de-DE" dirty="0"/>
-              <a:t>Demo	</a:t>
-            </a:r>
-          </a:p>
-        </p:txBody>
-      </p:sp>
-    </p:spTree>
-    <p:extLst>
-      <p:ext uri="{BB962C8B-B14F-4D97-AF65-F5344CB8AC3E}">
-        <p14:creationId xmlns:p14="http://schemas.microsoft.com/office/powerpoint/2010/main" val="813403950"/>
-      </p:ext>
-    </p:extLst>
-  </p:cSld>
-  <p:clrMapOvr>
-    <a:masterClrMapping/>
-  </p:clrMapOvr>
-</p:sld>
-</file>
-
 <file path=ppt/slides/slide2.xml><?xml version="1.0" encoding="utf-8"?>
 <p:sld xmlns:a="http://schemas.openxmlformats.org/drawingml/2006/main" xmlns:r="http://schemas.openxmlformats.org/officeDocument/2006/relationships" xmlns:p="http://schemas.openxmlformats.org/presentationml/2006/main">
   <p:cSld>
@@ -6174,34 +5991,6 @@
       </p:grpSpPr>
       <p:sp>
         <p:nvSpPr>
-          <p:cNvPr id="2" name="Titel 1">
-            <a:extLst>
-              <a:ext uri="{FF2B5EF4-FFF2-40B4-BE49-F238E27FC236}">
-                <a16:creationId xmlns:a16="http://schemas.microsoft.com/office/drawing/2014/main" id="{F22C59D1-94C3-4F02-913A-BC840FEA2749}"/>
-              </a:ext>
-            </a:extLst>
-          </p:cNvPr>
-          <p:cNvSpPr>
-            <a:spLocks noGrp="1"/>
-          </p:cNvSpPr>
-          <p:nvPr>
-            <p:ph type="title"/>
-          </p:nvPr>
-        </p:nvSpPr>
-        <p:spPr/>
-        <p:txBody>
-          <a:bodyPr/>
-          <a:lstStyle/>
-          <a:p>
-            <a:r>
-              <a:rPr lang="de-DE" dirty="0"/>
-              <a:t>Ablauf 	</a:t>
-            </a:r>
-          </a:p>
-        </p:txBody>
-      </p:sp>
-      <p:sp>
-        <p:nvSpPr>
           <p:cNvPr id="3" name="Untertitel 2">
             <a:extLst>
               <a:ext uri="{FF2B5EF4-FFF2-40B4-BE49-F238E27FC236}">
@@ -6216,7 +6005,12 @@
             <p:ph type="subTitle"/>
           </p:nvPr>
         </p:nvSpPr>
-        <p:spPr/>
+        <p:spPr>
+          <a:xfrm>
+            <a:off x="1451520" y="2193841"/>
+            <a:ext cx="9603000" cy="2810520"/>
+          </a:xfrm>
+        </p:spPr>
         <p:txBody>
           <a:bodyPr/>
           <a:lstStyle/>
@@ -6429,6 +6223,60 @@
           </a:p>
           <a:p>
             <a:endParaRPr lang="de-DE" dirty="0"/>
+          </a:p>
+        </p:txBody>
+      </p:sp>
+      <p:sp>
+        <p:nvSpPr>
+          <p:cNvPr id="8" name="TextShape 1">
+            <a:extLst>
+              <a:ext uri="{FF2B5EF4-FFF2-40B4-BE49-F238E27FC236}">
+                <a16:creationId xmlns:a16="http://schemas.microsoft.com/office/drawing/2014/main" id="{C76589D5-C2B0-42DB-AC6B-6EE03FE9E4BF}"/>
+              </a:ext>
+            </a:extLst>
+          </p:cNvPr>
+          <p:cNvSpPr txBox="1"/>
+          <p:nvPr/>
+        </p:nvSpPr>
+        <p:spPr>
+          <a:xfrm>
+            <a:off x="1451520" y="804600"/>
+            <a:ext cx="9603000" cy="1049040"/>
+          </a:xfrm>
+          <a:prstGeom prst="rect">
+            <a:avLst/>
+          </a:prstGeom>
+          <a:noFill/>
+          <a:ln>
+            <a:noFill/>
+          </a:ln>
+        </p:spPr>
+        <p:txBody>
+          <a:bodyPr>
+            <a:noAutofit/>
+          </a:bodyPr>
+          <a:lstStyle/>
+          <a:p>
+            <a:pPr>
+              <a:lnSpc>
+                <a:spcPct val="90000"/>
+              </a:lnSpc>
+            </a:pPr>
+            <a:r>
+              <a:rPr lang="en-US" sz="3200" b="0" strike="noStrike" cap="all" spc="-1" dirty="0" err="1">
+                <a:solidFill>
+                  <a:srgbClr val="000000"/>
+                </a:solidFill>
+                <a:latin typeface="Gill Sans MT"/>
+              </a:rPr>
+              <a:t>Ablauf</a:t>
+            </a:r>
+            <a:endParaRPr lang="en-US" sz="3200" b="0" strike="noStrike" spc="-1" dirty="0">
+              <a:solidFill>
+                <a:srgbClr val="000000"/>
+              </a:solidFill>
+              <a:latin typeface="Gill Sans MT"/>
+            </a:endParaRPr>
           </a:p>
         </p:txBody>
       </p:sp>
@@ -6462,42 +6310,315 @@
           <a:chExt cx="0" cy="0"/>
         </a:xfrm>
       </p:grpSpPr>
+      <p:sp>
+        <p:nvSpPr>
+          <p:cNvPr id="96" name="TextShape 1"/>
+          <p:cNvSpPr txBox="1"/>
+          <p:nvPr/>
+        </p:nvSpPr>
+        <p:spPr>
+          <a:xfrm>
+            <a:off x="1451520" y="804600"/>
+            <a:ext cx="9603000" cy="1049040"/>
+          </a:xfrm>
+          <a:prstGeom prst="rect">
+            <a:avLst/>
+          </a:prstGeom>
+          <a:noFill/>
+          <a:ln>
+            <a:noFill/>
+          </a:ln>
+        </p:spPr>
+        <p:txBody>
+          <a:bodyPr>
+            <a:noAutofit/>
+          </a:bodyPr>
+          <a:lstStyle/>
+          <a:p>
+            <a:pPr>
+              <a:lnSpc>
+                <a:spcPct val="90000"/>
+              </a:lnSpc>
+            </a:pPr>
+            <a:r>
+              <a:rPr lang="en-US" sz="3200" b="0" strike="noStrike" cap="all" spc="-1" dirty="0" err="1">
+                <a:solidFill>
+                  <a:srgbClr val="000000"/>
+                </a:solidFill>
+                <a:latin typeface="Gill Sans MT"/>
+              </a:rPr>
+              <a:t>ProjektStart</a:t>
+            </a:r>
+            <a:endParaRPr lang="en-US" sz="3200" b="0" strike="noStrike" spc="-1" dirty="0">
+              <a:solidFill>
+                <a:srgbClr val="000000"/>
+              </a:solidFill>
+              <a:latin typeface="Gill Sans MT"/>
+            </a:endParaRPr>
+          </a:p>
+        </p:txBody>
+      </p:sp>
+      <p:sp>
+        <p:nvSpPr>
+          <p:cNvPr id="97" name="TextShape 2"/>
+          <p:cNvSpPr txBox="1"/>
+          <p:nvPr/>
+        </p:nvSpPr>
+        <p:spPr>
+          <a:xfrm>
+            <a:off x="1451520" y="2015640"/>
+            <a:ext cx="9603000" cy="3450240"/>
+          </a:xfrm>
+          <a:prstGeom prst="rect">
+            <a:avLst/>
+          </a:prstGeom>
+          <a:noFill/>
+          <a:ln>
+            <a:noFill/>
+          </a:ln>
+        </p:spPr>
+        <p:txBody>
+          <a:bodyPr>
+            <a:noAutofit/>
+          </a:bodyPr>
+          <a:lstStyle/>
+          <a:p>
+            <a:pPr marL="228600" indent="-228240">
+              <a:lnSpc>
+                <a:spcPct val="120000"/>
+              </a:lnSpc>
+              <a:spcBef>
+                <a:spcPts val="1001"/>
+              </a:spcBef>
+              <a:buClr>
+                <a:srgbClr val="B71E42"/>
+              </a:buClr>
+              <a:buFont typeface="Arial"/>
+              <a:buChar char="•"/>
+            </a:pPr>
+            <a:r>
+              <a:rPr lang="en-US" sz="2000" b="0" strike="noStrike" spc="-1" dirty="0" err="1">
+                <a:solidFill>
+                  <a:srgbClr val="000000"/>
+                </a:solidFill>
+                <a:latin typeface="Gill Sans MT"/>
+              </a:rPr>
+              <a:t>Zum</a:t>
+            </a:r>
+            <a:r>
+              <a:rPr lang="en-US" sz="2000" b="0" strike="noStrike" spc="-1" dirty="0">
+                <a:solidFill>
+                  <a:srgbClr val="000000"/>
+                </a:solidFill>
+                <a:latin typeface="Gill Sans MT"/>
+              </a:rPr>
+              <a:t> </a:t>
+            </a:r>
+            <a:r>
+              <a:rPr lang="en-US" sz="2000" b="0" strike="noStrike" spc="-1" dirty="0" err="1">
+                <a:solidFill>
+                  <a:srgbClr val="000000"/>
+                </a:solidFill>
+                <a:latin typeface="Gill Sans MT"/>
+              </a:rPr>
+              <a:t>Projektstart</a:t>
+            </a:r>
+            <a:r>
+              <a:rPr lang="en-US" sz="2000" b="0" strike="noStrike" spc="-1" dirty="0">
+                <a:solidFill>
+                  <a:srgbClr val="000000"/>
+                </a:solidFill>
+                <a:latin typeface="Gill Sans MT"/>
+              </a:rPr>
+              <a:t> </a:t>
+            </a:r>
+            <a:r>
+              <a:rPr lang="en-US" sz="2000" b="0" strike="noStrike" spc="-1" dirty="0" err="1">
+                <a:solidFill>
+                  <a:srgbClr val="000000"/>
+                </a:solidFill>
+                <a:latin typeface="Gill Sans MT"/>
+              </a:rPr>
+              <a:t>haben</a:t>
+            </a:r>
+            <a:r>
+              <a:rPr lang="en-US" sz="2000" b="0" strike="noStrike" spc="-1" dirty="0">
+                <a:solidFill>
+                  <a:srgbClr val="000000"/>
+                </a:solidFill>
+                <a:latin typeface="Gill Sans MT"/>
+              </a:rPr>
+              <a:t> </a:t>
+            </a:r>
+            <a:r>
+              <a:rPr lang="en-US" sz="2000" b="0" strike="noStrike" spc="-1" dirty="0" err="1">
+                <a:solidFill>
+                  <a:srgbClr val="000000"/>
+                </a:solidFill>
+                <a:latin typeface="Gill Sans MT"/>
+              </a:rPr>
+              <a:t>wir</a:t>
+            </a:r>
+            <a:r>
+              <a:rPr lang="en-US" sz="2000" b="0" strike="noStrike" spc="-1" dirty="0">
+                <a:solidFill>
+                  <a:srgbClr val="000000"/>
+                </a:solidFill>
+                <a:latin typeface="Gill Sans MT"/>
+              </a:rPr>
+              <a:t> </a:t>
+            </a:r>
+            <a:r>
+              <a:rPr lang="en-US" sz="2000" b="0" strike="noStrike" spc="-1" dirty="0" err="1">
+                <a:solidFill>
+                  <a:srgbClr val="000000"/>
+                </a:solidFill>
+                <a:latin typeface="Gill Sans MT"/>
+              </a:rPr>
+              <a:t>als</a:t>
+            </a:r>
+            <a:r>
+              <a:rPr lang="en-US" sz="2000" b="0" strike="noStrike" spc="-1" dirty="0">
+                <a:solidFill>
+                  <a:srgbClr val="000000"/>
+                </a:solidFill>
+                <a:latin typeface="Gill Sans MT"/>
+              </a:rPr>
+              <a:t> Gruppe den </a:t>
+            </a:r>
+            <a:r>
+              <a:rPr lang="en-US" sz="2000" b="0" strike="noStrike" spc="-1" dirty="0" err="1">
+                <a:solidFill>
+                  <a:srgbClr val="000000"/>
+                </a:solidFill>
+                <a:latin typeface="Gill Sans MT"/>
+              </a:rPr>
+              <a:t>Poduct</a:t>
+            </a:r>
+            <a:r>
+              <a:rPr lang="en-US" sz="2000" b="0" strike="noStrike" spc="-1" dirty="0">
+                <a:solidFill>
+                  <a:srgbClr val="000000"/>
+                </a:solidFill>
+                <a:latin typeface="Gill Sans MT"/>
+              </a:rPr>
+              <a:t> Backlog </a:t>
+            </a:r>
+            <a:r>
+              <a:rPr lang="en-US" sz="2000" b="0" strike="noStrike" spc="-1" dirty="0" err="1">
+                <a:solidFill>
+                  <a:srgbClr val="000000"/>
+                </a:solidFill>
+                <a:latin typeface="Gill Sans MT"/>
+              </a:rPr>
+              <a:t>erstellt</a:t>
+            </a:r>
+            <a:r>
+              <a:rPr lang="en-US" sz="2000" b="0" strike="noStrike" spc="-1" dirty="0">
+                <a:solidFill>
+                  <a:srgbClr val="000000"/>
+                </a:solidFill>
+                <a:latin typeface="Gill Sans MT"/>
+              </a:rPr>
+              <a:t> und die </a:t>
+            </a:r>
+            <a:r>
+              <a:rPr lang="en-US" sz="2000" b="0" strike="noStrike" spc="-1" dirty="0" err="1">
+                <a:solidFill>
+                  <a:srgbClr val="000000"/>
+                </a:solidFill>
+                <a:latin typeface="Gill Sans MT"/>
+              </a:rPr>
+              <a:t>einzelnen</a:t>
+            </a:r>
+            <a:r>
+              <a:rPr lang="en-US" sz="2000" b="0" strike="noStrike" spc="-1" dirty="0">
+                <a:solidFill>
+                  <a:srgbClr val="000000"/>
+                </a:solidFill>
+                <a:latin typeface="Gill Sans MT"/>
+              </a:rPr>
+              <a:t> </a:t>
+            </a:r>
+            <a:r>
+              <a:rPr lang="en-US" sz="2000" b="0" strike="noStrike" spc="-1" dirty="0" err="1">
+                <a:solidFill>
+                  <a:srgbClr val="000000"/>
+                </a:solidFill>
+                <a:latin typeface="Gill Sans MT"/>
+              </a:rPr>
+              <a:t>Funktionalitäten</a:t>
+            </a:r>
+            <a:r>
+              <a:rPr lang="en-US" sz="2000" b="0" strike="noStrike" spc="-1" dirty="0">
+                <a:solidFill>
+                  <a:srgbClr val="000000"/>
+                </a:solidFill>
+                <a:latin typeface="Gill Sans MT"/>
+              </a:rPr>
+              <a:t> </a:t>
+            </a:r>
+            <a:r>
+              <a:rPr lang="en-US" sz="2000" b="0" strike="noStrike" spc="-1" dirty="0" err="1">
+                <a:solidFill>
+                  <a:srgbClr val="000000"/>
+                </a:solidFill>
+                <a:latin typeface="Gill Sans MT"/>
+              </a:rPr>
+              <a:t>priorisiert</a:t>
+            </a:r>
+            <a:r>
+              <a:rPr lang="en-US" sz="2000" b="0" strike="noStrike" spc="-1" dirty="0">
+                <a:solidFill>
+                  <a:srgbClr val="000000"/>
+                </a:solidFill>
+                <a:latin typeface="Gill Sans MT"/>
+              </a:rPr>
+              <a:t>.</a:t>
+            </a:r>
+          </a:p>
+          <a:p>
+            <a:pPr>
+              <a:lnSpc>
+                <a:spcPct val="120000"/>
+              </a:lnSpc>
+              <a:spcBef>
+                <a:spcPts val="1001"/>
+              </a:spcBef>
+            </a:pPr>
+            <a:endParaRPr lang="en-US" sz="2000" b="0" strike="noStrike" spc="-1" dirty="0">
+              <a:solidFill>
+                <a:srgbClr val="000000"/>
+              </a:solidFill>
+              <a:latin typeface="Gill Sans MT"/>
+            </a:endParaRPr>
+          </a:p>
+        </p:txBody>
+      </p:sp>
       <p:pic>
         <p:nvPicPr>
-          <p:cNvPr id="6" name="Grafik 5">
-            <a:extLst>
-              <a:ext uri="{FF2B5EF4-FFF2-40B4-BE49-F238E27FC236}">
-                <a16:creationId xmlns:a16="http://schemas.microsoft.com/office/drawing/2014/main" id="{C2B7D287-5674-47FE-B2A9-C6AC41EEE816}"/>
-              </a:ext>
-            </a:extLst>
-          </p:cNvPr>
-          <p:cNvPicPr>
-            <a:picLocks noChangeAspect="1"/>
-          </p:cNvPicPr>
+          <p:cNvPr id="98" name="Grafik 3"/>
+          <p:cNvPicPr/>
           <p:nvPr/>
         </p:nvPicPr>
         <p:blipFill>
           <a:blip r:embed="rId2"/>
-          <a:stretch>
-            <a:fillRect/>
-          </a:stretch>
+          <a:stretch/>
         </p:blipFill>
         <p:spPr>
           <a:xfrm>
-            <a:off x="3880123" y="493159"/>
-            <a:ext cx="4431754" cy="5054885"/>
-          </a:xfrm>
-          <a:prstGeom prst="rect">
-            <a:avLst/>
-          </a:prstGeom>
+            <a:off x="249060" y="2977200"/>
+            <a:ext cx="11693880" cy="2650680"/>
+          </a:xfrm>
+          <a:prstGeom prst="rect">
+            <a:avLst/>
+          </a:prstGeom>
+          <a:ln>
+            <a:noFill/>
+          </a:ln>
         </p:spPr>
       </p:pic>
     </p:spTree>
-    <p:extLst>
-      <p:ext uri="{BB962C8B-B14F-4D97-AF65-F5344CB8AC3E}">
-        <p14:creationId xmlns:p14="http://schemas.microsoft.com/office/powerpoint/2010/main" val="2884041790"/>
-      </p:ext>
-    </p:extLst>
   </p:cSld>
   <p:clrMapOvr>
     <a:masterClrMapping/>
@@ -6524,7 +6645,7 @@
       </p:grpSpPr>
       <p:sp>
         <p:nvSpPr>
-          <p:cNvPr id="96" name="TextShape 1"/>
+          <p:cNvPr id="99" name="TextShape 1"/>
           <p:cNvSpPr txBox="1"/>
           <p:nvPr/>
         </p:nvSpPr>
@@ -6559,7 +6680,7 @@
                 </a:solidFill>
                 <a:latin typeface="Gill Sans MT"/>
               </a:rPr>
-              <a:t>ProjektStart</a:t>
+              <a:t>Sprint 1:</a:t>
             </a:r>
             <a:endParaRPr lang="en-US" sz="3200" b="0" strike="noStrike" spc="-1">
               <a:solidFill>
@@ -6572,7 +6693,7 @@
       </p:sp>
       <p:sp>
         <p:nvSpPr>
-          <p:cNvPr id="97" name="TextShape 2"/>
+          <p:cNvPr id="100" name="TextShape 2"/>
           <p:cNvSpPr txBox="1"/>
           <p:nvPr/>
         </p:nvSpPr>
@@ -6609,16 +6730,34 @@
               <a:buChar char="•"/>
             </a:pPr>
             <a:r>
-              <a:rPr lang="en-US" sz="2000" b="0" strike="noStrike" spc="-1" dirty="0" err="1">
-                <a:solidFill>
-                  <a:srgbClr val="000000"/>
-                </a:solidFill>
-                <a:latin typeface="Gill Sans MT"/>
-              </a:rPr>
-              <a:t>Zum</a:t>
-            </a:r>
-            <a:r>
-              <a:rPr lang="en-US" sz="2000" b="0" strike="noStrike" spc="-1" dirty="0">
+              <a:rPr lang="en-US" sz="2000" spc="-1" dirty="0" err="1">
+                <a:solidFill>
+                  <a:srgbClr val="000000"/>
+                </a:solidFill>
+                <a:latin typeface="Gill Sans MT"/>
+              </a:rPr>
+              <a:t>Ziel</a:t>
+            </a:r>
+            <a:r>
+              <a:rPr lang="en-US" sz="2000" spc="-1" dirty="0">
+                <a:solidFill>
+                  <a:srgbClr val="000000"/>
+                </a:solidFill>
+                <a:latin typeface="Gill Sans MT"/>
+              </a:rPr>
+              <a:t>:  </a:t>
+            </a:r>
+            <a:r>
+              <a:rPr lang="en-US" sz="2000" spc="-1" dirty="0" err="1">
+                <a:solidFill>
+                  <a:srgbClr val="000000"/>
+                </a:solidFill>
+                <a:latin typeface="Gill Sans MT"/>
+              </a:rPr>
+              <a:t>Aufgabenbereiche</a:t>
+            </a:r>
+            <a:r>
+              <a:rPr lang="en-US" sz="2000" spc="-1" dirty="0">
                 <a:solidFill>
                   <a:srgbClr val="000000"/>
                 </a:solidFill>
@@ -6627,16 +6766,34 @@
               <a:t> </a:t>
             </a:r>
             <a:r>
-              <a:rPr lang="en-US" sz="2000" b="0" strike="noStrike" spc="-1" dirty="0" err="1">
-                <a:solidFill>
-                  <a:srgbClr val="000000"/>
-                </a:solidFill>
-                <a:latin typeface="Gill Sans MT"/>
-              </a:rPr>
-              <a:t>Projektstart</a:t>
-            </a:r>
-            <a:r>
-              <a:rPr lang="en-US" sz="2000" b="0" strike="noStrike" spc="-1" dirty="0">
+              <a:rPr lang="en-US" sz="2000" spc="-1" dirty="0" err="1">
+                <a:solidFill>
+                  <a:srgbClr val="000000"/>
+                </a:solidFill>
+                <a:latin typeface="Gill Sans MT"/>
+              </a:rPr>
+              <a:t>aufteilen</a:t>
+            </a:r>
+            <a:r>
+              <a:rPr lang="en-US" sz="2000" spc="-1" dirty="0">
+                <a:solidFill>
+                  <a:srgbClr val="000000"/>
+                </a:solidFill>
+                <a:latin typeface="Gill Sans MT"/>
+              </a:rPr>
+              <a:t> und </a:t>
+            </a:r>
+            <a:r>
+              <a:rPr lang="en-US" sz="2000" spc="-1" dirty="0" err="1">
+                <a:solidFill>
+                  <a:srgbClr val="000000"/>
+                </a:solidFill>
+                <a:latin typeface="Gill Sans MT"/>
+              </a:rPr>
+              <a:t>Projektumgebung</a:t>
+            </a:r>
+            <a:r>
+              <a:rPr lang="en-US" sz="2000" spc="-1" dirty="0">
                 <a:solidFill>
                   <a:srgbClr val="000000"/>
                 </a:solidFill>
@@ -6645,191 +6802,527 @@
               <a:t> </a:t>
             </a:r>
             <a:r>
-              <a:rPr lang="en-US" sz="2000" b="0" strike="noStrike" spc="-1" dirty="0" err="1">
-                <a:solidFill>
-                  <a:srgbClr val="000000"/>
-                </a:solidFill>
-                <a:latin typeface="Gill Sans MT"/>
-              </a:rPr>
-              <a:t>haben</a:t>
-            </a:r>
-            <a:r>
-              <a:rPr lang="en-US" sz="2000" b="0" strike="noStrike" spc="-1" dirty="0">
-                <a:solidFill>
-                  <a:srgbClr val="000000"/>
-                </a:solidFill>
-                <a:latin typeface="Gill Sans MT"/>
-              </a:rPr>
-              <a:t> </a:t>
-            </a:r>
-            <a:r>
-              <a:rPr lang="en-US" sz="2000" b="0" strike="noStrike" spc="-1" dirty="0" err="1">
-                <a:solidFill>
-                  <a:srgbClr val="000000"/>
-                </a:solidFill>
-                <a:latin typeface="Gill Sans MT"/>
-              </a:rPr>
-              <a:t>wir</a:t>
-            </a:r>
-            <a:r>
-              <a:rPr lang="en-US" sz="2000" b="0" strike="noStrike" spc="-1" dirty="0">
-                <a:solidFill>
-                  <a:srgbClr val="000000"/>
-                </a:solidFill>
-                <a:latin typeface="Gill Sans MT"/>
-              </a:rPr>
-              <a:t> </a:t>
-            </a:r>
-            <a:r>
-              <a:rPr lang="en-US" sz="2000" b="0" strike="noStrike" spc="-1" dirty="0" err="1">
-                <a:solidFill>
-                  <a:srgbClr val="000000"/>
-                </a:solidFill>
-                <a:latin typeface="Gill Sans MT"/>
-              </a:rPr>
-              <a:t>als</a:t>
-            </a:r>
-            <a:r>
-              <a:rPr lang="en-US" sz="2000" b="0" strike="noStrike" spc="-1" dirty="0">
-                <a:solidFill>
-                  <a:srgbClr val="000000"/>
-                </a:solidFill>
-                <a:latin typeface="Gill Sans MT"/>
-              </a:rPr>
-              <a:t> Gruppe den </a:t>
-            </a:r>
-            <a:r>
-              <a:rPr lang="en-US" sz="2000" b="0" strike="noStrike" spc="-1" dirty="0" err="1">
-                <a:solidFill>
-                  <a:srgbClr val="000000"/>
-                </a:solidFill>
-                <a:latin typeface="Gill Sans MT"/>
-              </a:rPr>
-              <a:t>Poduct</a:t>
-            </a:r>
-            <a:r>
-              <a:rPr lang="en-US" sz="2000" b="0" strike="noStrike" spc="-1" dirty="0">
-                <a:solidFill>
-                  <a:srgbClr val="000000"/>
-                </a:solidFill>
-                <a:latin typeface="Gill Sans MT"/>
-              </a:rPr>
-              <a:t> Backlog </a:t>
-            </a:r>
-            <a:r>
-              <a:rPr lang="en-US" sz="2000" b="0" strike="noStrike" spc="-1" dirty="0" err="1">
-                <a:solidFill>
-                  <a:srgbClr val="000000"/>
-                </a:solidFill>
-                <a:latin typeface="Gill Sans MT"/>
-              </a:rPr>
-              <a:t>erstellt</a:t>
-            </a:r>
-            <a:r>
-              <a:rPr lang="en-US" sz="2000" b="0" strike="noStrike" spc="-1" dirty="0">
-                <a:solidFill>
-                  <a:srgbClr val="000000"/>
-                </a:solidFill>
-                <a:latin typeface="Gill Sans MT"/>
-              </a:rPr>
-              <a:t> und die </a:t>
-            </a:r>
-            <a:r>
-              <a:rPr lang="en-US" sz="2000" b="0" strike="noStrike" spc="-1" dirty="0" err="1">
-                <a:solidFill>
-                  <a:srgbClr val="000000"/>
-                </a:solidFill>
-                <a:latin typeface="Gill Sans MT"/>
-              </a:rPr>
-              <a:t>einzelnen</a:t>
-            </a:r>
-            <a:r>
-              <a:rPr lang="en-US" sz="2000" b="0" strike="noStrike" spc="-1" dirty="0">
-                <a:solidFill>
-                  <a:srgbClr val="000000"/>
-                </a:solidFill>
-                <a:latin typeface="Gill Sans MT"/>
-              </a:rPr>
-              <a:t> </a:t>
-            </a:r>
-            <a:r>
-              <a:rPr lang="en-US" sz="2000" b="0" strike="noStrike" spc="-1" dirty="0" err="1">
-                <a:solidFill>
-                  <a:srgbClr val="000000"/>
-                </a:solidFill>
-                <a:latin typeface="Gill Sans MT"/>
-              </a:rPr>
-              <a:t>Funktionalitäten</a:t>
-            </a:r>
-            <a:r>
-              <a:rPr lang="en-US" sz="2000" b="0" strike="noStrike" spc="-1" dirty="0">
-                <a:solidFill>
-                  <a:srgbClr val="000000"/>
-                </a:solidFill>
-                <a:latin typeface="Gill Sans MT"/>
-              </a:rPr>
-              <a:t> </a:t>
-            </a:r>
-            <a:r>
-              <a:rPr lang="en-US" sz="2000" b="0" strike="noStrike" spc="-1" dirty="0" err="1">
-                <a:solidFill>
-                  <a:srgbClr val="000000"/>
-                </a:solidFill>
-                <a:latin typeface="Gill Sans MT"/>
-              </a:rPr>
-              <a:t>priorisiert</a:t>
-            </a:r>
-            <a:r>
-              <a:rPr lang="en-US" sz="2000" b="0" strike="noStrike" spc="-1" dirty="0">
-                <a:solidFill>
-                  <a:srgbClr val="000000"/>
-                </a:solidFill>
-                <a:latin typeface="Gill Sans MT"/>
-              </a:rPr>
-              <a:t>.</a:t>
-            </a:r>
-          </a:p>
-          <a:p>
-            <a:pPr>
+              <a:rPr lang="en-US" sz="2000" spc="-1" dirty="0" err="1">
+                <a:solidFill>
+                  <a:srgbClr val="000000"/>
+                </a:solidFill>
+                <a:latin typeface="Gill Sans MT"/>
+              </a:rPr>
+              <a:t>einrichten</a:t>
+            </a:r>
+            <a:endParaRPr lang="en-US" sz="2000" b="0" strike="noStrike" spc="-1" dirty="0">
+              <a:solidFill>
+                <a:srgbClr val="000000"/>
+              </a:solidFill>
+              <a:latin typeface="Gill Sans MT"/>
+            </a:endParaRPr>
+          </a:p>
+          <a:p>
+            <a:pPr marL="685800" lvl="1" indent="-228240">
               <a:lnSpc>
                 <a:spcPct val="120000"/>
               </a:lnSpc>
               <a:spcBef>
                 <a:spcPts val="1001"/>
               </a:spcBef>
+              <a:buClr>
+                <a:srgbClr val="B71E42"/>
+              </a:buClr>
+              <a:buSzPct val="75000"/>
+              <a:buFont typeface="Arial"/>
+              <a:buChar char="•"/>
             </a:pPr>
-            <a:endParaRPr lang="en-US" sz="2000" b="0" strike="noStrike" spc="-1" dirty="0">
-              <a:solidFill>
-                <a:srgbClr val="000000"/>
-              </a:solidFill>
-              <a:latin typeface="Gill Sans MT"/>
-            </a:endParaRPr>
-          </a:p>
-        </p:txBody>
-      </p:sp>
-      <p:pic>
-        <p:nvPicPr>
-          <p:cNvPr id="98" name="Grafik 3"/>
-          <p:cNvPicPr/>
-          <p:nvPr/>
-        </p:nvPicPr>
-        <p:blipFill>
-          <a:blip r:embed="rId2"/>
-          <a:stretch/>
-        </p:blipFill>
-        <p:spPr>
-          <a:xfrm>
-            <a:off x="249060" y="2977200"/>
-            <a:ext cx="11693880" cy="2650680"/>
-          </a:xfrm>
-          <a:prstGeom prst="rect">
-            <a:avLst/>
-          </a:prstGeom>
-          <a:ln>
-            <a:noFill/>
-          </a:ln>
-        </p:spPr>
-      </p:pic>
+            <a:r>
+              <a:rPr lang="en-US" sz="2000" spc="-1" dirty="0">
+                <a:solidFill>
+                  <a:srgbClr val="000000"/>
+                </a:solidFill>
+                <a:latin typeface="Gill Sans MT"/>
+              </a:rPr>
+              <a:t>GUI </a:t>
+            </a:r>
+            <a:r>
+              <a:rPr lang="en-US" sz="2000" spc="-1" dirty="0" err="1">
+                <a:solidFill>
+                  <a:srgbClr val="000000"/>
+                </a:solidFill>
+                <a:latin typeface="Gill Sans MT"/>
+              </a:rPr>
+              <a:t>Gerüst</a:t>
+            </a:r>
+            <a:r>
+              <a:rPr lang="en-US" sz="2000" spc="-1" dirty="0">
+                <a:solidFill>
+                  <a:srgbClr val="000000"/>
+                </a:solidFill>
+                <a:latin typeface="Gill Sans MT"/>
+              </a:rPr>
+              <a:t> </a:t>
+            </a:r>
+            <a:r>
+              <a:rPr lang="en-US" sz="2000" spc="-1" dirty="0" err="1">
+                <a:solidFill>
+                  <a:srgbClr val="000000"/>
+                </a:solidFill>
+                <a:latin typeface="Gill Sans MT"/>
+              </a:rPr>
+              <a:t>angelegt</a:t>
+            </a:r>
+            <a:endParaRPr lang="en-US" sz="2000" spc="-1" dirty="0">
+              <a:solidFill>
+                <a:srgbClr val="000000"/>
+              </a:solidFill>
+              <a:latin typeface="Gill Sans MT"/>
+            </a:endParaRPr>
+          </a:p>
+          <a:p>
+            <a:pPr marL="685800" lvl="1" indent="-228240">
+              <a:lnSpc>
+                <a:spcPct val="120000"/>
+              </a:lnSpc>
+              <a:spcBef>
+                <a:spcPts val="1001"/>
+              </a:spcBef>
+              <a:buClr>
+                <a:srgbClr val="B71E42"/>
+              </a:buClr>
+              <a:buSzPct val="75000"/>
+              <a:buFont typeface="Arial"/>
+              <a:buChar char="•"/>
+            </a:pPr>
+            <a:r>
+              <a:rPr lang="en-US" sz="2000" spc="-1" dirty="0" err="1">
+                <a:solidFill>
+                  <a:srgbClr val="000000"/>
+                </a:solidFill>
+                <a:latin typeface="Gill Sans MT"/>
+              </a:rPr>
+              <a:t>Projektanforderungen</a:t>
+            </a:r>
+            <a:r>
+              <a:rPr lang="en-US" sz="2000" spc="-1" dirty="0">
+                <a:solidFill>
+                  <a:srgbClr val="000000"/>
+                </a:solidFill>
+                <a:latin typeface="Gill Sans MT"/>
+              </a:rPr>
+              <a:t> </a:t>
+            </a:r>
+            <a:r>
+              <a:rPr lang="en-US" sz="2000" spc="-1" dirty="0" err="1">
+                <a:solidFill>
+                  <a:srgbClr val="000000"/>
+                </a:solidFill>
+                <a:latin typeface="Gill Sans MT"/>
+              </a:rPr>
+              <a:t>unter</a:t>
+            </a:r>
+            <a:r>
+              <a:rPr lang="en-US" sz="2000" spc="-1" dirty="0">
+                <a:solidFill>
+                  <a:srgbClr val="000000"/>
+                </a:solidFill>
+                <a:latin typeface="Gill Sans MT"/>
+              </a:rPr>
+              <a:t> </a:t>
+            </a:r>
+            <a:r>
+              <a:rPr lang="en-US" sz="2000" spc="-1" dirty="0" err="1">
+                <a:solidFill>
+                  <a:srgbClr val="000000"/>
+                </a:solidFill>
+                <a:latin typeface="Gill Sans MT"/>
+              </a:rPr>
+              <a:t>realitätsnahen</a:t>
+            </a:r>
+            <a:r>
+              <a:rPr lang="en-US" sz="2000" spc="-1" dirty="0">
+                <a:solidFill>
+                  <a:srgbClr val="000000"/>
+                </a:solidFill>
+                <a:latin typeface="Gill Sans MT"/>
+              </a:rPr>
+              <a:t> </a:t>
+            </a:r>
+            <a:r>
+              <a:rPr lang="en-US" sz="2000" spc="-1" dirty="0" err="1">
+                <a:solidFill>
+                  <a:srgbClr val="000000"/>
+                </a:solidFill>
+                <a:latin typeface="Gill Sans MT"/>
+              </a:rPr>
+              <a:t>Bedinungen</a:t>
+            </a:r>
+            <a:r>
+              <a:rPr lang="en-US" sz="2000" spc="-1" dirty="0">
+                <a:solidFill>
+                  <a:srgbClr val="000000"/>
+                </a:solidFill>
+                <a:latin typeface="Gill Sans MT"/>
+              </a:rPr>
+              <a:t> </a:t>
+            </a:r>
+            <a:r>
+              <a:rPr lang="en-US" sz="2000" spc="-1" dirty="0" err="1">
+                <a:solidFill>
+                  <a:srgbClr val="000000"/>
+                </a:solidFill>
+                <a:latin typeface="Gill Sans MT"/>
+              </a:rPr>
+              <a:t>simuliert</a:t>
+            </a:r>
+            <a:r>
+              <a:rPr lang="en-US" sz="2000" spc="-1" dirty="0">
+                <a:solidFill>
+                  <a:srgbClr val="000000"/>
+                </a:solidFill>
+                <a:latin typeface="Gill Sans MT"/>
+              </a:rPr>
+              <a:t>:</a:t>
+            </a:r>
+          </a:p>
+          <a:p>
+            <a:pPr marL="1143000" lvl="3" indent="-228240">
+              <a:lnSpc>
+                <a:spcPct val="120000"/>
+              </a:lnSpc>
+              <a:spcBef>
+                <a:spcPts val="1001"/>
+              </a:spcBef>
+              <a:buClr>
+                <a:srgbClr val="B71E42"/>
+              </a:buClr>
+              <a:buSzPct val="75000"/>
+              <a:buFont typeface="Arial"/>
+              <a:buChar char="•"/>
+            </a:pPr>
+            <a:r>
+              <a:rPr lang="en-US" sz="2000" spc="-1" dirty="0" err="1">
+                <a:solidFill>
+                  <a:srgbClr val="000000"/>
+                </a:solidFill>
+                <a:latin typeface="Gill Sans MT"/>
+              </a:rPr>
+              <a:t>Aufnahme</a:t>
+            </a:r>
+            <a:r>
+              <a:rPr lang="en-US" sz="2000" spc="-1" dirty="0">
+                <a:solidFill>
+                  <a:srgbClr val="000000"/>
+                </a:solidFill>
+                <a:latin typeface="Gill Sans MT"/>
+              </a:rPr>
+              <a:t> </a:t>
+            </a:r>
+            <a:r>
+              <a:rPr lang="en-US" sz="2000" spc="-1" dirty="0" err="1">
+                <a:solidFill>
+                  <a:srgbClr val="000000"/>
+                </a:solidFill>
+                <a:latin typeface="Gill Sans MT"/>
+              </a:rPr>
+              <a:t>Kamerabild</a:t>
+            </a:r>
+            <a:r>
+              <a:rPr lang="en-US" sz="2000" spc="-1" dirty="0">
+                <a:solidFill>
+                  <a:srgbClr val="000000"/>
+                </a:solidFill>
+                <a:latin typeface="Gill Sans MT"/>
+              </a:rPr>
+              <a:t> (</a:t>
+            </a:r>
+            <a:r>
+              <a:rPr lang="en-US" sz="2000" spc="-1" dirty="0" err="1">
+                <a:solidFill>
+                  <a:srgbClr val="000000"/>
+                </a:solidFill>
+                <a:latin typeface="Gill Sans MT"/>
+              </a:rPr>
+              <a:t>Qualität</a:t>
+            </a:r>
+            <a:r>
+              <a:rPr lang="en-US" sz="2000" spc="-1" dirty="0">
+                <a:solidFill>
+                  <a:srgbClr val="000000"/>
+                </a:solidFill>
+                <a:latin typeface="Gill Sans MT"/>
+              </a:rPr>
+              <a:t>/</a:t>
+            </a:r>
+            <a:r>
+              <a:rPr lang="en-US" sz="2000" spc="-1" dirty="0" err="1">
+                <a:solidFill>
+                  <a:srgbClr val="000000"/>
+                </a:solidFill>
+                <a:latin typeface="Gill Sans MT"/>
+              </a:rPr>
+              <a:t>Auflösung</a:t>
+            </a:r>
+            <a:r>
+              <a:rPr lang="en-US" sz="2000" spc="-1" dirty="0">
+                <a:solidFill>
+                  <a:srgbClr val="000000"/>
+                </a:solidFill>
+                <a:latin typeface="Gill Sans MT"/>
+              </a:rPr>
+              <a:t>)</a:t>
+            </a:r>
+          </a:p>
+          <a:p>
+            <a:pPr marL="1143000" lvl="3" indent="-228240">
+              <a:lnSpc>
+                <a:spcPct val="120000"/>
+              </a:lnSpc>
+              <a:spcBef>
+                <a:spcPts val="1001"/>
+              </a:spcBef>
+              <a:buClr>
+                <a:srgbClr val="B71E42"/>
+              </a:buClr>
+              <a:buSzPct val="75000"/>
+              <a:buFont typeface="Arial"/>
+              <a:buChar char="•"/>
+            </a:pPr>
+            <a:r>
+              <a:rPr lang="en-US" sz="2000" spc="-1" dirty="0">
+                <a:solidFill>
+                  <a:srgbClr val="000000"/>
+                </a:solidFill>
+                <a:latin typeface="Gill Sans MT"/>
+              </a:rPr>
+              <a:t>Test von </a:t>
+            </a:r>
+            <a:r>
+              <a:rPr lang="en-US" sz="2000" spc="-1" dirty="0" err="1">
+                <a:solidFill>
+                  <a:srgbClr val="000000"/>
+                </a:solidFill>
+                <a:latin typeface="Gill Sans MT"/>
+              </a:rPr>
+              <a:t>verschiedenen</a:t>
+            </a:r>
+            <a:r>
+              <a:rPr lang="en-US" sz="2000" spc="-1" dirty="0">
+                <a:solidFill>
+                  <a:srgbClr val="000000"/>
+                </a:solidFill>
+                <a:latin typeface="Gill Sans MT"/>
+              </a:rPr>
+              <a:t> </a:t>
+            </a:r>
+            <a:r>
+              <a:rPr lang="en-US" sz="2000" spc="-1" dirty="0" err="1">
+                <a:solidFill>
+                  <a:srgbClr val="000000"/>
+                </a:solidFill>
+                <a:latin typeface="Gill Sans MT"/>
+              </a:rPr>
+              <a:t>Größen</a:t>
+            </a:r>
+            <a:r>
+              <a:rPr lang="en-US" sz="2000" spc="-1" dirty="0">
+                <a:solidFill>
+                  <a:srgbClr val="000000"/>
+                </a:solidFill>
+                <a:latin typeface="Gill Sans MT"/>
+              </a:rPr>
+              <a:t> der QR Codes</a:t>
+            </a:r>
+          </a:p>
+          <a:p>
+            <a:pPr marL="685800" lvl="1" indent="-228240">
+              <a:lnSpc>
+                <a:spcPct val="120000"/>
+              </a:lnSpc>
+              <a:spcBef>
+                <a:spcPts val="1001"/>
+              </a:spcBef>
+              <a:buClr>
+                <a:srgbClr val="B71E42"/>
+              </a:buClr>
+              <a:buSzPct val="75000"/>
+              <a:buFont typeface="Arial"/>
+              <a:buChar char="•"/>
+            </a:pPr>
+            <a:r>
+              <a:rPr lang="en-US" sz="2000" spc="-1" dirty="0" err="1">
+                <a:solidFill>
+                  <a:srgbClr val="000000"/>
+                </a:solidFill>
+                <a:latin typeface="Gill Sans MT"/>
+              </a:rPr>
+              <a:t>Klassendiagramm</a:t>
+            </a:r>
+            <a:r>
+              <a:rPr lang="en-US" sz="2000" spc="-1" dirty="0">
+                <a:solidFill>
+                  <a:srgbClr val="000000"/>
+                </a:solidFill>
+                <a:latin typeface="Gill Sans MT"/>
+              </a:rPr>
+              <a:t> </a:t>
+            </a:r>
+            <a:r>
+              <a:rPr lang="en-US" sz="2000" spc="-1" dirty="0" err="1">
+                <a:solidFill>
+                  <a:srgbClr val="000000"/>
+                </a:solidFill>
+                <a:latin typeface="Gill Sans MT"/>
+              </a:rPr>
+              <a:t>für</a:t>
+            </a:r>
+            <a:r>
+              <a:rPr lang="en-US" sz="2000" spc="-1" dirty="0">
+                <a:solidFill>
+                  <a:srgbClr val="000000"/>
+                </a:solidFill>
+                <a:latin typeface="Gill Sans MT"/>
+              </a:rPr>
+              <a:t> </a:t>
+            </a:r>
+            <a:r>
+              <a:rPr lang="en-US" sz="2000" spc="-1" dirty="0" err="1">
+                <a:solidFill>
+                  <a:srgbClr val="000000"/>
+                </a:solidFill>
+                <a:latin typeface="Gill Sans MT"/>
+              </a:rPr>
+              <a:t>Abläufe</a:t>
+            </a:r>
+            <a:r>
+              <a:rPr lang="en-US" sz="2000" spc="-1" dirty="0">
+                <a:solidFill>
+                  <a:srgbClr val="000000"/>
+                </a:solidFill>
+                <a:latin typeface="Gill Sans MT"/>
+              </a:rPr>
+              <a:t> </a:t>
+            </a:r>
+            <a:r>
+              <a:rPr lang="en-US" sz="2000" spc="-1" dirty="0" err="1">
+                <a:solidFill>
+                  <a:srgbClr val="000000"/>
+                </a:solidFill>
+                <a:latin typeface="Gill Sans MT"/>
+              </a:rPr>
+              <a:t>erstellt</a:t>
+            </a:r>
+            <a:endParaRPr lang="en-US" sz="2000" spc="-1" dirty="0">
+              <a:solidFill>
+                <a:srgbClr val="000000"/>
+              </a:solidFill>
+              <a:latin typeface="Gill Sans MT"/>
+            </a:endParaRPr>
+          </a:p>
+          <a:p>
+            <a:pPr marL="685800" lvl="1" indent="-228240">
+              <a:lnSpc>
+                <a:spcPct val="120000"/>
+              </a:lnSpc>
+              <a:spcBef>
+                <a:spcPts val="1001"/>
+              </a:spcBef>
+              <a:buClr>
+                <a:srgbClr val="B71E42"/>
+              </a:buClr>
+              <a:buSzPct val="75000"/>
+              <a:buFont typeface="Arial"/>
+              <a:buChar char="•"/>
+            </a:pPr>
+            <a:r>
+              <a:rPr lang="en-US" sz="2000" spc="-1" dirty="0" err="1">
+                <a:solidFill>
+                  <a:srgbClr val="000000"/>
+                </a:solidFill>
+                <a:latin typeface="Gill Sans MT"/>
+              </a:rPr>
+              <a:t>Projektumgebung</a:t>
+            </a:r>
+            <a:r>
+              <a:rPr lang="en-US" sz="2000" spc="-1" dirty="0">
+                <a:solidFill>
+                  <a:srgbClr val="000000"/>
+                </a:solidFill>
+                <a:latin typeface="Gill Sans MT"/>
+              </a:rPr>
+              <a:t> </a:t>
+            </a:r>
+            <a:r>
+              <a:rPr lang="en-US" sz="2000" spc="-1" dirty="0" err="1">
+                <a:solidFill>
+                  <a:srgbClr val="000000"/>
+                </a:solidFill>
+                <a:latin typeface="Gill Sans MT"/>
+              </a:rPr>
+              <a:t>einrichten</a:t>
+            </a:r>
+            <a:r>
+              <a:rPr lang="en-US" sz="2000" spc="-1" dirty="0">
+                <a:solidFill>
+                  <a:srgbClr val="000000"/>
+                </a:solidFill>
+                <a:latin typeface="Gill Sans MT"/>
+              </a:rPr>
+              <a:t>: </a:t>
+            </a:r>
+            <a:r>
+              <a:rPr lang="en-US" sz="2000" spc="-1" dirty="0" err="1">
+                <a:solidFill>
+                  <a:srgbClr val="000000"/>
+                </a:solidFill>
+                <a:latin typeface="Gill Sans MT"/>
+              </a:rPr>
+              <a:t>Mailkontakte</a:t>
+            </a:r>
+            <a:r>
+              <a:rPr lang="en-US" sz="2000" spc="-1" dirty="0">
+                <a:solidFill>
+                  <a:srgbClr val="000000"/>
+                </a:solidFill>
+                <a:latin typeface="Gill Sans MT"/>
+              </a:rPr>
+              <a:t>, </a:t>
+            </a:r>
+            <a:r>
+              <a:rPr lang="en-US" sz="2000" spc="-1" dirty="0" err="1">
+                <a:solidFill>
+                  <a:srgbClr val="000000"/>
+                </a:solidFill>
+                <a:latin typeface="Gill Sans MT"/>
+              </a:rPr>
+              <a:t>Github</a:t>
+            </a:r>
+            <a:r>
+              <a:rPr lang="en-US" sz="2000" spc="-1" dirty="0">
+                <a:solidFill>
+                  <a:srgbClr val="000000"/>
+                </a:solidFill>
+                <a:latin typeface="Gill Sans MT"/>
+              </a:rPr>
+              <a:t>, </a:t>
+            </a:r>
+            <a:r>
+              <a:rPr lang="en-US" sz="2000" spc="-1" dirty="0" err="1">
+                <a:solidFill>
+                  <a:srgbClr val="000000"/>
+                </a:solidFill>
+                <a:latin typeface="Gill Sans MT"/>
+              </a:rPr>
+              <a:t>Zeiterfassungen</a:t>
+            </a:r>
+            <a:r>
+              <a:rPr lang="en-US" sz="2000" spc="-1" dirty="0">
+                <a:solidFill>
+                  <a:srgbClr val="000000"/>
+                </a:solidFill>
+                <a:latin typeface="Gill Sans MT"/>
+              </a:rPr>
+              <a:t> etc.  </a:t>
+            </a:r>
+          </a:p>
+        </p:txBody>
+      </p:sp>
     </p:spTree>
   </p:cSld>
   <p:clrMapOvr>
@@ -6857,7 +7350,7 @@
       </p:grpSpPr>
       <p:sp>
         <p:nvSpPr>
-          <p:cNvPr id="99" name="TextShape 1"/>
+          <p:cNvPr id="101" name="TextShape 1"/>
           <p:cNvSpPr txBox="1"/>
           <p:nvPr/>
         </p:nvSpPr>
@@ -6892,7 +7385,7 @@
                 </a:solidFill>
                 <a:latin typeface="Gill Sans MT"/>
               </a:rPr>
-              <a:t>Sprint 1:</a:t>
+              <a:t>Sprint II:</a:t>
             </a:r>
             <a:endParaRPr lang="en-US" sz="3200" b="0" strike="noStrike" spc="-1">
               <a:solidFill>
@@ -6905,13 +7398,13 @@
       </p:sp>
       <p:sp>
         <p:nvSpPr>
-          <p:cNvPr id="100" name="TextShape 2"/>
+          <p:cNvPr id="102" name="TextShape 2"/>
           <p:cNvSpPr txBox="1"/>
           <p:nvPr/>
         </p:nvSpPr>
         <p:spPr>
           <a:xfrm>
-            <a:off x="1451520" y="2015640"/>
+            <a:off x="1523520" y="2015640"/>
             <a:ext cx="9603000" cy="3450240"/>
           </a:xfrm>
           <a:prstGeom prst="rect">
@@ -6942,13 +7435,58 @@
               <a:buChar char="•"/>
             </a:pPr>
             <a:r>
+              <a:rPr lang="en-US" sz="2000" b="0" strike="noStrike" spc="-1" dirty="0" err="1">
+                <a:solidFill>
+                  <a:srgbClr val="000000"/>
+                </a:solidFill>
+                <a:latin typeface="Gill Sans MT"/>
+              </a:rPr>
+              <a:t>Ziel</a:t>
+            </a:r>
+            <a:r>
+              <a:rPr lang="en-US" sz="2000" b="0" strike="noStrike" spc="-1" dirty="0">
+                <a:solidFill>
+                  <a:srgbClr val="000000"/>
+                </a:solidFill>
+                <a:latin typeface="Gill Sans MT"/>
+              </a:rPr>
+              <a:t>:  </a:t>
+            </a:r>
+            <a:r>
+              <a:rPr lang="en-US" sz="2000" b="0" strike="noStrike" spc="-1" dirty="0" err="1">
+                <a:solidFill>
+                  <a:srgbClr val="000000"/>
+                </a:solidFill>
+                <a:latin typeface="Gill Sans MT"/>
+              </a:rPr>
+              <a:t>Teilbereiche</a:t>
+            </a:r>
+            <a:r>
+              <a:rPr lang="en-US" sz="2000" b="0" strike="noStrike" spc="-1" dirty="0">
+                <a:solidFill>
+                  <a:srgbClr val="000000"/>
+                </a:solidFill>
+                <a:latin typeface="Gill Sans MT"/>
+              </a:rPr>
+              <a:t> </a:t>
+            </a:r>
+            <a:r>
+              <a:rPr lang="en-US" sz="2000" b="0" strike="noStrike" spc="-1" dirty="0" err="1">
+                <a:solidFill>
+                  <a:srgbClr val="000000"/>
+                </a:solidFill>
+                <a:latin typeface="Gill Sans MT"/>
+              </a:rPr>
+              <a:t>implem</a:t>
+            </a:r>
+            <a:r>
               <a:rPr lang="en-US" sz="2000" spc="-1" dirty="0" err="1">
                 <a:solidFill>
                   <a:srgbClr val="000000"/>
                 </a:solidFill>
                 <a:latin typeface="Gill Sans MT"/>
               </a:rPr>
-              <a:t>Ziel</a:t>
+              <a:t>entieren</a:t>
             </a:r>
             <a:r>
               <a:rPr lang="en-US" sz="2000" spc="-1" dirty="0">
@@ -6957,7 +7495,7 @@
                 </a:solidFill>
                 <a:latin typeface="Gill Sans MT"/>
               </a:rPr>
-              <a:t>:  </a:t>
+              <a:t> und </a:t>
             </a:r>
             <a:r>
               <a:rPr lang="en-US" sz="2000" spc="-1" dirty="0" err="1">
@@ -6966,7 +7504,7 @@
                 </a:solidFill>
                 <a:latin typeface="Gill Sans MT"/>
               </a:rPr>
-              <a:t>Aufgabenbereiche</a:t>
+              <a:t>Funktionen</a:t>
             </a:r>
             <a:r>
               <a:rPr lang="en-US" sz="2000" spc="-1" dirty="0">
@@ -6984,45 +7522,9 @@
                 </a:solidFill>
                 <a:latin typeface="Gill Sans MT"/>
               </a:rPr>
-              <a:t>aufteilen</a:t>
-            </a:r>
-            <a:r>
-              <a:rPr lang="en-US" sz="2000" spc="-1" dirty="0">
-                <a:solidFill>
-                  <a:srgbClr val="000000"/>
-                </a:solidFill>
-                <a:latin typeface="Gill Sans MT"/>
-              </a:rPr>
-              <a:t> und </a:t>
-            </a:r>
-            <a:r>
-              <a:rPr lang="en-US" sz="2000" spc="-1" dirty="0" err="1">
-                <a:solidFill>
-                  <a:srgbClr val="000000"/>
-                </a:solidFill>
-                <a:latin typeface="Gill Sans MT"/>
-              </a:rPr>
-              <a:t>Projektumgebung</a:t>
-            </a:r>
-            <a:r>
-              <a:rPr lang="en-US" sz="2000" spc="-1" dirty="0">
-                <a:solidFill>
-                  <a:srgbClr val="000000"/>
-                </a:solidFill>
-                <a:latin typeface="Gill Sans MT"/>
-              </a:rPr>
-              <a:t> </a:t>
-            </a:r>
-            <a:r>
-              <a:rPr lang="en-US" sz="2000" spc="-1" dirty="0" err="1">
-                <a:solidFill>
-                  <a:srgbClr val="000000"/>
-                </a:solidFill>
-                <a:latin typeface="Gill Sans MT"/>
-              </a:rPr>
-              <a:t>einrichten</a:t>
-            </a:r>
-            <a:endParaRPr lang="en-US" sz="2000" b="0" strike="noStrike" spc="-1" dirty="0">
+              <a:t>realisieren</a:t>
+            </a:r>
+            <a:endParaRPr lang="en-US" sz="2000" spc="-1" dirty="0">
               <a:solidFill>
                 <a:srgbClr val="000000"/>
               </a:solidFill>
@@ -7040,18 +7542,26 @@
               <a:buClr>
                 <a:srgbClr val="B71E42"/>
               </a:buClr>
-              <a:buSzPct val="75000"/>
               <a:buFont typeface="Arial"/>
               <a:buChar char="•"/>
             </a:pPr>
             <a:r>
+              <a:rPr lang="en-US" sz="2000" spc="-1" dirty="0" err="1">
+                <a:solidFill>
+                  <a:srgbClr val="000000"/>
+                </a:solidFill>
+                <a:latin typeface="Gill Sans MT"/>
+              </a:rPr>
+              <a:t>Manuelles</a:t>
+            </a:r>
+            <a:r>
               <a:rPr lang="en-US" sz="2000" spc="-1" dirty="0">
                 <a:solidFill>
                   <a:srgbClr val="000000"/>
                 </a:solidFill>
                 <a:latin typeface="Gill Sans MT"/>
               </a:rPr>
-              <a:t>GUI </a:t>
+              <a:t> </a:t>
             </a:r>
             <a:r>
               <a:rPr lang="en-US" sz="2000" spc="-1" dirty="0" err="1">
@@ -7060,7 +7570,7 @@
                 </a:solidFill>
                 <a:latin typeface="Gill Sans MT"/>
               </a:rPr>
-              <a:t>Gerüst</a:t>
+              <a:t>Zeichen</a:t>
             </a:r>
             <a:r>
               <a:rPr lang="en-US" sz="2000" spc="-1" dirty="0">
@@ -7069,6 +7579,42 @@
                 </a:solidFill>
                 <a:latin typeface="Gill Sans MT"/>
               </a:rPr>
+              <a:t> der </a:t>
+            </a:r>
+            <a:r>
+              <a:rPr lang="en-US" sz="2000" spc="-1" dirty="0" err="1">
+                <a:solidFill>
+                  <a:srgbClr val="000000"/>
+                </a:solidFill>
+                <a:latin typeface="Gill Sans MT"/>
+              </a:rPr>
+              <a:t>Wände</a:t>
+            </a:r>
+            <a:r>
+              <a:rPr lang="en-US" sz="2000" spc="-1" dirty="0">
+                <a:solidFill>
+                  <a:srgbClr val="000000"/>
+                </a:solidFill>
+                <a:latin typeface="Gill Sans MT"/>
+              </a:rPr>
+              <a:t> in Unity auf 2D Plan </a:t>
+            </a:r>
+            <a:r>
+              <a:rPr lang="en-US" sz="2000" spc="-1" dirty="0" err="1">
+                <a:solidFill>
+                  <a:srgbClr val="000000"/>
+                </a:solidFill>
+                <a:latin typeface="Gill Sans MT"/>
+              </a:rPr>
+              <a:t>zur</a:t>
+            </a:r>
+            <a:r>
+              <a:rPr lang="en-US" sz="2000" spc="-1" dirty="0">
+                <a:solidFill>
+                  <a:srgbClr val="000000"/>
+                </a:solidFill>
+                <a:latin typeface="Gill Sans MT"/>
+              </a:rPr>
               <a:t> </a:t>
             </a:r>
             <a:r>
@@ -7078,7 +7624,7 @@
                 </a:solidFill>
                 <a:latin typeface="Gill Sans MT"/>
               </a:rPr>
-              <a:t>angelegt</a:t>
+              <a:t>Raumeingerenzung</a:t>
             </a:r>
             <a:endParaRPr lang="en-US" sz="2000" spc="-1" dirty="0">
               <a:solidFill>
@@ -7098,18 +7644,53 @@
               <a:buClr>
                 <a:srgbClr val="B71E42"/>
               </a:buClr>
-              <a:buSzPct val="75000"/>
               <a:buFont typeface="Arial"/>
               <a:buChar char="•"/>
             </a:pPr>
             <a:r>
+              <a:rPr lang="en-US" sz="2000" b="0" strike="noStrike" spc="-1" dirty="0" err="1">
+                <a:solidFill>
+                  <a:srgbClr val="000000"/>
+                </a:solidFill>
+                <a:latin typeface="Gill Sans MT"/>
+              </a:rPr>
+              <a:t>Manuelles</a:t>
+            </a:r>
+            <a:r>
+              <a:rPr lang="en-US" sz="2000" b="0" strike="noStrike" spc="-1" dirty="0">
+                <a:solidFill>
+                  <a:srgbClr val="000000"/>
+                </a:solidFill>
+                <a:latin typeface="Gill Sans MT"/>
+              </a:rPr>
+              <a:t> </a:t>
+            </a:r>
+            <a:r>
+              <a:rPr lang="en-US" sz="2000" b="0" strike="noStrike" spc="-1" dirty="0" err="1">
+                <a:solidFill>
+                  <a:srgbClr val="000000"/>
+                </a:solidFill>
+                <a:latin typeface="Gill Sans MT"/>
+              </a:rPr>
+              <a:t>Platzieren</a:t>
+            </a:r>
+            <a:r>
+              <a:rPr lang="en-US" sz="2000" spc="-1" dirty="0">
+                <a:solidFill>
+                  <a:srgbClr val="000000"/>
+                </a:solidFill>
+                <a:latin typeface="Gill Sans MT"/>
+              </a:rPr>
+              <a:t>/</a:t>
+            </a:r>
+            <a:r>
               <a:rPr lang="en-US" sz="2000" spc="-1" dirty="0" err="1">
                 <a:solidFill>
                   <a:srgbClr val="000000"/>
                 </a:solidFill>
                 <a:latin typeface="Gill Sans MT"/>
               </a:rPr>
-              <a:t>Projektanforderungen</a:t>
+              <a:t>Hinzufügen</a:t>
             </a:r>
             <a:r>
               <a:rPr lang="en-US" sz="2000" spc="-1" dirty="0">
@@ -7118,7 +7699,7 @@
                 </a:solidFill>
                 <a:latin typeface="Gill Sans MT"/>
               </a:rPr>
-              <a:t> </a:t>
+              <a:t> von </a:t>
             </a:r>
             <a:r>
               <a:rPr lang="en-US" sz="2000" spc="-1" dirty="0" err="1">
@@ -7127,7 +7708,7 @@
                 </a:solidFill>
                 <a:latin typeface="Gill Sans MT"/>
               </a:rPr>
-              <a:t>unter</a:t>
+              <a:t>Kameras</a:t>
             </a:r>
             <a:r>
               <a:rPr lang="en-US" sz="2000" spc="-1" dirty="0">
@@ -7136,7 +7717,7 @@
                 </a:solidFill>
                 <a:latin typeface="Gill Sans MT"/>
               </a:rPr>
-              <a:t> real-</a:t>
+              <a:t> und </a:t>
             </a:r>
             <a:r>
               <a:rPr lang="en-US" sz="2000" spc="-1" dirty="0" err="1">
@@ -7145,7 +7726,7 @@
                 </a:solidFill>
                 <a:latin typeface="Gill Sans MT"/>
               </a:rPr>
-              <a:t>nahen</a:t>
+              <a:t>Festlegung</a:t>
             </a:r>
             <a:r>
               <a:rPr lang="en-US" sz="2000" spc="-1" dirty="0">
@@ -7154,7 +7735,7 @@
                 </a:solidFill>
                 <a:latin typeface="Gill Sans MT"/>
               </a:rPr>
-              <a:t> </a:t>
+              <a:t> der </a:t>
             </a:r>
             <a:r>
               <a:rPr lang="en-US" sz="2000" spc="-1" dirty="0" err="1">
@@ -7163,184 +7744,14 @@
                 </a:solidFill>
                 <a:latin typeface="Gill Sans MT"/>
               </a:rPr>
-              <a:t>Bedinungen</a:t>
-            </a:r>
-            <a:r>
-              <a:rPr lang="en-US" sz="2000" spc="-1" dirty="0">
-                <a:solidFill>
-                  <a:srgbClr val="000000"/>
-                </a:solidFill>
-                <a:latin typeface="Gill Sans MT"/>
-              </a:rPr>
-              <a:t> </a:t>
-            </a:r>
-            <a:r>
-              <a:rPr lang="en-US" sz="2000" spc="-1" dirty="0" err="1">
-                <a:solidFill>
-                  <a:srgbClr val="000000"/>
-                </a:solidFill>
-                <a:latin typeface="Gill Sans MT"/>
-              </a:rPr>
-              <a:t>simuliert</a:t>
-            </a:r>
-            <a:r>
-              <a:rPr lang="en-US" sz="2000" spc="-1" dirty="0">
-                <a:solidFill>
-                  <a:srgbClr val="000000"/>
-                </a:solidFill>
-                <a:latin typeface="Gill Sans MT"/>
-              </a:rPr>
-              <a:t>:</a:t>
-            </a:r>
-          </a:p>
-          <a:p>
-            <a:pPr marL="1143000" lvl="3" indent="-228240">
-              <a:lnSpc>
-                <a:spcPct val="120000"/>
-              </a:lnSpc>
-              <a:spcBef>
-                <a:spcPts val="1001"/>
-              </a:spcBef>
-              <a:buClr>
-                <a:srgbClr val="B71E42"/>
-              </a:buClr>
-              <a:buSzPct val="75000"/>
-              <a:buFont typeface="Arial"/>
-              <a:buChar char="•"/>
-            </a:pPr>
-            <a:r>
-              <a:rPr lang="en-US" sz="2000" spc="-1" dirty="0" err="1">
-                <a:solidFill>
-                  <a:srgbClr val="000000"/>
-                </a:solidFill>
-                <a:latin typeface="Gill Sans MT"/>
-              </a:rPr>
-              <a:t>Aufnahme</a:t>
-            </a:r>
-            <a:r>
-              <a:rPr lang="en-US" sz="2000" spc="-1" dirty="0">
-                <a:solidFill>
-                  <a:srgbClr val="000000"/>
-                </a:solidFill>
-                <a:latin typeface="Gill Sans MT"/>
-              </a:rPr>
-              <a:t> </a:t>
-            </a:r>
-            <a:r>
-              <a:rPr lang="en-US" sz="2000" spc="-1" dirty="0" err="1">
-                <a:solidFill>
-                  <a:srgbClr val="000000"/>
-                </a:solidFill>
-                <a:latin typeface="Gill Sans MT"/>
-              </a:rPr>
-              <a:t>Kamerabild</a:t>
-            </a:r>
-            <a:r>
-              <a:rPr lang="en-US" sz="2000" spc="-1" dirty="0">
-                <a:solidFill>
-                  <a:srgbClr val="000000"/>
-                </a:solidFill>
-                <a:latin typeface="Gill Sans MT"/>
-              </a:rPr>
-              <a:t> (</a:t>
-            </a:r>
-            <a:r>
-              <a:rPr lang="en-US" sz="2000" spc="-1" dirty="0" err="1">
-                <a:solidFill>
-                  <a:srgbClr val="000000"/>
-                </a:solidFill>
-                <a:latin typeface="Gill Sans MT"/>
-              </a:rPr>
-              <a:t>Qualität</a:t>
-            </a:r>
-            <a:r>
-              <a:rPr lang="en-US" sz="2000" spc="-1" dirty="0">
-                <a:solidFill>
-                  <a:srgbClr val="000000"/>
-                </a:solidFill>
-                <a:latin typeface="Gill Sans MT"/>
-              </a:rPr>
-              <a:t>/</a:t>
-            </a:r>
-            <a:r>
-              <a:rPr lang="en-US" sz="2000" spc="-1" dirty="0" err="1">
-                <a:solidFill>
-                  <a:srgbClr val="000000"/>
-                </a:solidFill>
-                <a:latin typeface="Gill Sans MT"/>
-              </a:rPr>
-              <a:t>Auflösung</a:t>
-            </a:r>
-            <a:r>
-              <a:rPr lang="en-US" sz="2000" spc="-1" dirty="0">
-                <a:solidFill>
-                  <a:srgbClr val="000000"/>
-                </a:solidFill>
-                <a:latin typeface="Gill Sans MT"/>
-              </a:rPr>
-              <a:t>)</a:t>
-            </a:r>
-          </a:p>
-          <a:p>
-            <a:pPr marL="1143000" lvl="3" indent="-228240">
-              <a:lnSpc>
-                <a:spcPct val="120000"/>
-              </a:lnSpc>
-              <a:spcBef>
-                <a:spcPts val="1001"/>
-              </a:spcBef>
-              <a:buClr>
-                <a:srgbClr val="B71E42"/>
-              </a:buClr>
-              <a:buSzPct val="75000"/>
-              <a:buFont typeface="Arial"/>
-              <a:buChar char="•"/>
-            </a:pPr>
-            <a:r>
-              <a:rPr lang="en-US" sz="2000" spc="-1" dirty="0">
-                <a:solidFill>
-                  <a:srgbClr val="000000"/>
-                </a:solidFill>
-                <a:latin typeface="Gill Sans MT"/>
-              </a:rPr>
-              <a:t>Test von </a:t>
-            </a:r>
-            <a:r>
-              <a:rPr lang="en-US" sz="2000" spc="-1" dirty="0" err="1">
-                <a:solidFill>
-                  <a:srgbClr val="000000"/>
-                </a:solidFill>
-                <a:latin typeface="Gill Sans MT"/>
-              </a:rPr>
-              <a:t>verschiedenen</a:t>
-            </a:r>
-            <a:r>
-              <a:rPr lang="en-US" sz="2000" spc="-1" dirty="0">
-                <a:solidFill>
-                  <a:srgbClr val="000000"/>
-                </a:solidFill>
-                <a:latin typeface="Gill Sans MT"/>
-              </a:rPr>
-              <a:t> </a:t>
-            </a:r>
-            <a:r>
-              <a:rPr lang="en-US" sz="2000" spc="-1" dirty="0" err="1">
-                <a:solidFill>
-                  <a:srgbClr val="000000"/>
-                </a:solidFill>
-                <a:latin typeface="Gill Sans MT"/>
-              </a:rPr>
-              <a:t>Größen</a:t>
-            </a:r>
-            <a:r>
-              <a:rPr lang="en-US" sz="2000" spc="-1" dirty="0">
-                <a:solidFill>
-                  <a:srgbClr val="000000"/>
-                </a:solidFill>
-                <a:latin typeface="Gill Sans MT"/>
-              </a:rPr>
-              <a:t> der QR Codes</a:t>
-            </a:r>
+              <a:t>Positionen</a:t>
+            </a:r>
+            <a:endParaRPr lang="en-US" sz="2000" b="0" strike="noStrike" spc="-1" dirty="0">
+              <a:solidFill>
+                <a:srgbClr val="000000"/>
+              </a:solidFill>
+              <a:latin typeface="Gill Sans MT"/>
+            </a:endParaRPr>
           </a:p>
           <a:p>
             <a:pPr marL="685800" lvl="1" indent="-228240">
@@ -7353,21 +7764,20 @@
               <a:buClr>
                 <a:srgbClr val="B71E42"/>
               </a:buClr>
-              <a:buSzPct val="75000"/>
               <a:buFont typeface="Arial"/>
               <a:buChar char="•"/>
             </a:pPr>
             <a:r>
-              <a:rPr lang="en-US" sz="2000" spc="-1" dirty="0" err="1">
-                <a:solidFill>
-                  <a:srgbClr val="000000"/>
-                </a:solidFill>
-                <a:latin typeface="Gill Sans MT"/>
-              </a:rPr>
-              <a:t>Klassendiagramm</a:t>
-            </a:r>
-            <a:r>
-              <a:rPr lang="en-US" sz="2000" spc="-1" dirty="0">
+              <a:rPr lang="en-US" sz="2000" b="0" strike="noStrike" spc="-1" dirty="0" err="1">
+                <a:solidFill>
+                  <a:srgbClr val="000000"/>
+                </a:solidFill>
+                <a:latin typeface="Gill Sans MT"/>
+              </a:rPr>
+              <a:t>Einbindung</a:t>
+            </a:r>
+            <a:r>
+              <a:rPr lang="en-US" sz="2000" b="0" strike="noStrike" spc="-1" dirty="0">
                 <a:solidFill>
                   <a:srgbClr val="000000"/>
                 </a:solidFill>
@@ -7376,16 +7786,16 @@
               <a:t> </a:t>
             </a:r>
             <a:r>
-              <a:rPr lang="en-US" sz="2000" spc="-1" dirty="0" err="1">
-                <a:solidFill>
-                  <a:srgbClr val="000000"/>
-                </a:solidFill>
-                <a:latin typeface="Gill Sans MT"/>
-              </a:rPr>
-              <a:t>für</a:t>
-            </a:r>
-            <a:r>
-              <a:rPr lang="en-US" sz="2000" spc="-1" dirty="0">
+              <a:rPr lang="en-US" sz="2000" b="0" strike="noStrike" spc="-1" dirty="0" err="1">
+                <a:solidFill>
+                  <a:srgbClr val="000000"/>
+                </a:solidFill>
+                <a:latin typeface="Gill Sans MT"/>
+              </a:rPr>
+              <a:t>einer</a:t>
+            </a:r>
+            <a:r>
+              <a:rPr lang="en-US" sz="2000" b="0" strike="noStrike" spc="-1" dirty="0">
                 <a:solidFill>
                   <a:srgbClr val="000000"/>
                 </a:solidFill>
@@ -7394,16 +7804,16 @@
               <a:t> </a:t>
             </a:r>
             <a:r>
-              <a:rPr lang="en-US" sz="2000" spc="-1" dirty="0" err="1">
-                <a:solidFill>
-                  <a:srgbClr val="000000"/>
-                </a:solidFill>
-                <a:latin typeface="Gill Sans MT"/>
-              </a:rPr>
-              <a:t>Abläufe</a:t>
-            </a:r>
-            <a:r>
-              <a:rPr lang="en-US" sz="2000" spc="-1" dirty="0">
+              <a:rPr lang="en-US" sz="2000" b="0" strike="noStrike" spc="-1" dirty="0" err="1">
+                <a:solidFill>
+                  <a:srgbClr val="000000"/>
+                </a:solidFill>
+                <a:latin typeface="Gill Sans MT"/>
+              </a:rPr>
+              <a:t>bereits</a:t>
+            </a:r>
+            <a:r>
+              <a:rPr lang="en-US" sz="2000" b="0" strike="noStrike" spc="-1" dirty="0">
                 <a:solidFill>
                   <a:srgbClr val="000000"/>
                 </a:solidFill>
@@ -7412,13 +7822,40 @@
               <a:t> </a:t>
             </a:r>
             <a:r>
-              <a:rPr lang="en-US" sz="2000" spc="-1" dirty="0" err="1">
-                <a:solidFill>
-                  <a:srgbClr val="000000"/>
-                </a:solidFill>
-                <a:latin typeface="Gill Sans MT"/>
-              </a:rPr>
-              <a:t>erstellt</a:t>
+              <a:rPr lang="en-US" sz="2000" b="0" strike="noStrike" spc="-1" dirty="0" err="1">
+                <a:solidFill>
+                  <a:srgbClr val="000000"/>
+                </a:solidFill>
+                <a:latin typeface="Gill Sans MT"/>
+              </a:rPr>
+              <a:t>gegebenen</a:t>
+            </a:r>
+            <a:r>
+              <a:rPr lang="en-US" sz="2000" b="0" strike="noStrike" spc="-1" dirty="0">
+                <a:solidFill>
+                  <a:srgbClr val="000000"/>
+                </a:solidFill>
+                <a:latin typeface="Gill Sans MT"/>
+              </a:rPr>
+              <a:t> QR </a:t>
+            </a:r>
+            <a:r>
+              <a:rPr lang="en-US" sz="2000" b="0" strike="noStrike" spc="-1" dirty="0" err="1">
+                <a:solidFill>
+                  <a:srgbClr val="000000"/>
+                </a:solidFill>
+                <a:latin typeface="Gill Sans MT"/>
+              </a:rPr>
+              <a:t>Erkennungsbliothek</a:t>
+            </a:r>
+            <a:r>
+              <a:rPr lang="en-US" sz="2000" b="0" strike="noStrike" spc="-1" dirty="0">
+                <a:solidFill>
+                  <a:srgbClr val="000000"/>
+                </a:solidFill>
+                <a:latin typeface="Gill Sans MT"/>
+              </a:rPr>
+              <a:t> in Unity</a:t>
             </a:r>
             <a:endParaRPr lang="en-US" sz="2000" spc="-1" dirty="0">
               <a:solidFill>
@@ -7438,21 +7875,47 @@
               <a:buClr>
                 <a:srgbClr val="B71E42"/>
               </a:buClr>
-              <a:buSzPct val="75000"/>
               <a:buFont typeface="Arial"/>
               <a:buChar char="•"/>
             </a:pPr>
             <a:r>
-              <a:rPr lang="en-US" sz="2000" spc="-1" dirty="0" err="1">
-                <a:solidFill>
-                  <a:srgbClr val="000000"/>
-                </a:solidFill>
-                <a:latin typeface="Gill Sans MT"/>
-              </a:rPr>
-              <a:t>Projektumgebung</a:t>
-            </a:r>
-            <a:r>
-              <a:rPr lang="en-US" sz="2000" spc="-1" dirty="0">
+              <a:rPr lang="en-US" sz="2000" b="0" strike="noStrike" spc="-1" dirty="0">
+                <a:solidFill>
+                  <a:srgbClr val="000000"/>
+                </a:solidFill>
+                <a:latin typeface="Gill Sans MT"/>
+              </a:rPr>
+              <a:t>JSON – </a:t>
+            </a:r>
+            <a:r>
+              <a:rPr lang="en-US" sz="2000" b="0" strike="noStrike" spc="-1" dirty="0" err="1">
+                <a:solidFill>
+                  <a:srgbClr val="000000"/>
+                </a:solidFill>
+                <a:latin typeface="Gill Sans MT"/>
+              </a:rPr>
+              <a:t>Sichern</a:t>
+            </a:r>
+            <a:r>
+              <a:rPr lang="en-US" sz="2000" b="0" strike="noStrike" spc="-1" dirty="0">
+                <a:solidFill>
+                  <a:srgbClr val="000000"/>
+                </a:solidFill>
+                <a:latin typeface="Gill Sans MT"/>
+              </a:rPr>
+              <a:t> und Laden von </a:t>
+            </a:r>
+            <a:r>
+              <a:rPr lang="en-US" sz="2000" b="0" strike="noStrike" spc="-1" dirty="0" err="1">
+                <a:solidFill>
+                  <a:srgbClr val="000000"/>
+                </a:solidFill>
+                <a:latin typeface="Gill Sans MT"/>
+              </a:rPr>
+              <a:t>erstellten</a:t>
+            </a:r>
+            <a:r>
+              <a:rPr lang="en-US" sz="2000" b="0" strike="noStrike" spc="-1" dirty="0">
                 <a:solidFill>
                   <a:srgbClr val="000000"/>
                 </a:solidFill>
@@ -7461,43 +7924,76 @@
               <a:t> </a:t>
             </a:r>
             <a:r>
-              <a:rPr lang="en-US" sz="2000" spc="-1" dirty="0" err="1">
-                <a:solidFill>
-                  <a:srgbClr val="000000"/>
-                </a:solidFill>
-                <a:latin typeface="Gill Sans MT"/>
-              </a:rPr>
-              <a:t>einrichten</a:t>
-            </a:r>
-            <a:r>
-              <a:rPr lang="en-US" sz="2000" spc="-1" dirty="0">
-                <a:solidFill>
-                  <a:srgbClr val="000000"/>
-                </a:solidFill>
-                <a:latin typeface="Gill Sans MT"/>
-              </a:rPr>
-              <a:t>: </a:t>
-            </a:r>
-            <a:r>
-              <a:rPr lang="en-US" sz="2000" spc="-1" dirty="0" err="1">
-                <a:solidFill>
-                  <a:srgbClr val="000000"/>
-                </a:solidFill>
-                <a:latin typeface="Gill Sans MT"/>
-              </a:rPr>
-              <a:t>Mailkontakte</a:t>
-            </a:r>
-            <a:r>
-              <a:rPr lang="en-US" sz="2000" spc="-1" dirty="0">
-                <a:solidFill>
-                  <a:srgbClr val="000000"/>
-                </a:solidFill>
-                <a:latin typeface="Gill Sans MT"/>
-              </a:rPr>
-              <a:t>, </a:t>
-            </a:r>
-            <a:r>
-              <a:rPr lang="en-US" sz="2000" spc="-1" dirty="0" err="1">
+              <a:rPr lang="en-US" sz="2000" b="0" strike="noStrike" spc="-1" dirty="0" err="1">
+                <a:solidFill>
+                  <a:srgbClr val="000000"/>
+                </a:solidFill>
+                <a:latin typeface="Gill Sans MT"/>
+              </a:rPr>
+              <a:t>Objekten</a:t>
+            </a:r>
+            <a:r>
+              <a:rPr lang="en-US" sz="2000" b="0" strike="noStrike" spc="-1" dirty="0">
+                <a:solidFill>
+                  <a:srgbClr val="000000"/>
+                </a:solidFill>
+                <a:latin typeface="Gill Sans MT"/>
+              </a:rPr>
+              <a:t> (</a:t>
+            </a:r>
+            <a:r>
+              <a:rPr lang="en-US" sz="2000" b="0" strike="noStrike" spc="-1" dirty="0" err="1">
+                <a:solidFill>
+                  <a:srgbClr val="000000"/>
+                </a:solidFill>
+                <a:latin typeface="Gill Sans MT"/>
+              </a:rPr>
+              <a:t>Stationen</a:t>
+            </a:r>
+            <a:r>
+              <a:rPr lang="en-US" sz="2000" b="0" strike="noStrike" spc="-1" dirty="0">
+                <a:solidFill>
+                  <a:srgbClr val="000000"/>
+                </a:solidFill>
+                <a:latin typeface="Gill Sans MT"/>
+              </a:rPr>
+              <a:t>/</a:t>
+            </a:r>
+            <a:r>
+              <a:rPr lang="en-US" sz="2000" b="0" strike="noStrike" spc="-1" dirty="0" err="1">
+                <a:solidFill>
+                  <a:srgbClr val="000000"/>
+                </a:solidFill>
+                <a:latin typeface="Gill Sans MT"/>
+              </a:rPr>
+              <a:t>Ladungsträger</a:t>
+            </a:r>
+            <a:r>
+              <a:rPr lang="en-US" sz="2000" b="0" strike="noStrike" spc="-1" dirty="0">
+                <a:solidFill>
+                  <a:srgbClr val="000000"/>
+                </a:solidFill>
+                <a:latin typeface="Gill Sans MT"/>
+              </a:rPr>
+              <a:t>/..)</a:t>
+            </a:r>
+          </a:p>
+          <a:p>
+            <a:pPr marL="685800" lvl="1" indent="-228240">
+              <a:lnSpc>
+                <a:spcPct val="120000"/>
+              </a:lnSpc>
+              <a:spcBef>
+                <a:spcPts val="1001"/>
+              </a:spcBef>
+              <a:buClr>
+                <a:srgbClr val="B71E42"/>
+              </a:buClr>
+              <a:buFont typeface="Arial"/>
+              <a:buChar char="•"/>
+            </a:pPr>
+            <a:r>
+              <a:rPr lang="en-US" sz="2000" b="0" strike="noStrike" spc="-1" dirty="0" err="1">
                 <a:solidFill>
                   <a:srgbClr val="000000"/>
                 </a:solidFill>
@@ -7506,32 +8002,65 @@
               <a:t>Github</a:t>
             </a:r>
             <a:r>
-              <a:rPr lang="en-US" sz="2000" spc="-1" dirty="0">
-                <a:solidFill>
-                  <a:srgbClr val="000000"/>
-                </a:solidFill>
-                <a:latin typeface="Gill Sans MT"/>
-              </a:rPr>
-              <a:t>, </a:t>
-            </a:r>
-            <a:r>
-              <a:rPr lang="en-US" sz="2000" spc="-1" dirty="0" err="1">
-                <a:solidFill>
-                  <a:srgbClr val="000000"/>
-                </a:solidFill>
-                <a:latin typeface="Gill Sans MT"/>
-              </a:rPr>
-              <a:t>Zeiterfassungen</a:t>
-            </a:r>
-            <a:r>
-              <a:rPr lang="en-US" sz="2000" spc="-1" dirty="0">
-                <a:solidFill>
-                  <a:srgbClr val="000000"/>
-                </a:solidFill>
-                <a:latin typeface="Gill Sans MT"/>
-              </a:rPr>
-              <a:t> etc.  </a:t>
-            </a:r>
+              <a:rPr lang="en-US" sz="2000" b="0" strike="noStrike" spc="-1" dirty="0">
+                <a:solidFill>
+                  <a:srgbClr val="000000"/>
+                </a:solidFill>
+                <a:latin typeface="Gill Sans MT"/>
+              </a:rPr>
+              <a:t> Repo </a:t>
+            </a:r>
+            <a:r>
+              <a:rPr lang="en-US" sz="2000" b="0" strike="noStrike" spc="-1" dirty="0" err="1">
+                <a:solidFill>
+                  <a:srgbClr val="000000"/>
+                </a:solidFill>
+                <a:latin typeface="Gill Sans MT"/>
+              </a:rPr>
+              <a:t>nach</a:t>
+            </a:r>
+            <a:r>
+              <a:rPr lang="en-US" sz="2000" b="0" strike="noStrike" spc="-1" dirty="0">
+                <a:solidFill>
+                  <a:srgbClr val="000000"/>
+                </a:solidFill>
+                <a:latin typeface="Gill Sans MT"/>
+              </a:rPr>
+              <a:t> </a:t>
+            </a:r>
+            <a:r>
+              <a:rPr lang="en-US" sz="2000" b="0" strike="noStrike" spc="-1" dirty="0" err="1">
+                <a:solidFill>
+                  <a:srgbClr val="000000"/>
+                </a:solidFill>
+                <a:latin typeface="Gill Sans MT"/>
+              </a:rPr>
+              <a:t>Problemen</a:t>
+            </a:r>
+            <a:r>
+              <a:rPr lang="en-US" sz="2000" b="0" strike="noStrike" spc="-1" dirty="0">
+                <a:solidFill>
+                  <a:srgbClr val="000000"/>
+                </a:solidFill>
+                <a:latin typeface="Gill Sans MT"/>
+              </a:rPr>
+              <a:t> neu </a:t>
+            </a:r>
+            <a:r>
+              <a:rPr lang="en-US" sz="2000" b="0" strike="noStrike" spc="-1" dirty="0" err="1">
+                <a:solidFill>
+                  <a:srgbClr val="000000"/>
+                </a:solidFill>
+                <a:latin typeface="Gill Sans MT"/>
+              </a:rPr>
+              <a:t>aufgebaut</a:t>
+            </a:r>
+            <a:endParaRPr lang="en-US" sz="2000" b="0" strike="noStrike" spc="-1" dirty="0">
+              <a:solidFill>
+                <a:srgbClr val="000000"/>
+              </a:solidFill>
+              <a:latin typeface="Gill Sans MT"/>
+            </a:endParaRPr>
           </a:p>
         </p:txBody>
       </p:sp>
@@ -7562,7 +8091,7 @@
       </p:grpSpPr>
       <p:sp>
         <p:nvSpPr>
-          <p:cNvPr id="101" name="TextShape 1"/>
+          <p:cNvPr id="103" name="TextShape 1"/>
           <p:cNvSpPr txBox="1"/>
           <p:nvPr/>
         </p:nvSpPr>
@@ -7597,7 +8126,7 @@
                 </a:solidFill>
                 <a:latin typeface="Gill Sans MT"/>
               </a:rPr>
-              <a:t>Sprint II:</a:t>
+              <a:t>Meilenstein (aktueller Stand)</a:t>
             </a:r>
             <a:endParaRPr lang="en-US" sz="3200" b="0" strike="noStrike" spc="-1">
               <a:solidFill>
@@ -7610,13 +8139,13 @@
       </p:sp>
       <p:sp>
         <p:nvSpPr>
-          <p:cNvPr id="102" name="TextShape 2"/>
+          <p:cNvPr id="104" name="TextShape 2"/>
           <p:cNvSpPr txBox="1"/>
           <p:nvPr/>
         </p:nvSpPr>
         <p:spPr>
           <a:xfrm>
-            <a:off x="1523520" y="2015640"/>
+            <a:off x="1451520" y="2015640"/>
             <a:ext cx="9603000" cy="3450240"/>
           </a:xfrm>
           <a:prstGeom prst="rect">
@@ -7647,7 +8176,7 @@
               <a:buChar char="•"/>
             </a:pPr>
             <a:r>
-              <a:rPr lang="en-US" sz="2000" b="0" strike="noStrike" spc="-1" dirty="0" err="1">
+              <a:rPr lang="en-US" sz="2000" spc="-1" dirty="0" err="1">
                 <a:solidFill>
                   <a:srgbClr val="000000"/>
                 </a:solidFill>
@@ -7656,25 +8185,25 @@
               <a:t>Ziel</a:t>
             </a:r>
             <a:r>
-              <a:rPr lang="en-US" sz="2000" b="0" strike="noStrike" spc="-1" dirty="0">
-                <a:solidFill>
-                  <a:srgbClr val="000000"/>
-                </a:solidFill>
-                <a:latin typeface="Gill Sans MT"/>
-              </a:rPr>
-              <a:t>:  </a:t>
-            </a:r>
-            <a:r>
-              <a:rPr lang="en-US" sz="2000" b="0" strike="noStrike" spc="-1" dirty="0" err="1">
-                <a:solidFill>
-                  <a:srgbClr val="000000"/>
-                </a:solidFill>
-                <a:latin typeface="Gill Sans MT"/>
-              </a:rPr>
-              <a:t>Teilbereiche</a:t>
-            </a:r>
-            <a:r>
-              <a:rPr lang="en-US" sz="2000" b="0" strike="noStrike" spc="-1" dirty="0">
+              <a:rPr lang="en-US" sz="2000" spc="-1" dirty="0">
+                <a:solidFill>
+                  <a:srgbClr val="000000"/>
+                </a:solidFill>
+                <a:latin typeface="Gill Sans MT"/>
+              </a:rPr>
+              <a:t>: </a:t>
+            </a:r>
+            <a:r>
+              <a:rPr lang="en-US" sz="2000" spc="-1" dirty="0" err="1">
+                <a:solidFill>
+                  <a:srgbClr val="000000"/>
+                </a:solidFill>
+                <a:latin typeface="Gill Sans MT"/>
+              </a:rPr>
+              <a:t>Zusammenführung</a:t>
+            </a:r>
+            <a:r>
+              <a:rPr lang="en-US" sz="2000" spc="-1" dirty="0">
                 <a:solidFill>
                   <a:srgbClr val="000000"/>
                 </a:solidFill>
@@ -7683,22 +8212,13 @@
               <a:t> </a:t>
             </a:r>
             <a:r>
-              <a:rPr lang="en-US" sz="2000" b="0" strike="noStrike" spc="-1" dirty="0" err="1">
-                <a:solidFill>
-                  <a:srgbClr val="000000"/>
-                </a:solidFill>
-                <a:latin typeface="Gill Sans MT"/>
-              </a:rPr>
-              <a:t>implem</a:t>
-            </a:r>
-            <a:r>
               <a:rPr lang="en-US" sz="2000" spc="-1" dirty="0" err="1">
                 <a:solidFill>
                   <a:srgbClr val="000000"/>
                 </a:solidFill>
                 <a:latin typeface="Gill Sans MT"/>
               </a:rPr>
-              <a:t>entieren</a:t>
+              <a:t>aller</a:t>
             </a:r>
             <a:r>
               <a:rPr lang="en-US" sz="2000" spc="-1" dirty="0">
@@ -7707,7 +8227,7 @@
                 </a:solidFill>
                 <a:latin typeface="Gill Sans MT"/>
               </a:rPr>
-              <a:t> und </a:t>
+              <a:t> </a:t>
             </a:r>
             <a:r>
               <a:rPr lang="en-US" sz="2000" spc="-1" dirty="0" err="1">
@@ -7725,23 +8245,8 @@
                 </a:solidFill>
                 <a:latin typeface="Gill Sans MT"/>
               </a:rPr>
-              <a:t> </a:t>
-            </a:r>
-            <a:r>
-              <a:rPr lang="en-US" sz="2000" spc="-1" dirty="0" err="1">
-                <a:solidFill>
-                  <a:srgbClr val="000000"/>
-                </a:solidFill>
-                <a:latin typeface="Gill Sans MT"/>
-              </a:rPr>
-              <a:t>realisieren</a:t>
-            </a:r>
-            <a:endParaRPr lang="en-US" sz="2000" spc="-1" dirty="0">
-              <a:solidFill>
-                <a:srgbClr val="000000"/>
-              </a:solidFill>
-              <a:latin typeface="Gill Sans MT"/>
-            </a:endParaRPr>
+              <a:t> in Unity</a:t>
+            </a:r>
           </a:p>
           <a:p>
             <a:pPr marL="685800" lvl="1" indent="-228240">
@@ -7758,87 +8263,33 @@
               <a:buChar char="•"/>
             </a:pPr>
             <a:r>
-              <a:rPr lang="en-US" sz="2000" spc="-1" dirty="0" err="1">
-                <a:solidFill>
-                  <a:srgbClr val="000000"/>
-                </a:solidFill>
-                <a:latin typeface="Gill Sans MT"/>
-              </a:rPr>
-              <a:t>Manuelles</a:t>
-            </a:r>
-            <a:r>
-              <a:rPr lang="en-US" sz="2000" spc="-1" dirty="0">
-                <a:solidFill>
-                  <a:srgbClr val="000000"/>
-                </a:solidFill>
-                <a:latin typeface="Gill Sans MT"/>
-              </a:rPr>
-              <a:t> </a:t>
-            </a:r>
-            <a:r>
-              <a:rPr lang="en-US" sz="2000" spc="-1" dirty="0" err="1">
-                <a:solidFill>
-                  <a:srgbClr val="000000"/>
-                </a:solidFill>
-                <a:latin typeface="Gill Sans MT"/>
-              </a:rPr>
-              <a:t>Zeichen</a:t>
-            </a:r>
-            <a:r>
-              <a:rPr lang="en-US" sz="2000" spc="-1" dirty="0">
-                <a:solidFill>
-                  <a:srgbClr val="000000"/>
-                </a:solidFill>
-                <a:latin typeface="Gill Sans MT"/>
-              </a:rPr>
-              <a:t> der </a:t>
-            </a:r>
-            <a:r>
-              <a:rPr lang="en-US" sz="2000" spc="-1" dirty="0" err="1">
-                <a:solidFill>
-                  <a:srgbClr val="000000"/>
-                </a:solidFill>
-                <a:latin typeface="Gill Sans MT"/>
-              </a:rPr>
-              <a:t>Wände</a:t>
-            </a:r>
-            <a:r>
-              <a:rPr lang="en-US" sz="2000" spc="-1" dirty="0">
-                <a:solidFill>
-                  <a:srgbClr val="000000"/>
-                </a:solidFill>
-                <a:latin typeface="Gill Sans MT"/>
-              </a:rPr>
-              <a:t> in Unity auf 2D Plan </a:t>
-            </a:r>
-            <a:r>
-              <a:rPr lang="en-US" sz="2000" spc="-1" dirty="0" err="1">
-                <a:solidFill>
-                  <a:srgbClr val="000000"/>
-                </a:solidFill>
-                <a:latin typeface="Gill Sans MT"/>
-              </a:rPr>
-              <a:t>zur</a:t>
-            </a:r>
-            <a:r>
-              <a:rPr lang="en-US" sz="2000" spc="-1" dirty="0">
-                <a:solidFill>
-                  <a:srgbClr val="000000"/>
-                </a:solidFill>
-                <a:latin typeface="Gill Sans MT"/>
-              </a:rPr>
-              <a:t> </a:t>
-            </a:r>
-            <a:r>
-              <a:rPr lang="en-US" sz="2000" spc="-1" dirty="0" err="1">
-                <a:solidFill>
-                  <a:srgbClr val="000000"/>
-                </a:solidFill>
-                <a:latin typeface="Gill Sans MT"/>
-              </a:rPr>
-              <a:t>Raumeingerenzung</a:t>
-            </a:r>
-            <a:endParaRPr lang="en-US" sz="2000" spc="-1" dirty="0">
+              <a:rPr lang="en-US" sz="2000" b="0" strike="noStrike" spc="-1" dirty="0" err="1">
+                <a:solidFill>
+                  <a:srgbClr val="000000"/>
+                </a:solidFill>
+                <a:latin typeface="Gill Sans MT"/>
+              </a:rPr>
+              <a:t>Implementierung</a:t>
+            </a:r>
+            <a:r>
+              <a:rPr lang="en-US" sz="2000" b="0" strike="noStrike" spc="-1" dirty="0">
+                <a:solidFill>
+                  <a:srgbClr val="000000"/>
+                </a:solidFill>
+                <a:latin typeface="Gill Sans MT"/>
+              </a:rPr>
+              <a:t> QR Code </a:t>
+            </a:r>
+            <a:r>
+              <a:rPr lang="en-US" sz="2000" b="0" strike="noStrike" spc="-1" dirty="0" err="1">
+                <a:solidFill>
+                  <a:srgbClr val="000000"/>
+                </a:solidFill>
+                <a:latin typeface="Gill Sans MT"/>
+              </a:rPr>
+              <a:t>Erkennung</a:t>
+            </a:r>
+            <a:endParaRPr lang="en-US" sz="2000" b="0" strike="noStrike" spc="-1" dirty="0">
               <a:solidFill>
                 <a:srgbClr val="000000"/>
               </a:solidFill>
@@ -7860,40 +8311,22 @@
               <a:buChar char="•"/>
             </a:pPr>
             <a:r>
+              <a:rPr lang="en-US" sz="2000" b="0" strike="noStrike" spc="-1" dirty="0">
+                <a:solidFill>
+                  <a:srgbClr val="000000"/>
+                </a:solidFill>
+                <a:latin typeface="Gill Sans MT"/>
+              </a:rPr>
+              <a:t>Test auf </a:t>
+            </a:r>
+            <a:r>
               <a:rPr lang="en-US" sz="2000" b="0" strike="noStrike" spc="-1" dirty="0" err="1">
                 <a:solidFill>
                   <a:srgbClr val="000000"/>
                 </a:solidFill>
                 <a:latin typeface="Gill Sans MT"/>
               </a:rPr>
-              <a:t>Manuelles</a:t>
-            </a:r>
-            <a:r>
-              <a:rPr lang="en-US" sz="2000" b="0" strike="noStrike" spc="-1" dirty="0">
-                <a:solidFill>
-                  <a:srgbClr val="000000"/>
-                </a:solidFill>
-                <a:latin typeface="Gill Sans MT"/>
-              </a:rPr>
-              <a:t> </a:t>
-            </a:r>
-            <a:r>
-              <a:rPr lang="en-US" sz="2000" b="0" strike="noStrike" spc="-1" dirty="0" err="1">
-                <a:solidFill>
-                  <a:srgbClr val="000000"/>
-                </a:solidFill>
-                <a:latin typeface="Gill Sans MT"/>
-              </a:rPr>
-              <a:t>Platzieren</a:t>
-            </a:r>
-            <a:r>
-              <a:rPr lang="en-US" sz="2000" spc="-1" dirty="0">
-                <a:solidFill>
-                  <a:srgbClr val="000000"/>
-                </a:solidFill>
-                <a:latin typeface="Gill Sans MT"/>
-              </a:rPr>
-              <a:t>/</a:t>
+              <a:t>Funktionalit</a:t>
             </a:r>
             <a:r>
               <a:rPr lang="en-US" sz="2000" spc="-1" dirty="0" err="1">
@@ -7902,63 +8335,9 @@
                 </a:solidFill>
                 <a:latin typeface="Gill Sans MT"/>
               </a:rPr>
-              <a:t>Hinzufügen</a:t>
-            </a:r>
-            <a:r>
-              <a:rPr lang="en-US" sz="2000" spc="-1" dirty="0">
-                <a:solidFill>
-                  <a:srgbClr val="000000"/>
-                </a:solidFill>
-                <a:latin typeface="Gill Sans MT"/>
-              </a:rPr>
-              <a:t> von </a:t>
-            </a:r>
-            <a:r>
-              <a:rPr lang="en-US" sz="2000" spc="-1" dirty="0" err="1">
-                <a:solidFill>
-                  <a:srgbClr val="000000"/>
-                </a:solidFill>
-                <a:latin typeface="Gill Sans MT"/>
-              </a:rPr>
-              <a:t>Kameras</a:t>
-            </a:r>
-            <a:r>
-              <a:rPr lang="en-US" sz="2000" spc="-1" dirty="0">
-                <a:solidFill>
-                  <a:srgbClr val="000000"/>
-                </a:solidFill>
-                <a:latin typeface="Gill Sans MT"/>
-              </a:rPr>
-              <a:t> und </a:t>
-            </a:r>
-            <a:r>
-              <a:rPr lang="en-US" sz="2000" spc="-1" dirty="0" err="1">
-                <a:solidFill>
-                  <a:srgbClr val="000000"/>
-                </a:solidFill>
-                <a:latin typeface="Gill Sans MT"/>
-              </a:rPr>
-              <a:t>Festlegung</a:t>
-            </a:r>
-            <a:r>
-              <a:rPr lang="en-US" sz="2000" spc="-1" dirty="0">
-                <a:solidFill>
-                  <a:srgbClr val="000000"/>
-                </a:solidFill>
-                <a:latin typeface="Gill Sans MT"/>
-              </a:rPr>
-              <a:t> der </a:t>
-            </a:r>
-            <a:r>
-              <a:rPr lang="en-US" sz="2000" spc="-1" dirty="0" err="1">
-                <a:solidFill>
-                  <a:srgbClr val="000000"/>
-                </a:solidFill>
-                <a:latin typeface="Gill Sans MT"/>
-              </a:rPr>
-              <a:t>Positionen</a:t>
-            </a:r>
-            <a:endParaRPr lang="en-US" sz="2000" b="0" strike="noStrike" spc="-1" dirty="0">
+              <a:t>ät</a:t>
+            </a:r>
+            <a:endParaRPr lang="en-US" sz="2000" spc="-1" dirty="0">
               <a:solidFill>
                 <a:srgbClr val="000000"/>
               </a:solidFill>
@@ -7980,13 +8359,31 @@
               <a:buChar char="•"/>
             </a:pPr>
             <a:r>
+              <a:rPr lang="en-US" sz="2000" b="0" strike="noStrike" spc="-1" dirty="0" err="1">
+                <a:solidFill>
+                  <a:srgbClr val="000000"/>
+                </a:solidFill>
+                <a:latin typeface="Gill Sans MT"/>
+              </a:rPr>
+              <a:t>Fertigstellung</a:t>
+            </a:r>
+            <a:r>
               <a:rPr lang="en-US" sz="2000" b="0" strike="noStrike" spc="-1" dirty="0">
                 <a:solidFill>
                   <a:srgbClr val="000000"/>
                 </a:solidFill>
                 <a:latin typeface="Gill Sans MT"/>
               </a:rPr>
-              <a:t>FABIS PART BESCHREIBEN (Recherche </a:t>
+              <a:t> “</a:t>
+            </a:r>
+            <a:r>
+              <a:rPr lang="en-US" sz="2000" b="0" strike="noStrike" spc="-1" dirty="0" err="1">
+                <a:solidFill>
+                  <a:srgbClr val="000000"/>
+                </a:solidFill>
+                <a:latin typeface="Gill Sans MT"/>
+              </a:rPr>
+              <a:t>Prototy</a:t>
             </a:r>
             <a:r>
               <a:rPr lang="en-US" sz="2000" spc="-1" dirty="0" err="1">
@@ -7995,7 +8392,7 @@
                 </a:solidFill>
                 <a:latin typeface="Gill Sans MT"/>
               </a:rPr>
-              <a:t>über</a:t>
+              <a:t>p</a:t>
             </a:r>
             <a:r>
               <a:rPr lang="en-US" sz="2000" spc="-1" dirty="0">
@@ -8004,6 +8401,24 @@
                 </a:solidFill>
                 <a:latin typeface="Gill Sans MT"/>
               </a:rPr>
+              <a:t>” – </a:t>
+            </a:r>
+            <a:r>
+              <a:rPr lang="en-US" sz="2000" spc="-1" dirty="0" err="1">
+                <a:solidFill>
+                  <a:srgbClr val="000000"/>
+                </a:solidFill>
+                <a:latin typeface="Gill Sans MT"/>
+              </a:rPr>
+              <a:t>manuelles</a:t>
+            </a:r>
+            <a:r>
+              <a:rPr lang="en-US" sz="2000" spc="-1" dirty="0">
+                <a:solidFill>
+                  <a:srgbClr val="000000"/>
+                </a:solidFill>
+                <a:latin typeface="Gill Sans MT"/>
+              </a:rPr>
               <a:t> </a:t>
             </a:r>
             <a:r>
@@ -8013,7 +8428,7 @@
                 </a:solidFill>
                 <a:latin typeface="Gill Sans MT"/>
               </a:rPr>
-              <a:t>vorhandende</a:t>
+              <a:t>einlesen</a:t>
             </a:r>
             <a:r>
               <a:rPr lang="en-US" sz="2000" spc="-1" dirty="0">
@@ -8022,7 +8437,7 @@
                 </a:solidFill>
                 <a:latin typeface="Gill Sans MT"/>
               </a:rPr>
-              <a:t> QR Code </a:t>
+              <a:t> und </a:t>
             </a:r>
             <a:r>
               <a:rPr lang="en-US" sz="2000" spc="-1" dirty="0" err="1">
@@ -8031,7 +8446,7 @@
                 </a:solidFill>
                 <a:latin typeface="Gill Sans MT"/>
               </a:rPr>
-              <a:t>Erkennungsbibliotheken</a:t>
+              <a:t>bereitstellen</a:t>
             </a:r>
             <a:r>
               <a:rPr lang="en-US" sz="2000" spc="-1" dirty="0">
@@ -8040,7 +8455,7 @@
                 </a:solidFill>
                 <a:latin typeface="Gill Sans MT"/>
               </a:rPr>
-              <a:t> und </a:t>
+              <a:t> der </a:t>
             </a:r>
             <a:r>
               <a:rPr lang="en-US" sz="2000" spc="-1" dirty="0" err="1">
@@ -8049,7 +8464,7 @@
                 </a:solidFill>
                 <a:latin typeface="Gill Sans MT"/>
               </a:rPr>
-              <a:t>für</a:t>
+              <a:t>zu</a:t>
             </a:r>
             <a:r>
               <a:rPr lang="en-US" sz="2000" spc="-1" dirty="0">
@@ -8067,7 +8482,7 @@
                 </a:solidFill>
                 <a:latin typeface="Gill Sans MT"/>
               </a:rPr>
-              <a:t>unsere</a:t>
+              <a:t>scannenden</a:t>
             </a:r>
             <a:r>
               <a:rPr lang="en-US" sz="2000" spc="-1" dirty="0">
@@ -8085,135 +8500,9 @@
                 </a:solidFill>
                 <a:latin typeface="Gill Sans MT"/>
               </a:rPr>
-              <a:t>Nutzen</a:t>
-            </a:r>
-            <a:r>
-              <a:rPr lang="en-US" sz="2000" spc="-1" dirty="0">
-                <a:solidFill>
-                  <a:srgbClr val="000000"/>
-                </a:solidFill>
-                <a:latin typeface="Gill Sans MT"/>
-              </a:rPr>
-              <a:t> </a:t>
-            </a:r>
-            <a:r>
-              <a:rPr lang="en-US" sz="2000" spc="-1" dirty="0" err="1">
-                <a:solidFill>
-                  <a:srgbClr val="000000"/>
-                </a:solidFill>
-                <a:latin typeface="Gill Sans MT"/>
-              </a:rPr>
-              <a:t>weiterentwickelt</a:t>
-            </a:r>
-            <a:endParaRPr lang="en-US" sz="2000" spc="-1" dirty="0">
-              <a:solidFill>
-                <a:srgbClr val="000000"/>
-              </a:solidFill>
-              <a:latin typeface="Gill Sans MT"/>
-            </a:endParaRPr>
-          </a:p>
-          <a:p>
-            <a:pPr marL="685800" lvl="1" indent="-228240">
-              <a:lnSpc>
-                <a:spcPct val="120000"/>
-              </a:lnSpc>
-              <a:spcBef>
-                <a:spcPts val="1001"/>
-              </a:spcBef>
-              <a:buClr>
-                <a:srgbClr val="B71E42"/>
-              </a:buClr>
-              <a:buFont typeface="Arial"/>
-              <a:buChar char="•"/>
-            </a:pPr>
-            <a:r>
-              <a:rPr lang="en-US" sz="2000" b="0" strike="noStrike" spc="-1" dirty="0">
-                <a:solidFill>
-                  <a:srgbClr val="000000"/>
-                </a:solidFill>
-                <a:latin typeface="Gill Sans MT"/>
-              </a:rPr>
-              <a:t>JSON?</a:t>
-            </a:r>
-          </a:p>
-          <a:p>
-            <a:pPr marL="685800" lvl="1" indent="-228240">
-              <a:lnSpc>
-                <a:spcPct val="120000"/>
-              </a:lnSpc>
-              <a:spcBef>
-                <a:spcPts val="1001"/>
-              </a:spcBef>
-              <a:buClr>
-                <a:srgbClr val="B71E42"/>
-              </a:buClr>
-              <a:buFont typeface="Arial"/>
-              <a:buChar char="•"/>
-            </a:pPr>
-            <a:r>
-              <a:rPr lang="en-US" sz="2000" b="0" strike="noStrike" spc="-1" dirty="0" err="1">
-                <a:solidFill>
-                  <a:srgbClr val="000000"/>
-                </a:solidFill>
-                <a:latin typeface="Gill Sans MT"/>
-              </a:rPr>
-              <a:t>Github</a:t>
-            </a:r>
-            <a:r>
-              <a:rPr lang="en-US" sz="2000" b="0" strike="noStrike" spc="-1" dirty="0">
-                <a:solidFill>
-                  <a:srgbClr val="000000"/>
-                </a:solidFill>
-                <a:latin typeface="Gill Sans MT"/>
-              </a:rPr>
-              <a:t> Repo </a:t>
-            </a:r>
-            <a:r>
-              <a:rPr lang="en-US" sz="2000" b="0" strike="noStrike" spc="-1" dirty="0" err="1">
-                <a:solidFill>
-                  <a:srgbClr val="000000"/>
-                </a:solidFill>
-                <a:latin typeface="Gill Sans MT"/>
-              </a:rPr>
-              <a:t>nach</a:t>
-            </a:r>
-            <a:r>
-              <a:rPr lang="en-US" sz="2000" b="0" strike="noStrike" spc="-1" dirty="0">
-                <a:solidFill>
-                  <a:srgbClr val="000000"/>
-                </a:solidFill>
-                <a:latin typeface="Gill Sans MT"/>
-              </a:rPr>
-              <a:t> </a:t>
-            </a:r>
-            <a:r>
-              <a:rPr lang="en-US" sz="2000" b="0" strike="noStrike" spc="-1" dirty="0" err="1">
-                <a:solidFill>
-                  <a:srgbClr val="000000"/>
-                </a:solidFill>
-                <a:latin typeface="Gill Sans MT"/>
-              </a:rPr>
-              <a:t>Problemen</a:t>
-            </a:r>
-            <a:r>
-              <a:rPr lang="en-US" sz="2000" b="0" strike="noStrike" spc="-1" dirty="0">
-                <a:solidFill>
-                  <a:srgbClr val="000000"/>
-                </a:solidFill>
-                <a:latin typeface="Gill Sans MT"/>
-              </a:rPr>
-              <a:t> neu </a:t>
-            </a:r>
-            <a:r>
-              <a:rPr lang="en-US" sz="2000" b="0" strike="noStrike" spc="-1" dirty="0" err="1">
-                <a:solidFill>
-                  <a:srgbClr val="000000"/>
-                </a:solidFill>
-                <a:latin typeface="Gill Sans MT"/>
-              </a:rPr>
-              <a:t>aufgebaut</a:t>
-            </a:r>
-            <a:endParaRPr lang="en-US" sz="2000" b="0" strike="noStrike" spc="-1" dirty="0">
+              <a:t>Bilder</a:t>
+            </a:r>
+            <a:endParaRPr lang="en-US" sz="1600" b="0" strike="noStrike" spc="-1" dirty="0">
               <a:solidFill>
                 <a:srgbClr val="000000"/>
               </a:solidFill>
@@ -8249,520 +8538,38 @@
       </p:grpSpPr>
       <p:sp>
         <p:nvSpPr>
-          <p:cNvPr id="103" name="TextShape 1"/>
-          <p:cNvSpPr txBox="1"/>
-          <p:nvPr/>
-        </p:nvSpPr>
-        <p:spPr>
-          <a:xfrm>
-            <a:off x="1451520" y="804600"/>
-            <a:ext cx="9603000" cy="1049040"/>
-          </a:xfrm>
-          <a:prstGeom prst="rect">
-            <a:avLst/>
-          </a:prstGeom>
-          <a:noFill/>
-          <a:ln>
-            <a:noFill/>
-          </a:ln>
-        </p:spPr>
-        <p:txBody>
-          <a:bodyPr>
-            <a:noAutofit/>
-          </a:bodyPr>
-          <a:lstStyle/>
-          <a:p>
-            <a:pPr>
-              <a:lnSpc>
-                <a:spcPct val="90000"/>
-              </a:lnSpc>
-            </a:pPr>
-            <a:r>
-              <a:rPr lang="en-US" sz="3200" b="0" strike="noStrike" cap="all" spc="-1">
-                <a:solidFill>
-                  <a:srgbClr val="000000"/>
-                </a:solidFill>
-                <a:latin typeface="Gill Sans MT"/>
-              </a:rPr>
-              <a:t>Meilenstein (aktueller Stand)</a:t>
-            </a:r>
-            <a:endParaRPr lang="en-US" sz="3200" b="0" strike="noStrike" spc="-1">
-              <a:solidFill>
-                <a:srgbClr val="000000"/>
-              </a:solidFill>
-              <a:latin typeface="Gill Sans MT"/>
-            </a:endParaRPr>
-          </a:p>
-        </p:txBody>
-      </p:sp>
-      <p:sp>
-        <p:nvSpPr>
-          <p:cNvPr id="104" name="TextShape 2"/>
-          <p:cNvSpPr txBox="1"/>
-          <p:nvPr/>
-        </p:nvSpPr>
-        <p:spPr>
-          <a:xfrm>
-            <a:off x="1451520" y="2015640"/>
-            <a:ext cx="9603000" cy="3450240"/>
-          </a:xfrm>
-          <a:prstGeom prst="rect">
-            <a:avLst/>
-          </a:prstGeom>
-          <a:noFill/>
-          <a:ln>
-            <a:noFill/>
-          </a:ln>
-        </p:spPr>
-        <p:txBody>
-          <a:bodyPr>
-            <a:noAutofit/>
-          </a:bodyPr>
-          <a:lstStyle/>
-          <a:p>
-            <a:pPr marL="228600" indent="-228240">
-              <a:lnSpc>
-                <a:spcPct val="120000"/>
-              </a:lnSpc>
-              <a:spcBef>
-                <a:spcPts val="1001"/>
-              </a:spcBef>
-              <a:buClr>
-                <a:srgbClr val="B71E42"/>
-              </a:buClr>
-              <a:buFont typeface="Arial"/>
-              <a:buChar char="•"/>
-            </a:pPr>
-            <a:r>
-              <a:rPr lang="en-US" sz="2000" spc="-1" dirty="0" err="1">
-                <a:solidFill>
-                  <a:srgbClr val="000000"/>
-                </a:solidFill>
-                <a:latin typeface="Gill Sans MT"/>
-              </a:rPr>
-              <a:t>Ziel</a:t>
-            </a:r>
-            <a:r>
-              <a:rPr lang="en-US" sz="2000" spc="-1" dirty="0">
-                <a:solidFill>
-                  <a:srgbClr val="000000"/>
-                </a:solidFill>
-                <a:latin typeface="Gill Sans MT"/>
-              </a:rPr>
-              <a:t>: </a:t>
-            </a:r>
-            <a:r>
-              <a:rPr lang="en-US" sz="2000" spc="-1" dirty="0" err="1">
-                <a:solidFill>
-                  <a:srgbClr val="000000"/>
-                </a:solidFill>
-                <a:latin typeface="Gill Sans MT"/>
-              </a:rPr>
-              <a:t>Zusammenführung</a:t>
-            </a:r>
-            <a:r>
-              <a:rPr lang="en-US" sz="2000" spc="-1" dirty="0">
-                <a:solidFill>
-                  <a:srgbClr val="000000"/>
-                </a:solidFill>
-                <a:latin typeface="Gill Sans MT"/>
-              </a:rPr>
-              <a:t> </a:t>
-            </a:r>
-            <a:r>
-              <a:rPr lang="en-US" sz="2000" spc="-1" dirty="0" err="1">
-                <a:solidFill>
-                  <a:srgbClr val="000000"/>
-                </a:solidFill>
-                <a:latin typeface="Gill Sans MT"/>
-              </a:rPr>
-              <a:t>aller</a:t>
-            </a:r>
-            <a:r>
-              <a:rPr lang="en-US" sz="2000" spc="-1" dirty="0">
-                <a:solidFill>
-                  <a:srgbClr val="000000"/>
-                </a:solidFill>
-                <a:latin typeface="Gill Sans MT"/>
-              </a:rPr>
-              <a:t> </a:t>
-            </a:r>
-            <a:r>
-              <a:rPr lang="en-US" sz="2000" spc="-1" dirty="0" err="1">
-                <a:solidFill>
-                  <a:srgbClr val="000000"/>
-                </a:solidFill>
-                <a:latin typeface="Gill Sans MT"/>
-              </a:rPr>
-              <a:t>Funktionen</a:t>
-            </a:r>
-            <a:r>
-              <a:rPr lang="en-US" sz="2000" spc="-1" dirty="0">
-                <a:solidFill>
-                  <a:srgbClr val="000000"/>
-                </a:solidFill>
-                <a:latin typeface="Gill Sans MT"/>
-              </a:rPr>
-              <a:t> in Unity</a:t>
-            </a:r>
-          </a:p>
-          <a:p>
-            <a:pPr marL="685800" lvl="1" indent="-228240">
-              <a:lnSpc>
-                <a:spcPct val="120000"/>
-              </a:lnSpc>
-              <a:spcBef>
-                <a:spcPts val="1001"/>
-              </a:spcBef>
-              <a:buClr>
-                <a:srgbClr val="B71E42"/>
-              </a:buClr>
-              <a:buFont typeface="Arial"/>
-              <a:buChar char="•"/>
-            </a:pPr>
-            <a:r>
-              <a:rPr lang="en-US" sz="2000" b="0" strike="noStrike" spc="-1" dirty="0" err="1">
-                <a:solidFill>
-                  <a:srgbClr val="000000"/>
-                </a:solidFill>
-                <a:latin typeface="Gill Sans MT"/>
-              </a:rPr>
-              <a:t>Implementierung</a:t>
-            </a:r>
-            <a:r>
-              <a:rPr lang="en-US" sz="2000" b="0" strike="noStrike" spc="-1" dirty="0">
-                <a:solidFill>
-                  <a:srgbClr val="000000"/>
-                </a:solidFill>
-                <a:latin typeface="Gill Sans MT"/>
-              </a:rPr>
-              <a:t> QR Code </a:t>
-            </a:r>
-            <a:r>
-              <a:rPr lang="en-US" sz="2000" b="0" strike="noStrike" spc="-1" dirty="0" err="1">
-                <a:solidFill>
-                  <a:srgbClr val="000000"/>
-                </a:solidFill>
-                <a:latin typeface="Gill Sans MT"/>
-              </a:rPr>
-              <a:t>Erkennung</a:t>
-            </a:r>
-            <a:endParaRPr lang="en-US" sz="2000" b="0" strike="noStrike" spc="-1" dirty="0">
-              <a:solidFill>
-                <a:srgbClr val="000000"/>
-              </a:solidFill>
-              <a:latin typeface="Gill Sans MT"/>
-            </a:endParaRPr>
-          </a:p>
-          <a:p>
-            <a:pPr marL="685800" lvl="1" indent="-228240">
-              <a:lnSpc>
-                <a:spcPct val="120000"/>
-              </a:lnSpc>
-              <a:spcBef>
-                <a:spcPts val="1001"/>
-              </a:spcBef>
-              <a:buClr>
-                <a:srgbClr val="B71E42"/>
-              </a:buClr>
-              <a:buFont typeface="Arial"/>
-              <a:buChar char="•"/>
-            </a:pPr>
-            <a:r>
-              <a:rPr lang="en-US" sz="2000" spc="-1" dirty="0">
-                <a:solidFill>
-                  <a:srgbClr val="000000"/>
-                </a:solidFill>
-                <a:latin typeface="Gill Sans MT"/>
-              </a:rPr>
-              <a:t>UI </a:t>
-            </a:r>
-            <a:r>
-              <a:rPr lang="en-US" sz="2000" spc="-1" dirty="0" err="1">
-                <a:solidFill>
-                  <a:srgbClr val="000000"/>
-                </a:solidFill>
-                <a:latin typeface="Gill Sans MT"/>
-              </a:rPr>
-              <a:t>erweitert</a:t>
-            </a:r>
-            <a:r>
-              <a:rPr lang="en-US" sz="2000" spc="-1" dirty="0">
-                <a:solidFill>
-                  <a:srgbClr val="000000"/>
-                </a:solidFill>
-                <a:latin typeface="Gill Sans MT"/>
-              </a:rPr>
-              <a:t>: Button </a:t>
-            </a:r>
-            <a:r>
-              <a:rPr lang="en-US" sz="2000" spc="-1" dirty="0" err="1">
-                <a:solidFill>
-                  <a:srgbClr val="000000"/>
-                </a:solidFill>
-                <a:latin typeface="Gill Sans MT"/>
-              </a:rPr>
-              <a:t>hinzugefügt</a:t>
-            </a:r>
-            <a:r>
-              <a:rPr lang="en-US" sz="2000" spc="-1" dirty="0">
-                <a:solidFill>
-                  <a:srgbClr val="000000"/>
-                </a:solidFill>
-                <a:latin typeface="Gill Sans MT"/>
-              </a:rPr>
-              <a:t> um </a:t>
-            </a:r>
-            <a:r>
-              <a:rPr lang="en-US" sz="2000" spc="-1" dirty="0" err="1">
-                <a:solidFill>
-                  <a:srgbClr val="000000"/>
-                </a:solidFill>
-                <a:latin typeface="Gill Sans MT"/>
-              </a:rPr>
-              <a:t>manuelles</a:t>
-            </a:r>
-            <a:r>
-              <a:rPr lang="en-US" sz="2000" spc="-1" dirty="0">
-                <a:solidFill>
-                  <a:srgbClr val="000000"/>
-                </a:solidFill>
-                <a:latin typeface="Gill Sans MT"/>
-              </a:rPr>
-              <a:t> </a:t>
-            </a:r>
-            <a:r>
-              <a:rPr lang="en-US" sz="2000" spc="-1" dirty="0" err="1">
-                <a:solidFill>
-                  <a:srgbClr val="000000"/>
-                </a:solidFill>
-                <a:latin typeface="Gill Sans MT"/>
-              </a:rPr>
-              <a:t>Einlesen</a:t>
-            </a:r>
-            <a:r>
-              <a:rPr lang="en-US" sz="2000" spc="-1" dirty="0">
-                <a:solidFill>
-                  <a:srgbClr val="000000"/>
-                </a:solidFill>
-                <a:latin typeface="Gill Sans MT"/>
-              </a:rPr>
-              <a:t> </a:t>
-            </a:r>
-            <a:r>
-              <a:rPr lang="en-US" sz="2000" spc="-1" dirty="0" err="1">
-                <a:solidFill>
-                  <a:srgbClr val="000000"/>
-                </a:solidFill>
-                <a:latin typeface="Gill Sans MT"/>
-              </a:rPr>
-              <a:t>zu</a:t>
-            </a:r>
-            <a:r>
-              <a:rPr lang="en-US" sz="2000" spc="-1" dirty="0">
-                <a:solidFill>
-                  <a:srgbClr val="000000"/>
-                </a:solidFill>
-                <a:latin typeface="Gill Sans MT"/>
-              </a:rPr>
-              <a:t> </a:t>
-            </a:r>
-            <a:r>
-              <a:rPr lang="en-US" sz="2000" spc="-1" dirty="0" err="1">
-                <a:solidFill>
-                  <a:srgbClr val="000000"/>
-                </a:solidFill>
-                <a:latin typeface="Gill Sans MT"/>
-              </a:rPr>
-              <a:t>simulieren</a:t>
-            </a:r>
-            <a:endParaRPr lang="en-US" sz="2000" spc="-1" dirty="0">
-              <a:solidFill>
-                <a:srgbClr val="000000"/>
-              </a:solidFill>
-              <a:latin typeface="Gill Sans MT"/>
-            </a:endParaRPr>
-          </a:p>
-          <a:p>
-            <a:pPr marL="685800" lvl="1" indent="-228240">
-              <a:lnSpc>
-                <a:spcPct val="120000"/>
-              </a:lnSpc>
-              <a:spcBef>
-                <a:spcPts val="1001"/>
-              </a:spcBef>
-              <a:buClr>
-                <a:srgbClr val="B71E42"/>
-              </a:buClr>
-              <a:buFont typeface="Arial"/>
-              <a:buChar char="•"/>
-            </a:pPr>
-            <a:r>
-              <a:rPr lang="en-US" sz="2000" b="0" strike="noStrike" spc="-1" dirty="0">
-                <a:solidFill>
-                  <a:srgbClr val="000000"/>
-                </a:solidFill>
-                <a:latin typeface="Gill Sans MT"/>
-              </a:rPr>
-              <a:t>Test auf </a:t>
-            </a:r>
-            <a:r>
-              <a:rPr lang="en-US" sz="2000" b="0" strike="noStrike" spc="-1" dirty="0" err="1">
-                <a:solidFill>
-                  <a:srgbClr val="000000"/>
-                </a:solidFill>
-                <a:latin typeface="Gill Sans MT"/>
-              </a:rPr>
-              <a:t>Funktionalit</a:t>
-            </a:r>
-            <a:r>
-              <a:rPr lang="en-US" sz="2000" spc="-1" dirty="0" err="1">
-                <a:solidFill>
-                  <a:srgbClr val="000000"/>
-                </a:solidFill>
-                <a:latin typeface="Gill Sans MT"/>
-              </a:rPr>
-              <a:t>ät</a:t>
-            </a:r>
-            <a:endParaRPr lang="en-US" sz="2000" spc="-1" dirty="0">
-              <a:solidFill>
-                <a:srgbClr val="000000"/>
-              </a:solidFill>
-              <a:latin typeface="Gill Sans MT"/>
-            </a:endParaRPr>
-          </a:p>
-          <a:p>
-            <a:pPr marL="685800" lvl="1" indent="-228240">
-              <a:lnSpc>
-                <a:spcPct val="120000"/>
-              </a:lnSpc>
-              <a:spcBef>
-                <a:spcPts val="1001"/>
-              </a:spcBef>
-              <a:buClr>
-                <a:srgbClr val="B71E42"/>
-              </a:buClr>
-              <a:buFont typeface="Arial"/>
-              <a:buChar char="•"/>
-            </a:pPr>
-            <a:r>
-              <a:rPr lang="en-US" sz="2000" b="0" strike="noStrike" spc="-1" dirty="0" err="1">
-                <a:solidFill>
-                  <a:srgbClr val="000000"/>
-                </a:solidFill>
-                <a:latin typeface="Gill Sans MT"/>
-              </a:rPr>
-              <a:t>Fertigstellung</a:t>
-            </a:r>
-            <a:r>
-              <a:rPr lang="en-US" sz="2000" b="0" strike="noStrike" spc="-1" dirty="0">
-                <a:solidFill>
-                  <a:srgbClr val="000000"/>
-                </a:solidFill>
-                <a:latin typeface="Gill Sans MT"/>
-              </a:rPr>
-              <a:t> “</a:t>
-            </a:r>
-            <a:r>
-              <a:rPr lang="en-US" sz="2000" b="0" strike="noStrike" spc="-1" dirty="0" err="1">
-                <a:solidFill>
-                  <a:srgbClr val="000000"/>
-                </a:solidFill>
-                <a:latin typeface="Gill Sans MT"/>
-              </a:rPr>
-              <a:t>Prototy</a:t>
-            </a:r>
-            <a:r>
-              <a:rPr lang="en-US" sz="2000" spc="-1" dirty="0" err="1">
-                <a:solidFill>
-                  <a:srgbClr val="000000"/>
-                </a:solidFill>
-                <a:latin typeface="Gill Sans MT"/>
-              </a:rPr>
-              <a:t>p</a:t>
-            </a:r>
-            <a:r>
-              <a:rPr lang="en-US" sz="2000" spc="-1" dirty="0">
-                <a:solidFill>
-                  <a:srgbClr val="000000"/>
-                </a:solidFill>
-                <a:latin typeface="Gill Sans MT"/>
-              </a:rPr>
-              <a:t>” um </a:t>
-            </a:r>
-            <a:r>
-              <a:rPr lang="en-US" sz="2000" spc="-1" dirty="0" err="1">
-                <a:solidFill>
-                  <a:srgbClr val="000000"/>
-                </a:solidFill>
-                <a:latin typeface="Gill Sans MT"/>
-              </a:rPr>
-              <a:t>ihn</a:t>
-            </a:r>
-            <a:r>
-              <a:rPr lang="en-US" sz="2000" spc="-1" dirty="0">
-                <a:solidFill>
-                  <a:srgbClr val="000000"/>
-                </a:solidFill>
-                <a:latin typeface="Gill Sans MT"/>
-              </a:rPr>
-              <a:t> </a:t>
-            </a:r>
-            <a:r>
-              <a:rPr lang="en-US" sz="2000" spc="-1" dirty="0" err="1">
-                <a:solidFill>
-                  <a:srgbClr val="000000"/>
-                </a:solidFill>
-                <a:latin typeface="Gill Sans MT"/>
-              </a:rPr>
-              <a:t>heute</a:t>
-            </a:r>
-            <a:r>
-              <a:rPr lang="en-US" sz="2000" spc="-1" dirty="0">
-                <a:solidFill>
-                  <a:srgbClr val="000000"/>
-                </a:solidFill>
-                <a:latin typeface="Gill Sans MT"/>
-              </a:rPr>
-              <a:t> </a:t>
-            </a:r>
-            <a:r>
-              <a:rPr lang="en-US" sz="2000" spc="-1" dirty="0" err="1">
-                <a:solidFill>
-                  <a:srgbClr val="000000"/>
-                </a:solidFill>
-                <a:latin typeface="Gill Sans MT"/>
-              </a:rPr>
-              <a:t>zu</a:t>
-            </a:r>
-            <a:r>
-              <a:rPr lang="en-US" sz="2000" spc="-1" dirty="0">
-                <a:solidFill>
-                  <a:srgbClr val="000000"/>
-                </a:solidFill>
-                <a:latin typeface="Gill Sans MT"/>
-              </a:rPr>
-              <a:t> </a:t>
-            </a:r>
-            <a:r>
-              <a:rPr lang="en-US" sz="2000" spc="-1" dirty="0" err="1">
-                <a:solidFill>
-                  <a:srgbClr val="000000"/>
-                </a:solidFill>
-                <a:latin typeface="Gill Sans MT"/>
-              </a:rPr>
-              <a:t>präsentieren</a:t>
-            </a:r>
-            <a:endParaRPr lang="en-US" sz="1600" b="0" strike="noStrike" spc="-1" dirty="0">
-              <a:solidFill>
-                <a:srgbClr val="000000"/>
-              </a:solidFill>
-              <a:latin typeface="Gill Sans MT"/>
-            </a:endParaRPr>
+          <p:cNvPr id="2" name="Titel 1">
+            <a:extLst>
+              <a:ext uri="{FF2B5EF4-FFF2-40B4-BE49-F238E27FC236}">
+                <a16:creationId xmlns:a16="http://schemas.microsoft.com/office/drawing/2014/main" id="{FAF30B16-6568-49E0-9475-7839E8D9A828}"/>
+              </a:ext>
+            </a:extLst>
+          </p:cNvPr>
+          <p:cNvSpPr>
+            <a:spLocks noGrp="1"/>
+          </p:cNvSpPr>
+          <p:nvPr>
+            <p:ph type="title"/>
+          </p:nvPr>
+        </p:nvSpPr>
+        <p:spPr/>
+        <p:txBody>
+          <a:bodyPr/>
+          <a:lstStyle/>
+          <a:p>
+            <a:r>
+              <a:rPr lang="de-DE" dirty="0"/>
+              <a:t>Demo	</a:t>
+            </a:r>
           </a:p>
         </p:txBody>
       </p:sp>
     </p:spTree>
+    <p:extLst>
+      <p:ext uri="{BB962C8B-B14F-4D97-AF65-F5344CB8AC3E}">
+        <p14:creationId xmlns:p14="http://schemas.microsoft.com/office/powerpoint/2010/main" val="813403950"/>
+      </p:ext>
+    </p:extLst>
   </p:cSld>
   <p:clrMapOvr>
     <a:masterClrMapping/>
